--- a/Docs/Poster.pptx
+++ b/Docs/Poster.pptx
@@ -2714,7 +2714,7 @@
       <p:graphicFrame>
         <p:nvGraphicFramePr>
           <p:cNvPr id="1026" name="Object 15">
-            <a:hlinkClick r:id="rId13"/>
+            <a:hlinkClick r:id="rId14"/>
           </p:cNvPr>
           <p:cNvGraphicFramePr>
             <a:graphicFrameLocks noChangeAspect="1"/>
@@ -2729,12 +2729,12 @@
           <a:graphicData uri="http://schemas.openxmlformats.org/presentationml/2006/ole">
             <mc:AlternateContent xmlns:mc="http://schemas.openxmlformats.org/markup-compatibility/2006">
               <mc:Choice xmlns:v="urn:schemas-microsoft-com:vml" Requires="v">
-                <p:oleObj name="CorelDRAW" r:id="rId14" imgW="8833104" imgH="310896" progId="CorelDraw.Graphic.15">
+                <p:oleObj spid="_x0000_s1068" name="CorelDRAW" r:id="rId15" imgW="8833104" imgH="310896" progId="CorelDraw.Graphic.15">
                   <p:embed/>
                 </p:oleObj>
               </mc:Choice>
               <mc:Fallback>
-                <p:oleObj name="CorelDRAW" r:id="rId14" imgW="8833104" imgH="310896" progId="CorelDraw.Graphic.15">
+                <p:oleObj name="CorelDRAW" r:id="rId15" imgW="8833104" imgH="310896" progId="CorelDraw.Graphic.15">
                   <p:embed/>
                   <p:pic>
                     <p:nvPicPr>
@@ -2745,7 +2745,7 @@
                       <p:nvPr/>
                     </p:nvPicPr>
                     <p:blipFill>
-                      <a:blip r:embed="rId15">
+                      <a:blip r:embed="rId16">
                         <a:extLst>
                           <a:ext uri="{28A0092B-C50C-407E-A947-70E740481C1C}">
                             <a14:useLocalDpi xmlns:a14="http://schemas.microsoft.com/office/drawing/2010/main" val="0"/>
@@ -4665,7 +4665,19 @@
               <a:rPr lang="fa-IR" altLang="en-US" sz="4400" b="1" dirty="0">
                 <a:cs typeface="B Titr" panose="00000700000000000000" pitchFamily="2" charset="-78"/>
               </a:rPr>
-              <a:t>دانشجو: علی شایان‌پور</a:t>
+              <a:t>دانشجو: علی شایان</a:t>
+            </a:r>
+            <a:r>
+              <a:rPr lang="en-US" altLang="en-US" sz="4400" b="1" dirty="0">
+                <a:cs typeface="B Titr" panose="00000700000000000000" pitchFamily="2" charset="-78"/>
+              </a:rPr>
+              <a:t> </a:t>
+            </a:r>
+            <a:r>
+              <a:rPr lang="fa-IR" altLang="en-US" sz="4400" b="1" dirty="0">
+                <a:cs typeface="B Titr" panose="00000700000000000000" pitchFamily="2" charset="-78"/>
+              </a:rPr>
+              <a:t>پور</a:t>
             </a:r>
           </a:p>
           <a:p>
@@ -4706,7 +4718,7 @@
         </p:nvSpPr>
         <p:spPr bwMode="auto">
           <a:xfrm>
-            <a:off x="2936141" y="5908660"/>
+            <a:off x="3259807" y="5897137"/>
             <a:ext cx="4746238" cy="892845"/>
           </a:xfrm>
           <a:prstGeom prst="rect">
@@ -5261,7 +5273,7 @@
         <p:spPr bwMode="auto">
           <a:xfrm>
             <a:off x="11363626" y="6789982"/>
-            <a:ext cx="9079115" cy="5601826"/>
+            <a:ext cx="9079115" cy="6063491"/>
           </a:xfrm>
           <a:prstGeom prst="rect">
             <a:avLst/>
@@ -5405,96 +5417,501 @@
           <a:p>
             <a:pPr algn="just" rtl="1"/>
             <a:r>
-              <a:rPr lang="fa-IR" sz="2000" dirty="0">
-                <a:cs typeface="B Nazanin" panose="00000400000000000000" pitchFamily="2" charset="-78"/>
-              </a:rPr>
-              <a:t>پیشرفت روزافزون و فراگیر هوش مصنوعی بر کسی پوشیده نیست. از طرفی پیاده‌سازی سخت‌افزاری این الگوریتم‌ها گام مهمی در تحقق استفاده‌های هر چه بیشتر از این الگوریتم‌هاست. هدف از این پروژه پیاده‌سازی الگوریتم شبکه عصبی برای کاربرد پردازش تصویر به منظور تشخیص تصویر است. پروسه پردازش و اجرای الگوریتم‌های هوش مصنوعی با توجه به پیچیدگی‌ها و لایه‌های زیاد، باعث افت سرعت و زمان محاسبه طولانی می‌شود و هدف از پروژه دریافت و پردازش این اطلاعات با سرعت بسیار بالا می‌باشد.</a:t>
+              <a:rPr lang="fa-IR" sz="2600" dirty="0">
+                <a:effectLst/>
+                <a:cs typeface="B Nazanin" panose="00000400000000000000" pitchFamily="2" charset="-78"/>
+              </a:rPr>
+              <a:t>امروزه با توسعه فراگیر و سریع هوش مصنوعی و پیچیدگی مدل‌ها، کتابخانه‌ها و روش‌های زیادی برای </a:t>
+            </a:r>
+            <a:r>
+              <a:rPr lang="fa-IR" sz="2600" dirty="0" err="1">
+                <a:effectLst/>
+                <a:cs typeface="B Nazanin" panose="00000400000000000000" pitchFamily="2" charset="-78"/>
+              </a:rPr>
+              <a:t>ماژولار</a:t>
+            </a:r>
+            <a:r>
+              <a:rPr lang="fa-IR" sz="2600" dirty="0">
+                <a:effectLst/>
+                <a:cs typeface="B Nazanin" panose="00000400000000000000" pitchFamily="2" charset="-78"/>
+              </a:rPr>
+              <a:t> کردن و </a:t>
+            </a:r>
+            <a:r>
+              <a:rPr lang="fa-IR" sz="2600" dirty="0" err="1">
+                <a:effectLst/>
+                <a:cs typeface="B Nazanin" panose="00000400000000000000" pitchFamily="2" charset="-78"/>
+              </a:rPr>
+              <a:t>ساده‌سازی</a:t>
+            </a:r>
+            <a:r>
+              <a:rPr lang="fa-IR" sz="2600" dirty="0">
+                <a:effectLst/>
+                <a:cs typeface="B Nazanin" panose="00000400000000000000" pitchFamily="2" charset="-78"/>
+              </a:rPr>
+              <a:t> عملیات‌های هوش مصنوعی به وجود آمده است. این </a:t>
+            </a:r>
+            <a:r>
+              <a:rPr lang="fa-IR" sz="2600" dirty="0" err="1">
+                <a:effectLst/>
+                <a:cs typeface="B Nazanin" panose="00000400000000000000" pitchFamily="2" charset="-78"/>
+              </a:rPr>
+              <a:t>ساده‌سازی‌ها</a:t>
+            </a:r>
+            <a:r>
+              <a:rPr lang="fa-IR" sz="2600" dirty="0">
+                <a:effectLst/>
+                <a:cs typeface="B Nazanin" panose="00000400000000000000" pitchFamily="2" charset="-78"/>
+              </a:rPr>
+              <a:t> در </a:t>
+            </a:r>
+            <a:r>
+              <a:rPr lang="fa-IR" sz="2600" dirty="0" err="1">
+                <a:effectLst/>
+                <a:cs typeface="B Nazanin" panose="00000400000000000000" pitchFamily="2" charset="-78"/>
+              </a:rPr>
+              <a:t>زبان‌های</a:t>
+            </a:r>
+            <a:r>
+              <a:rPr lang="fa-IR" sz="2600" dirty="0">
+                <a:effectLst/>
+                <a:cs typeface="B Nazanin" panose="00000400000000000000" pitchFamily="2" charset="-78"/>
+              </a:rPr>
+              <a:t> سطح بالا مانند </a:t>
+            </a:r>
+            <a:r>
+              <a:rPr lang="fa-IR" sz="2600" dirty="0" err="1">
+                <a:effectLst/>
+                <a:cs typeface="B Nazanin" panose="00000400000000000000" pitchFamily="2" charset="-78"/>
+              </a:rPr>
+              <a:t>پایتون</a:t>
+            </a:r>
+            <a:r>
+              <a:rPr lang="fa-IR" sz="2600" dirty="0">
+                <a:effectLst/>
+                <a:cs typeface="B Nazanin" panose="00000400000000000000" pitchFamily="2" charset="-78"/>
+              </a:rPr>
+              <a:t> در نهایت منجر به از دست دادن سرعت اجرا در محاسبات </a:t>
+            </a:r>
+            <a:r>
+              <a:rPr lang="fa-IR" sz="2600" dirty="0" err="1">
+                <a:effectLst/>
+                <a:cs typeface="B Nazanin" panose="00000400000000000000" pitchFamily="2" charset="-78"/>
+              </a:rPr>
+              <a:t>می‌شود</a:t>
+            </a:r>
+            <a:r>
+              <a:rPr lang="fa-IR" sz="2600" dirty="0">
+                <a:effectLst/>
+                <a:cs typeface="B Nazanin" panose="00000400000000000000" pitchFamily="2" charset="-78"/>
+              </a:rPr>
+              <a:t>. هر چند کتابخانه‌ها با انجام </a:t>
+            </a:r>
+            <a:r>
+              <a:rPr lang="fa-IR" sz="2600" dirty="0" err="1">
+                <a:effectLst/>
+                <a:cs typeface="B Nazanin" panose="00000400000000000000" pitchFamily="2" charset="-78"/>
+              </a:rPr>
+              <a:t>موازی‌سازی‌هایی</a:t>
+            </a:r>
+            <a:r>
+              <a:rPr lang="fa-IR" sz="2600" dirty="0">
+                <a:effectLst/>
+                <a:cs typeface="B Nazanin" panose="00000400000000000000" pitchFamily="2" charset="-78"/>
+              </a:rPr>
+              <a:t> در سطح سیستم، باعث تسریع این فرآیند </a:t>
+            </a:r>
+            <a:r>
+              <a:rPr lang="fa-IR" sz="2600" dirty="0" err="1">
+                <a:effectLst/>
+                <a:cs typeface="B Nazanin" panose="00000400000000000000" pitchFamily="2" charset="-78"/>
+              </a:rPr>
+              <a:t>شده‌اند</a:t>
+            </a:r>
+            <a:r>
+              <a:rPr lang="fa-IR" sz="2600" dirty="0">
+                <a:effectLst/>
+                <a:cs typeface="B Nazanin" panose="00000400000000000000" pitchFamily="2" charset="-78"/>
+              </a:rPr>
+              <a:t> اما این سرعت باز هم برای </a:t>
+            </a:r>
+            <a:r>
+              <a:rPr lang="fa-IR" sz="2600" dirty="0" err="1">
+                <a:effectLst/>
+                <a:cs typeface="B Nazanin" panose="00000400000000000000" pitchFamily="2" charset="-78"/>
+              </a:rPr>
+              <a:t>مدل‌های</a:t>
+            </a:r>
+            <a:r>
+              <a:rPr lang="fa-IR" sz="2600" dirty="0">
+                <a:effectLst/>
+                <a:cs typeface="B Nazanin" panose="00000400000000000000" pitchFamily="2" charset="-78"/>
+              </a:rPr>
+              <a:t> بسیار پیچیده و مخصوصا برای </a:t>
+            </a:r>
+            <a:r>
+              <a:rPr lang="fa-IR" sz="2600" dirty="0" err="1">
+                <a:effectLst/>
+                <a:cs typeface="B Nazanin" panose="00000400000000000000" pitchFamily="2" charset="-78"/>
+              </a:rPr>
+              <a:t>پردازش‌های</a:t>
+            </a:r>
+            <a:r>
+              <a:rPr lang="fa-IR" sz="2600" dirty="0">
+                <a:cs typeface="B Nazanin" panose="00000400000000000000" pitchFamily="2" charset="-78"/>
+              </a:rPr>
+              <a:t> </a:t>
+            </a:r>
+            <a:r>
+              <a:rPr lang="en-US" sz="2400" dirty="0">
+                <a:effectLst/>
+                <a:latin typeface="Times New Roman" panose="02020603050405020304" pitchFamily="18" charset="0"/>
+                <a:cs typeface="Times New Roman" panose="02020603050405020304" pitchFamily="18" charset="0"/>
+              </a:rPr>
+              <a:t>Real Time</a:t>
+            </a:r>
+            <a:r>
+              <a:rPr lang="fa-IR" sz="2400" dirty="0">
+                <a:effectLst/>
+                <a:latin typeface="Times New Roman" panose="02020603050405020304" pitchFamily="18" charset="0"/>
+                <a:cs typeface="B Nazanin" panose="00000400000000000000" pitchFamily="2" charset="-78"/>
+              </a:rPr>
+              <a:t>،</a:t>
+            </a:r>
+            <a:r>
+              <a:rPr lang="fa-IR" sz="2600" dirty="0">
+                <a:cs typeface="B Nazanin" panose="00000400000000000000" pitchFamily="2" charset="-78"/>
+              </a:rPr>
+              <a:t> </a:t>
+            </a:r>
+            <a:r>
+              <a:rPr lang="fa-IR" sz="2600" dirty="0">
+                <a:effectLst/>
+                <a:cs typeface="B Nazanin" panose="00000400000000000000" pitchFamily="2" charset="-78"/>
+              </a:rPr>
+              <a:t>بسیار پایین است. </a:t>
+            </a:r>
+            <a:r>
+              <a:rPr lang="fa-IR" sz="2600" dirty="0" err="1">
+                <a:effectLst/>
+                <a:cs typeface="B Nazanin" panose="00000400000000000000" pitchFamily="2" charset="-78"/>
+              </a:rPr>
+              <a:t>راهکار‌هایی</a:t>
+            </a:r>
+            <a:r>
+              <a:rPr lang="fa-IR" sz="2600" dirty="0">
+                <a:effectLst/>
+                <a:cs typeface="B Nazanin" panose="00000400000000000000" pitchFamily="2" charset="-78"/>
+              </a:rPr>
+              <a:t> که برای این موضوع وجود دارد استفاده حداکثری از </a:t>
+            </a:r>
+            <a:r>
+              <a:rPr lang="fa-IR" sz="2600" dirty="0" err="1">
+                <a:effectLst/>
+                <a:cs typeface="B Nazanin" panose="00000400000000000000" pitchFamily="2" charset="-78"/>
+              </a:rPr>
+              <a:t>پردازش‌های</a:t>
+            </a:r>
+            <a:r>
+              <a:rPr lang="fa-IR" sz="2600" dirty="0">
+                <a:effectLst/>
+                <a:cs typeface="B Nazanin" panose="00000400000000000000" pitchFamily="2" charset="-78"/>
+              </a:rPr>
+              <a:t> موازی و </a:t>
+            </a:r>
+            <a:r>
+              <a:rPr lang="en-US" sz="2400" dirty="0">
+                <a:effectLst/>
+                <a:latin typeface="Times New Roman" panose="02020603050405020304" pitchFamily="18" charset="0"/>
+                <a:cs typeface="Times New Roman" panose="02020603050405020304" pitchFamily="18" charset="0"/>
+              </a:rPr>
+              <a:t>GPU</a:t>
+            </a:r>
+            <a:r>
+              <a:rPr lang="fa-IR" sz="2400" dirty="0">
+                <a:effectLst/>
+                <a:latin typeface="Times New Roman" panose="02020603050405020304" pitchFamily="18" charset="0"/>
+                <a:cs typeface="Times New Roman" panose="02020603050405020304" pitchFamily="18" charset="0"/>
+              </a:rPr>
+              <a:t> </a:t>
+            </a:r>
+            <a:r>
+              <a:rPr lang="fa-IR" sz="2600" dirty="0">
+                <a:effectLst/>
+                <a:cs typeface="B Nazanin" panose="00000400000000000000" pitchFamily="2" charset="-78"/>
+              </a:rPr>
+              <a:t>است اما استفاده از این </a:t>
+            </a:r>
+            <a:r>
+              <a:rPr lang="fa-IR" sz="2600" dirty="0" err="1">
+                <a:effectLst/>
+                <a:cs typeface="B Nazanin" panose="00000400000000000000" pitchFamily="2" charset="-78"/>
+              </a:rPr>
+              <a:t>سخت‌افزار‌ها</a:t>
+            </a:r>
+            <a:r>
+              <a:rPr lang="fa-IR" sz="2600" dirty="0">
+                <a:effectLst/>
+                <a:cs typeface="B Nazanin" panose="00000400000000000000" pitchFamily="2" charset="-78"/>
+              </a:rPr>
+              <a:t> بسیار </a:t>
+            </a:r>
+            <a:r>
+              <a:rPr lang="fa-IR" sz="2600" dirty="0" err="1">
+                <a:effectLst/>
+                <a:cs typeface="B Nazanin" panose="00000400000000000000" pitchFamily="2" charset="-78"/>
+              </a:rPr>
+              <a:t>هزینه‌بر</a:t>
+            </a:r>
+            <a:r>
+              <a:rPr lang="fa-IR" sz="2600" dirty="0">
+                <a:effectLst/>
+                <a:cs typeface="B Nazanin" panose="00000400000000000000" pitchFamily="2" charset="-78"/>
+              </a:rPr>
+              <a:t> است.</a:t>
             </a:r>
           </a:p>
           <a:p>
             <a:pPr algn="just" rtl="1"/>
-            <a:endParaRPr lang="fa-IR" sz="2000" dirty="0">
-              <a:cs typeface="B Nazanin" panose="00000400000000000000" pitchFamily="2" charset="-78"/>
-            </a:endParaRPr>
+            <a:r>
+              <a:rPr lang="fa-IR" sz="2600" dirty="0">
+                <a:effectLst/>
+                <a:cs typeface="B Nazanin" panose="00000400000000000000" pitchFamily="2" charset="-78"/>
+              </a:rPr>
+              <a:t>در این پروژه به </a:t>
+            </a:r>
+            <a:r>
+              <a:rPr lang="fa-IR" sz="2600" dirty="0" err="1">
+                <a:effectLst/>
+                <a:cs typeface="B Nazanin" panose="00000400000000000000" pitchFamily="2" charset="-78"/>
+              </a:rPr>
+              <a:t>پیاده‌سازی</a:t>
+            </a:r>
+            <a:r>
+              <a:rPr lang="fa-IR" sz="2600" dirty="0">
+                <a:effectLst/>
+                <a:cs typeface="B Nazanin" panose="00000400000000000000" pitchFamily="2" charset="-78"/>
+              </a:rPr>
+              <a:t> </a:t>
+            </a:r>
+            <a:r>
+              <a:rPr lang="fa-IR" sz="2600" dirty="0" err="1">
+                <a:effectLst/>
+                <a:cs typeface="B Nazanin" panose="00000400000000000000" pitchFamily="2" charset="-78"/>
+              </a:rPr>
+              <a:t>سخت‌افزاری</a:t>
+            </a:r>
+            <a:r>
+              <a:rPr lang="fa-IR" sz="2600" dirty="0">
+                <a:effectLst/>
+                <a:cs typeface="B Nazanin" panose="00000400000000000000" pitchFamily="2" charset="-78"/>
+              </a:rPr>
+              <a:t> شبکه عصبی </a:t>
+            </a:r>
+            <a:r>
+              <a:rPr lang="en-US" sz="2400" dirty="0">
+                <a:effectLst/>
+                <a:latin typeface="Times New Roman" panose="02020603050405020304" pitchFamily="18" charset="0"/>
+                <a:cs typeface="Times New Roman" panose="02020603050405020304" pitchFamily="18" charset="0"/>
+              </a:rPr>
+              <a:t>MLP</a:t>
+            </a:r>
+            <a:r>
+              <a:rPr lang="fa-IR" sz="2600" dirty="0">
+                <a:latin typeface="Times New Roman" panose="02020603050405020304" pitchFamily="18" charset="0"/>
+                <a:cs typeface="B Nazanin" panose="00000400000000000000" pitchFamily="2" charset="-78"/>
+              </a:rPr>
+              <a:t> </a:t>
+            </a:r>
+            <a:r>
+              <a:rPr lang="fa-IR" sz="2600" dirty="0">
+                <a:effectLst/>
+                <a:cs typeface="B Nazanin" panose="00000400000000000000" pitchFamily="2" charset="-78"/>
+              </a:rPr>
+              <a:t>و </a:t>
+            </a:r>
+            <a:r>
+              <a:rPr lang="en-US" sz="2400" dirty="0">
+                <a:effectLst/>
+                <a:latin typeface="Times New Roman" panose="02020603050405020304" pitchFamily="18" charset="0"/>
+                <a:cs typeface="Times New Roman" panose="02020603050405020304" pitchFamily="18" charset="0"/>
+              </a:rPr>
+              <a:t>CNN</a:t>
+            </a:r>
+            <a:r>
+              <a:rPr lang="fa-IR" sz="2600" dirty="0">
+                <a:latin typeface="Times New Roman" panose="02020603050405020304" pitchFamily="18" charset="0"/>
+                <a:cs typeface="B Nazanin" panose="00000400000000000000" pitchFamily="2" charset="-78"/>
+              </a:rPr>
+              <a:t> </a:t>
+            </a:r>
+            <a:r>
+              <a:rPr lang="fa-IR" sz="2600" dirty="0" err="1">
+                <a:effectLst/>
+                <a:cs typeface="B Nazanin" panose="00000400000000000000" pitchFamily="2" charset="-78"/>
+              </a:rPr>
+              <a:t>پرداخته‌ایم</a:t>
+            </a:r>
+            <a:r>
+              <a:rPr lang="fa-IR" sz="2600" dirty="0">
+                <a:effectLst/>
+                <a:cs typeface="B Nazanin" panose="00000400000000000000" pitchFamily="2" charset="-78"/>
+              </a:rPr>
+              <a:t>. همچنین به دلیل </a:t>
+            </a:r>
+            <a:r>
+              <a:rPr lang="en-US" sz="2400" dirty="0">
+                <a:effectLst/>
+                <a:latin typeface="Times New Roman" panose="02020603050405020304" pitchFamily="18" charset="0"/>
+                <a:cs typeface="Times New Roman" panose="02020603050405020304" pitchFamily="18" charset="0"/>
+              </a:rPr>
+              <a:t>flexibility</a:t>
+            </a:r>
+            <a:r>
+              <a:rPr lang="fa-IR" sz="2600" dirty="0">
+                <a:effectLst/>
+                <a:latin typeface="Times New Roman" panose="02020603050405020304" pitchFamily="18" charset="0"/>
+                <a:cs typeface="B Nazanin" panose="00000400000000000000" pitchFamily="2" charset="-78"/>
+              </a:rPr>
+              <a:t> </a:t>
+            </a:r>
+            <a:r>
+              <a:rPr lang="fa-IR" sz="2600" dirty="0">
+                <a:effectLst/>
+                <a:cs typeface="B Nazanin" panose="00000400000000000000" pitchFamily="2" charset="-78"/>
+              </a:rPr>
+              <a:t>زیادی که </a:t>
+            </a:r>
+            <a:r>
+              <a:rPr lang="fa-IR" sz="2600" dirty="0" err="1">
+                <a:effectLst/>
+                <a:cs typeface="B Nazanin" panose="00000400000000000000" pitchFamily="2" charset="-78"/>
+              </a:rPr>
+              <a:t>سخت‌افزار</a:t>
+            </a:r>
+            <a:r>
+              <a:rPr lang="fa-IR" sz="2600" dirty="0">
+                <a:effectLst/>
+                <a:cs typeface="B Nazanin" panose="00000400000000000000" pitchFamily="2" charset="-78"/>
+              </a:rPr>
+              <a:t> دارد </a:t>
+            </a:r>
+            <a:r>
+              <a:rPr lang="fa-IR" sz="2600" dirty="0" err="1">
+                <a:effectLst/>
+                <a:cs typeface="B Nazanin" panose="00000400000000000000" pitchFamily="2" charset="-78"/>
+              </a:rPr>
+              <a:t>می‌توان</a:t>
+            </a:r>
+            <a:r>
+              <a:rPr lang="fa-IR" sz="2600" dirty="0">
+                <a:effectLst/>
+                <a:cs typeface="B Nazanin" panose="00000400000000000000" pitchFamily="2" charset="-78"/>
+              </a:rPr>
+              <a:t> با اضافه کردن یا کم کردن </a:t>
+            </a:r>
+            <a:r>
+              <a:rPr lang="fa-IR" sz="2600" dirty="0" err="1">
+                <a:effectLst/>
+                <a:cs typeface="B Nazanin" panose="00000400000000000000" pitchFamily="2" charset="-78"/>
+              </a:rPr>
+              <a:t>واحد‌های</a:t>
+            </a:r>
+            <a:r>
+              <a:rPr lang="fa-IR" sz="2600" dirty="0">
+                <a:effectLst/>
+                <a:cs typeface="B Nazanin" panose="00000400000000000000" pitchFamily="2" charset="-78"/>
+              </a:rPr>
+              <a:t> </a:t>
+            </a:r>
+            <a:r>
+              <a:rPr lang="fa-IR" sz="2600" dirty="0" err="1">
+                <a:effectLst/>
+                <a:cs typeface="B Nazanin" panose="00000400000000000000" pitchFamily="2" charset="-78"/>
+              </a:rPr>
+              <a:t>محاسباتی</a:t>
+            </a:r>
+            <a:r>
+              <a:rPr lang="fa-IR" sz="2600" dirty="0">
+                <a:effectLst/>
+                <a:cs typeface="B Nazanin" panose="00000400000000000000" pitchFamily="2" charset="-78"/>
+              </a:rPr>
+              <a:t>، به سرعت بیشتری (به بهای هزینه بیشتر) رسید. سعی بر آن است که تمامی </a:t>
+            </a:r>
+            <a:r>
+              <a:rPr lang="fa-IR" sz="2600" dirty="0" err="1">
+                <a:effectLst/>
+                <a:cs typeface="B Nazanin" panose="00000400000000000000" pitchFamily="2" charset="-78"/>
+              </a:rPr>
+              <a:t>پیاده‌سازی‌ها</a:t>
+            </a:r>
+            <a:r>
+              <a:rPr lang="fa-IR" sz="2600" dirty="0">
+                <a:effectLst/>
+                <a:cs typeface="B Nazanin" panose="00000400000000000000" pitchFamily="2" charset="-78"/>
+              </a:rPr>
+              <a:t> در این پروژه با استفاده از حداقل </a:t>
+            </a:r>
+            <a:r>
+              <a:rPr lang="fa-IR" sz="2600" dirty="0" err="1">
+                <a:effectLst/>
+                <a:cs typeface="B Nazanin" panose="00000400000000000000" pitchFamily="2" charset="-78"/>
+              </a:rPr>
+              <a:t>سخت‌افزار</a:t>
+            </a:r>
+            <a:r>
+              <a:rPr lang="fa-IR" sz="2600" dirty="0">
+                <a:effectLst/>
+                <a:cs typeface="B Nazanin" panose="00000400000000000000" pitchFamily="2" charset="-78"/>
+              </a:rPr>
+              <a:t> بوده که باعث هزینه کمتر و مصرف توان کمتر </a:t>
+            </a:r>
+            <a:r>
+              <a:rPr lang="fa-IR" sz="2600" dirty="0" err="1">
+                <a:effectLst/>
+                <a:cs typeface="B Nazanin" panose="00000400000000000000" pitchFamily="2" charset="-78"/>
+              </a:rPr>
+              <a:t>می‌شود</a:t>
+            </a:r>
+            <a:r>
+              <a:rPr lang="fa-IR" sz="2600" dirty="0">
+                <a:effectLst/>
+                <a:cs typeface="B Nazanin" panose="00000400000000000000" pitchFamily="2" charset="-78"/>
+              </a:rPr>
+              <a:t>. از طرفی با وجود کمترین </a:t>
+            </a:r>
+            <a:r>
+              <a:rPr lang="fa-IR" sz="2600" dirty="0" err="1">
+                <a:effectLst/>
+                <a:cs typeface="B Nazanin" panose="00000400000000000000" pitchFamily="2" charset="-78"/>
+              </a:rPr>
+              <a:t>واحد‌های</a:t>
+            </a:r>
+            <a:r>
+              <a:rPr lang="fa-IR" sz="2600" dirty="0">
+                <a:effectLst/>
+                <a:cs typeface="B Nazanin" panose="00000400000000000000" pitchFamily="2" charset="-78"/>
+              </a:rPr>
+              <a:t> </a:t>
+            </a:r>
+            <a:r>
+              <a:rPr lang="fa-IR" sz="2600" dirty="0" err="1">
+                <a:effectLst/>
+                <a:cs typeface="B Nazanin" panose="00000400000000000000" pitchFamily="2" charset="-78"/>
+              </a:rPr>
+              <a:t>محاسباتی</a:t>
+            </a:r>
+            <a:r>
+              <a:rPr lang="fa-IR" sz="2600" dirty="0">
+                <a:effectLst/>
+                <a:cs typeface="B Nazanin" panose="00000400000000000000" pitchFamily="2" charset="-78"/>
+              </a:rPr>
+              <a:t> همچنان سرعت به طرز چشمگیری بیشتر از نرم‌افزار است.</a:t>
+            </a:r>
           </a:p>
           <a:p>
             <a:pPr algn="just" rtl="1"/>
-            <a:r>
-              <a:rPr lang="fa-IR" sz="2000" dirty="0">
-                <a:cs typeface="B Nazanin" panose="00000400000000000000" pitchFamily="2" charset="-78"/>
-              </a:rPr>
-              <a:t>امروزه با توسعه فراگیر و سریع هوش مصنوعی و پیچیدگی مدل‌ها، کتابخانه‌ها و روش‌های زیادی برای ماژولار کردن و ساده‌سازی عملیات‌های هوش مصنوعی به وجود آمده است. این ساده‌سازی‌ها در زبان‌های سطح بالا مانند پایتون در نهایت منجر به از دست دادن سرعت اجرا در محاسبات می‌شود. هر چند کتابخانه‌ها با انجام موازی‌سازی‌هایی در سطح سیستم، باعث تسریع این فرآیند شده‌اند اما این سرعت باز هم برای مدل‌های بسیار پیچیده و مخصوصا برای پردازش‌های</a:t>
-            </a:r>
-            <a:r>
-              <a:rPr lang="en-US" sz="1800" dirty="0">
-                <a:cs typeface="B Nazanin" panose="00000400000000000000" pitchFamily="2" charset="-78"/>
-              </a:rPr>
-              <a:t>Real Time</a:t>
-            </a:r>
-            <a:r>
-              <a:rPr lang="fa-IR" sz="2000" dirty="0">
-                <a:cs typeface="B Nazanin" panose="00000400000000000000" pitchFamily="2" charset="-78"/>
-              </a:rPr>
-              <a:t> بسیار پایین است. راهکار‌هایی که برای این موضوع وجود دارد استفاده حداکثری از پردازش‌های موازی و </a:t>
-            </a:r>
-            <a:r>
-              <a:rPr lang="en-US" sz="1800" dirty="0">
-                <a:cs typeface="B Nazanin" panose="00000400000000000000" pitchFamily="2" charset="-78"/>
-              </a:rPr>
-              <a:t>GPU</a:t>
-            </a:r>
-            <a:r>
-              <a:rPr lang="fa-IR" sz="2000" dirty="0">
-                <a:cs typeface="B Nazanin" panose="00000400000000000000" pitchFamily="2" charset="-78"/>
-              </a:rPr>
-              <a:t> است اما استفاده از این سخت‌افزار‌ها بسیار هزینه‌بر است.</a:t>
-            </a:r>
-          </a:p>
-          <a:p>
-            <a:pPr algn="just" rtl="1"/>
-            <a:r>
-              <a:rPr lang="fa-IR" sz="2000" dirty="0">
-                <a:cs typeface="B Nazanin" panose="00000400000000000000" pitchFamily="2" charset="-78"/>
-              </a:rPr>
-              <a:t>در این پروژه به پیاده‌سازی سخت‌افزاری شبکه عصبی </a:t>
-            </a:r>
-            <a:r>
-              <a:rPr lang="en-US" sz="1800" dirty="0">
-                <a:cs typeface="B Nazanin" panose="00000400000000000000" pitchFamily="2" charset="-78"/>
-              </a:rPr>
-              <a:t>MLP</a:t>
-            </a:r>
-            <a:r>
-              <a:rPr lang="fa-IR" sz="2000" dirty="0">
-                <a:cs typeface="B Nazanin" panose="00000400000000000000" pitchFamily="2" charset="-78"/>
-              </a:rPr>
-              <a:t> و </a:t>
-            </a:r>
-            <a:r>
-              <a:rPr lang="en-US" sz="1800" dirty="0">
-                <a:cs typeface="B Nazanin" panose="00000400000000000000" pitchFamily="2" charset="-78"/>
-              </a:rPr>
-              <a:t>CNN</a:t>
-            </a:r>
-            <a:r>
-              <a:rPr lang="fa-IR" sz="2000" dirty="0">
-                <a:cs typeface="B Nazanin" panose="00000400000000000000" pitchFamily="2" charset="-78"/>
-              </a:rPr>
-              <a:t> پرداخته‌ایم. زمانبندی لایه‌های مختلف محاسبه شده و با یک‌دیگر مقایسه شده است. در این پروژه از پروتکل‌های عمومی و استاندارد استفاده شده است تا پیاده‌سازی آن جامع و ساده باشد. همچنین به دلیل </a:t>
-            </a:r>
-            <a:r>
-              <a:rPr lang="en-US" sz="1800" dirty="0">
-                <a:cs typeface="B Nazanin" panose="00000400000000000000" pitchFamily="2" charset="-78"/>
-              </a:rPr>
-              <a:t>flexibility</a:t>
-            </a:r>
-            <a:r>
-              <a:rPr lang="fa-IR" sz="2000" dirty="0">
-                <a:cs typeface="B Nazanin" panose="00000400000000000000" pitchFamily="2" charset="-78"/>
-              </a:rPr>
-              <a:t> زیادی که سخت‌افزار دارد می‌توان با اضافه کردن یا کم کردن واحد‌های محاسباتی، به سرعت بیشتری (به بهای هزینه بیشتر) رسید. تمامی پیاده‌سازی‌ها در این پروژه با استفاده از حداقل سخت‌افزار بوده که باعث هزینه کمتر و مصرف توان کمتر می‌شود و با وجود کمترین واحد‌های محاسباتی همچنان سرعت به طرز چشمگیری بیشتر از نرم‌افزار می‌باشد.</a:t>
-            </a:r>
-            <a:endParaRPr lang="fa-IR" sz="2000" dirty="0">
+            <a:endParaRPr lang="fa-IR" sz="2600" dirty="0">
               <a:effectLst/>
               <a:cs typeface="B Nazanin" panose="00000400000000000000" pitchFamily="2" charset="-78"/>
             </a:endParaRPr>
@@ -5512,7 +5929,7 @@
         <p:spPr bwMode="auto">
           <a:xfrm>
             <a:off x="11342485" y="14673970"/>
-            <a:ext cx="9079115" cy="595370"/>
+            <a:ext cx="9079115" cy="3303804"/>
           </a:xfrm>
           <a:prstGeom prst="rect">
             <a:avLst/>
@@ -5674,8 +6091,488 @@
                 <a:latin typeface="Times New Roman" pitchFamily="18" charset="0"/>
                 <a:cs typeface="B Nazanin" panose="00000400000000000000" pitchFamily="2" charset="-78"/>
               </a:rPr>
-              <a:t> در بهبود سرعت تشخیص اعداد، دو مدل متداول هوش مصنوعی مورد آزمایش قرار گرفت، که به اختصار شرح داده شده‌اند.</a:t>
-            </a:r>
+              <a:t> در بهبود سرعت تشخیص اعداد، دو مدل متداول هوش مصنوعی مورد آزمایش قرار گرفت، که به اختصار شرح داده </a:t>
+            </a:r>
+            <a:r>
+              <a:rPr lang="fa-IR" altLang="en-US" sz="1800" dirty="0" err="1">
+                <a:latin typeface="Times New Roman" pitchFamily="18" charset="0"/>
+                <a:cs typeface="B Nazanin" panose="00000400000000000000" pitchFamily="2" charset="-78"/>
+              </a:rPr>
+              <a:t>شده‌اند</a:t>
+            </a:r>
+            <a:r>
+              <a:rPr lang="fa-IR" altLang="en-US" sz="1800" dirty="0">
+                <a:latin typeface="Times New Roman" pitchFamily="18" charset="0"/>
+                <a:cs typeface="B Nazanin" panose="00000400000000000000" pitchFamily="2" charset="-78"/>
+              </a:rPr>
+              <a:t>:</a:t>
+            </a:r>
+          </a:p>
+          <a:p>
+            <a:pPr marL="285750" indent="-285750" algn="just" rtl="1">
+              <a:buFont typeface="Wingdings" panose="05000000000000000000" pitchFamily="2" charset="2"/>
+              <a:buChar char="v"/>
+            </a:pPr>
+            <a:r>
+              <a:rPr lang="en-US" altLang="en-US" sz="1600" dirty="0">
+                <a:latin typeface="Times New Roman" pitchFamily="18" charset="0"/>
+                <a:cs typeface="B Nazanin" panose="00000400000000000000" pitchFamily="2" charset="-78"/>
+              </a:rPr>
+              <a:t>Multilayer Perceptron (MLP)</a:t>
+            </a:r>
+          </a:p>
+          <a:p>
+            <a:pPr marL="285750" indent="-285750" algn="just" rtl="1">
+              <a:buFont typeface="Wingdings" panose="05000000000000000000" pitchFamily="2" charset="2"/>
+              <a:buChar char="v"/>
+            </a:pPr>
+            <a:r>
+              <a:rPr lang="en-US" altLang="en-US" sz="1600" dirty="0">
+                <a:latin typeface="Times New Roman" pitchFamily="18" charset="0"/>
+                <a:cs typeface="B Nazanin" panose="00000400000000000000" pitchFamily="2" charset="-78"/>
+              </a:rPr>
+              <a:t>Convolutional Neural Network (CNN)</a:t>
+            </a:r>
+            <a:endParaRPr lang="fa-IR" altLang="en-US" sz="1800" dirty="0">
+              <a:latin typeface="Times New Roman" pitchFamily="18" charset="0"/>
+              <a:cs typeface="B Nazanin" panose="00000400000000000000" pitchFamily="2" charset="-78"/>
+            </a:endParaRPr>
+          </a:p>
+          <a:p>
+            <a:pPr algn="just" rtl="1"/>
+            <a:r>
+              <a:rPr lang="fa-IR" altLang="en-US" sz="1800" dirty="0">
+                <a:latin typeface="Times New Roman" pitchFamily="18" charset="0"/>
+                <a:cs typeface="B Nazanin" panose="00000400000000000000" pitchFamily="2" charset="-78"/>
+              </a:rPr>
+              <a:t>تعداد </a:t>
+            </a:r>
+            <a:r>
+              <a:rPr lang="fa-IR" altLang="en-US" sz="1800" dirty="0" err="1">
+                <a:latin typeface="Times New Roman" pitchFamily="18" charset="0"/>
+                <a:cs typeface="B Nazanin" panose="00000400000000000000" pitchFamily="2" charset="-78"/>
+              </a:rPr>
+              <a:t>لایه‌ها</a:t>
+            </a:r>
+            <a:r>
+              <a:rPr lang="fa-IR" altLang="en-US" sz="1800" dirty="0">
+                <a:latin typeface="Times New Roman" pitchFamily="18" charset="0"/>
+                <a:cs typeface="B Nazanin" panose="00000400000000000000" pitchFamily="2" charset="-78"/>
+              </a:rPr>
+              <a:t> و </a:t>
+            </a:r>
+            <a:r>
+              <a:rPr lang="fa-IR" altLang="en-US" sz="1800" dirty="0" err="1">
+                <a:latin typeface="Times New Roman" pitchFamily="18" charset="0"/>
+                <a:cs typeface="B Nazanin" panose="00000400000000000000" pitchFamily="2" charset="-78"/>
+              </a:rPr>
+              <a:t>نورون‌های</a:t>
+            </a:r>
+            <a:r>
+              <a:rPr lang="fa-IR" altLang="en-US" sz="1800" dirty="0">
+                <a:latin typeface="Times New Roman" pitchFamily="18" charset="0"/>
+                <a:cs typeface="B Nazanin" panose="00000400000000000000" pitchFamily="2" charset="-78"/>
+              </a:rPr>
+              <a:t> مختلفی برای مدل </a:t>
+            </a:r>
+            <a:r>
+              <a:rPr lang="en-US" altLang="en-US" sz="1800" dirty="0">
+                <a:latin typeface="Times New Roman" pitchFamily="18" charset="0"/>
+                <a:cs typeface="B Nazanin" panose="00000400000000000000" pitchFamily="2" charset="-78"/>
+              </a:rPr>
+              <a:t>MLP</a:t>
+            </a:r>
+            <a:r>
+              <a:rPr lang="fa-IR" altLang="en-US" sz="1800" dirty="0">
+                <a:latin typeface="Times New Roman" pitchFamily="18" charset="0"/>
+                <a:cs typeface="B Nazanin" panose="00000400000000000000" pitchFamily="2" charset="-78"/>
+              </a:rPr>
+              <a:t> بررسی شد. در بهترین حالت، مدل مورد بررسی به دقت </a:t>
+            </a:r>
+            <a:r>
+              <a:rPr lang="en-US" altLang="en-US" sz="1600" dirty="0">
+                <a:latin typeface="Times New Roman" pitchFamily="18" charset="0"/>
+                <a:cs typeface="B Nazanin" panose="00000400000000000000" pitchFamily="2" charset="-78"/>
+              </a:rPr>
+              <a:t>97.36%</a:t>
+            </a:r>
+            <a:r>
+              <a:rPr lang="fa-IR" altLang="en-US" sz="1800" dirty="0">
+                <a:latin typeface="Times New Roman" pitchFamily="18" charset="0"/>
+                <a:cs typeface="B Nazanin" panose="00000400000000000000" pitchFamily="2" charset="-78"/>
+              </a:rPr>
+              <a:t> بر روی </a:t>
+            </a:r>
+            <a:r>
+              <a:rPr lang="fa-IR" altLang="en-US" sz="1800" dirty="0" err="1">
+                <a:latin typeface="Times New Roman" pitchFamily="18" charset="0"/>
+                <a:cs typeface="B Nazanin" panose="00000400000000000000" pitchFamily="2" charset="-78"/>
+              </a:rPr>
+              <a:t>داده‌های</a:t>
+            </a:r>
+            <a:r>
+              <a:rPr lang="fa-IR" altLang="en-US" sz="1800" dirty="0">
+                <a:latin typeface="Times New Roman" pitchFamily="18" charset="0"/>
+                <a:cs typeface="B Nazanin" panose="00000400000000000000" pitchFamily="2" charset="-78"/>
+              </a:rPr>
+              <a:t> </a:t>
+            </a:r>
+            <a:r>
+              <a:rPr lang="en-US" altLang="en-US" sz="1600" dirty="0">
+                <a:latin typeface="Times New Roman" pitchFamily="18" charset="0"/>
+                <a:cs typeface="B Nazanin" panose="00000400000000000000" pitchFamily="2" charset="-78"/>
+              </a:rPr>
+              <a:t>training</a:t>
+            </a:r>
+            <a:r>
+              <a:rPr lang="fa-IR" altLang="en-US" sz="1800" dirty="0">
+                <a:latin typeface="Times New Roman" pitchFamily="18" charset="0"/>
+                <a:cs typeface="B Nazanin" panose="00000400000000000000" pitchFamily="2" charset="-78"/>
+              </a:rPr>
+              <a:t> رسید، در حالی که مشاهده شد بر روی </a:t>
+            </a:r>
+            <a:r>
+              <a:rPr lang="fa-IR" altLang="en-US" sz="1800" dirty="0" err="1">
+                <a:latin typeface="Times New Roman" pitchFamily="18" charset="0"/>
+                <a:cs typeface="B Nazanin" panose="00000400000000000000" pitchFamily="2" charset="-78"/>
+              </a:rPr>
+              <a:t>داده‌های</a:t>
+            </a:r>
+            <a:r>
+              <a:rPr lang="fa-IR" altLang="en-US" sz="1800" dirty="0">
+                <a:latin typeface="Times New Roman" pitchFamily="18" charset="0"/>
+                <a:cs typeface="B Nazanin" panose="00000400000000000000" pitchFamily="2" charset="-78"/>
+              </a:rPr>
+              <a:t> </a:t>
+            </a:r>
+            <a:r>
+              <a:rPr lang="en-US" altLang="en-US" sz="1600" dirty="0">
+                <a:latin typeface="Times New Roman" pitchFamily="18" charset="0"/>
+                <a:cs typeface="B Nazanin" panose="00000400000000000000" pitchFamily="2" charset="-78"/>
+              </a:rPr>
+              <a:t>test</a:t>
+            </a:r>
+            <a:r>
+              <a:rPr lang="fa-IR" altLang="en-US" sz="1800" dirty="0">
+                <a:latin typeface="Times New Roman" pitchFamily="18" charset="0"/>
+                <a:cs typeface="B Nazanin" panose="00000400000000000000" pitchFamily="2" charset="-78"/>
+              </a:rPr>
+              <a:t> عملکرد خوبی ندارد، که </a:t>
+            </a:r>
+            <a:r>
+              <a:rPr lang="fa-IR" altLang="en-US" sz="1800" dirty="0" err="1">
+                <a:latin typeface="Times New Roman" pitchFamily="18" charset="0"/>
+                <a:cs typeface="B Nazanin" panose="00000400000000000000" pitchFamily="2" charset="-78"/>
+              </a:rPr>
+              <a:t>می‌تواند</a:t>
+            </a:r>
+            <a:r>
+              <a:rPr lang="fa-IR" altLang="en-US" sz="1800" dirty="0">
+                <a:latin typeface="Times New Roman" pitchFamily="18" charset="0"/>
+                <a:cs typeface="B Nazanin" panose="00000400000000000000" pitchFamily="2" charset="-78"/>
+              </a:rPr>
+              <a:t> نشانه </a:t>
+            </a:r>
+            <a:r>
+              <a:rPr lang="en-US" altLang="en-US" sz="1600" dirty="0">
+                <a:latin typeface="Times New Roman" pitchFamily="18" charset="0"/>
+                <a:cs typeface="B Nazanin" panose="00000400000000000000" pitchFamily="2" charset="-78"/>
+              </a:rPr>
+              <a:t>overfitting</a:t>
+            </a:r>
+            <a:r>
+              <a:rPr lang="fa-IR" altLang="en-US" sz="1800" dirty="0">
+                <a:latin typeface="Times New Roman" pitchFamily="18" charset="0"/>
+                <a:cs typeface="B Nazanin" panose="00000400000000000000" pitchFamily="2" charset="-78"/>
+              </a:rPr>
+              <a:t> باشد. </a:t>
+            </a:r>
+          </a:p>
+          <a:p>
+            <a:pPr algn="just" rtl="1"/>
+            <a:r>
+              <a:rPr lang="fa-IR" altLang="en-US" sz="1800" dirty="0">
+                <a:latin typeface="Times New Roman" pitchFamily="18" charset="0"/>
+                <a:cs typeface="B Nazanin" panose="00000400000000000000" pitchFamily="2" charset="-78"/>
+              </a:rPr>
+              <a:t>با توجه به </a:t>
+            </a:r>
+            <a:r>
+              <a:rPr lang="fa-IR" altLang="en-US" sz="1800" dirty="0" err="1">
+                <a:latin typeface="Times New Roman" pitchFamily="18" charset="0"/>
+                <a:cs typeface="B Nazanin" panose="00000400000000000000" pitchFamily="2" charset="-78"/>
+              </a:rPr>
+              <a:t>تست‌ها</a:t>
+            </a:r>
+            <a:r>
+              <a:rPr lang="fa-IR" altLang="en-US" sz="1800" dirty="0">
+                <a:latin typeface="Times New Roman" pitchFamily="18" charset="0"/>
+                <a:cs typeface="B Nazanin" panose="00000400000000000000" pitchFamily="2" charset="-78"/>
+              </a:rPr>
+              <a:t> و نوع کارکرد شبکه عصبی </a:t>
+            </a:r>
+            <a:r>
+              <a:rPr lang="en-US" altLang="en-US" sz="1800" dirty="0">
+                <a:latin typeface="Times New Roman" pitchFamily="18" charset="0"/>
+                <a:cs typeface="B Nazanin" panose="00000400000000000000" pitchFamily="2" charset="-78"/>
+              </a:rPr>
+              <a:t>CNN</a:t>
+            </a:r>
+            <a:r>
+              <a:rPr lang="fa-IR" altLang="en-US" sz="1800" dirty="0">
+                <a:latin typeface="Times New Roman" pitchFamily="18" charset="0"/>
+                <a:cs typeface="B Nazanin" panose="00000400000000000000" pitchFamily="2" charset="-78"/>
+              </a:rPr>
+              <a:t>، این شبکه کاربرد، نتیجه و دقت بسیار بیشتری برای پردازش تصویر و تشخیص اعداد </a:t>
+            </a:r>
+            <a:r>
+              <a:rPr lang="fa-IR" altLang="en-US" sz="1800" dirty="0" err="1">
+                <a:latin typeface="Times New Roman" pitchFamily="18" charset="0"/>
+                <a:cs typeface="B Nazanin" panose="00000400000000000000" pitchFamily="2" charset="-78"/>
+              </a:rPr>
+              <a:t>دست‌نوشت</a:t>
+            </a:r>
+            <a:r>
+              <a:rPr lang="fa-IR" altLang="en-US" sz="1800" dirty="0">
+                <a:latin typeface="Times New Roman" pitchFamily="18" charset="0"/>
+                <a:cs typeface="B Nazanin" panose="00000400000000000000" pitchFamily="2" charset="-78"/>
+              </a:rPr>
+              <a:t> </a:t>
+            </a:r>
+            <a:r>
+              <a:rPr lang="en-US" altLang="en-US" sz="1800" dirty="0">
+                <a:latin typeface="Times New Roman" pitchFamily="18" charset="0"/>
+                <a:cs typeface="B Nazanin" panose="00000400000000000000" pitchFamily="2" charset="-78"/>
+              </a:rPr>
+              <a:t>MNIST</a:t>
+            </a:r>
+            <a:r>
+              <a:rPr lang="fa-IR" altLang="en-US" sz="1800" dirty="0">
+                <a:latin typeface="Times New Roman" pitchFamily="18" charset="0"/>
+                <a:cs typeface="B Nazanin" panose="00000400000000000000" pitchFamily="2" charset="-78"/>
+              </a:rPr>
+              <a:t> داشتند و برای ادامه کار گزینه </a:t>
+            </a:r>
+            <a:r>
+              <a:rPr lang="fa-IR" altLang="en-US" sz="1800" dirty="0" err="1">
+                <a:latin typeface="Times New Roman" pitchFamily="18" charset="0"/>
+                <a:cs typeface="B Nazanin" panose="00000400000000000000" pitchFamily="2" charset="-78"/>
+              </a:rPr>
+              <a:t>مناسب‌تری</a:t>
+            </a:r>
+            <a:r>
+              <a:rPr lang="fa-IR" altLang="en-US" sz="1800" dirty="0">
+                <a:latin typeface="Times New Roman" pitchFamily="18" charset="0"/>
+                <a:cs typeface="B Nazanin" panose="00000400000000000000" pitchFamily="2" charset="-78"/>
+              </a:rPr>
+              <a:t> است.</a:t>
+            </a:r>
+          </a:p>
+          <a:p>
+            <a:pPr algn="just" rtl="1"/>
+            <a:r>
+              <a:rPr lang="fa-IR" altLang="en-US" sz="1800" dirty="0">
+                <a:latin typeface="Times New Roman" pitchFamily="18" charset="0"/>
+                <a:cs typeface="B Nazanin" panose="00000400000000000000" pitchFamily="2" charset="-78"/>
+              </a:rPr>
+              <a:t>برای این پروژه، از یک </a:t>
+            </a:r>
+            <a:r>
+              <a:rPr lang="en-US" altLang="en-US" sz="1600" dirty="0">
+                <a:latin typeface="Times New Roman" pitchFamily="18" charset="0"/>
+                <a:cs typeface="B Nazanin" panose="00000400000000000000" pitchFamily="2" charset="-78"/>
+              </a:rPr>
+              <a:t>CNN</a:t>
+            </a:r>
+            <a:r>
+              <a:rPr lang="fa-IR" altLang="en-US" sz="1800" dirty="0">
+                <a:latin typeface="Times New Roman" pitchFamily="18" charset="0"/>
+                <a:cs typeface="B Nazanin" panose="00000400000000000000" pitchFamily="2" charset="-78"/>
+              </a:rPr>
+              <a:t> که دو بار بر روی ورودی عملیات </a:t>
+            </a:r>
+            <a:r>
+              <a:rPr lang="fa-IR" altLang="en-US" sz="1800" dirty="0" err="1">
+                <a:latin typeface="Times New Roman" pitchFamily="18" charset="0"/>
+                <a:cs typeface="B Nazanin" panose="00000400000000000000" pitchFamily="2" charset="-78"/>
+              </a:rPr>
+              <a:t>کانولوشن</a:t>
+            </a:r>
+            <a:r>
+              <a:rPr lang="fa-IR" altLang="en-US" sz="1800" dirty="0">
+                <a:latin typeface="Times New Roman" pitchFamily="18" charset="0"/>
+                <a:cs typeface="B Nazanin" panose="00000400000000000000" pitchFamily="2" charset="-78"/>
+              </a:rPr>
+              <a:t> و </a:t>
+            </a:r>
+            <a:r>
+              <a:rPr lang="en-US" altLang="en-US" sz="1600" dirty="0">
+                <a:latin typeface="Times New Roman" pitchFamily="18" charset="0"/>
+                <a:cs typeface="B Nazanin" panose="00000400000000000000" pitchFamily="2" charset="-78"/>
+              </a:rPr>
+              <a:t>max pooling</a:t>
+            </a:r>
+            <a:r>
+              <a:rPr lang="fa-IR" altLang="en-US" sz="1800" dirty="0">
+                <a:latin typeface="Times New Roman" pitchFamily="18" charset="0"/>
+                <a:cs typeface="B Nazanin" panose="00000400000000000000" pitchFamily="2" charset="-78"/>
+              </a:rPr>
+              <a:t> انجام </a:t>
+            </a:r>
+            <a:r>
+              <a:rPr lang="fa-IR" altLang="en-US" sz="1800" dirty="0" err="1">
+                <a:latin typeface="Times New Roman" pitchFamily="18" charset="0"/>
+                <a:cs typeface="B Nazanin" panose="00000400000000000000" pitchFamily="2" charset="-78"/>
+              </a:rPr>
+              <a:t>می‌دهد</a:t>
+            </a:r>
+            <a:r>
+              <a:rPr lang="fa-IR" altLang="en-US" sz="1800" dirty="0">
+                <a:latin typeface="Times New Roman" pitchFamily="18" charset="0"/>
+                <a:cs typeface="B Nazanin" panose="00000400000000000000" pitchFamily="2" charset="-78"/>
+              </a:rPr>
+              <a:t>، و سپس یک </a:t>
+            </a:r>
+            <a:r>
+              <a:rPr lang="fa-IR" altLang="en-US" sz="1800" dirty="0" err="1">
+                <a:latin typeface="Times New Roman" pitchFamily="18" charset="0"/>
+                <a:cs typeface="B Nazanin" panose="00000400000000000000" pitchFamily="2" charset="-78"/>
+              </a:rPr>
+              <a:t>لایه‌ی</a:t>
+            </a:r>
+            <a:r>
+              <a:rPr lang="fa-IR" altLang="en-US" sz="1800" dirty="0">
+                <a:latin typeface="Times New Roman" pitchFamily="18" charset="0"/>
+                <a:cs typeface="B Nazanin" panose="00000400000000000000" pitchFamily="2" charset="-78"/>
+              </a:rPr>
+              <a:t> </a:t>
+            </a:r>
+            <a:r>
+              <a:rPr lang="en-US" altLang="en-US" sz="1600" dirty="0">
+                <a:latin typeface="Times New Roman" pitchFamily="18" charset="0"/>
+                <a:cs typeface="B Nazanin" panose="00000400000000000000" pitchFamily="2" charset="-78"/>
+              </a:rPr>
+              <a:t>dense</a:t>
+            </a:r>
+            <a:r>
+              <a:rPr lang="fa-IR" altLang="en-US" sz="1800" dirty="0">
+                <a:latin typeface="Times New Roman" pitchFamily="18" charset="0"/>
+                <a:cs typeface="B Nazanin" panose="00000400000000000000" pitchFamily="2" charset="-78"/>
+              </a:rPr>
+              <a:t> و بعد </a:t>
+            </a:r>
+            <a:r>
+              <a:rPr lang="en-US" altLang="en-US" sz="1600" dirty="0">
+                <a:latin typeface="Times New Roman" pitchFamily="18" charset="0"/>
+                <a:cs typeface="B Nazanin" panose="00000400000000000000" pitchFamily="2" charset="-78"/>
+              </a:rPr>
+              <a:t>SoftMax</a:t>
+            </a:r>
+            <a:r>
+              <a:rPr lang="fa-IR" altLang="en-US" sz="1800" dirty="0">
+                <a:latin typeface="Times New Roman" pitchFamily="18" charset="0"/>
+                <a:cs typeface="B Nazanin" panose="00000400000000000000" pitchFamily="2" charset="-78"/>
+              </a:rPr>
+              <a:t> روی آن اعمال </a:t>
+            </a:r>
+            <a:r>
+              <a:rPr lang="fa-IR" altLang="en-US" sz="1800" dirty="0" err="1">
+                <a:latin typeface="Times New Roman" pitchFamily="18" charset="0"/>
+                <a:cs typeface="B Nazanin" panose="00000400000000000000" pitchFamily="2" charset="-78"/>
+              </a:rPr>
+              <a:t>می‌کند</a:t>
+            </a:r>
+            <a:r>
+              <a:rPr lang="fa-IR" altLang="en-US" sz="1800" dirty="0">
+                <a:latin typeface="Times New Roman" pitchFamily="18" charset="0"/>
+                <a:cs typeface="B Nazanin" panose="00000400000000000000" pitchFamily="2" charset="-78"/>
+              </a:rPr>
+              <a:t>، استفاده شده است. این مدل پس از </a:t>
+            </a:r>
+            <a:r>
+              <a:rPr lang="en-US" altLang="en-US" sz="1600" dirty="0">
+                <a:latin typeface="Times New Roman" pitchFamily="18" charset="0"/>
+                <a:cs typeface="B Nazanin" panose="00000400000000000000" pitchFamily="2" charset="-78"/>
+              </a:rPr>
+              <a:t>train</a:t>
+            </a:r>
+            <a:r>
+              <a:rPr lang="fa-IR" altLang="en-US" sz="1800" dirty="0">
+                <a:latin typeface="Times New Roman" pitchFamily="18" charset="0"/>
+                <a:cs typeface="B Nazanin" panose="00000400000000000000" pitchFamily="2" charset="-78"/>
+              </a:rPr>
+              <a:t> شدن به دقت </a:t>
+            </a:r>
+            <a:r>
+              <a:rPr lang="en-US" altLang="en-US" sz="1600" dirty="0">
+                <a:latin typeface="Times New Roman" pitchFamily="18" charset="0"/>
+                <a:cs typeface="B Nazanin" panose="00000400000000000000" pitchFamily="2" charset="-78"/>
+              </a:rPr>
+              <a:t>99.08%</a:t>
+            </a:r>
+            <a:r>
+              <a:rPr lang="fa-IR" altLang="en-US" sz="1600" dirty="0">
+                <a:latin typeface="Times New Roman" pitchFamily="18" charset="0"/>
+                <a:cs typeface="B Nazanin" panose="00000400000000000000" pitchFamily="2" charset="-78"/>
+              </a:rPr>
+              <a:t> </a:t>
+            </a:r>
+            <a:r>
+              <a:rPr lang="fa-IR" altLang="en-US" sz="1800" dirty="0">
+                <a:latin typeface="Times New Roman" pitchFamily="18" charset="0"/>
+                <a:cs typeface="B Nazanin" panose="00000400000000000000" pitchFamily="2" charset="-78"/>
+              </a:rPr>
+              <a:t>بر روی </a:t>
+            </a:r>
+            <a:r>
+              <a:rPr lang="fa-IR" altLang="en-US" sz="1800" dirty="0" err="1">
+                <a:latin typeface="Times New Roman" pitchFamily="18" charset="0"/>
+                <a:cs typeface="B Nazanin" panose="00000400000000000000" pitchFamily="2" charset="-78"/>
+              </a:rPr>
+              <a:t>داده‌ّای</a:t>
+            </a:r>
+            <a:r>
+              <a:rPr lang="fa-IR" altLang="en-US" sz="1800" dirty="0">
+                <a:latin typeface="Times New Roman" pitchFamily="18" charset="0"/>
+                <a:cs typeface="B Nazanin" panose="00000400000000000000" pitchFamily="2" charset="-78"/>
+              </a:rPr>
+              <a:t> </a:t>
+            </a:r>
+            <a:r>
+              <a:rPr lang="en-US" altLang="en-US" sz="1600" dirty="0">
+                <a:latin typeface="Times New Roman" pitchFamily="18" charset="0"/>
+                <a:cs typeface="B Nazanin" panose="00000400000000000000" pitchFamily="2" charset="-78"/>
+              </a:rPr>
+              <a:t>training</a:t>
+            </a:r>
+            <a:r>
+              <a:rPr lang="fa-IR" altLang="en-US" sz="1800" dirty="0">
+                <a:latin typeface="Times New Roman" pitchFamily="18" charset="0"/>
+                <a:cs typeface="B Nazanin" panose="00000400000000000000" pitchFamily="2" charset="-78"/>
+              </a:rPr>
+              <a:t> رسید، و در عمل نیز نتایج خیلی بهتری بر روی </a:t>
+            </a:r>
+            <a:r>
+              <a:rPr lang="fa-IR" altLang="en-US" sz="1800" dirty="0" err="1">
+                <a:latin typeface="Times New Roman" pitchFamily="18" charset="0"/>
+                <a:cs typeface="B Nazanin" panose="00000400000000000000" pitchFamily="2" charset="-78"/>
+              </a:rPr>
+              <a:t>داده‌های</a:t>
+            </a:r>
+            <a:r>
+              <a:rPr lang="fa-IR" altLang="en-US" sz="1800" dirty="0">
+                <a:latin typeface="Times New Roman" pitchFamily="18" charset="0"/>
+                <a:cs typeface="B Nazanin" panose="00000400000000000000" pitchFamily="2" charset="-78"/>
+              </a:rPr>
+              <a:t> واقعی از خود نشان داد.</a:t>
+            </a:r>
+          </a:p>
+          <a:p>
+            <a:pPr algn="just" rtl="1"/>
+            <a:endParaRPr lang="en-US" altLang="en-US" sz="1800" dirty="0">
+              <a:latin typeface="Times New Roman" pitchFamily="18" charset="0"/>
+              <a:cs typeface="B Nazanin" panose="00000400000000000000" pitchFamily="2" charset="-78"/>
+            </a:endParaRPr>
           </a:p>
         </p:txBody>
       </p:sp>
@@ -5690,7 +6587,7 @@
         <p:spPr bwMode="auto">
           <a:xfrm>
             <a:off x="899531" y="6944122"/>
-            <a:ext cx="9290933" cy="2893100"/>
+            <a:ext cx="9290933" cy="2492990"/>
           </a:xfrm>
           <a:prstGeom prst="rect">
             <a:avLst/>
@@ -5822,7 +6719,7 @@
             </a:lvl9pPr>
           </a:lstStyle>
           <a:p>
-            <a:pPr algn="just" rtl="1"/>
+            <a:pPr algn="r" rtl="1"/>
             <a:r>
               <a:rPr lang="fa-IR" altLang="en-US" sz="2600" dirty="0">
                 <a:latin typeface="Times New Roman" pitchFamily="18" charset="0"/>
@@ -5831,7 +6728,7 @@
               <a:t>زمان انتقال داده‌ها از </a:t>
             </a:r>
             <a:r>
-              <a:rPr lang="en-US" altLang="en-US" sz="2600" dirty="0">
+              <a:rPr lang="en-US" altLang="en-US" sz="2400" dirty="0">
                 <a:latin typeface="Times New Roman" pitchFamily="18" charset="0"/>
                 <a:cs typeface="B Nazanin" panose="00000400000000000000" pitchFamily="2" charset="-78"/>
               </a:rPr>
@@ -5845,7 +6742,7 @@
               <a:t> واسطه </a:t>
             </a:r>
             <a:r>
-              <a:rPr lang="en-US" altLang="en-US" sz="2600" dirty="0">
+              <a:rPr lang="en-US" altLang="en-US" sz="2400" dirty="0">
                 <a:latin typeface="Times New Roman" pitchFamily="18" charset="0"/>
                 <a:cs typeface="B Nazanin" panose="00000400000000000000" pitchFamily="2" charset="-78"/>
               </a:rPr>
@@ -5859,7 +6756,7 @@
               <a:t> به یک ماژول </a:t>
             </a:r>
             <a:r>
-              <a:rPr lang="en-US" altLang="en-US" sz="2600" dirty="0">
+              <a:rPr lang="en-US" altLang="en-US" sz="2400" dirty="0">
                 <a:latin typeface="Times New Roman" pitchFamily="18" charset="0"/>
                 <a:cs typeface="B Nazanin" panose="00000400000000000000" pitchFamily="2" charset="-78"/>
               </a:rPr>
@@ -5870,59 +6767,105 @@
                 <a:latin typeface="Times New Roman" pitchFamily="18" charset="0"/>
                 <a:cs typeface="B Nazanin" panose="00000400000000000000" pitchFamily="2" charset="-78"/>
               </a:rPr>
-              <a:t> برابر با 0.001171 ثانیه معادل 1.171</a:t>
-            </a:r>
-            <a:r>
-              <a:rPr lang="en-US" altLang="en-US" sz="2600" dirty="0" err="1">
+              <a:t> برابر با </a:t>
+            </a:r>
+            <a:r>
+              <a:rPr lang="en-US" altLang="en-US" sz="2400" dirty="0">
+                <a:latin typeface="Times New Roman" pitchFamily="18" charset="0"/>
+                <a:cs typeface="B Nazanin" panose="00000400000000000000" pitchFamily="2" charset="-78"/>
+              </a:rPr>
+              <a:t>1.171ms</a:t>
+            </a:r>
+            <a:r>
+              <a:rPr lang="fa-IR" altLang="en-US" sz="2400" dirty="0">
+                <a:latin typeface="Times New Roman" pitchFamily="18" charset="0"/>
+                <a:cs typeface="B Nazanin" panose="00000400000000000000" pitchFamily="2" charset="-78"/>
+              </a:rPr>
+              <a:t> </a:t>
+            </a:r>
+            <a:r>
+              <a:rPr lang="fa-IR" altLang="en-US" sz="2600" dirty="0" err="1">
+                <a:latin typeface="Times New Roman" pitchFamily="18" charset="0"/>
+                <a:cs typeface="B Nazanin" panose="00000400000000000000" pitchFamily="2" charset="-78"/>
+              </a:rPr>
+              <a:t>می‌باشد</a:t>
+            </a:r>
+            <a:r>
+              <a:rPr lang="fa-IR" altLang="en-US" sz="2600" dirty="0">
+                <a:latin typeface="Times New Roman" pitchFamily="18" charset="0"/>
+                <a:cs typeface="B Nazanin" panose="00000400000000000000" pitchFamily="2" charset="-78"/>
+              </a:rPr>
+              <a:t> و زمان دریافت داده‌ها نیز برابر با </a:t>
+            </a:r>
+            <a:r>
+              <a:rPr lang="en-US" altLang="en-US" sz="2400" dirty="0">
+                <a:latin typeface="Times New Roman" pitchFamily="18" charset="0"/>
+                <a:cs typeface="B Nazanin" panose="00000400000000000000" pitchFamily="2" charset="-78"/>
+              </a:rPr>
+              <a:t>1.438 </a:t>
+            </a:r>
+            <a:r>
+              <a:rPr lang="en-US" altLang="en-US" sz="2400" dirty="0" err="1">
                 <a:latin typeface="Times New Roman" pitchFamily="18" charset="0"/>
                 <a:cs typeface="B Nazanin" panose="00000400000000000000" pitchFamily="2" charset="-78"/>
               </a:rPr>
               <a:t>ms</a:t>
             </a:r>
             <a:r>
+              <a:rPr lang="fa-IR" altLang="en-US" sz="2400" dirty="0">
+                <a:latin typeface="Times New Roman" pitchFamily="18" charset="0"/>
+                <a:cs typeface="B Nazanin" panose="00000400000000000000" pitchFamily="2" charset="-78"/>
+              </a:rPr>
+              <a:t> </a:t>
+            </a:r>
+            <a:r>
               <a:rPr lang="fa-IR" altLang="en-US" sz="2600" dirty="0">
                 <a:latin typeface="Times New Roman" pitchFamily="18" charset="0"/>
                 <a:cs typeface="B Nazanin" panose="00000400000000000000" pitchFamily="2" charset="-78"/>
               </a:rPr>
-              <a:t> می‌باشد و زمان دریافت داده‌ها نیز برابر با 0.001438 ثانیه معادل 1.438</a:t>
-            </a:r>
-            <a:r>
-              <a:rPr lang="en-US" altLang="en-US" sz="2600" dirty="0" err="1">
-                <a:latin typeface="Times New Roman" pitchFamily="18" charset="0"/>
-                <a:cs typeface="B Nazanin" panose="00000400000000000000" pitchFamily="2" charset="-78"/>
-              </a:rPr>
-              <a:t>ms</a:t>
+              <a:t>می‌باشد. لازم به ذکر است که فرکانس کاری مدار </a:t>
+            </a:r>
+            <a:r>
+              <a:rPr lang="en-US" altLang="en-US" sz="2400" dirty="0">
+                <a:latin typeface="Times New Roman" pitchFamily="18" charset="0"/>
+                <a:cs typeface="B Nazanin" panose="00000400000000000000" pitchFamily="2" charset="-78"/>
+              </a:rPr>
+              <a:t>100 MHz</a:t>
+            </a:r>
+            <a:r>
+              <a:rPr lang="fa-IR" altLang="en-US" sz="2400" dirty="0">
+                <a:latin typeface="Times New Roman" pitchFamily="18" charset="0"/>
+                <a:cs typeface="B Nazanin" panose="00000400000000000000" pitchFamily="2" charset="-78"/>
+              </a:rPr>
+              <a:t> </a:t>
+            </a:r>
+            <a:r>
+              <a:rPr lang="fa-IR" altLang="en-US" sz="2600" dirty="0" err="1">
+                <a:latin typeface="Times New Roman" pitchFamily="18" charset="0"/>
+                <a:cs typeface="B Nazanin" panose="00000400000000000000" pitchFamily="2" charset="-78"/>
+              </a:rPr>
+              <a:t>می‌باشد</a:t>
             </a:r>
             <a:r>
               <a:rPr lang="fa-IR" altLang="en-US" sz="2600" dirty="0">
                 <a:latin typeface="Times New Roman" pitchFamily="18" charset="0"/>
                 <a:cs typeface="B Nazanin" panose="00000400000000000000" pitchFamily="2" charset="-78"/>
               </a:rPr>
-              <a:t> می‌باشد. زمان اول برای خواندن از حافظه و زمان دوم برای نوشتن در حافظه است که به همین دلیل بیشتر طول می‌کشد.</a:t>
-            </a:r>
+              <a:t>.</a:t>
+            </a:r>
+            <a:endParaRPr lang="en-US" altLang="en-US" sz="2600" dirty="0">
+              <a:latin typeface="Times New Roman" pitchFamily="18" charset="0"/>
+              <a:cs typeface="B Nazanin" panose="00000400000000000000" pitchFamily="2" charset="-78"/>
+            </a:endParaRPr>
           </a:p>
           <a:p>
-            <a:pPr algn="just" rtl="1"/>
+            <a:pPr algn="r" rtl="1"/>
             <a:r>
               <a:rPr lang="fa-IR" altLang="en-US" sz="2600" dirty="0">
                 <a:latin typeface="Times New Roman" pitchFamily="18" charset="0"/>
                 <a:cs typeface="B Nazanin" panose="00000400000000000000" pitchFamily="2" charset="-78"/>
               </a:rPr>
-              <a:t>لازم به ذکر است که فرکانس کاری مدار 100</a:t>
-            </a:r>
-            <a:r>
-              <a:rPr lang="en-US" altLang="en-US" sz="2600" dirty="0">
-                <a:latin typeface="Times New Roman" pitchFamily="18" charset="0"/>
-                <a:cs typeface="B Nazanin" panose="00000400000000000000" pitchFamily="2" charset="-78"/>
-              </a:rPr>
-              <a:t>MHz</a:t>
-            </a:r>
-            <a:r>
-              <a:rPr lang="fa-IR" altLang="en-US" sz="2600" dirty="0">
-                <a:latin typeface="Times New Roman" pitchFamily="18" charset="0"/>
-                <a:cs typeface="B Nazanin" panose="00000400000000000000" pitchFamily="2" charset="-78"/>
-              </a:rPr>
-              <a:t> می‌باشد.</a:t>
+              <a:t>همچنین زمان </a:t>
             </a:r>
           </a:p>
           <a:p>
@@ -5950,7 +6893,7 @@
         </p:nvSpPr>
         <p:spPr bwMode="auto">
           <a:xfrm>
-            <a:off x="2936141" y="18665723"/>
+            <a:off x="2898383" y="18624266"/>
             <a:ext cx="5469087" cy="892845"/>
           </a:xfrm>
           <a:prstGeom prst="rect">
@@ -6120,8 +7063,8 @@
         </p:nvSpPr>
         <p:spPr bwMode="auto">
           <a:xfrm>
-            <a:off x="870166" y="19893151"/>
-            <a:ext cx="9349661" cy="4104023"/>
+            <a:off x="870166" y="19682521"/>
+            <a:ext cx="9349661" cy="4888853"/>
           </a:xfrm>
           <a:prstGeom prst="rect">
             <a:avLst/>
@@ -6263,192 +7206,622 @@
             </a:lvl9pPr>
           </a:lstStyle>
           <a:p>
-            <a:pPr algn="r" rtl="1"/>
-            <a:r>
-              <a:rPr lang="fa-IR" altLang="en-US" sz="2400" dirty="0">
-                <a:latin typeface="Times New Roman" pitchFamily="18" charset="0"/>
-                <a:cs typeface="B Nazanin" panose="00000400000000000000" pitchFamily="2" charset="-78"/>
-              </a:rPr>
-              <a:t>در این پروژه دیدیم که پیاده‌سازی سخت‌افزاری به جای نرم‌افزاری یک شبکه عصبی </a:t>
-            </a:r>
-            <a:r>
-              <a:rPr lang="en-US" altLang="en-US" sz="2400" dirty="0">
-                <a:latin typeface="Times New Roman" pitchFamily="18" charset="0"/>
-                <a:cs typeface="B Nazanin" panose="00000400000000000000" pitchFamily="2" charset="-78"/>
-              </a:rPr>
-              <a:t>CNN </a:t>
-            </a:r>
-            <a:r>
-              <a:rPr lang="fa-IR" altLang="en-US" sz="2400" dirty="0">
-                <a:latin typeface="Times New Roman" pitchFamily="18" charset="0"/>
-                <a:cs typeface="B Nazanin" panose="00000400000000000000" pitchFamily="2" charset="-78"/>
-              </a:rPr>
-              <a:t>چقدر می‌تواند مفید باشد و همچنین یک </a:t>
-            </a:r>
-            <a:r>
-              <a:rPr lang="en-US" altLang="en-US" sz="2400" dirty="0">
-                <a:latin typeface="Times New Roman" pitchFamily="18" charset="0"/>
-                <a:cs typeface="B Nazanin" panose="00000400000000000000" pitchFamily="2" charset="-78"/>
-              </a:rPr>
-              <a:t>Design Space Exploration </a:t>
-            </a:r>
-            <a:r>
-              <a:rPr lang="fa-IR" altLang="en-US" sz="2400" dirty="0">
-                <a:latin typeface="Times New Roman" pitchFamily="18" charset="0"/>
-                <a:cs typeface="B Nazanin" panose="00000400000000000000" pitchFamily="2" charset="-78"/>
-              </a:rPr>
-              <a:t>درباره زمانبندی‌های مختلف برای لایه‌های مختلف داشتیم. حال با استفاده از این داده‌ها می‌توان یافت که چه لایه‌هایی </a:t>
-            </a:r>
-            <a:r>
-              <a:rPr lang="en-US" altLang="en-US" sz="2400" dirty="0">
-                <a:latin typeface="Times New Roman" pitchFamily="18" charset="0"/>
-                <a:cs typeface="B Nazanin" panose="00000400000000000000" pitchFamily="2" charset="-78"/>
-              </a:rPr>
-              <a:t>Bottleneck </a:t>
-            </a:r>
-            <a:r>
-              <a:rPr lang="fa-IR" altLang="en-US" sz="2400" dirty="0">
-                <a:latin typeface="Times New Roman" pitchFamily="18" charset="0"/>
-                <a:cs typeface="B Nazanin" panose="00000400000000000000" pitchFamily="2" charset="-78"/>
-              </a:rPr>
-              <a:t>طراحی ما بوده و بهتر است آن را به صورت سخت‌افزاری پیاده کرد و چه لایه‌ای را می‌توان به صورت نرم‌افزاری پیاده‌سازی کرد تا از پیچیدگی زیاد هم کاست تا در نهایت به یک دیزاین </a:t>
-            </a:r>
-            <a:r>
-              <a:rPr lang="en-US" altLang="en-US" sz="2400" dirty="0">
-                <a:latin typeface="Times New Roman" pitchFamily="18" charset="0"/>
-                <a:cs typeface="B Nazanin" panose="00000400000000000000" pitchFamily="2" charset="-78"/>
-              </a:rPr>
-              <a:t>efficient </a:t>
-            </a:r>
-            <a:r>
-              <a:rPr lang="fa-IR" altLang="en-US" sz="2400" dirty="0">
-                <a:latin typeface="Times New Roman" pitchFamily="18" charset="0"/>
-                <a:cs typeface="B Nazanin" panose="00000400000000000000" pitchFamily="2" charset="-78"/>
-              </a:rPr>
-              <a:t>هم از لحاظ زمانی، هم از لحاظ </a:t>
-            </a:r>
-            <a:r>
-              <a:rPr lang="en-US" altLang="en-US" sz="2400" dirty="0">
-                <a:latin typeface="Times New Roman" pitchFamily="18" charset="0"/>
-                <a:cs typeface="B Nazanin" panose="00000400000000000000" pitchFamily="2" charset="-78"/>
-              </a:rPr>
-              <a:t>Resource </a:t>
-            </a:r>
-            <a:r>
-              <a:rPr lang="fa-IR" altLang="en-US" sz="2400" dirty="0">
-                <a:latin typeface="Times New Roman" pitchFamily="18" charset="0"/>
-                <a:cs typeface="B Nazanin" panose="00000400000000000000" pitchFamily="2" charset="-78"/>
-              </a:rPr>
-              <a:t>استفاده شده و هم از لحاظ پیچیدگی، رسید. به طور خاص در این پروژه با این معماری </a:t>
-            </a:r>
-            <a:r>
-              <a:rPr lang="en-US" altLang="en-US" sz="2400" dirty="0">
-                <a:latin typeface="Times New Roman" pitchFamily="18" charset="0"/>
-                <a:cs typeface="B Nazanin" panose="00000400000000000000" pitchFamily="2" charset="-78"/>
-              </a:rPr>
-              <a:t>CNN </a:t>
-            </a:r>
-            <a:r>
-              <a:rPr lang="fa-IR" altLang="en-US" sz="2400" dirty="0">
-                <a:latin typeface="Times New Roman" pitchFamily="18" charset="0"/>
-                <a:cs typeface="B Nazanin" panose="00000400000000000000" pitchFamily="2" charset="-78"/>
-              </a:rPr>
-              <a:t>دیدیم که یکی از </a:t>
-            </a:r>
-            <a:r>
-              <a:rPr lang="en-US" altLang="en-US" sz="2400" dirty="0">
-                <a:latin typeface="Times New Roman" pitchFamily="18" charset="0"/>
-                <a:cs typeface="B Nazanin" panose="00000400000000000000" pitchFamily="2" charset="-78"/>
-              </a:rPr>
-              <a:t>Bottleneck </a:t>
-            </a:r>
-            <a:r>
-              <a:rPr lang="fa-IR" altLang="en-US" sz="2400" dirty="0">
-                <a:latin typeface="Times New Roman" pitchFamily="18" charset="0"/>
-                <a:cs typeface="B Nazanin" panose="00000400000000000000" pitchFamily="2" charset="-78"/>
-              </a:rPr>
-              <a:t>های اصلی سیستم، هر دو لایه </a:t>
-            </a:r>
-            <a:r>
-              <a:rPr lang="en-US" altLang="en-US" sz="2400" dirty="0">
-                <a:latin typeface="Times New Roman" pitchFamily="18" charset="0"/>
-                <a:cs typeface="B Nazanin" panose="00000400000000000000" pitchFamily="2" charset="-78"/>
-              </a:rPr>
-              <a:t>Convolution </a:t>
-            </a:r>
-            <a:r>
-              <a:rPr lang="fa-IR" altLang="en-US" sz="2400" dirty="0">
-                <a:latin typeface="Times New Roman" pitchFamily="18" charset="0"/>
-                <a:cs typeface="B Nazanin" panose="00000400000000000000" pitchFamily="2" charset="-78"/>
-              </a:rPr>
-              <a:t>بود و زمان بسیار زیادی صرف محاسبات می‌کرد.</a:t>
+            <a:pPr algn="just" rtl="1"/>
+            <a:r>
+              <a:rPr lang="fa-IR" altLang="en-US" sz="2100" dirty="0">
+                <a:latin typeface="Times New Roman" pitchFamily="18" charset="0"/>
+                <a:cs typeface="B Nazanin" panose="00000400000000000000" pitchFamily="2" charset="-78"/>
+              </a:rPr>
+              <a:t>در این پروژه به بررسی و مقایسه </a:t>
+            </a:r>
+            <a:r>
+              <a:rPr lang="fa-IR" altLang="en-US" sz="2100" dirty="0" err="1">
+                <a:latin typeface="Times New Roman" pitchFamily="18" charset="0"/>
+                <a:cs typeface="B Nazanin" panose="00000400000000000000" pitchFamily="2" charset="-78"/>
+              </a:rPr>
+              <a:t>شبکه‌های</a:t>
+            </a:r>
+            <a:r>
+              <a:rPr lang="fa-IR" altLang="en-US" sz="2100" dirty="0">
+                <a:latin typeface="Times New Roman" pitchFamily="18" charset="0"/>
+                <a:cs typeface="B Nazanin" panose="00000400000000000000" pitchFamily="2" charset="-78"/>
+              </a:rPr>
+              <a:t> عصبی </a:t>
+            </a:r>
+            <a:r>
+              <a:rPr lang="en-US" altLang="en-US" sz="1900" dirty="0">
+                <a:latin typeface="Times New Roman" pitchFamily="18" charset="0"/>
+                <a:cs typeface="B Nazanin" panose="00000400000000000000" pitchFamily="2" charset="-78"/>
+              </a:rPr>
+              <a:t>MLP</a:t>
+            </a:r>
+            <a:r>
+              <a:rPr lang="fa-IR" altLang="en-US" sz="2100" dirty="0">
+                <a:latin typeface="Times New Roman" pitchFamily="18" charset="0"/>
+                <a:cs typeface="B Nazanin" panose="00000400000000000000" pitchFamily="2" charset="-78"/>
+              </a:rPr>
+              <a:t> و </a:t>
+            </a:r>
+            <a:r>
+              <a:rPr lang="en-US" altLang="en-US" sz="1900" dirty="0">
+                <a:latin typeface="Times New Roman" pitchFamily="18" charset="0"/>
+                <a:cs typeface="B Nazanin" panose="00000400000000000000" pitchFamily="2" charset="-78"/>
+              </a:rPr>
+              <a:t>CNN</a:t>
+            </a:r>
+            <a:r>
+              <a:rPr lang="fa-IR" altLang="en-US" sz="2100" dirty="0">
+                <a:latin typeface="Times New Roman" pitchFamily="18" charset="0"/>
+                <a:cs typeface="B Nazanin" panose="00000400000000000000" pitchFamily="2" charset="-78"/>
+              </a:rPr>
+              <a:t> در کاربرد تشخیص تصویر پرداختیم و </a:t>
+            </a:r>
+            <a:r>
+              <a:rPr lang="fa-IR" altLang="en-US" sz="2100" dirty="0" err="1">
+                <a:latin typeface="Times New Roman" pitchFamily="18" charset="0"/>
+                <a:cs typeface="B Nazanin" panose="00000400000000000000" pitchFamily="2" charset="-78"/>
+              </a:rPr>
+              <a:t>ماژول‌ها</a:t>
+            </a:r>
+            <a:r>
+              <a:rPr lang="fa-IR" altLang="en-US" sz="2100" dirty="0">
+                <a:latin typeface="Times New Roman" pitchFamily="18" charset="0"/>
+                <a:cs typeface="B Nazanin" panose="00000400000000000000" pitchFamily="2" charset="-78"/>
+              </a:rPr>
+              <a:t> و </a:t>
+            </a:r>
+            <a:r>
+              <a:rPr lang="fa-IR" altLang="en-US" sz="2100" dirty="0" err="1">
+                <a:latin typeface="Times New Roman" pitchFamily="18" charset="0"/>
+                <a:cs typeface="B Nazanin" panose="00000400000000000000" pitchFamily="2" charset="-78"/>
+              </a:rPr>
+              <a:t>لایه‌های</a:t>
+            </a:r>
+            <a:r>
+              <a:rPr lang="fa-IR" altLang="en-US" sz="2100" dirty="0">
+                <a:latin typeface="Times New Roman" pitchFamily="18" charset="0"/>
+                <a:cs typeface="B Nazanin" panose="00000400000000000000" pitchFamily="2" charset="-78"/>
+              </a:rPr>
+              <a:t> مختلف را از لحاظ </a:t>
+            </a:r>
+            <a:r>
+              <a:rPr lang="fa-IR" altLang="en-US" sz="2100" dirty="0" err="1">
+                <a:latin typeface="Times New Roman" pitchFamily="18" charset="0"/>
+                <a:cs typeface="B Nazanin" panose="00000400000000000000" pitchFamily="2" charset="-78"/>
+              </a:rPr>
+              <a:t>نرم‌افزاری</a:t>
+            </a:r>
+            <a:r>
+              <a:rPr lang="fa-IR" altLang="en-US" sz="2100" dirty="0">
+                <a:latin typeface="Times New Roman" pitchFamily="18" charset="0"/>
+                <a:cs typeface="B Nazanin" panose="00000400000000000000" pitchFamily="2" charset="-78"/>
+              </a:rPr>
+              <a:t> و </a:t>
+            </a:r>
+            <a:r>
+              <a:rPr lang="fa-IR" altLang="en-US" sz="2100" dirty="0" err="1">
+                <a:latin typeface="Times New Roman" pitchFamily="18" charset="0"/>
+                <a:cs typeface="B Nazanin" panose="00000400000000000000" pitchFamily="2" charset="-78"/>
+              </a:rPr>
+              <a:t>سخت‌افزاری</a:t>
+            </a:r>
+            <a:r>
+              <a:rPr lang="fa-IR" altLang="en-US" sz="2100" dirty="0">
+                <a:latin typeface="Times New Roman" pitchFamily="18" charset="0"/>
+                <a:cs typeface="B Nazanin" panose="00000400000000000000" pitchFamily="2" charset="-78"/>
+              </a:rPr>
+              <a:t> مقایسه کردیم.</a:t>
+            </a:r>
+          </a:p>
+          <a:p>
+            <a:pPr algn="just" rtl="1"/>
+            <a:r>
+              <a:rPr lang="fa-IR" altLang="en-US" sz="2100" dirty="0">
+                <a:latin typeface="Times New Roman" pitchFamily="18" charset="0"/>
+                <a:cs typeface="B Nazanin" panose="00000400000000000000" pitchFamily="2" charset="-78"/>
+              </a:rPr>
+              <a:t>از نکات مهمی که به آن پی بردیم این بود که چه </a:t>
+            </a:r>
+            <a:r>
+              <a:rPr lang="fa-IR" altLang="en-US" sz="2100" dirty="0" err="1">
+                <a:latin typeface="Times New Roman" pitchFamily="18" charset="0"/>
+                <a:cs typeface="B Nazanin" panose="00000400000000000000" pitchFamily="2" charset="-78"/>
+              </a:rPr>
+              <a:t>لایه‌هایی</a:t>
+            </a:r>
+            <a:r>
+              <a:rPr lang="fa-IR" altLang="en-US" sz="2100" dirty="0">
+                <a:latin typeface="Times New Roman" pitchFamily="18" charset="0"/>
+                <a:cs typeface="B Nazanin" panose="00000400000000000000" pitchFamily="2" charset="-78"/>
+              </a:rPr>
+              <a:t> </a:t>
+            </a:r>
+            <a:r>
+              <a:rPr lang="en-US" altLang="en-US" sz="1900" dirty="0">
+                <a:latin typeface="Times New Roman" pitchFamily="18" charset="0"/>
+                <a:cs typeface="B Nazanin" panose="00000400000000000000" pitchFamily="2" charset="-78"/>
+              </a:rPr>
+              <a:t>Bottleneck</a:t>
+            </a:r>
+            <a:r>
+              <a:rPr lang="fa-IR" altLang="en-US" sz="2100" dirty="0">
+                <a:latin typeface="Times New Roman" pitchFamily="18" charset="0"/>
+                <a:cs typeface="B Nazanin" panose="00000400000000000000" pitchFamily="2" charset="-78"/>
+              </a:rPr>
+              <a:t> طراحی ما بوده و بهتر است آن را به صورت </a:t>
+            </a:r>
+            <a:r>
+              <a:rPr lang="fa-IR" altLang="en-US" sz="2100" dirty="0" err="1">
+                <a:latin typeface="Times New Roman" pitchFamily="18" charset="0"/>
+                <a:cs typeface="B Nazanin" panose="00000400000000000000" pitchFamily="2" charset="-78"/>
+              </a:rPr>
+              <a:t>سخت‌افزاری</a:t>
+            </a:r>
+            <a:r>
+              <a:rPr lang="fa-IR" altLang="en-US" sz="2100" dirty="0">
+                <a:latin typeface="Times New Roman" pitchFamily="18" charset="0"/>
+                <a:cs typeface="B Nazanin" panose="00000400000000000000" pitchFamily="2" charset="-78"/>
+              </a:rPr>
+              <a:t> </a:t>
+            </a:r>
+            <a:r>
+              <a:rPr lang="fa-IR" altLang="en-US" sz="2100" dirty="0" err="1">
+                <a:latin typeface="Times New Roman" pitchFamily="18" charset="0"/>
+                <a:cs typeface="B Nazanin" panose="00000400000000000000" pitchFamily="2" charset="-78"/>
+              </a:rPr>
+              <a:t>پیاده‌سازی</a:t>
+            </a:r>
+            <a:r>
+              <a:rPr lang="fa-IR" altLang="en-US" sz="2100" dirty="0">
+                <a:latin typeface="Times New Roman" pitchFamily="18" charset="0"/>
+                <a:cs typeface="B Nazanin" panose="00000400000000000000" pitchFamily="2" charset="-78"/>
+              </a:rPr>
+              <a:t> کرد. از طرفی چه </a:t>
+            </a:r>
+            <a:r>
+              <a:rPr lang="fa-IR" altLang="en-US" sz="2100" dirty="0" err="1">
+                <a:latin typeface="Times New Roman" pitchFamily="18" charset="0"/>
+                <a:cs typeface="B Nazanin" panose="00000400000000000000" pitchFamily="2" charset="-78"/>
+              </a:rPr>
+              <a:t>لایه‌ای</a:t>
+            </a:r>
+            <a:r>
+              <a:rPr lang="fa-IR" altLang="en-US" sz="2100" dirty="0">
+                <a:latin typeface="Times New Roman" pitchFamily="18" charset="0"/>
+                <a:cs typeface="B Nazanin" panose="00000400000000000000" pitchFamily="2" charset="-78"/>
+              </a:rPr>
+              <a:t> را </a:t>
+            </a:r>
+            <a:r>
+              <a:rPr lang="fa-IR" altLang="en-US" sz="2100" dirty="0" err="1">
+                <a:latin typeface="Times New Roman" pitchFamily="18" charset="0"/>
+                <a:cs typeface="B Nazanin" panose="00000400000000000000" pitchFamily="2" charset="-78"/>
+              </a:rPr>
+              <a:t>می‌توان</a:t>
+            </a:r>
+            <a:r>
+              <a:rPr lang="fa-IR" altLang="en-US" sz="2100" dirty="0">
+                <a:latin typeface="Times New Roman" pitchFamily="18" charset="0"/>
+                <a:cs typeface="B Nazanin" panose="00000400000000000000" pitchFamily="2" charset="-78"/>
+              </a:rPr>
+              <a:t> به صورت </a:t>
+            </a:r>
+            <a:r>
+              <a:rPr lang="fa-IR" altLang="en-US" sz="2100" dirty="0" err="1">
+                <a:latin typeface="Times New Roman" pitchFamily="18" charset="0"/>
+                <a:cs typeface="B Nazanin" panose="00000400000000000000" pitchFamily="2" charset="-78"/>
+              </a:rPr>
+              <a:t>نرم‌افزاری</a:t>
+            </a:r>
+            <a:r>
+              <a:rPr lang="fa-IR" altLang="en-US" sz="2100" dirty="0">
+                <a:latin typeface="Times New Roman" pitchFamily="18" charset="0"/>
+                <a:cs typeface="B Nazanin" panose="00000400000000000000" pitchFamily="2" charset="-78"/>
+              </a:rPr>
+              <a:t> </a:t>
+            </a:r>
+            <a:r>
+              <a:rPr lang="fa-IR" altLang="en-US" sz="2100" dirty="0" err="1">
+                <a:latin typeface="Times New Roman" pitchFamily="18" charset="0"/>
+                <a:cs typeface="B Nazanin" panose="00000400000000000000" pitchFamily="2" charset="-78"/>
+              </a:rPr>
+              <a:t>پیاده‌سازی</a:t>
+            </a:r>
+            <a:r>
+              <a:rPr lang="fa-IR" altLang="en-US" sz="2100" dirty="0">
+                <a:latin typeface="Times New Roman" pitchFamily="18" charset="0"/>
+                <a:cs typeface="B Nazanin" panose="00000400000000000000" pitchFamily="2" charset="-78"/>
+              </a:rPr>
+              <a:t> کرد تا از پیچیدگی زیاد کاسته شود. به طور خاص در این پروژه با این معماری</a:t>
+            </a:r>
+            <a:r>
+              <a:rPr lang="en-US" altLang="en-US" sz="1900" dirty="0">
+                <a:latin typeface="Times New Roman" pitchFamily="18" charset="0"/>
+                <a:cs typeface="B Nazanin" panose="00000400000000000000" pitchFamily="2" charset="-78"/>
+              </a:rPr>
+              <a:t>CNN</a:t>
+            </a:r>
+            <a:r>
+              <a:rPr lang="fa-IR" altLang="en-US" sz="2100" dirty="0">
+                <a:latin typeface="Times New Roman" pitchFamily="18" charset="0"/>
+                <a:cs typeface="B Nazanin" panose="00000400000000000000" pitchFamily="2" charset="-78"/>
+              </a:rPr>
+              <a:t> دیدیم که یکی از </a:t>
+            </a:r>
+            <a:r>
+              <a:rPr lang="en-US" altLang="en-US" sz="1900" dirty="0">
+                <a:latin typeface="Times New Roman" pitchFamily="18" charset="0"/>
+                <a:cs typeface="B Nazanin" panose="00000400000000000000" pitchFamily="2" charset="-78"/>
+              </a:rPr>
+              <a:t>Bottleneck</a:t>
+            </a:r>
+            <a:r>
+              <a:rPr lang="fa-IR" altLang="en-US" sz="2100" dirty="0">
+                <a:latin typeface="Times New Roman" pitchFamily="18" charset="0"/>
+                <a:cs typeface="B Nazanin" panose="00000400000000000000" pitchFamily="2" charset="-78"/>
+              </a:rPr>
+              <a:t> های اصلی سیستم، هر دو لایه </a:t>
+            </a:r>
+            <a:r>
+              <a:rPr lang="en-US" altLang="en-US" sz="1900" dirty="0">
+                <a:latin typeface="Times New Roman" pitchFamily="18" charset="0"/>
+                <a:cs typeface="B Nazanin" panose="00000400000000000000" pitchFamily="2" charset="-78"/>
+              </a:rPr>
+              <a:t>Convolution</a:t>
+            </a:r>
+            <a:r>
+              <a:rPr lang="fa-IR" altLang="en-US" sz="2100" dirty="0">
+                <a:latin typeface="Times New Roman" pitchFamily="18" charset="0"/>
+                <a:cs typeface="B Nazanin" panose="00000400000000000000" pitchFamily="2" charset="-78"/>
+              </a:rPr>
+              <a:t> بود و زمان بسیار زیادی را صرف محاسبات </a:t>
+            </a:r>
+            <a:r>
+              <a:rPr lang="fa-IR" altLang="en-US" sz="2100" dirty="0" err="1">
+                <a:latin typeface="Times New Roman" pitchFamily="18" charset="0"/>
+                <a:cs typeface="B Nazanin" panose="00000400000000000000" pitchFamily="2" charset="-78"/>
+              </a:rPr>
+              <a:t>می‌کرد</a:t>
+            </a:r>
+            <a:r>
+              <a:rPr lang="fa-IR" altLang="en-US" sz="2100" dirty="0">
+                <a:latin typeface="Times New Roman" pitchFamily="18" charset="0"/>
+                <a:cs typeface="B Nazanin" panose="00000400000000000000" pitchFamily="2" charset="-78"/>
+              </a:rPr>
+              <a:t>؛ در </a:t>
+            </a:r>
+            <a:r>
+              <a:rPr lang="fa-IR" altLang="en-US" sz="2100" dirty="0" err="1">
+                <a:latin typeface="Times New Roman" pitchFamily="18" charset="0"/>
+                <a:cs typeface="B Nazanin" panose="00000400000000000000" pitchFamily="2" charset="-78"/>
+              </a:rPr>
+              <a:t>طراحی‌های</a:t>
+            </a:r>
+            <a:r>
+              <a:rPr lang="fa-IR" altLang="en-US" sz="2100" dirty="0">
+                <a:latin typeface="Times New Roman" pitchFamily="18" charset="0"/>
+                <a:cs typeface="B Nazanin" panose="00000400000000000000" pitchFamily="2" charset="-78"/>
+              </a:rPr>
+              <a:t> </a:t>
+            </a:r>
+            <a:r>
+              <a:rPr lang="en-US" altLang="en-US" sz="1900" dirty="0">
+                <a:latin typeface="Times New Roman" pitchFamily="18" charset="0"/>
+                <a:cs typeface="B Nazanin" panose="00000400000000000000" pitchFamily="2" charset="-78"/>
+              </a:rPr>
+              <a:t>Real Time</a:t>
+            </a:r>
+            <a:r>
+              <a:rPr lang="fa-IR" altLang="en-US" sz="2100" dirty="0">
+                <a:latin typeface="Times New Roman" pitchFamily="18" charset="0"/>
+                <a:cs typeface="B Nazanin" panose="00000400000000000000" pitchFamily="2" charset="-78"/>
+              </a:rPr>
+              <a:t> این موضوع خیلی بیشتر خود را نشان می دهد. یکی از تکنیک های مورد استفاده برای حل این مشکل طراحی و پیاده سازی سخت افزاری لایه </a:t>
+            </a:r>
+            <a:r>
+              <a:rPr lang="fa-IR" altLang="en-US" sz="2100" dirty="0" err="1">
+                <a:latin typeface="Times New Roman" pitchFamily="18" charset="0"/>
+                <a:cs typeface="B Nazanin" panose="00000400000000000000" pitchFamily="2" charset="-78"/>
+              </a:rPr>
+              <a:t>زمانبر</a:t>
+            </a:r>
+            <a:r>
+              <a:rPr lang="fa-IR" altLang="en-US" sz="2100" dirty="0">
+                <a:latin typeface="Times New Roman" pitchFamily="18" charset="0"/>
+                <a:cs typeface="B Nazanin" panose="00000400000000000000" pitchFamily="2" charset="-78"/>
+              </a:rPr>
+              <a:t> و قرار دادن آن به صورت </a:t>
+            </a:r>
+            <a:r>
+              <a:rPr lang="en-US" altLang="en-US" sz="1900" dirty="0">
+                <a:latin typeface="Times New Roman" pitchFamily="18" charset="0"/>
+                <a:cs typeface="B Nazanin" panose="00000400000000000000" pitchFamily="2" charset="-78"/>
+              </a:rPr>
+              <a:t>Accelerator</a:t>
+            </a:r>
+            <a:r>
+              <a:rPr lang="fa-IR" altLang="en-US" sz="2100" dirty="0">
+                <a:latin typeface="Times New Roman" pitchFamily="18" charset="0"/>
+                <a:cs typeface="B Nazanin" panose="00000400000000000000" pitchFamily="2" charset="-78"/>
+              </a:rPr>
+              <a:t> در کنار واحد </a:t>
+            </a:r>
+            <a:r>
+              <a:rPr lang="en-US" altLang="en-US" sz="1900" dirty="0">
+                <a:latin typeface="Times New Roman" pitchFamily="18" charset="0"/>
+                <a:cs typeface="B Nazanin" panose="00000400000000000000" pitchFamily="2" charset="-78"/>
+              </a:rPr>
+              <a:t>CPU</a:t>
+            </a:r>
+            <a:r>
+              <a:rPr lang="fa-IR" altLang="en-US" sz="2100" dirty="0">
+                <a:latin typeface="Times New Roman" pitchFamily="18" charset="0"/>
+                <a:cs typeface="B Nazanin" panose="00000400000000000000" pitchFamily="2" charset="-78"/>
+              </a:rPr>
+              <a:t> می باشد.</a:t>
+            </a:r>
+          </a:p>
+          <a:p>
+            <a:pPr algn="just" rtl="1"/>
+            <a:r>
+              <a:rPr lang="fa-IR" altLang="en-US" sz="2100" dirty="0">
+                <a:latin typeface="Times New Roman" pitchFamily="18" charset="0"/>
+                <a:cs typeface="B Nazanin" panose="00000400000000000000" pitchFamily="2" charset="-78"/>
+              </a:rPr>
+              <a:t>در آینده </a:t>
+            </a:r>
+            <a:r>
+              <a:rPr lang="fa-IR" altLang="en-US" sz="2100" dirty="0" err="1">
+                <a:latin typeface="Times New Roman" pitchFamily="18" charset="0"/>
+                <a:cs typeface="B Nazanin" panose="00000400000000000000" pitchFamily="2" charset="-78"/>
+              </a:rPr>
+              <a:t>می‌توان</a:t>
+            </a:r>
+            <a:r>
+              <a:rPr lang="fa-IR" altLang="en-US" sz="2100" dirty="0">
+                <a:latin typeface="Times New Roman" pitchFamily="18" charset="0"/>
+                <a:cs typeface="B Nazanin" panose="00000400000000000000" pitchFamily="2" charset="-78"/>
+              </a:rPr>
+              <a:t> علاوه بر قسمت </a:t>
+            </a:r>
+            <a:r>
+              <a:rPr lang="en-US" altLang="en-US" sz="1900" dirty="0">
+                <a:latin typeface="Times New Roman" pitchFamily="18" charset="0"/>
+                <a:cs typeface="B Nazanin" panose="00000400000000000000" pitchFamily="2" charset="-78"/>
+              </a:rPr>
+              <a:t>Evaluation</a:t>
+            </a:r>
+            <a:r>
+              <a:rPr lang="en-US" altLang="en-US" sz="2100" dirty="0">
+                <a:latin typeface="Times New Roman" pitchFamily="18" charset="0"/>
+                <a:cs typeface="B Nazanin" panose="00000400000000000000" pitchFamily="2" charset="-78"/>
+              </a:rPr>
+              <a:t>، </a:t>
+            </a:r>
+            <a:r>
+              <a:rPr lang="fa-IR" altLang="en-US" sz="2100" dirty="0">
+                <a:latin typeface="Times New Roman" pitchFamily="18" charset="0"/>
+                <a:cs typeface="B Nazanin" panose="00000400000000000000" pitchFamily="2" charset="-78"/>
+              </a:rPr>
+              <a:t>قسمت </a:t>
+            </a:r>
+            <a:r>
+              <a:rPr lang="en-US" altLang="en-US" sz="1900" dirty="0">
+                <a:latin typeface="Times New Roman" pitchFamily="18" charset="0"/>
+                <a:cs typeface="B Nazanin" panose="00000400000000000000" pitchFamily="2" charset="-78"/>
+              </a:rPr>
+              <a:t>train</a:t>
+            </a:r>
+            <a:r>
+              <a:rPr lang="fa-IR" altLang="en-US" sz="2100" dirty="0">
+                <a:latin typeface="Times New Roman" pitchFamily="18" charset="0"/>
+                <a:cs typeface="B Nazanin" panose="00000400000000000000" pitchFamily="2" charset="-78"/>
+              </a:rPr>
+              <a:t> کردن را نیز به صورت </a:t>
+            </a:r>
+            <a:r>
+              <a:rPr lang="fa-IR" altLang="en-US" sz="2100" dirty="0" err="1">
+                <a:latin typeface="Times New Roman" pitchFamily="18" charset="0"/>
+                <a:cs typeface="B Nazanin" panose="00000400000000000000" pitchFamily="2" charset="-78"/>
+              </a:rPr>
+              <a:t>سخت‌افزاری</a:t>
+            </a:r>
+            <a:r>
+              <a:rPr lang="fa-IR" altLang="en-US" sz="2100" dirty="0">
+                <a:latin typeface="Times New Roman" pitchFamily="18" charset="0"/>
+                <a:cs typeface="B Nazanin" panose="00000400000000000000" pitchFamily="2" charset="-78"/>
+              </a:rPr>
+              <a:t> </a:t>
+            </a:r>
+            <a:r>
+              <a:rPr lang="fa-IR" altLang="en-US" sz="2100" dirty="0" err="1">
+                <a:latin typeface="Times New Roman" pitchFamily="18" charset="0"/>
+                <a:cs typeface="B Nazanin" panose="00000400000000000000" pitchFamily="2" charset="-78"/>
+              </a:rPr>
+              <a:t>پیاده‌سازی</a:t>
+            </a:r>
+            <a:r>
+              <a:rPr lang="fa-IR" altLang="en-US" sz="2100" dirty="0">
+                <a:latin typeface="Times New Roman" pitchFamily="18" charset="0"/>
+                <a:cs typeface="B Nazanin" panose="00000400000000000000" pitchFamily="2" charset="-78"/>
+              </a:rPr>
+              <a:t> کرد؛ زیرا یک بخش عظیمی از زمان در </a:t>
+            </a:r>
+            <a:r>
+              <a:rPr lang="en-US" altLang="en-US" sz="1900" dirty="0">
+                <a:latin typeface="Times New Roman" pitchFamily="18" charset="0"/>
+                <a:cs typeface="B Nazanin" panose="00000400000000000000" pitchFamily="2" charset="-78"/>
+              </a:rPr>
+              <a:t>train</a:t>
+            </a:r>
+            <a:r>
+              <a:rPr lang="fa-IR" altLang="en-US" sz="2100" dirty="0">
+                <a:latin typeface="Times New Roman" pitchFamily="18" charset="0"/>
+                <a:cs typeface="B Nazanin" panose="00000400000000000000" pitchFamily="2" charset="-78"/>
+              </a:rPr>
+              <a:t> کردن سپری </a:t>
+            </a:r>
+            <a:r>
+              <a:rPr lang="fa-IR" altLang="en-US" sz="2100" dirty="0" err="1">
+                <a:latin typeface="Times New Roman" pitchFamily="18" charset="0"/>
+                <a:cs typeface="B Nazanin" panose="00000400000000000000" pitchFamily="2" charset="-78"/>
+              </a:rPr>
+              <a:t>می‌شود</a:t>
+            </a:r>
+            <a:r>
+              <a:rPr lang="fa-IR" altLang="en-US" sz="2100" dirty="0">
+                <a:latin typeface="Times New Roman" pitchFamily="18" charset="0"/>
+                <a:cs typeface="B Nazanin" panose="00000400000000000000" pitchFamily="2" charset="-78"/>
+              </a:rPr>
+              <a:t> و </a:t>
+            </a:r>
+            <a:r>
+              <a:rPr lang="fa-IR" altLang="en-US" sz="2100" dirty="0" err="1">
+                <a:latin typeface="Times New Roman" pitchFamily="18" charset="0"/>
+                <a:cs typeface="B Nazanin" panose="00000400000000000000" pitchFamily="2" charset="-78"/>
+              </a:rPr>
+              <a:t>می‌توان</a:t>
+            </a:r>
+            <a:r>
+              <a:rPr lang="fa-IR" altLang="en-US" sz="2100" dirty="0">
+                <a:latin typeface="Times New Roman" pitchFamily="18" charset="0"/>
+                <a:cs typeface="B Nazanin" panose="00000400000000000000" pitchFamily="2" charset="-78"/>
+              </a:rPr>
+              <a:t> از این موضوع به خوبی استفاده کرد و زمان </a:t>
+            </a:r>
+            <a:r>
+              <a:rPr lang="en-US" altLang="en-US" sz="1900" dirty="0">
+                <a:latin typeface="Times New Roman" pitchFamily="18" charset="0"/>
+                <a:cs typeface="B Nazanin" panose="00000400000000000000" pitchFamily="2" charset="-78"/>
+              </a:rPr>
+              <a:t>train</a:t>
+            </a:r>
+            <a:r>
+              <a:rPr lang="fa-IR" altLang="en-US" sz="2100" dirty="0">
+                <a:latin typeface="Times New Roman" pitchFamily="18" charset="0"/>
+                <a:cs typeface="B Nazanin" panose="00000400000000000000" pitchFamily="2" charset="-78"/>
+              </a:rPr>
+              <a:t> کردن را </a:t>
+            </a:r>
+            <a:r>
+              <a:rPr lang="fa-IR" altLang="en-US" sz="2100" dirty="0" err="1">
+                <a:latin typeface="Times New Roman" pitchFamily="18" charset="0"/>
+                <a:cs typeface="B Nazanin" panose="00000400000000000000" pitchFamily="2" charset="-78"/>
+              </a:rPr>
+              <a:t>فوق‌العاده</a:t>
+            </a:r>
+            <a:r>
+              <a:rPr lang="fa-IR" altLang="en-US" sz="2100" dirty="0">
+                <a:latin typeface="Times New Roman" pitchFamily="18" charset="0"/>
+                <a:cs typeface="B Nazanin" panose="00000400000000000000" pitchFamily="2" charset="-78"/>
+              </a:rPr>
+              <a:t> کاهش داد. همچنین با استفاده از پارامتری بودن تمام </a:t>
+            </a:r>
+            <a:r>
+              <a:rPr lang="fa-IR" altLang="en-US" sz="2100" dirty="0" err="1">
+                <a:latin typeface="Times New Roman" pitchFamily="18" charset="0"/>
+                <a:cs typeface="B Nazanin" panose="00000400000000000000" pitchFamily="2" charset="-78"/>
+              </a:rPr>
+              <a:t>طراحی‌های</a:t>
+            </a:r>
+            <a:r>
+              <a:rPr lang="fa-IR" altLang="en-US" sz="2100" dirty="0">
+                <a:latin typeface="Times New Roman" pitchFamily="18" charset="0"/>
+                <a:cs typeface="B Nazanin" panose="00000400000000000000" pitchFamily="2" charset="-78"/>
+              </a:rPr>
+              <a:t> انجام شده </a:t>
+            </a:r>
+            <a:r>
+              <a:rPr lang="fa-IR" altLang="en-US" sz="2100" dirty="0" err="1">
+                <a:latin typeface="Times New Roman" pitchFamily="18" charset="0"/>
+                <a:cs typeface="B Nazanin" panose="00000400000000000000" pitchFamily="2" charset="-78"/>
+              </a:rPr>
+              <a:t>می‌توان</a:t>
+            </a:r>
+            <a:r>
+              <a:rPr lang="fa-IR" altLang="en-US" sz="2100" dirty="0">
+                <a:latin typeface="Times New Roman" pitchFamily="18" charset="0"/>
+                <a:cs typeface="B Nazanin" panose="00000400000000000000" pitchFamily="2" charset="-78"/>
+              </a:rPr>
+              <a:t> با تغییر دادن </a:t>
+            </a:r>
+            <a:r>
+              <a:rPr lang="fa-IR" altLang="en-US" sz="2100" dirty="0" err="1">
+                <a:latin typeface="Times New Roman" pitchFamily="18" charset="0"/>
+                <a:cs typeface="B Nazanin" panose="00000400000000000000" pitchFamily="2" charset="-78"/>
+              </a:rPr>
+              <a:t>پارامتر‌ها</a:t>
+            </a:r>
+            <a:r>
+              <a:rPr lang="fa-IR" altLang="en-US" sz="2100" dirty="0">
+                <a:latin typeface="Times New Roman" pitchFamily="18" charset="0"/>
+                <a:cs typeface="B Nazanin" panose="00000400000000000000" pitchFamily="2" charset="-78"/>
+              </a:rPr>
+              <a:t> و کم و زیاد کردن </a:t>
+            </a:r>
+            <a:r>
+              <a:rPr lang="fa-IR" altLang="en-US" sz="2100" dirty="0" err="1">
+                <a:latin typeface="Times New Roman" pitchFamily="18" charset="0"/>
+                <a:cs typeface="B Nazanin" panose="00000400000000000000" pitchFamily="2" charset="-78"/>
+              </a:rPr>
+              <a:t>لایه‌ها</a:t>
+            </a:r>
+            <a:r>
+              <a:rPr lang="fa-IR" altLang="en-US" sz="2100" dirty="0">
+                <a:latin typeface="Times New Roman" pitchFamily="18" charset="0"/>
+                <a:cs typeface="B Nazanin" panose="00000400000000000000" pitchFamily="2" charset="-78"/>
+              </a:rPr>
+              <a:t> و همچنین استفاده از </a:t>
+            </a:r>
+            <a:r>
+              <a:rPr lang="fa-IR" altLang="en-US" sz="2100" dirty="0" err="1">
+                <a:latin typeface="Times New Roman" pitchFamily="18" charset="0"/>
+                <a:cs typeface="B Nazanin" panose="00000400000000000000" pitchFamily="2" charset="-78"/>
+              </a:rPr>
+              <a:t>شبکه‌ها</a:t>
+            </a:r>
+            <a:r>
+              <a:rPr lang="fa-IR" altLang="en-US" sz="2100" dirty="0">
+                <a:latin typeface="Times New Roman" pitchFamily="18" charset="0"/>
+                <a:cs typeface="B Nazanin" panose="00000400000000000000" pitchFamily="2" charset="-78"/>
+              </a:rPr>
+              <a:t> و </a:t>
+            </a:r>
+            <a:r>
+              <a:rPr lang="fa-IR" altLang="en-US" sz="2100" dirty="0" err="1">
+                <a:latin typeface="Times New Roman" pitchFamily="18" charset="0"/>
+                <a:cs typeface="B Nazanin" panose="00000400000000000000" pitchFamily="2" charset="-78"/>
+              </a:rPr>
+              <a:t>معماری‌های</a:t>
+            </a:r>
+            <a:r>
+              <a:rPr lang="fa-IR" altLang="en-US" sz="2100" dirty="0">
+                <a:latin typeface="Times New Roman" pitchFamily="18" charset="0"/>
+                <a:cs typeface="B Nazanin" panose="00000400000000000000" pitchFamily="2" charset="-78"/>
+              </a:rPr>
+              <a:t> دیگر، زمان اجرا را برای </a:t>
+            </a:r>
+            <a:r>
+              <a:rPr lang="fa-IR" altLang="en-US" sz="2100" dirty="0" err="1">
+                <a:latin typeface="Times New Roman" pitchFamily="18" charset="0"/>
+                <a:cs typeface="B Nazanin" panose="00000400000000000000" pitchFamily="2" charset="-78"/>
+              </a:rPr>
+              <a:t>حالت‌های</a:t>
+            </a:r>
+            <a:r>
+              <a:rPr lang="fa-IR" altLang="en-US" sz="2100" dirty="0">
+                <a:latin typeface="Times New Roman" pitchFamily="18" charset="0"/>
+                <a:cs typeface="B Nazanin" panose="00000400000000000000" pitchFamily="2" charset="-78"/>
+              </a:rPr>
+              <a:t> دیگر محاسبه کرد تا این اطلاعات دید خوبی برای طراحان داشته باشد.</a:t>
             </a:r>
           </a:p>
           <a:p>
             <a:pPr algn="r" rtl="1"/>
-            <a:r>
-              <a:rPr lang="fa-IR" altLang="en-US" sz="2400" dirty="0">
-                <a:latin typeface="Times New Roman" pitchFamily="18" charset="0"/>
-                <a:cs typeface="B Nazanin" panose="00000400000000000000" pitchFamily="2" charset="-78"/>
-              </a:rPr>
-              <a:t>در آینده می‌توان علاوه بر قسمت </a:t>
-            </a:r>
-            <a:r>
-              <a:rPr lang="en-US" altLang="en-US" sz="2400" dirty="0">
-                <a:latin typeface="Times New Roman" pitchFamily="18" charset="0"/>
-                <a:cs typeface="B Nazanin" panose="00000400000000000000" pitchFamily="2" charset="-78"/>
-              </a:rPr>
-              <a:t>Evaluation، </a:t>
-            </a:r>
-            <a:r>
-              <a:rPr lang="fa-IR" altLang="en-US" sz="2400" dirty="0">
-                <a:latin typeface="Times New Roman" pitchFamily="18" charset="0"/>
-                <a:cs typeface="B Nazanin" panose="00000400000000000000" pitchFamily="2" charset="-78"/>
-              </a:rPr>
-              <a:t>قسمت </a:t>
-            </a:r>
-            <a:r>
-              <a:rPr lang="en-US" altLang="en-US" sz="2400" dirty="0">
-                <a:latin typeface="Times New Roman" pitchFamily="18" charset="0"/>
-                <a:cs typeface="B Nazanin" panose="00000400000000000000" pitchFamily="2" charset="-78"/>
-              </a:rPr>
-              <a:t>Train </a:t>
-            </a:r>
-            <a:r>
-              <a:rPr lang="fa-IR" altLang="en-US" sz="2400" dirty="0">
-                <a:latin typeface="Times New Roman" pitchFamily="18" charset="0"/>
-                <a:cs typeface="B Nazanin" panose="00000400000000000000" pitchFamily="2" charset="-78"/>
-              </a:rPr>
-              <a:t>کردن را نیز به صورت سخت‌افزاری پیاده‌سازی کرد؛ زیرا یک بخش عظیمی از زمان در </a:t>
-            </a:r>
-            <a:r>
-              <a:rPr lang="en-US" altLang="en-US" sz="2400" dirty="0">
-                <a:latin typeface="Times New Roman" pitchFamily="18" charset="0"/>
-                <a:cs typeface="B Nazanin" panose="00000400000000000000" pitchFamily="2" charset="-78"/>
-              </a:rPr>
-              <a:t>train </a:t>
-            </a:r>
-            <a:r>
-              <a:rPr lang="fa-IR" altLang="en-US" sz="2400" dirty="0">
-                <a:latin typeface="Times New Roman" pitchFamily="18" charset="0"/>
-                <a:cs typeface="B Nazanin" panose="00000400000000000000" pitchFamily="2" charset="-78"/>
-              </a:rPr>
-              <a:t>کردن سپری می‌شود و می‌توان از این موضوع به خوبی استفاده کرد و زمان </a:t>
-            </a:r>
-            <a:r>
-              <a:rPr lang="en-US" altLang="en-US" sz="2400" dirty="0">
-                <a:latin typeface="Times New Roman" pitchFamily="18" charset="0"/>
-                <a:cs typeface="B Nazanin" panose="00000400000000000000" pitchFamily="2" charset="-78"/>
-              </a:rPr>
-              <a:t>train </a:t>
-            </a:r>
-            <a:r>
-              <a:rPr lang="fa-IR" altLang="en-US" sz="2400" dirty="0">
-                <a:latin typeface="Times New Roman" pitchFamily="18" charset="0"/>
-                <a:cs typeface="B Nazanin" panose="00000400000000000000" pitchFamily="2" charset="-78"/>
-              </a:rPr>
-              <a:t>کردن را فوق‌العاده کاهش داد.</a:t>
-            </a:r>
+            <a:endParaRPr lang="fa-IR" altLang="en-US" sz="2100" dirty="0">
+              <a:latin typeface="Times New Roman" pitchFamily="18" charset="0"/>
+              <a:cs typeface="B Nazanin" panose="00000400000000000000" pitchFamily="2" charset="-78"/>
+            </a:endParaRPr>
           </a:p>
         </p:txBody>
       </p:sp>
@@ -6462,8 +7835,8 @@
         </p:nvSpPr>
         <p:spPr bwMode="auto">
           <a:xfrm>
-            <a:off x="3438661" y="25117678"/>
-            <a:ext cx="4009476" cy="892845"/>
+            <a:off x="520312" y="25092326"/>
+            <a:ext cx="10067738" cy="892845"/>
           </a:xfrm>
           <a:prstGeom prst="rect">
             <a:avLst/>
@@ -6503,7 +7876,7 @@
           </a:extLst>
         </p:spPr>
         <p:txBody>
-          <a:bodyPr lIns="61250" tIns="30625" rIns="61250" bIns="30625">
+          <a:bodyPr wrap="square" lIns="61250" tIns="30625" rIns="61250" bIns="30625">
             <a:spAutoFit/>
           </a:bodyPr>
           <a:lstStyle>
@@ -6939,807 +8312,6 @@
           </a:p>
         </p:txBody>
       </p:sp>
-      <p:sp>
-        <p:nvSpPr>
-          <p:cNvPr id="4" name="Text Box 36">
-            <a:extLst>
-              <a:ext uri="{FF2B5EF4-FFF2-40B4-BE49-F238E27FC236}">
-                <a16:creationId xmlns:a16="http://schemas.microsoft.com/office/drawing/2014/main" id="{28971D80-B095-A19A-EE1C-EF56DA072A73}"/>
-              </a:ext>
-            </a:extLst>
-          </p:cNvPr>
-          <p:cNvSpPr txBox="1">
-            <a:spLocks noChangeArrowheads="1"/>
-          </p:cNvSpPr>
-          <p:nvPr/>
-        </p:nvSpPr>
-        <p:spPr bwMode="auto">
-          <a:xfrm>
-            <a:off x="11342483" y="18401714"/>
-            <a:ext cx="9079115" cy="872369"/>
-          </a:xfrm>
-          <a:prstGeom prst="rect">
-            <a:avLst/>
-          </a:prstGeom>
-          <a:noFill/>
-          <a:ln>
-            <a:noFill/>
-          </a:ln>
-          <a:effectLst/>
-          <a:extLst>
-            <a:ext uri="{909E8E84-426E-40DD-AFC4-6F175D3DCCD1}">
-              <a14:hiddenFill xmlns:a14="http://schemas.microsoft.com/office/drawing/2010/main">
-                <a:solidFill>
-                  <a:schemeClr val="bg1"/>
-                </a:solidFill>
-              </a14:hiddenFill>
-            </a:ext>
-            <a:ext uri="{91240B29-F687-4F45-9708-019B960494DF}">
-              <a14:hiddenLine xmlns:a14="http://schemas.microsoft.com/office/drawing/2010/main" w="57150" cmpd="thinThick">
-                <a:solidFill>
-                  <a:schemeClr val="tx1"/>
-                </a:solidFill>
-                <a:miter lim="800000"/>
-                <a:headEnd/>
-                <a:tailEnd/>
-              </a14:hiddenLine>
-            </a:ext>
-            <a:ext uri="{AF507438-7753-43E0-B8FC-AC1667EBCBE1}">
-              <a14:hiddenEffects xmlns:a14="http://schemas.microsoft.com/office/drawing/2010/main">
-                <a:effectLst>
-                  <a:outerShdw dist="35921" dir="2700000" algn="ctr" rotWithShape="0">
-                    <a:schemeClr val="bg2"/>
-                  </a:outerShdw>
-                </a:effectLst>
-              </a14:hiddenEffects>
-            </a:ext>
-          </a:extLst>
-        </p:spPr>
-        <p:txBody>
-          <a:bodyPr wrap="square" lIns="40974" tIns="20486" rIns="40974" bIns="20486">
-            <a:spAutoFit/>
-          </a:bodyPr>
-          <a:lstStyle>
-            <a:lvl1pPr defTabSz="488950" eaLnBrk="0" hangingPunct="0">
-              <a:defRPr sz="6900">
-                <a:solidFill>
-                  <a:schemeClr val="tx1"/>
-                </a:solidFill>
-                <a:latin typeface="Arial" charset="0"/>
-              </a:defRPr>
-            </a:lvl1pPr>
-            <a:lvl2pPr marL="742950" indent="-285750" defTabSz="488950" eaLnBrk="0" hangingPunct="0">
-              <a:defRPr sz="6900">
-                <a:solidFill>
-                  <a:schemeClr val="tx1"/>
-                </a:solidFill>
-                <a:latin typeface="Arial" charset="0"/>
-              </a:defRPr>
-            </a:lvl2pPr>
-            <a:lvl3pPr marL="1143000" indent="-228600" defTabSz="488950" eaLnBrk="0" hangingPunct="0">
-              <a:defRPr sz="6900">
-                <a:solidFill>
-                  <a:schemeClr val="tx1"/>
-                </a:solidFill>
-                <a:latin typeface="Arial" charset="0"/>
-              </a:defRPr>
-            </a:lvl3pPr>
-            <a:lvl4pPr marL="1600200" indent="-228600" defTabSz="488950" eaLnBrk="0" hangingPunct="0">
-              <a:defRPr sz="6900">
-                <a:solidFill>
-                  <a:schemeClr val="tx1"/>
-                </a:solidFill>
-                <a:latin typeface="Arial" charset="0"/>
-              </a:defRPr>
-            </a:lvl4pPr>
-            <a:lvl5pPr marL="2057400" indent="-228600" defTabSz="488950" eaLnBrk="0" hangingPunct="0">
-              <a:defRPr sz="6900">
-                <a:solidFill>
-                  <a:schemeClr val="tx1"/>
-                </a:solidFill>
-                <a:latin typeface="Arial" charset="0"/>
-              </a:defRPr>
-            </a:lvl5pPr>
-            <a:lvl6pPr marL="2514600" indent="-228600" algn="ctr" defTabSz="488950" eaLnBrk="0" fontAlgn="base" hangingPunct="0">
-              <a:spcBef>
-                <a:spcPct val="0"/>
-              </a:spcBef>
-              <a:spcAft>
-                <a:spcPct val="0"/>
-              </a:spcAft>
-              <a:defRPr sz="6900">
-                <a:solidFill>
-                  <a:schemeClr val="tx1"/>
-                </a:solidFill>
-                <a:latin typeface="Arial" charset="0"/>
-              </a:defRPr>
-            </a:lvl6pPr>
-            <a:lvl7pPr marL="2971800" indent="-228600" algn="ctr" defTabSz="488950" eaLnBrk="0" fontAlgn="base" hangingPunct="0">
-              <a:spcBef>
-                <a:spcPct val="0"/>
-              </a:spcBef>
-              <a:spcAft>
-                <a:spcPct val="0"/>
-              </a:spcAft>
-              <a:defRPr sz="6900">
-                <a:solidFill>
-                  <a:schemeClr val="tx1"/>
-                </a:solidFill>
-                <a:latin typeface="Arial" charset="0"/>
-              </a:defRPr>
-            </a:lvl7pPr>
-            <a:lvl8pPr marL="3429000" indent="-228600" algn="ctr" defTabSz="488950" eaLnBrk="0" fontAlgn="base" hangingPunct="0">
-              <a:spcBef>
-                <a:spcPct val="0"/>
-              </a:spcBef>
-              <a:spcAft>
-                <a:spcPct val="0"/>
-              </a:spcAft>
-              <a:defRPr sz="6900">
-                <a:solidFill>
-                  <a:schemeClr val="tx1"/>
-                </a:solidFill>
-                <a:latin typeface="Arial" charset="0"/>
-              </a:defRPr>
-            </a:lvl8pPr>
-            <a:lvl9pPr marL="3886200" indent="-228600" algn="ctr" defTabSz="488950" eaLnBrk="0" fontAlgn="base" hangingPunct="0">
-              <a:spcBef>
-                <a:spcPct val="0"/>
-              </a:spcBef>
-              <a:spcAft>
-                <a:spcPct val="0"/>
-              </a:spcAft>
-              <a:defRPr sz="6900">
-                <a:solidFill>
-                  <a:schemeClr val="tx1"/>
-                </a:solidFill>
-                <a:latin typeface="Arial" charset="0"/>
-              </a:defRPr>
-            </a:lvl9pPr>
-          </a:lstStyle>
-          <a:p>
-            <a:pPr algn="just" rtl="1"/>
-            <a:r>
-              <a:rPr lang="fa-IR" altLang="en-US" sz="1800" dirty="0">
-                <a:latin typeface="Times New Roman" pitchFamily="18" charset="0"/>
-                <a:cs typeface="B Nazanin" panose="00000400000000000000" pitchFamily="2" charset="-78"/>
-              </a:rPr>
-              <a:t>تعداد لایه‌ها و نورون‌های مختلفی برای این مدل بررسی شد. در بهترین حالت، مدل مورد بررسی به دقت </a:t>
-            </a:r>
-            <a:r>
-              <a:rPr lang="en-US" altLang="en-US" sz="1600" dirty="0">
-                <a:latin typeface="Times New Roman" pitchFamily="18" charset="0"/>
-                <a:cs typeface="B Nazanin" panose="00000400000000000000" pitchFamily="2" charset="-78"/>
-              </a:rPr>
-              <a:t>97.36%</a:t>
-            </a:r>
-            <a:r>
-              <a:rPr lang="fa-IR" altLang="en-US" sz="1800" dirty="0">
-                <a:latin typeface="Times New Roman" pitchFamily="18" charset="0"/>
-                <a:cs typeface="B Nazanin" panose="00000400000000000000" pitchFamily="2" charset="-78"/>
-              </a:rPr>
-              <a:t> بر روی داده‌های </a:t>
-            </a:r>
-            <a:r>
-              <a:rPr lang="en-US" altLang="en-US" sz="1600" dirty="0">
-                <a:latin typeface="Times New Roman" pitchFamily="18" charset="0"/>
-                <a:cs typeface="B Nazanin" panose="00000400000000000000" pitchFamily="2" charset="-78"/>
-              </a:rPr>
-              <a:t>training</a:t>
-            </a:r>
-            <a:r>
-              <a:rPr lang="fa-IR" altLang="en-US" sz="1800" dirty="0">
-                <a:latin typeface="Times New Roman" pitchFamily="18" charset="0"/>
-                <a:cs typeface="B Nazanin" panose="00000400000000000000" pitchFamily="2" charset="-78"/>
-              </a:rPr>
-              <a:t> رسید، در حالی که مشاهده شد بر روی داده‌های </a:t>
-            </a:r>
-            <a:r>
-              <a:rPr lang="en-US" altLang="en-US" sz="1600" dirty="0">
-                <a:latin typeface="Times New Roman" pitchFamily="18" charset="0"/>
-                <a:cs typeface="B Nazanin" panose="00000400000000000000" pitchFamily="2" charset="-78"/>
-              </a:rPr>
-              <a:t>test</a:t>
-            </a:r>
-            <a:r>
-              <a:rPr lang="fa-IR" altLang="en-US" sz="1800" dirty="0">
-                <a:latin typeface="Times New Roman" pitchFamily="18" charset="0"/>
-                <a:cs typeface="B Nazanin" panose="00000400000000000000" pitchFamily="2" charset="-78"/>
-              </a:rPr>
-              <a:t> عملکرد خوبی ندارد، که می‌تواند نشانه </a:t>
-            </a:r>
-            <a:r>
-              <a:rPr lang="en-US" altLang="en-US" sz="1600" dirty="0">
-                <a:latin typeface="Times New Roman" pitchFamily="18" charset="0"/>
-                <a:cs typeface="B Nazanin" panose="00000400000000000000" pitchFamily="2" charset="-78"/>
-              </a:rPr>
-              <a:t>overfitting</a:t>
-            </a:r>
-            <a:r>
-              <a:rPr lang="fa-IR" altLang="en-US" sz="1800" dirty="0">
-                <a:latin typeface="Times New Roman" pitchFamily="18" charset="0"/>
-                <a:cs typeface="B Nazanin" panose="00000400000000000000" pitchFamily="2" charset="-78"/>
-              </a:rPr>
-              <a:t> باشد. برای حل این مشکل، نوع دیگری از هوش مصنوعی مورد استفاده قرار گرفت:</a:t>
-            </a:r>
-          </a:p>
-        </p:txBody>
-      </p:sp>
-      <p:grpSp>
-        <p:nvGrpSpPr>
-          <p:cNvPr id="16" name="Group 15">
-            <a:extLst>
-              <a:ext uri="{FF2B5EF4-FFF2-40B4-BE49-F238E27FC236}">
-                <a16:creationId xmlns:a16="http://schemas.microsoft.com/office/drawing/2014/main" id="{FF823E38-C052-C47E-CA0F-2F67C0002BAA}"/>
-              </a:ext>
-            </a:extLst>
-          </p:cNvPr>
-          <p:cNvGrpSpPr/>
-          <p:nvPr/>
-        </p:nvGrpSpPr>
-        <p:grpSpPr>
-          <a:xfrm>
-            <a:off x="11342482" y="15374575"/>
-            <a:ext cx="9167535" cy="2950597"/>
-            <a:chOff x="11342482" y="15882575"/>
-            <a:chExt cx="9167535" cy="2950597"/>
-          </a:xfrm>
-        </p:grpSpPr>
-        <p:sp>
-          <p:nvSpPr>
-            <p:cNvPr id="6" name="TextBox 5">
-              <a:extLst>
-                <a:ext uri="{FF2B5EF4-FFF2-40B4-BE49-F238E27FC236}">
-                  <a16:creationId xmlns:a16="http://schemas.microsoft.com/office/drawing/2014/main" id="{5FAF30E9-11E6-93BB-49C9-7846FDF45B78}"/>
-                </a:ext>
-              </a:extLst>
-            </p:cNvPr>
-            <p:cNvSpPr txBox="1"/>
-            <p:nvPr/>
-          </p:nvSpPr>
-          <p:spPr>
-            <a:xfrm>
-              <a:off x="11430901" y="15882575"/>
-              <a:ext cx="9079116" cy="400110"/>
-            </a:xfrm>
-            <a:prstGeom prst="rect">
-              <a:avLst/>
-            </a:prstGeom>
-            <a:noFill/>
-          </p:spPr>
-          <p:txBody>
-            <a:bodyPr wrap="square">
-              <a:spAutoFit/>
-            </a:bodyPr>
-            <a:lstStyle/>
-            <a:p>
-              <a:r>
-                <a:rPr lang="en-US" altLang="en-US" sz="2000" b="1" dirty="0">
-                  <a:latin typeface="Times New Roman" pitchFamily="18" charset="0"/>
-                  <a:cs typeface="B Nazanin" panose="00000400000000000000" pitchFamily="2" charset="-78"/>
-                </a:rPr>
-                <a:t>Multilayer Perceptron (MLP)</a:t>
-              </a:r>
-              <a:endParaRPr lang="fa-IR" altLang="en-US" sz="2000" b="1" dirty="0">
-                <a:latin typeface="Times New Roman" pitchFamily="18" charset="0"/>
-                <a:cs typeface="B Nazanin" panose="00000400000000000000" pitchFamily="2" charset="-78"/>
-              </a:endParaRPr>
-            </a:p>
-          </p:txBody>
-        </p:sp>
-        <p:grpSp>
-          <p:nvGrpSpPr>
-            <p:cNvPr id="13" name="Group 12">
-              <a:extLst>
-                <a:ext uri="{FF2B5EF4-FFF2-40B4-BE49-F238E27FC236}">
-                  <a16:creationId xmlns:a16="http://schemas.microsoft.com/office/drawing/2014/main" id="{EEC942D4-20CC-3671-FF5E-33141692EDBE}"/>
-                </a:ext>
-              </a:extLst>
-            </p:cNvPr>
-            <p:cNvGrpSpPr/>
-            <p:nvPr/>
-          </p:nvGrpSpPr>
-          <p:grpSpPr>
-            <a:xfrm>
-              <a:off x="11342482" y="16298810"/>
-              <a:ext cx="9079116" cy="2534362"/>
-              <a:chOff x="11342482" y="16298810"/>
-              <a:chExt cx="9079116" cy="2534362"/>
-            </a:xfrm>
-          </p:grpSpPr>
-          <p:pic>
-            <p:nvPicPr>
-              <p:cNvPr id="2050" name="Picture 2">
-                <a:extLst>
-                  <a:ext uri="{FF2B5EF4-FFF2-40B4-BE49-F238E27FC236}">
-                    <a16:creationId xmlns:a16="http://schemas.microsoft.com/office/drawing/2014/main" id="{1777B585-7FB0-7DD8-7FF9-B35F79693A6C}"/>
-                  </a:ext>
-                </a:extLst>
-              </p:cNvPr>
-              <p:cNvPicPr>
-                <a:picLocks noChangeAspect="1" noChangeArrowheads="1"/>
-              </p:cNvPicPr>
-              <p:nvPr/>
-            </p:nvPicPr>
-            <p:blipFill>
-              <a:blip r:embed="rId14">
-                <a:extLst>
-                  <a:ext uri="{28A0092B-C50C-407E-A947-70E740481C1C}">
-                    <a14:useLocalDpi xmlns:a14="http://schemas.microsoft.com/office/drawing/2010/main" val="0"/>
-                  </a:ext>
-                </a:extLst>
-              </a:blip>
-              <a:srcRect/>
-              <a:stretch>
-                <a:fillRect/>
-              </a:stretch>
-            </p:blipFill>
-            <p:spPr bwMode="auto">
-              <a:xfrm>
-                <a:off x="11342484" y="16298811"/>
-                <a:ext cx="3895399" cy="2034910"/>
-              </a:xfrm>
-              <a:prstGeom prst="rect">
-                <a:avLst/>
-              </a:prstGeom>
-              <a:noFill/>
-              <a:extLst>
-                <a:ext uri="{909E8E84-426E-40DD-AFC4-6F175D3DCCD1}">
-                  <a14:hiddenFill xmlns:a14="http://schemas.microsoft.com/office/drawing/2010/main">
-                    <a:solidFill>
-                      <a:srgbClr val="FFFFFF"/>
-                    </a:solidFill>
-                  </a14:hiddenFill>
-                </a:ext>
-              </a:extLst>
-            </p:spPr>
-          </p:pic>
-          <p:sp>
-            <p:nvSpPr>
-              <p:cNvPr id="2" name="Text Box 36">
-                <a:extLst>
-                  <a:ext uri="{FF2B5EF4-FFF2-40B4-BE49-F238E27FC236}">
-                    <a16:creationId xmlns:a16="http://schemas.microsoft.com/office/drawing/2014/main" id="{61254562-E3BA-A8F4-7283-475523073193}"/>
-                  </a:ext>
-                </a:extLst>
-              </p:cNvPr>
-              <p:cNvSpPr txBox="1">
-                <a:spLocks noChangeArrowheads="1"/>
-              </p:cNvSpPr>
-              <p:nvPr/>
-            </p:nvSpPr>
-            <p:spPr bwMode="auto">
-              <a:xfrm>
-                <a:off x="15453360" y="16298810"/>
-                <a:ext cx="4792980" cy="2534362"/>
-              </a:xfrm>
-              <a:prstGeom prst="rect">
-                <a:avLst/>
-              </a:prstGeom>
-              <a:noFill/>
-              <a:ln>
-                <a:noFill/>
-              </a:ln>
-              <a:effectLst/>
-              <a:extLst>
-                <a:ext uri="{909E8E84-426E-40DD-AFC4-6F175D3DCCD1}">
-                  <a14:hiddenFill xmlns:a14="http://schemas.microsoft.com/office/drawing/2010/main">
-                    <a:solidFill>
-                      <a:schemeClr val="bg1"/>
-                    </a:solidFill>
-                  </a14:hiddenFill>
-                </a:ext>
-                <a:ext uri="{91240B29-F687-4F45-9708-019B960494DF}">
-                  <a14:hiddenLine xmlns:a14="http://schemas.microsoft.com/office/drawing/2010/main" w="57150" cmpd="thinThick">
-                    <a:solidFill>
-                      <a:schemeClr val="tx1"/>
-                    </a:solidFill>
-                    <a:miter lim="800000"/>
-                    <a:headEnd/>
-                    <a:tailEnd/>
-                  </a14:hiddenLine>
-                </a:ext>
-                <a:ext uri="{AF507438-7753-43E0-B8FC-AC1667EBCBE1}">
-                  <a14:hiddenEffects xmlns:a14="http://schemas.microsoft.com/office/drawing/2010/main">
-                    <a:effectLst>
-                      <a:outerShdw dist="35921" dir="2700000" algn="ctr" rotWithShape="0">
-                        <a:schemeClr val="bg2"/>
-                      </a:outerShdw>
-                    </a:effectLst>
-                  </a14:hiddenEffects>
-                </a:ext>
-              </a:extLst>
-            </p:spPr>
-            <p:txBody>
-              <a:bodyPr wrap="square" lIns="40974" tIns="20486" rIns="40974" bIns="20486">
-                <a:spAutoFit/>
-              </a:bodyPr>
-              <a:lstStyle>
-                <a:lvl1pPr defTabSz="488950" eaLnBrk="0" hangingPunct="0">
-                  <a:defRPr sz="6900">
-                    <a:solidFill>
-                      <a:schemeClr val="tx1"/>
-                    </a:solidFill>
-                    <a:latin typeface="Arial" charset="0"/>
-                  </a:defRPr>
-                </a:lvl1pPr>
-                <a:lvl2pPr marL="742950" indent="-285750" defTabSz="488950" eaLnBrk="0" hangingPunct="0">
-                  <a:defRPr sz="6900">
-                    <a:solidFill>
-                      <a:schemeClr val="tx1"/>
-                    </a:solidFill>
-                    <a:latin typeface="Arial" charset="0"/>
-                  </a:defRPr>
-                </a:lvl2pPr>
-                <a:lvl3pPr marL="1143000" indent="-228600" defTabSz="488950" eaLnBrk="0" hangingPunct="0">
-                  <a:defRPr sz="6900">
-                    <a:solidFill>
-                      <a:schemeClr val="tx1"/>
-                    </a:solidFill>
-                    <a:latin typeface="Arial" charset="0"/>
-                  </a:defRPr>
-                </a:lvl3pPr>
-                <a:lvl4pPr marL="1600200" indent="-228600" defTabSz="488950" eaLnBrk="0" hangingPunct="0">
-                  <a:defRPr sz="6900">
-                    <a:solidFill>
-                      <a:schemeClr val="tx1"/>
-                    </a:solidFill>
-                    <a:latin typeface="Arial" charset="0"/>
-                  </a:defRPr>
-                </a:lvl4pPr>
-                <a:lvl5pPr marL="2057400" indent="-228600" defTabSz="488950" eaLnBrk="0" hangingPunct="0">
-                  <a:defRPr sz="6900">
-                    <a:solidFill>
-                      <a:schemeClr val="tx1"/>
-                    </a:solidFill>
-                    <a:latin typeface="Arial" charset="0"/>
-                  </a:defRPr>
-                </a:lvl5pPr>
-                <a:lvl6pPr marL="2514600" indent="-228600" algn="ctr" defTabSz="488950" eaLnBrk="0" fontAlgn="base" hangingPunct="0">
-                  <a:spcBef>
-                    <a:spcPct val="0"/>
-                  </a:spcBef>
-                  <a:spcAft>
-                    <a:spcPct val="0"/>
-                  </a:spcAft>
-                  <a:defRPr sz="6900">
-                    <a:solidFill>
-                      <a:schemeClr val="tx1"/>
-                    </a:solidFill>
-                    <a:latin typeface="Arial" charset="0"/>
-                  </a:defRPr>
-                </a:lvl6pPr>
-                <a:lvl7pPr marL="2971800" indent="-228600" algn="ctr" defTabSz="488950" eaLnBrk="0" fontAlgn="base" hangingPunct="0">
-                  <a:spcBef>
-                    <a:spcPct val="0"/>
-                  </a:spcBef>
-                  <a:spcAft>
-                    <a:spcPct val="0"/>
-                  </a:spcAft>
-                  <a:defRPr sz="6900">
-                    <a:solidFill>
-                      <a:schemeClr val="tx1"/>
-                    </a:solidFill>
-                    <a:latin typeface="Arial" charset="0"/>
-                  </a:defRPr>
-                </a:lvl7pPr>
-                <a:lvl8pPr marL="3429000" indent="-228600" algn="ctr" defTabSz="488950" eaLnBrk="0" fontAlgn="base" hangingPunct="0">
-                  <a:spcBef>
-                    <a:spcPct val="0"/>
-                  </a:spcBef>
-                  <a:spcAft>
-                    <a:spcPct val="0"/>
-                  </a:spcAft>
-                  <a:defRPr sz="6900">
-                    <a:solidFill>
-                      <a:schemeClr val="tx1"/>
-                    </a:solidFill>
-                    <a:latin typeface="Arial" charset="0"/>
-                  </a:defRPr>
-                </a:lvl8pPr>
-                <a:lvl9pPr marL="3886200" indent="-228600" algn="ctr" defTabSz="488950" eaLnBrk="0" fontAlgn="base" hangingPunct="0">
-                  <a:spcBef>
-                    <a:spcPct val="0"/>
-                  </a:spcBef>
-                  <a:spcAft>
-                    <a:spcPct val="0"/>
-                  </a:spcAft>
-                  <a:defRPr sz="6900">
-                    <a:solidFill>
-                      <a:schemeClr val="tx1"/>
-                    </a:solidFill>
-                    <a:latin typeface="Arial" charset="0"/>
-                  </a:defRPr>
-                </a:lvl9pPr>
-              </a:lstStyle>
-              <a:p>
-                <a:pPr algn="just" rtl="1"/>
-                <a:r>
-                  <a:rPr lang="en-US" altLang="en-US" sz="1600" dirty="0">
-                    <a:latin typeface="Times New Roman" pitchFamily="18" charset="0"/>
-                    <a:cs typeface="B Nazanin" panose="00000400000000000000" pitchFamily="2" charset="-78"/>
-                  </a:rPr>
-                  <a:t>MLP</a:t>
-                </a:r>
-                <a:r>
-                  <a:rPr lang="fa-IR" altLang="en-US" sz="1800" dirty="0">
-                    <a:latin typeface="Times New Roman" pitchFamily="18" charset="0"/>
-                    <a:cs typeface="B Nazanin" panose="00000400000000000000" pitchFamily="2" charset="-78"/>
-                  </a:rPr>
-                  <a:t> یا «شبکه عصبی چندلایه» ساختاری متشکل از تعدادی «نورون» است که در لایه‌های پی در پی چیده شده‌اند، از لایه قبلی خود ورودی می‌گیرند، و خروجی‌ای غیرخطی  بر حسب جمع وزن‌دار آن ورودی‌ها می‌دهند (شکل ۱). با تنظیم ضرایب جمع وزن‌دار گفته شده، این شبکه «آموزش» می‌بیند (</a:t>
-                </a:r>
-                <a:r>
-                  <a:rPr lang="en-US" altLang="en-US" sz="1600" dirty="0">
-                    <a:latin typeface="Times New Roman" pitchFamily="18" charset="0"/>
-                    <a:cs typeface="B Nazanin" panose="00000400000000000000" pitchFamily="2" charset="-78"/>
-                  </a:rPr>
-                  <a:t>training</a:t>
-                </a:r>
-                <a:r>
-                  <a:rPr lang="fa-IR" altLang="en-US" sz="1800" dirty="0">
-                    <a:latin typeface="Times New Roman" pitchFamily="18" charset="0"/>
-                    <a:cs typeface="B Nazanin" panose="00000400000000000000" pitchFamily="2" charset="-78"/>
-                  </a:rPr>
-                  <a:t>) و در طی این آموزش، توانایی بیش‌تری در انجام عملیات خواسته شده پیدا می‌کند. این شبکه، کد عددی رنگ پیکسل‌های تصویر را به عنوان ورودی دریافت می‌کند، و در خروجی اعدادی می‌دهد که نشان می‌دهد شبکه چه عددی را در تصویر تشخیص داده است.</a:t>
-                </a:r>
-              </a:p>
-            </p:txBody>
-          </p:sp>
-          <p:sp>
-            <p:nvSpPr>
-              <p:cNvPr id="3" name="Text Box 36">
-                <a:extLst>
-                  <a:ext uri="{FF2B5EF4-FFF2-40B4-BE49-F238E27FC236}">
-                    <a16:creationId xmlns:a16="http://schemas.microsoft.com/office/drawing/2014/main" id="{77D22A32-1762-ABEB-4592-F9D212C3C513}"/>
-                  </a:ext>
-                </a:extLst>
-              </p:cNvPr>
-              <p:cNvSpPr txBox="1">
-                <a:spLocks noChangeArrowheads="1"/>
-              </p:cNvSpPr>
-              <p:nvPr/>
-            </p:nvSpPr>
-            <p:spPr bwMode="auto">
-              <a:xfrm>
-                <a:off x="11342482" y="18525247"/>
-                <a:ext cx="3895401" cy="256816"/>
-              </a:xfrm>
-              <a:prstGeom prst="rect">
-                <a:avLst/>
-              </a:prstGeom>
-              <a:noFill/>
-              <a:ln>
-                <a:noFill/>
-              </a:ln>
-              <a:effectLst/>
-              <a:extLst>
-                <a:ext uri="{909E8E84-426E-40DD-AFC4-6F175D3DCCD1}">
-                  <a14:hiddenFill xmlns:a14="http://schemas.microsoft.com/office/drawing/2010/main">
-                    <a:solidFill>
-                      <a:schemeClr val="bg1"/>
-                    </a:solidFill>
-                  </a14:hiddenFill>
-                </a:ext>
-                <a:ext uri="{91240B29-F687-4F45-9708-019B960494DF}">
-                  <a14:hiddenLine xmlns:a14="http://schemas.microsoft.com/office/drawing/2010/main" w="57150" cmpd="thinThick">
-                    <a:solidFill>
-                      <a:schemeClr val="tx1"/>
-                    </a:solidFill>
-                    <a:miter lim="800000"/>
-                    <a:headEnd/>
-                    <a:tailEnd/>
-                  </a14:hiddenLine>
-                </a:ext>
-                <a:ext uri="{AF507438-7753-43E0-B8FC-AC1667EBCBE1}">
-                  <a14:hiddenEffects xmlns:a14="http://schemas.microsoft.com/office/drawing/2010/main">
-                    <a:effectLst>
-                      <a:outerShdw dist="35921" dir="2700000" algn="ctr" rotWithShape="0">
-                        <a:schemeClr val="bg2"/>
-                      </a:outerShdw>
-                    </a:effectLst>
-                  </a14:hiddenEffects>
-                </a:ext>
-              </a:extLst>
-            </p:spPr>
-            <p:txBody>
-              <a:bodyPr wrap="square" lIns="40974" tIns="20486" rIns="40974" bIns="20486">
-                <a:spAutoFit/>
-              </a:bodyPr>
-              <a:lstStyle>
-                <a:lvl1pPr defTabSz="488950" eaLnBrk="0" hangingPunct="0">
-                  <a:defRPr sz="6900">
-                    <a:solidFill>
-                      <a:schemeClr val="tx1"/>
-                    </a:solidFill>
-                    <a:latin typeface="Arial" charset="0"/>
-                  </a:defRPr>
-                </a:lvl1pPr>
-                <a:lvl2pPr marL="742950" indent="-285750" defTabSz="488950" eaLnBrk="0" hangingPunct="0">
-                  <a:defRPr sz="6900">
-                    <a:solidFill>
-                      <a:schemeClr val="tx1"/>
-                    </a:solidFill>
-                    <a:latin typeface="Arial" charset="0"/>
-                  </a:defRPr>
-                </a:lvl2pPr>
-                <a:lvl3pPr marL="1143000" indent="-228600" defTabSz="488950" eaLnBrk="0" hangingPunct="0">
-                  <a:defRPr sz="6900">
-                    <a:solidFill>
-                      <a:schemeClr val="tx1"/>
-                    </a:solidFill>
-                    <a:latin typeface="Arial" charset="0"/>
-                  </a:defRPr>
-                </a:lvl3pPr>
-                <a:lvl4pPr marL="1600200" indent="-228600" defTabSz="488950" eaLnBrk="0" hangingPunct="0">
-                  <a:defRPr sz="6900">
-                    <a:solidFill>
-                      <a:schemeClr val="tx1"/>
-                    </a:solidFill>
-                    <a:latin typeface="Arial" charset="0"/>
-                  </a:defRPr>
-                </a:lvl4pPr>
-                <a:lvl5pPr marL="2057400" indent="-228600" defTabSz="488950" eaLnBrk="0" hangingPunct="0">
-                  <a:defRPr sz="6900">
-                    <a:solidFill>
-                      <a:schemeClr val="tx1"/>
-                    </a:solidFill>
-                    <a:latin typeface="Arial" charset="0"/>
-                  </a:defRPr>
-                </a:lvl5pPr>
-                <a:lvl6pPr marL="2514600" indent="-228600" algn="ctr" defTabSz="488950" eaLnBrk="0" fontAlgn="base" hangingPunct="0">
-                  <a:spcBef>
-                    <a:spcPct val="0"/>
-                  </a:spcBef>
-                  <a:spcAft>
-                    <a:spcPct val="0"/>
-                  </a:spcAft>
-                  <a:defRPr sz="6900">
-                    <a:solidFill>
-                      <a:schemeClr val="tx1"/>
-                    </a:solidFill>
-                    <a:latin typeface="Arial" charset="0"/>
-                  </a:defRPr>
-                </a:lvl6pPr>
-                <a:lvl7pPr marL="2971800" indent="-228600" algn="ctr" defTabSz="488950" eaLnBrk="0" fontAlgn="base" hangingPunct="0">
-                  <a:spcBef>
-                    <a:spcPct val="0"/>
-                  </a:spcBef>
-                  <a:spcAft>
-                    <a:spcPct val="0"/>
-                  </a:spcAft>
-                  <a:defRPr sz="6900">
-                    <a:solidFill>
-                      <a:schemeClr val="tx1"/>
-                    </a:solidFill>
-                    <a:latin typeface="Arial" charset="0"/>
-                  </a:defRPr>
-                </a:lvl7pPr>
-                <a:lvl8pPr marL="3429000" indent="-228600" algn="ctr" defTabSz="488950" eaLnBrk="0" fontAlgn="base" hangingPunct="0">
-                  <a:spcBef>
-                    <a:spcPct val="0"/>
-                  </a:spcBef>
-                  <a:spcAft>
-                    <a:spcPct val="0"/>
-                  </a:spcAft>
-                  <a:defRPr sz="6900">
-                    <a:solidFill>
-                      <a:schemeClr val="tx1"/>
-                    </a:solidFill>
-                    <a:latin typeface="Arial" charset="0"/>
-                  </a:defRPr>
-                </a:lvl8pPr>
-                <a:lvl9pPr marL="3886200" indent="-228600" algn="ctr" defTabSz="488950" eaLnBrk="0" fontAlgn="base" hangingPunct="0">
-                  <a:spcBef>
-                    <a:spcPct val="0"/>
-                  </a:spcBef>
-                  <a:spcAft>
-                    <a:spcPct val="0"/>
-                  </a:spcAft>
-                  <a:defRPr sz="6900">
-                    <a:solidFill>
-                      <a:schemeClr val="tx1"/>
-                    </a:solidFill>
-                    <a:latin typeface="Arial" charset="0"/>
-                  </a:defRPr>
-                </a:lvl9pPr>
-              </a:lstStyle>
-              <a:p>
-                <a:pPr rtl="1"/>
-                <a:r>
-                  <a:rPr lang="fa-IR" altLang="en-US" sz="1400" dirty="0">
-                    <a:latin typeface="Times New Roman" pitchFamily="18" charset="0"/>
-                    <a:cs typeface="B Nazanin" panose="00000400000000000000" pitchFamily="2" charset="-78"/>
-                  </a:rPr>
-                  <a:t>شکل ۱: شماتیک یک </a:t>
-                </a:r>
-                <a:r>
-                  <a:rPr lang="en-US" altLang="en-US" sz="1400" dirty="0">
-                    <a:latin typeface="Times New Roman" pitchFamily="18" charset="0"/>
-                    <a:cs typeface="B Nazanin" panose="00000400000000000000" pitchFamily="2" charset="-78"/>
-                  </a:rPr>
-                  <a:t>MLP</a:t>
-                </a:r>
-                <a:r>
-                  <a:rPr lang="fa-IR" altLang="en-US" sz="1400" dirty="0">
-                    <a:latin typeface="Times New Roman" pitchFamily="18" charset="0"/>
-                    <a:cs typeface="B Nazanin" panose="00000400000000000000" pitchFamily="2" charset="-78"/>
-                  </a:rPr>
-                  <a:t> نوعی</a:t>
-                </a:r>
-              </a:p>
-            </p:txBody>
-          </p:sp>
-          <p:sp>
-            <p:nvSpPr>
-              <p:cNvPr id="11" name="Rectangle 10">
-                <a:extLst>
-                  <a:ext uri="{FF2B5EF4-FFF2-40B4-BE49-F238E27FC236}">
-                    <a16:creationId xmlns:a16="http://schemas.microsoft.com/office/drawing/2014/main" id="{072C59FE-CB9F-AE47-F1A8-1C128350389A}"/>
-                  </a:ext>
-                </a:extLst>
-              </p:cNvPr>
-              <p:cNvSpPr/>
-              <p:nvPr/>
-            </p:nvSpPr>
-            <p:spPr bwMode="auto">
-              <a:xfrm>
-                <a:off x="20307300" y="16298810"/>
-                <a:ext cx="114298" cy="2534361"/>
-              </a:xfrm>
-              <a:prstGeom prst="rect">
-                <a:avLst/>
-              </a:prstGeom>
-              <a:solidFill>
-                <a:srgbClr val="6C2B70"/>
-              </a:solidFill>
-              <a:ln w="9525" cap="flat" cmpd="sng" algn="ctr">
-                <a:noFill/>
-                <a:prstDash val="solid"/>
-                <a:round/>
-                <a:headEnd type="none" w="med" len="med"/>
-                <a:tailEnd type="none" w="med" len="med"/>
-              </a:ln>
-              <a:effectLst/>
-            </p:spPr>
-            <p:txBody>
-              <a:bodyPr vert="horz" wrap="none" lIns="91440" tIns="45720" rIns="91440" bIns="45720" numCol="1" rtlCol="0" anchor="ctr" anchorCtr="0" compatLnSpc="1">
-                <a:prstTxWarp prst="textNoShape">
-                  <a:avLst/>
-                </a:prstTxWarp>
-              </a:bodyPr>
-              <a:lstStyle/>
-              <a:p>
-                <a:pPr marL="0" marR="0" indent="0" algn="ctr" defTabSz="3497263" rtl="0" eaLnBrk="1" fontAlgn="base" latinLnBrk="0" hangingPunct="1">
-                  <a:lnSpc>
-                    <a:spcPct val="100000"/>
-                  </a:lnSpc>
-                  <a:spcBef>
-                    <a:spcPct val="0"/>
-                  </a:spcBef>
-                  <a:spcAft>
-                    <a:spcPct val="0"/>
-                  </a:spcAft>
-                  <a:buClrTx/>
-                  <a:buSzTx/>
-                  <a:buFontTx/>
-                  <a:buNone/>
-                  <a:tabLst/>
-                </a:pPr>
-                <a:endParaRPr kumimoji="0" lang="en-US" sz="6900" b="0" i="0" u="none" strike="noStrike" cap="none" normalizeH="0" baseline="0">
-                  <a:ln>
-                    <a:noFill/>
-                  </a:ln>
-                  <a:solidFill>
-                    <a:schemeClr val="tx1"/>
-                  </a:solidFill>
-                  <a:effectLst/>
-                  <a:latin typeface="Arial" charset="0"/>
-                </a:endParaRPr>
-              </a:p>
-            </p:txBody>
-          </p:sp>
-        </p:grpSp>
-      </p:grpSp>
       <p:grpSp>
         <p:nvGrpSpPr>
           <p:cNvPr id="17" name="Group 16">
@@ -7754,7 +8326,7 @@
         </p:nvGrpSpPr>
         <p:grpSpPr>
           <a:xfrm>
-            <a:off x="11342483" y="19377050"/>
+            <a:off x="11342483" y="17731130"/>
             <a:ext cx="9079116" cy="4323278"/>
             <a:chOff x="11342483" y="19844410"/>
             <a:chExt cx="9079116" cy="4323278"/>
@@ -7837,7 +8409,7 @@
               <p:nvPr/>
             </p:nvPicPr>
             <p:blipFill>
-              <a:blip r:embed="rId15">
+              <a:blip r:embed="rId14">
                 <a:extLst>
                   <a:ext uri="{28A0092B-C50C-407E-A947-70E740481C1C}">
                     <a14:useLocalDpi xmlns:a14="http://schemas.microsoft.com/office/drawing/2010/main" val="0"/>
@@ -7853,53 +8425,6 @@
               <a:xfrm>
                 <a:off x="11342483" y="20248331"/>
                 <a:ext cx="5360557" cy="1600284"/>
-              </a:xfrm>
-              <a:prstGeom prst="rect">
-                <a:avLst/>
-              </a:prstGeom>
-              <a:noFill/>
-              <a:extLst>
-                <a:ext uri="{909E8E84-426E-40DD-AFC4-6F175D3DCCD1}">
-                  <a14:hiddenFill xmlns:a14="http://schemas.microsoft.com/office/drawing/2010/main">
-                    <a:solidFill>
-                      <a:srgbClr val="FFFFFF"/>
-                    </a:solidFill>
-                  </a14:hiddenFill>
-                </a:ext>
-              </a:extLst>
-            </p:spPr>
-          </p:pic>
-          <p:pic>
-            <p:nvPicPr>
-              <p:cNvPr id="2054" name="Picture 6">
-                <a:extLst>
-                  <a:ext uri="{FF2B5EF4-FFF2-40B4-BE49-F238E27FC236}">
-                    <a16:creationId xmlns:a16="http://schemas.microsoft.com/office/drawing/2014/main" id="{2FA7F6B8-73B1-784D-B157-0B0413A60366}"/>
-                  </a:ext>
-                </a:extLst>
-              </p:cNvPr>
-              <p:cNvPicPr>
-                <a:picLocks noChangeAspect="1" noChangeArrowheads="1"/>
-              </p:cNvPicPr>
-              <p:nvPr/>
-            </p:nvPicPr>
-            <p:blipFill>
-              <a:blip r:embed="rId16" cstate="print">
-                <a:extLst>
-                  <a:ext uri="{28A0092B-C50C-407E-A947-70E740481C1C}">
-                    <a14:useLocalDpi xmlns:a14="http://schemas.microsoft.com/office/drawing/2010/main" val="0"/>
-                  </a:ext>
-                </a:extLst>
-              </a:blip>
-              <a:srcRect/>
-              <a:stretch>
-                <a:fillRect/>
-              </a:stretch>
-            </p:blipFill>
-            <p:spPr bwMode="auto">
-              <a:xfrm>
-                <a:off x="11531075" y="22075453"/>
-                <a:ext cx="4983368" cy="1722193"/>
               </a:xfrm>
               <a:prstGeom prst="rect">
                 <a:avLst/>
@@ -8663,281 +9188,6 @@
       </p:grpSp>
       <p:sp>
         <p:nvSpPr>
-          <p:cNvPr id="15" name="Text Box 36">
-            <a:extLst>
-              <a:ext uri="{FF2B5EF4-FFF2-40B4-BE49-F238E27FC236}">
-                <a16:creationId xmlns:a16="http://schemas.microsoft.com/office/drawing/2014/main" id="{3AF617C1-5EB1-BF59-4396-677987B8D0CC}"/>
-              </a:ext>
-            </a:extLst>
-          </p:cNvPr>
-          <p:cNvSpPr txBox="1">
-            <a:spLocks noChangeArrowheads="1"/>
-          </p:cNvSpPr>
-          <p:nvPr/>
-        </p:nvSpPr>
-        <p:spPr bwMode="auto">
-          <a:xfrm>
-            <a:off x="11363627" y="23799032"/>
-            <a:ext cx="9079115" cy="872369"/>
-          </a:xfrm>
-          <a:prstGeom prst="rect">
-            <a:avLst/>
-          </a:prstGeom>
-          <a:noFill/>
-          <a:ln>
-            <a:noFill/>
-          </a:ln>
-          <a:effectLst/>
-          <a:extLst>
-            <a:ext uri="{909E8E84-426E-40DD-AFC4-6F175D3DCCD1}">
-              <a14:hiddenFill xmlns:a14="http://schemas.microsoft.com/office/drawing/2010/main">
-                <a:solidFill>
-                  <a:schemeClr val="bg1"/>
-                </a:solidFill>
-              </a14:hiddenFill>
-            </a:ext>
-            <a:ext uri="{91240B29-F687-4F45-9708-019B960494DF}">
-              <a14:hiddenLine xmlns:a14="http://schemas.microsoft.com/office/drawing/2010/main" w="57150" cmpd="thinThick">
-                <a:solidFill>
-                  <a:schemeClr val="tx1"/>
-                </a:solidFill>
-                <a:miter lim="800000"/>
-                <a:headEnd/>
-                <a:tailEnd/>
-              </a14:hiddenLine>
-            </a:ext>
-            <a:ext uri="{AF507438-7753-43E0-B8FC-AC1667EBCBE1}">
-              <a14:hiddenEffects xmlns:a14="http://schemas.microsoft.com/office/drawing/2010/main">
-                <a:effectLst>
-                  <a:outerShdw dist="35921" dir="2700000" algn="ctr" rotWithShape="0">
-                    <a:schemeClr val="bg2"/>
-                  </a:outerShdw>
-                </a:effectLst>
-              </a14:hiddenEffects>
-            </a:ext>
-          </a:extLst>
-        </p:spPr>
-        <p:txBody>
-          <a:bodyPr wrap="square" lIns="40974" tIns="20486" rIns="40974" bIns="20486">
-            <a:spAutoFit/>
-          </a:bodyPr>
-          <a:lstStyle>
-            <a:lvl1pPr defTabSz="488950" eaLnBrk="0" hangingPunct="0">
-              <a:defRPr sz="6900">
-                <a:solidFill>
-                  <a:schemeClr val="tx1"/>
-                </a:solidFill>
-                <a:latin typeface="Arial" charset="0"/>
-              </a:defRPr>
-            </a:lvl1pPr>
-            <a:lvl2pPr marL="742950" indent="-285750" defTabSz="488950" eaLnBrk="0" hangingPunct="0">
-              <a:defRPr sz="6900">
-                <a:solidFill>
-                  <a:schemeClr val="tx1"/>
-                </a:solidFill>
-                <a:latin typeface="Arial" charset="0"/>
-              </a:defRPr>
-            </a:lvl2pPr>
-            <a:lvl3pPr marL="1143000" indent="-228600" defTabSz="488950" eaLnBrk="0" hangingPunct="0">
-              <a:defRPr sz="6900">
-                <a:solidFill>
-                  <a:schemeClr val="tx1"/>
-                </a:solidFill>
-                <a:latin typeface="Arial" charset="0"/>
-              </a:defRPr>
-            </a:lvl3pPr>
-            <a:lvl4pPr marL="1600200" indent="-228600" defTabSz="488950" eaLnBrk="0" hangingPunct="0">
-              <a:defRPr sz="6900">
-                <a:solidFill>
-                  <a:schemeClr val="tx1"/>
-                </a:solidFill>
-                <a:latin typeface="Arial" charset="0"/>
-              </a:defRPr>
-            </a:lvl4pPr>
-            <a:lvl5pPr marL="2057400" indent="-228600" defTabSz="488950" eaLnBrk="0" hangingPunct="0">
-              <a:defRPr sz="6900">
-                <a:solidFill>
-                  <a:schemeClr val="tx1"/>
-                </a:solidFill>
-                <a:latin typeface="Arial" charset="0"/>
-              </a:defRPr>
-            </a:lvl5pPr>
-            <a:lvl6pPr marL="2514600" indent="-228600" algn="ctr" defTabSz="488950" eaLnBrk="0" fontAlgn="base" hangingPunct="0">
-              <a:spcBef>
-                <a:spcPct val="0"/>
-              </a:spcBef>
-              <a:spcAft>
-                <a:spcPct val="0"/>
-              </a:spcAft>
-              <a:defRPr sz="6900">
-                <a:solidFill>
-                  <a:schemeClr val="tx1"/>
-                </a:solidFill>
-                <a:latin typeface="Arial" charset="0"/>
-              </a:defRPr>
-            </a:lvl6pPr>
-            <a:lvl7pPr marL="2971800" indent="-228600" algn="ctr" defTabSz="488950" eaLnBrk="0" fontAlgn="base" hangingPunct="0">
-              <a:spcBef>
-                <a:spcPct val="0"/>
-              </a:spcBef>
-              <a:spcAft>
-                <a:spcPct val="0"/>
-              </a:spcAft>
-              <a:defRPr sz="6900">
-                <a:solidFill>
-                  <a:schemeClr val="tx1"/>
-                </a:solidFill>
-                <a:latin typeface="Arial" charset="0"/>
-              </a:defRPr>
-            </a:lvl7pPr>
-            <a:lvl8pPr marL="3429000" indent="-228600" algn="ctr" defTabSz="488950" eaLnBrk="0" fontAlgn="base" hangingPunct="0">
-              <a:spcBef>
-                <a:spcPct val="0"/>
-              </a:spcBef>
-              <a:spcAft>
-                <a:spcPct val="0"/>
-              </a:spcAft>
-              <a:defRPr sz="6900">
-                <a:solidFill>
-                  <a:schemeClr val="tx1"/>
-                </a:solidFill>
-                <a:latin typeface="Arial" charset="0"/>
-              </a:defRPr>
-            </a:lvl8pPr>
-            <a:lvl9pPr marL="3886200" indent="-228600" algn="ctr" defTabSz="488950" eaLnBrk="0" fontAlgn="base" hangingPunct="0">
-              <a:spcBef>
-                <a:spcPct val="0"/>
-              </a:spcBef>
-              <a:spcAft>
-                <a:spcPct val="0"/>
-              </a:spcAft>
-              <a:defRPr sz="6900">
-                <a:solidFill>
-                  <a:schemeClr val="tx1"/>
-                </a:solidFill>
-                <a:latin typeface="Arial" charset="0"/>
-              </a:defRPr>
-            </a:lvl9pPr>
-          </a:lstStyle>
-          <a:p>
-            <a:pPr algn="just" rtl="1"/>
-            <a:r>
-              <a:rPr lang="fa-IR" altLang="en-US" sz="1800" dirty="0">
-                <a:latin typeface="Times New Roman" pitchFamily="18" charset="0"/>
-                <a:cs typeface="B Nazanin" panose="00000400000000000000" pitchFamily="2" charset="-78"/>
-              </a:rPr>
-              <a:t>برای این پروژه، از یک </a:t>
-            </a:r>
-            <a:r>
-              <a:rPr lang="en-US" altLang="en-US" sz="1600" dirty="0">
-                <a:latin typeface="Times New Roman" pitchFamily="18" charset="0"/>
-                <a:cs typeface="B Nazanin" panose="00000400000000000000" pitchFamily="2" charset="-78"/>
-              </a:rPr>
-              <a:t>CNN</a:t>
-            </a:r>
-            <a:r>
-              <a:rPr lang="fa-IR" altLang="en-US" sz="1800" dirty="0">
-                <a:latin typeface="Times New Roman" pitchFamily="18" charset="0"/>
-                <a:cs typeface="B Nazanin" panose="00000400000000000000" pitchFamily="2" charset="-78"/>
-              </a:rPr>
-              <a:t> که دو بار بر روی ورودی خود کانولوشن و </a:t>
-            </a:r>
-            <a:r>
-              <a:rPr lang="en-US" altLang="en-US" sz="1600" dirty="0">
-                <a:latin typeface="Times New Roman" pitchFamily="18" charset="0"/>
-                <a:cs typeface="B Nazanin" panose="00000400000000000000" pitchFamily="2" charset="-78"/>
-              </a:rPr>
-              <a:t>pooling</a:t>
-            </a:r>
-            <a:r>
-              <a:rPr lang="fa-IR" altLang="en-US" sz="1800" dirty="0">
-                <a:latin typeface="Times New Roman" pitchFamily="18" charset="0"/>
-                <a:cs typeface="B Nazanin" panose="00000400000000000000" pitchFamily="2" charset="-78"/>
-              </a:rPr>
-              <a:t> انجام می‌دهد، و سپس یک لایه‌ی </a:t>
-            </a:r>
-            <a:r>
-              <a:rPr lang="en-US" altLang="en-US" sz="1600" dirty="0">
-                <a:latin typeface="Times New Roman" pitchFamily="18" charset="0"/>
-                <a:cs typeface="B Nazanin" panose="00000400000000000000" pitchFamily="2" charset="-78"/>
-              </a:rPr>
-              <a:t>dense</a:t>
-            </a:r>
-            <a:r>
-              <a:rPr lang="fa-IR" altLang="en-US" sz="1800" dirty="0">
-                <a:latin typeface="Times New Roman" pitchFamily="18" charset="0"/>
-                <a:cs typeface="B Nazanin" panose="00000400000000000000" pitchFamily="2" charset="-78"/>
-              </a:rPr>
-              <a:t> و بعد </a:t>
-            </a:r>
-            <a:r>
-              <a:rPr lang="en-US" altLang="en-US" sz="1600" dirty="0">
-                <a:latin typeface="Times New Roman" pitchFamily="18" charset="0"/>
-                <a:cs typeface="B Nazanin" panose="00000400000000000000" pitchFamily="2" charset="-78"/>
-              </a:rPr>
-              <a:t>SoftMax</a:t>
-            </a:r>
-            <a:r>
-              <a:rPr lang="fa-IR" altLang="en-US" sz="1800" dirty="0">
-                <a:latin typeface="Times New Roman" pitchFamily="18" charset="0"/>
-                <a:cs typeface="B Nazanin" panose="00000400000000000000" pitchFamily="2" charset="-78"/>
-              </a:rPr>
-              <a:t> روی آن اعمال می‌کند، استفاده شده است. این هوش مصنوعی پس از </a:t>
-            </a:r>
-            <a:r>
-              <a:rPr lang="en-US" altLang="en-US" sz="1600" dirty="0">
-                <a:latin typeface="Times New Roman" pitchFamily="18" charset="0"/>
-                <a:cs typeface="B Nazanin" panose="00000400000000000000" pitchFamily="2" charset="-78"/>
-              </a:rPr>
-              <a:t>train</a:t>
-            </a:r>
-            <a:r>
-              <a:rPr lang="fa-IR" altLang="en-US" sz="1800" dirty="0">
-                <a:latin typeface="Times New Roman" pitchFamily="18" charset="0"/>
-                <a:cs typeface="B Nazanin" panose="00000400000000000000" pitchFamily="2" charset="-78"/>
-              </a:rPr>
-              <a:t> شدن به دقت </a:t>
-            </a:r>
-            <a:r>
-              <a:rPr lang="en-US" altLang="en-US" sz="1600" dirty="0">
-                <a:latin typeface="Times New Roman" pitchFamily="18" charset="0"/>
-                <a:cs typeface="B Nazanin" panose="00000400000000000000" pitchFamily="2" charset="-78"/>
-              </a:rPr>
-              <a:t>99.08%</a:t>
-            </a:r>
-            <a:r>
-              <a:rPr lang="fa-IR" altLang="en-US" sz="1600" dirty="0">
-                <a:latin typeface="Times New Roman" pitchFamily="18" charset="0"/>
-                <a:cs typeface="B Nazanin" panose="00000400000000000000" pitchFamily="2" charset="-78"/>
-              </a:rPr>
-              <a:t> </a:t>
-            </a:r>
-            <a:r>
-              <a:rPr lang="fa-IR" altLang="en-US" sz="1800" dirty="0">
-                <a:latin typeface="Times New Roman" pitchFamily="18" charset="0"/>
-                <a:cs typeface="B Nazanin" panose="00000400000000000000" pitchFamily="2" charset="-78"/>
-              </a:rPr>
-              <a:t>بر روی داده‌ّای </a:t>
-            </a:r>
-            <a:r>
-              <a:rPr lang="en-US" altLang="en-US" sz="1600" dirty="0">
-                <a:latin typeface="Times New Roman" pitchFamily="18" charset="0"/>
-                <a:cs typeface="B Nazanin" panose="00000400000000000000" pitchFamily="2" charset="-78"/>
-              </a:rPr>
-              <a:t>training</a:t>
-            </a:r>
-            <a:r>
-              <a:rPr lang="fa-IR" altLang="en-US" sz="1800" dirty="0">
-                <a:latin typeface="Times New Roman" pitchFamily="18" charset="0"/>
-                <a:cs typeface="B Nazanin" panose="00000400000000000000" pitchFamily="2" charset="-78"/>
-              </a:rPr>
-              <a:t> رسید، و در عمل نیز نتایج بهتری بر روی داده‌های واقعی از خود نشان داد.</a:t>
-            </a:r>
-          </a:p>
-        </p:txBody>
-      </p:sp>
-      <p:sp>
-        <p:nvSpPr>
           <p:cNvPr id="5" name="TextBox 4">
             <a:extLst>
               <a:ext uri="{FF2B5EF4-FFF2-40B4-BE49-F238E27FC236}">
@@ -8950,7 +9200,7 @@
         </p:nvSpPr>
         <p:spPr>
           <a:xfrm>
-            <a:off x="11430901" y="24860322"/>
+            <a:off x="11430901" y="22178082"/>
             <a:ext cx="9079116" cy="400110"/>
           </a:xfrm>
           <a:prstGeom prst="rect">
@@ -8989,7 +9239,7 @@
           <p:nvPr/>
         </p:nvPicPr>
         <p:blipFill>
-          <a:blip r:embed="rId17">
+          <a:blip r:embed="rId15">
             <a:extLst>
               <a:ext uri="{28A0092B-C50C-407E-A947-70E740481C1C}">
                 <a14:useLocalDpi xmlns:a14="http://schemas.microsoft.com/office/drawing/2010/main" val="0"/>
@@ -9003,7 +9253,7 @@
         </p:blipFill>
         <p:spPr bwMode="auto">
           <a:xfrm>
-            <a:off x="11342482" y="25311232"/>
+            <a:off x="11342482" y="22628992"/>
             <a:ext cx="5014845" cy="3016281"/>
           </a:xfrm>
           <a:prstGeom prst="rect">
@@ -9035,7 +9285,7 @@
         </p:nvSpPr>
         <p:spPr bwMode="auto">
           <a:xfrm>
-            <a:off x="20307299" y="25276993"/>
+            <a:off x="20307299" y="22594753"/>
             <a:ext cx="114298" cy="3176087"/>
           </a:xfrm>
           <a:prstGeom prst="rect">
@@ -9106,7 +9356,7 @@
         </p:nvSpPr>
         <p:spPr bwMode="auto">
           <a:xfrm>
-            <a:off x="11902203" y="28320496"/>
+            <a:off x="11902203" y="25648416"/>
             <a:ext cx="3895401" cy="256816"/>
           </a:xfrm>
           <a:prstGeom prst="rect">
@@ -9255,7 +9505,7 @@
                 <a:latin typeface="Times New Roman" pitchFamily="18" charset="0"/>
                 <a:cs typeface="B Nazanin" panose="00000400000000000000" pitchFamily="2" charset="-78"/>
               </a:rPr>
-              <a:t>شکل ۴:ساختار درونی برد </a:t>
+              <a:t>شکل ۴: ساختار درونی برد </a:t>
             </a:r>
             <a:r>
               <a:rPr lang="en-US" altLang="en-US" sz="1400" dirty="0">
@@ -9287,7 +9537,7 @@
         </p:nvSpPr>
         <p:spPr bwMode="auto">
           <a:xfrm>
-            <a:off x="16469048" y="25260432"/>
+            <a:off x="16469048" y="22578192"/>
             <a:ext cx="3777291" cy="3088360"/>
           </a:xfrm>
           <a:prstGeom prst="rect">
@@ -9625,2818 +9875,6 @@
           </a:p>
         </p:txBody>
       </p:sp>
-      <p:graphicFrame>
-        <p:nvGraphicFramePr>
-          <p:cNvPr id="26" name="Table 25">
-            <a:extLst>
-              <a:ext uri="{FF2B5EF4-FFF2-40B4-BE49-F238E27FC236}">
-                <a16:creationId xmlns:a16="http://schemas.microsoft.com/office/drawing/2014/main" id="{E98AC39E-3035-1E5A-13EC-AC1307CF4C68}"/>
-              </a:ext>
-            </a:extLst>
-          </p:cNvPr>
-          <p:cNvGraphicFramePr>
-            <a:graphicFrameLocks noGrp="1"/>
-          </p:cNvGraphicFramePr>
-          <p:nvPr>
-            <p:extLst>
-              <p:ext uri="{D42A27DB-BD31-4B8C-83A1-F6EECF244321}">
-                <p14:modId xmlns:p14="http://schemas.microsoft.com/office/powerpoint/2010/main" val="3932025870"/>
-              </p:ext>
-            </p:extLst>
-          </p:nvPr>
-        </p:nvGraphicFramePr>
-        <p:xfrm>
-          <a:off x="1554676" y="10177432"/>
-          <a:ext cx="8156503" cy="6880558"/>
-        </p:xfrm>
-        <a:graphic>
-          <a:graphicData uri="http://schemas.openxmlformats.org/drawingml/2006/table">
-            <a:tbl>
-              <a:tblPr/>
-              <a:tblGrid>
-                <a:gridCol w="2039126">
-                  <a:extLst>
-                    <a:ext uri="{9D8B030D-6E8A-4147-A177-3AD203B41FA5}">
-                      <a16:colId xmlns:a16="http://schemas.microsoft.com/office/drawing/2014/main" val="2196515799"/>
-                    </a:ext>
-                  </a:extLst>
-                </a:gridCol>
-                <a:gridCol w="1821940">
-                  <a:extLst>
-                    <a:ext uri="{9D8B030D-6E8A-4147-A177-3AD203B41FA5}">
-                      <a16:colId xmlns:a16="http://schemas.microsoft.com/office/drawing/2014/main" val="1211637669"/>
-                    </a:ext>
-                  </a:extLst>
-                </a:gridCol>
-                <a:gridCol w="2256311">
-                  <a:extLst>
-                    <a:ext uri="{9D8B030D-6E8A-4147-A177-3AD203B41FA5}">
-                      <a16:colId xmlns:a16="http://schemas.microsoft.com/office/drawing/2014/main" val="723684805"/>
-                    </a:ext>
-                  </a:extLst>
-                </a:gridCol>
-                <a:gridCol w="2039126">
-                  <a:extLst>
-                    <a:ext uri="{9D8B030D-6E8A-4147-A177-3AD203B41FA5}">
-                      <a16:colId xmlns:a16="http://schemas.microsoft.com/office/drawing/2014/main" val="2859829542"/>
-                    </a:ext>
-                  </a:extLst>
-                </a:gridCol>
-              </a:tblGrid>
-              <a:tr h="584560">
-                <a:tc>
-                  <a:txBody>
-                    <a:bodyPr/>
-                    <a:lstStyle/>
-                    <a:p>
-                      <a:pPr algn="ctr" rtl="0" fontAlgn="t">
-                        <a:spcBef>
-                          <a:spcPts val="0"/>
-                        </a:spcBef>
-                        <a:spcAft>
-                          <a:spcPts val="0"/>
-                        </a:spcAft>
-                      </a:pPr>
-                      <a:r>
-                        <a:rPr lang="en-US" sz="1200" b="1" i="0" u="none" strike="noStrike">
-                          <a:solidFill>
-                            <a:srgbClr val="000000"/>
-                          </a:solidFill>
-                          <a:effectLst/>
-                          <a:latin typeface="Vazirmatn"/>
-                        </a:rPr>
-                        <a:t>Layer</a:t>
-                      </a:r>
-                      <a:endParaRPr lang="en-US">
-                        <a:effectLst/>
-                      </a:endParaRPr>
-                    </a:p>
-                  </a:txBody>
-                  <a:tcPr marL="63500" marR="63500" marT="63500" marB="63500" anchor="ctr">
-                    <a:lnL w="12700" cap="flat" cmpd="sng" algn="ctr">
-                      <a:solidFill>
-                        <a:srgbClr val="000000"/>
-                      </a:solidFill>
-                      <a:prstDash val="solid"/>
-                      <a:round/>
-                      <a:headEnd type="none" w="med" len="med"/>
-                      <a:tailEnd type="none" w="med" len="med"/>
-                    </a:lnL>
-                    <a:lnR w="12700" cap="flat" cmpd="sng" algn="ctr">
-                      <a:solidFill>
-                        <a:srgbClr val="000000"/>
-                      </a:solidFill>
-                      <a:prstDash val="solid"/>
-                      <a:round/>
-                      <a:headEnd type="none" w="med" len="med"/>
-                      <a:tailEnd type="none" w="med" len="med"/>
-                    </a:lnR>
-                    <a:lnT w="12700" cap="flat" cmpd="sng" algn="ctr">
-                      <a:solidFill>
-                        <a:srgbClr val="000000"/>
-                      </a:solidFill>
-                      <a:prstDash val="solid"/>
-                      <a:round/>
-                      <a:headEnd type="none" w="med" len="med"/>
-                      <a:tailEnd type="none" w="med" len="med"/>
-                    </a:lnT>
-                    <a:lnB w="12700" cap="flat" cmpd="sng" algn="ctr">
-                      <a:solidFill>
-                        <a:srgbClr val="000000"/>
-                      </a:solidFill>
-                      <a:prstDash val="solid"/>
-                      <a:round/>
-                      <a:headEnd type="none" w="med" len="med"/>
-                      <a:tailEnd type="none" w="med" len="med"/>
-                    </a:lnB>
-                  </a:tcPr>
-                </a:tc>
-                <a:tc>
-                  <a:txBody>
-                    <a:bodyPr/>
-                    <a:lstStyle/>
-                    <a:p>
-                      <a:pPr algn="ctr" rtl="0" fontAlgn="t">
-                        <a:spcBef>
-                          <a:spcPts val="0"/>
-                        </a:spcBef>
-                        <a:spcAft>
-                          <a:spcPts val="0"/>
-                        </a:spcAft>
-                      </a:pPr>
-                      <a:r>
-                        <a:rPr lang="en-US" sz="1200" b="1" i="0" u="none" strike="noStrike">
-                          <a:solidFill>
-                            <a:srgbClr val="000000"/>
-                          </a:solidFill>
-                          <a:effectLst/>
-                          <a:latin typeface="Vazirmatn"/>
-                        </a:rPr>
-                        <a:t>Name</a:t>
-                      </a:r>
-                      <a:endParaRPr lang="en-US">
-                        <a:effectLst/>
-                      </a:endParaRPr>
-                    </a:p>
-                  </a:txBody>
-                  <a:tcPr marL="63500" marR="63500" marT="63500" marB="63500" anchor="ctr">
-                    <a:lnL w="12700" cap="flat" cmpd="sng" algn="ctr">
-                      <a:solidFill>
-                        <a:srgbClr val="000000"/>
-                      </a:solidFill>
-                      <a:prstDash val="solid"/>
-                      <a:round/>
-                      <a:headEnd type="none" w="med" len="med"/>
-                      <a:tailEnd type="none" w="med" len="med"/>
-                    </a:lnL>
-                    <a:lnR w="12700" cap="flat" cmpd="sng" algn="ctr">
-                      <a:solidFill>
-                        <a:srgbClr val="000000"/>
-                      </a:solidFill>
-                      <a:prstDash val="solid"/>
-                      <a:round/>
-                      <a:headEnd type="none" w="med" len="med"/>
-                      <a:tailEnd type="none" w="med" len="med"/>
-                    </a:lnR>
-                    <a:lnT w="12700" cap="flat" cmpd="sng" algn="ctr">
-                      <a:solidFill>
-                        <a:srgbClr val="000000"/>
-                      </a:solidFill>
-                      <a:prstDash val="solid"/>
-                      <a:round/>
-                      <a:headEnd type="none" w="med" len="med"/>
-                      <a:tailEnd type="none" w="med" len="med"/>
-                    </a:lnT>
-                    <a:lnB w="12700" cap="flat" cmpd="sng" algn="ctr">
-                      <a:solidFill>
-                        <a:srgbClr val="000000"/>
-                      </a:solidFill>
-                      <a:prstDash val="solid"/>
-                      <a:round/>
-                      <a:headEnd type="none" w="med" len="med"/>
-                      <a:tailEnd type="none" w="med" len="med"/>
-                    </a:lnB>
-                  </a:tcPr>
-                </a:tc>
-                <a:tc>
-                  <a:txBody>
-                    <a:bodyPr/>
-                    <a:lstStyle/>
-                    <a:p>
-                      <a:pPr algn="ctr" rtl="0" fontAlgn="t">
-                        <a:spcBef>
-                          <a:spcPts val="0"/>
-                        </a:spcBef>
-                        <a:spcAft>
-                          <a:spcPts val="0"/>
-                        </a:spcAft>
-                      </a:pPr>
-                      <a:r>
-                        <a:rPr lang="en-US" sz="1200" b="1" i="0" u="none" strike="noStrike">
-                          <a:solidFill>
-                            <a:srgbClr val="000000"/>
-                          </a:solidFill>
-                          <a:effectLst/>
-                          <a:latin typeface="Vazirmatn"/>
-                        </a:rPr>
-                        <a:t>Dimension</a:t>
-                      </a:r>
-                      <a:endParaRPr lang="en-US">
-                        <a:effectLst/>
-                      </a:endParaRPr>
-                    </a:p>
-                  </a:txBody>
-                  <a:tcPr marL="63500" marR="63500" marT="63500" marB="63500" anchor="ctr">
-                    <a:lnL w="12700" cap="flat" cmpd="sng" algn="ctr">
-                      <a:solidFill>
-                        <a:srgbClr val="000000"/>
-                      </a:solidFill>
-                      <a:prstDash val="solid"/>
-                      <a:round/>
-                      <a:headEnd type="none" w="med" len="med"/>
-                      <a:tailEnd type="none" w="med" len="med"/>
-                    </a:lnL>
-                    <a:lnR w="12700" cap="flat" cmpd="sng" algn="ctr">
-                      <a:solidFill>
-                        <a:srgbClr val="000000"/>
-                      </a:solidFill>
-                      <a:prstDash val="solid"/>
-                      <a:round/>
-                      <a:headEnd type="none" w="med" len="med"/>
-                      <a:tailEnd type="none" w="med" len="med"/>
-                    </a:lnR>
-                    <a:lnT w="12700" cap="flat" cmpd="sng" algn="ctr">
-                      <a:solidFill>
-                        <a:srgbClr val="000000"/>
-                      </a:solidFill>
-                      <a:prstDash val="solid"/>
-                      <a:round/>
-                      <a:headEnd type="none" w="med" len="med"/>
-                      <a:tailEnd type="none" w="med" len="med"/>
-                    </a:lnT>
-                    <a:lnB w="12700" cap="flat" cmpd="sng" algn="ctr">
-                      <a:solidFill>
-                        <a:srgbClr val="000000"/>
-                      </a:solidFill>
-                      <a:prstDash val="solid"/>
-                      <a:round/>
-                      <a:headEnd type="none" w="med" len="med"/>
-                      <a:tailEnd type="none" w="med" len="med"/>
-                    </a:lnB>
-                  </a:tcPr>
-                </a:tc>
-                <a:tc>
-                  <a:txBody>
-                    <a:bodyPr/>
-                    <a:lstStyle/>
-                    <a:p>
-                      <a:pPr algn="ctr" rtl="0" fontAlgn="t">
-                        <a:spcBef>
-                          <a:spcPts val="0"/>
-                        </a:spcBef>
-                        <a:spcAft>
-                          <a:spcPts val="0"/>
-                        </a:spcAft>
-                      </a:pPr>
-                      <a:r>
-                        <a:rPr lang="en-US" sz="1200" b="1" i="0" u="none" strike="noStrike">
-                          <a:solidFill>
-                            <a:srgbClr val="000000"/>
-                          </a:solidFill>
-                          <a:effectLst/>
-                          <a:latin typeface="Vazirmatn"/>
-                        </a:rPr>
-                        <a:t>Time (ms)</a:t>
-                      </a:r>
-                      <a:endParaRPr lang="en-US">
-                        <a:effectLst/>
-                      </a:endParaRPr>
-                    </a:p>
-                  </a:txBody>
-                  <a:tcPr marL="63500" marR="63500" marT="63500" marB="63500" anchor="ctr">
-                    <a:lnL w="12700" cap="flat" cmpd="sng" algn="ctr">
-                      <a:solidFill>
-                        <a:srgbClr val="000000"/>
-                      </a:solidFill>
-                      <a:prstDash val="solid"/>
-                      <a:round/>
-                      <a:headEnd type="none" w="med" len="med"/>
-                      <a:tailEnd type="none" w="med" len="med"/>
-                    </a:lnL>
-                    <a:lnR w="12700" cap="flat" cmpd="sng" algn="ctr">
-                      <a:solidFill>
-                        <a:srgbClr val="000000"/>
-                      </a:solidFill>
-                      <a:prstDash val="solid"/>
-                      <a:round/>
-                      <a:headEnd type="none" w="med" len="med"/>
-                      <a:tailEnd type="none" w="med" len="med"/>
-                    </a:lnR>
-                    <a:lnT w="12700" cap="flat" cmpd="sng" algn="ctr">
-                      <a:solidFill>
-                        <a:srgbClr val="000000"/>
-                      </a:solidFill>
-                      <a:prstDash val="solid"/>
-                      <a:round/>
-                      <a:headEnd type="none" w="med" len="med"/>
-                      <a:tailEnd type="none" w="med" len="med"/>
-                    </a:lnT>
-                    <a:lnB w="12700" cap="flat" cmpd="sng" algn="ctr">
-                      <a:solidFill>
-                        <a:srgbClr val="000000"/>
-                      </a:solidFill>
-                      <a:prstDash val="solid"/>
-                      <a:round/>
-                      <a:headEnd type="none" w="med" len="med"/>
-                      <a:tailEnd type="none" w="med" len="med"/>
-                    </a:lnB>
-                  </a:tcPr>
-                </a:tc>
-                <a:extLst>
-                  <a:ext uri="{0D108BD9-81ED-4DB2-BD59-A6C34878D82A}">
-                    <a16:rowId xmlns:a16="http://schemas.microsoft.com/office/drawing/2014/main" val="3168448039"/>
-                  </a:ext>
-                </a:extLst>
-              </a:tr>
-              <a:tr h="584560">
-                <a:tc>
-                  <a:txBody>
-                    <a:bodyPr/>
-                    <a:lstStyle/>
-                    <a:p>
-                      <a:pPr algn="ctr" rtl="0" fontAlgn="t">
-                        <a:spcBef>
-                          <a:spcPts val="0"/>
-                        </a:spcBef>
-                        <a:spcAft>
-                          <a:spcPts val="0"/>
-                        </a:spcAft>
-                      </a:pPr>
-                      <a:r>
-                        <a:rPr lang="en-US" sz="1200" b="0" i="0" u="none" strike="noStrike">
-                          <a:solidFill>
-                            <a:srgbClr val="000000"/>
-                          </a:solidFill>
-                          <a:effectLst/>
-                          <a:latin typeface="Vazirmatn"/>
-                        </a:rPr>
-                        <a:t>layer#0</a:t>
-                      </a:r>
-                      <a:endParaRPr lang="en-US">
-                        <a:effectLst/>
-                      </a:endParaRPr>
-                    </a:p>
-                  </a:txBody>
-                  <a:tcPr marL="63500" marR="63500" marT="63500" marB="63500" anchor="ctr">
-                    <a:lnL w="12700" cap="flat" cmpd="sng" algn="ctr">
-                      <a:solidFill>
-                        <a:srgbClr val="000000"/>
-                      </a:solidFill>
-                      <a:prstDash val="solid"/>
-                      <a:round/>
-                      <a:headEnd type="none" w="med" len="med"/>
-                      <a:tailEnd type="none" w="med" len="med"/>
-                    </a:lnL>
-                    <a:lnR w="12700" cap="flat" cmpd="sng" algn="ctr">
-                      <a:solidFill>
-                        <a:srgbClr val="000000"/>
-                      </a:solidFill>
-                      <a:prstDash val="solid"/>
-                      <a:round/>
-                      <a:headEnd type="none" w="med" len="med"/>
-                      <a:tailEnd type="none" w="med" len="med"/>
-                    </a:lnR>
-                    <a:lnT w="12700" cap="flat" cmpd="sng" algn="ctr">
-                      <a:solidFill>
-                        <a:srgbClr val="000000"/>
-                      </a:solidFill>
-                      <a:prstDash val="solid"/>
-                      <a:round/>
-                      <a:headEnd type="none" w="med" len="med"/>
-                      <a:tailEnd type="none" w="med" len="med"/>
-                    </a:lnT>
-                    <a:lnB w="12700" cap="flat" cmpd="sng" algn="ctr">
-                      <a:solidFill>
-                        <a:srgbClr val="000000"/>
-                      </a:solidFill>
-                      <a:prstDash val="solid"/>
-                      <a:round/>
-                      <a:headEnd type="none" w="med" len="med"/>
-                      <a:tailEnd type="none" w="med" len="med"/>
-                    </a:lnB>
-                  </a:tcPr>
-                </a:tc>
-                <a:tc>
-                  <a:txBody>
-                    <a:bodyPr/>
-                    <a:lstStyle/>
-                    <a:p>
-                      <a:pPr algn="ctr" rtl="0" fontAlgn="t">
-                        <a:spcBef>
-                          <a:spcPts val="0"/>
-                        </a:spcBef>
-                        <a:spcAft>
-                          <a:spcPts val="0"/>
-                        </a:spcAft>
-                      </a:pPr>
-                      <a:r>
-                        <a:rPr lang="en-US" sz="1200" b="0" i="0" u="none" strike="noStrike">
-                          <a:solidFill>
-                            <a:srgbClr val="000000"/>
-                          </a:solidFill>
-                          <a:effectLst/>
-                          <a:latin typeface="Vazirmatn"/>
-                        </a:rPr>
-                        <a:t>Convolution</a:t>
-                      </a:r>
-                      <a:endParaRPr lang="en-US">
-                        <a:effectLst/>
-                      </a:endParaRPr>
-                    </a:p>
-                  </a:txBody>
-                  <a:tcPr marL="63500" marR="63500" marT="63500" marB="63500" anchor="ctr">
-                    <a:lnL w="12700" cap="flat" cmpd="sng" algn="ctr">
-                      <a:solidFill>
-                        <a:srgbClr val="000000"/>
-                      </a:solidFill>
-                      <a:prstDash val="solid"/>
-                      <a:round/>
-                      <a:headEnd type="none" w="med" len="med"/>
-                      <a:tailEnd type="none" w="med" len="med"/>
-                    </a:lnL>
-                    <a:lnR w="12700" cap="flat" cmpd="sng" algn="ctr">
-                      <a:solidFill>
-                        <a:srgbClr val="000000"/>
-                      </a:solidFill>
-                      <a:prstDash val="solid"/>
-                      <a:round/>
-                      <a:headEnd type="none" w="med" len="med"/>
-                      <a:tailEnd type="none" w="med" len="med"/>
-                    </a:lnR>
-                    <a:lnT w="12700" cap="flat" cmpd="sng" algn="ctr">
-                      <a:solidFill>
-                        <a:srgbClr val="000000"/>
-                      </a:solidFill>
-                      <a:prstDash val="solid"/>
-                      <a:round/>
-                      <a:headEnd type="none" w="med" len="med"/>
-                      <a:tailEnd type="none" w="med" len="med"/>
-                    </a:lnT>
-                    <a:lnB w="12700" cap="flat" cmpd="sng" algn="ctr">
-                      <a:solidFill>
-                        <a:srgbClr val="000000"/>
-                      </a:solidFill>
-                      <a:prstDash val="solid"/>
-                      <a:round/>
-                      <a:headEnd type="none" w="med" len="med"/>
-                      <a:tailEnd type="none" w="med" len="med"/>
-                    </a:lnB>
-                  </a:tcPr>
-                </a:tc>
-                <a:tc>
-                  <a:txBody>
-                    <a:bodyPr/>
-                    <a:lstStyle/>
-                    <a:p>
-                      <a:pPr algn="ctr" rtl="0" fontAlgn="t">
-                        <a:spcBef>
-                          <a:spcPts val="0"/>
-                        </a:spcBef>
-                        <a:spcAft>
-                          <a:spcPts val="0"/>
-                        </a:spcAft>
-                      </a:pPr>
-                      <a:r>
-                        <a:rPr lang="en-US" sz="1200" b="0" i="0" u="none" strike="noStrike">
-                          <a:solidFill>
-                            <a:srgbClr val="000000"/>
-                          </a:solidFill>
-                          <a:effectLst/>
-                          <a:latin typeface="Vazirmatn"/>
-                        </a:rPr>
-                        <a:t>in: 784, out: 194688</a:t>
-                      </a:r>
-                      <a:endParaRPr lang="en-US">
-                        <a:effectLst/>
-                      </a:endParaRPr>
-                    </a:p>
-                  </a:txBody>
-                  <a:tcPr marL="63500" marR="63500" marT="63500" marB="63500" anchor="ctr">
-                    <a:lnL w="12700" cap="flat" cmpd="sng" algn="ctr">
-                      <a:solidFill>
-                        <a:srgbClr val="000000"/>
-                      </a:solidFill>
-                      <a:prstDash val="solid"/>
-                      <a:round/>
-                      <a:headEnd type="none" w="med" len="med"/>
-                      <a:tailEnd type="none" w="med" len="med"/>
-                    </a:lnL>
-                    <a:lnR w="12700" cap="flat" cmpd="sng" algn="ctr">
-                      <a:solidFill>
-                        <a:srgbClr val="000000"/>
-                      </a:solidFill>
-                      <a:prstDash val="solid"/>
-                      <a:round/>
-                      <a:headEnd type="none" w="med" len="med"/>
-                      <a:tailEnd type="none" w="med" len="med"/>
-                    </a:lnR>
-                    <a:lnT w="12700" cap="flat" cmpd="sng" algn="ctr">
-                      <a:solidFill>
-                        <a:srgbClr val="000000"/>
-                      </a:solidFill>
-                      <a:prstDash val="solid"/>
-                      <a:round/>
-                      <a:headEnd type="none" w="med" len="med"/>
-                      <a:tailEnd type="none" w="med" len="med"/>
-                    </a:lnT>
-                    <a:lnB w="12700" cap="flat" cmpd="sng" algn="ctr">
-                      <a:solidFill>
-                        <a:srgbClr val="000000"/>
-                      </a:solidFill>
-                      <a:prstDash val="solid"/>
-                      <a:round/>
-                      <a:headEnd type="none" w="med" len="med"/>
-                      <a:tailEnd type="none" w="med" len="med"/>
-                    </a:lnB>
-                  </a:tcPr>
-                </a:tc>
-                <a:tc>
-                  <a:txBody>
-                    <a:bodyPr/>
-                    <a:lstStyle/>
-                    <a:p>
-                      <a:pPr algn="ctr" rtl="0" fontAlgn="t">
-                        <a:spcBef>
-                          <a:spcPts val="0"/>
-                        </a:spcBef>
-                        <a:spcAft>
-                          <a:spcPts val="0"/>
-                        </a:spcAft>
-                      </a:pPr>
-                      <a:r>
-                        <a:rPr lang="en-US" sz="1200" b="0" i="0" u="none" strike="noStrike">
-                          <a:solidFill>
-                            <a:srgbClr val="000000"/>
-                          </a:solidFill>
-                          <a:effectLst/>
-                          <a:latin typeface="Vazirmatn"/>
-                        </a:rPr>
-                        <a:t>1.95472</a:t>
-                      </a:r>
-                      <a:endParaRPr lang="en-US">
-                        <a:effectLst/>
-                      </a:endParaRPr>
-                    </a:p>
-                  </a:txBody>
-                  <a:tcPr marL="63500" marR="63500" marT="63500" marB="63500" anchor="ctr">
-                    <a:lnL w="12700" cap="flat" cmpd="sng" algn="ctr">
-                      <a:solidFill>
-                        <a:srgbClr val="000000"/>
-                      </a:solidFill>
-                      <a:prstDash val="solid"/>
-                      <a:round/>
-                      <a:headEnd type="none" w="med" len="med"/>
-                      <a:tailEnd type="none" w="med" len="med"/>
-                    </a:lnL>
-                    <a:lnR w="12700" cap="flat" cmpd="sng" algn="ctr">
-                      <a:solidFill>
-                        <a:srgbClr val="000000"/>
-                      </a:solidFill>
-                      <a:prstDash val="solid"/>
-                      <a:round/>
-                      <a:headEnd type="none" w="med" len="med"/>
-                      <a:tailEnd type="none" w="med" len="med"/>
-                    </a:lnR>
-                    <a:lnT w="12700" cap="flat" cmpd="sng" algn="ctr">
-                      <a:solidFill>
-                        <a:srgbClr val="000000"/>
-                      </a:solidFill>
-                      <a:prstDash val="solid"/>
-                      <a:round/>
-                      <a:headEnd type="none" w="med" len="med"/>
-                      <a:tailEnd type="none" w="med" len="med"/>
-                    </a:lnT>
-                    <a:lnB w="12700" cap="flat" cmpd="sng" algn="ctr">
-                      <a:solidFill>
-                        <a:srgbClr val="000000"/>
-                      </a:solidFill>
-                      <a:prstDash val="solid"/>
-                      <a:round/>
-                      <a:headEnd type="none" w="med" len="med"/>
-                      <a:tailEnd type="none" w="med" len="med"/>
-                    </a:lnB>
-                  </a:tcPr>
-                </a:tc>
-                <a:extLst>
-                  <a:ext uri="{0D108BD9-81ED-4DB2-BD59-A6C34878D82A}">
-                    <a16:rowId xmlns:a16="http://schemas.microsoft.com/office/drawing/2014/main" val="3795000286"/>
-                  </a:ext>
-                </a:extLst>
-              </a:tr>
-              <a:tr h="929546">
-                <a:tc>
-                  <a:txBody>
-                    <a:bodyPr/>
-                    <a:lstStyle/>
-                    <a:p>
-                      <a:pPr algn="ctr" rtl="0" fontAlgn="t">
-                        <a:spcBef>
-                          <a:spcPts val="0"/>
-                        </a:spcBef>
-                        <a:spcAft>
-                          <a:spcPts val="0"/>
-                        </a:spcAft>
-                      </a:pPr>
-                      <a:r>
-                        <a:rPr lang="en-US" sz="1200" b="0" i="0" u="none" strike="noStrike">
-                          <a:solidFill>
-                            <a:srgbClr val="000000"/>
-                          </a:solidFill>
-                          <a:effectLst/>
-                          <a:latin typeface="Vazirmatn"/>
-                        </a:rPr>
-                        <a:t>layer#0 activation</a:t>
-                      </a:r>
-                      <a:endParaRPr lang="en-US">
-                        <a:effectLst/>
-                      </a:endParaRPr>
-                    </a:p>
-                  </a:txBody>
-                  <a:tcPr marL="63500" marR="63500" marT="63500" marB="63500" anchor="ctr">
-                    <a:lnL w="12700" cap="flat" cmpd="sng" algn="ctr">
-                      <a:solidFill>
-                        <a:srgbClr val="000000"/>
-                      </a:solidFill>
-                      <a:prstDash val="solid"/>
-                      <a:round/>
-                      <a:headEnd type="none" w="med" len="med"/>
-                      <a:tailEnd type="none" w="med" len="med"/>
-                    </a:lnL>
-                    <a:lnR w="12700" cap="flat" cmpd="sng" algn="ctr">
-                      <a:solidFill>
-                        <a:srgbClr val="000000"/>
-                      </a:solidFill>
-                      <a:prstDash val="solid"/>
-                      <a:round/>
-                      <a:headEnd type="none" w="med" len="med"/>
-                      <a:tailEnd type="none" w="med" len="med"/>
-                    </a:lnR>
-                    <a:lnT w="12700" cap="flat" cmpd="sng" algn="ctr">
-                      <a:solidFill>
-                        <a:srgbClr val="000000"/>
-                      </a:solidFill>
-                      <a:prstDash val="solid"/>
-                      <a:round/>
-                      <a:headEnd type="none" w="med" len="med"/>
-                      <a:tailEnd type="none" w="med" len="med"/>
-                    </a:lnT>
-                    <a:lnB w="12700" cap="flat" cmpd="sng" algn="ctr">
-                      <a:solidFill>
-                        <a:srgbClr val="000000"/>
-                      </a:solidFill>
-                      <a:prstDash val="solid"/>
-                      <a:round/>
-                      <a:headEnd type="none" w="med" len="med"/>
-                      <a:tailEnd type="none" w="med" len="med"/>
-                    </a:lnB>
-                  </a:tcPr>
-                </a:tc>
-                <a:tc>
-                  <a:txBody>
-                    <a:bodyPr/>
-                    <a:lstStyle/>
-                    <a:p>
-                      <a:pPr algn="ctr" rtl="0" fontAlgn="t">
-                        <a:spcBef>
-                          <a:spcPts val="0"/>
-                        </a:spcBef>
-                        <a:spcAft>
-                          <a:spcPts val="0"/>
-                        </a:spcAft>
-                      </a:pPr>
-                      <a:r>
-                        <a:rPr lang="en-US" sz="1200" b="0" i="0" u="none" strike="noStrike">
-                          <a:solidFill>
-                            <a:srgbClr val="000000"/>
-                          </a:solidFill>
-                          <a:effectLst/>
-                          <a:latin typeface="Vazirmatn"/>
-                        </a:rPr>
-                        <a:t>ReLU</a:t>
-                      </a:r>
-                      <a:endParaRPr lang="en-US">
-                        <a:effectLst/>
-                      </a:endParaRPr>
-                    </a:p>
-                  </a:txBody>
-                  <a:tcPr marL="63500" marR="63500" marT="63500" marB="63500" anchor="ctr">
-                    <a:lnL w="12700" cap="flat" cmpd="sng" algn="ctr">
-                      <a:solidFill>
-                        <a:srgbClr val="000000"/>
-                      </a:solidFill>
-                      <a:prstDash val="solid"/>
-                      <a:round/>
-                      <a:headEnd type="none" w="med" len="med"/>
-                      <a:tailEnd type="none" w="med" len="med"/>
-                    </a:lnL>
-                    <a:lnR w="12700" cap="flat" cmpd="sng" algn="ctr">
-                      <a:solidFill>
-                        <a:srgbClr val="000000"/>
-                      </a:solidFill>
-                      <a:prstDash val="solid"/>
-                      <a:round/>
-                      <a:headEnd type="none" w="med" len="med"/>
-                      <a:tailEnd type="none" w="med" len="med"/>
-                    </a:lnR>
-                    <a:lnT w="12700" cap="flat" cmpd="sng" algn="ctr">
-                      <a:solidFill>
-                        <a:srgbClr val="000000"/>
-                      </a:solidFill>
-                      <a:prstDash val="solid"/>
-                      <a:round/>
-                      <a:headEnd type="none" w="med" len="med"/>
-                      <a:tailEnd type="none" w="med" len="med"/>
-                    </a:lnT>
-                    <a:lnB w="12700" cap="flat" cmpd="sng" algn="ctr">
-                      <a:solidFill>
-                        <a:srgbClr val="000000"/>
-                      </a:solidFill>
-                      <a:prstDash val="solid"/>
-                      <a:round/>
-                      <a:headEnd type="none" w="med" len="med"/>
-                      <a:tailEnd type="none" w="med" len="med"/>
-                    </a:lnB>
-                  </a:tcPr>
-                </a:tc>
-                <a:tc>
-                  <a:txBody>
-                    <a:bodyPr/>
-                    <a:lstStyle/>
-                    <a:p>
-                      <a:pPr algn="ctr" rtl="0" fontAlgn="t">
-                        <a:spcBef>
-                          <a:spcPts val="0"/>
-                        </a:spcBef>
-                        <a:spcAft>
-                          <a:spcPts val="0"/>
-                        </a:spcAft>
-                      </a:pPr>
-                      <a:r>
-                        <a:rPr lang="en-US" sz="1200" b="0" i="0" u="none" strike="noStrike">
-                          <a:solidFill>
-                            <a:srgbClr val="000000"/>
-                          </a:solidFill>
-                          <a:effectLst/>
-                          <a:latin typeface="Vazirmatn"/>
-                        </a:rPr>
-                        <a:t>in: 21632, out: 21632</a:t>
-                      </a:r>
-                      <a:endParaRPr lang="en-US">
-                        <a:effectLst/>
-                      </a:endParaRPr>
-                    </a:p>
-                  </a:txBody>
-                  <a:tcPr marL="63500" marR="63500" marT="63500" marB="63500" anchor="ctr">
-                    <a:lnL w="12700" cap="flat" cmpd="sng" algn="ctr">
-                      <a:solidFill>
-                        <a:srgbClr val="000000"/>
-                      </a:solidFill>
-                      <a:prstDash val="solid"/>
-                      <a:round/>
-                      <a:headEnd type="none" w="med" len="med"/>
-                      <a:tailEnd type="none" w="med" len="med"/>
-                    </a:lnL>
-                    <a:lnR w="12700" cap="flat" cmpd="sng" algn="ctr">
-                      <a:solidFill>
-                        <a:srgbClr val="000000"/>
-                      </a:solidFill>
-                      <a:prstDash val="solid"/>
-                      <a:round/>
-                      <a:headEnd type="none" w="med" len="med"/>
-                      <a:tailEnd type="none" w="med" len="med"/>
-                    </a:lnR>
-                    <a:lnT w="12700" cap="flat" cmpd="sng" algn="ctr">
-                      <a:solidFill>
-                        <a:srgbClr val="000000"/>
-                      </a:solidFill>
-                      <a:prstDash val="solid"/>
-                      <a:round/>
-                      <a:headEnd type="none" w="med" len="med"/>
-                      <a:tailEnd type="none" w="med" len="med"/>
-                    </a:lnT>
-                    <a:lnB w="12700" cap="flat" cmpd="sng" algn="ctr">
-                      <a:solidFill>
-                        <a:srgbClr val="000000"/>
-                      </a:solidFill>
-                      <a:prstDash val="solid"/>
-                      <a:round/>
-                      <a:headEnd type="none" w="med" len="med"/>
-                      <a:tailEnd type="none" w="med" len="med"/>
-                    </a:lnB>
-                  </a:tcPr>
-                </a:tc>
-                <a:tc>
-                  <a:txBody>
-                    <a:bodyPr/>
-                    <a:lstStyle/>
-                    <a:p>
-                      <a:pPr algn="ctr" rtl="0" fontAlgn="t">
-                        <a:spcBef>
-                          <a:spcPts val="0"/>
-                        </a:spcBef>
-                        <a:spcAft>
-                          <a:spcPts val="0"/>
-                        </a:spcAft>
-                      </a:pPr>
-                      <a:r>
-                        <a:rPr lang="en-US" sz="1200" b="0" i="0" u="none" strike="noStrike">
-                          <a:solidFill>
-                            <a:srgbClr val="000000"/>
-                          </a:solidFill>
-                          <a:effectLst/>
-                          <a:latin typeface="Vazirmatn"/>
-                        </a:rPr>
-                        <a:t>0.43264</a:t>
-                      </a:r>
-                      <a:endParaRPr lang="en-US">
-                        <a:effectLst/>
-                      </a:endParaRPr>
-                    </a:p>
-                  </a:txBody>
-                  <a:tcPr marL="63500" marR="63500" marT="63500" marB="63500" anchor="ctr">
-                    <a:lnL w="12700" cap="flat" cmpd="sng" algn="ctr">
-                      <a:solidFill>
-                        <a:srgbClr val="000000"/>
-                      </a:solidFill>
-                      <a:prstDash val="solid"/>
-                      <a:round/>
-                      <a:headEnd type="none" w="med" len="med"/>
-                      <a:tailEnd type="none" w="med" len="med"/>
-                    </a:lnL>
-                    <a:lnR w="12700" cap="flat" cmpd="sng" algn="ctr">
-                      <a:solidFill>
-                        <a:srgbClr val="000000"/>
-                      </a:solidFill>
-                      <a:prstDash val="solid"/>
-                      <a:round/>
-                      <a:headEnd type="none" w="med" len="med"/>
-                      <a:tailEnd type="none" w="med" len="med"/>
-                    </a:lnR>
-                    <a:lnT w="12700" cap="flat" cmpd="sng" algn="ctr">
-                      <a:solidFill>
-                        <a:srgbClr val="000000"/>
-                      </a:solidFill>
-                      <a:prstDash val="solid"/>
-                      <a:round/>
-                      <a:headEnd type="none" w="med" len="med"/>
-                      <a:tailEnd type="none" w="med" len="med"/>
-                    </a:lnT>
-                    <a:lnB w="12700" cap="flat" cmpd="sng" algn="ctr">
-                      <a:solidFill>
-                        <a:srgbClr val="000000"/>
-                      </a:solidFill>
-                      <a:prstDash val="solid"/>
-                      <a:round/>
-                      <a:headEnd type="none" w="med" len="med"/>
-                      <a:tailEnd type="none" w="med" len="med"/>
-                    </a:lnB>
-                  </a:tcPr>
-                </a:tc>
-                <a:extLst>
-                  <a:ext uri="{0D108BD9-81ED-4DB2-BD59-A6C34878D82A}">
-                    <a16:rowId xmlns:a16="http://schemas.microsoft.com/office/drawing/2014/main" val="1549404041"/>
-                  </a:ext>
-                </a:extLst>
-              </a:tr>
-              <a:tr h="929546">
-                <a:tc>
-                  <a:txBody>
-                    <a:bodyPr/>
-                    <a:lstStyle/>
-                    <a:p>
-                      <a:pPr algn="ctr" rtl="0" fontAlgn="t">
-                        <a:spcBef>
-                          <a:spcPts val="0"/>
-                        </a:spcBef>
-                        <a:spcAft>
-                          <a:spcPts val="0"/>
-                        </a:spcAft>
-                      </a:pPr>
-                      <a:r>
-                        <a:rPr lang="en-US" sz="1200" b="0" i="0" u="none" strike="noStrike">
-                          <a:solidFill>
-                            <a:srgbClr val="000000"/>
-                          </a:solidFill>
-                          <a:effectLst/>
-                          <a:latin typeface="Vazirmatn"/>
-                        </a:rPr>
-                        <a:t>layer#1</a:t>
-                      </a:r>
-                      <a:endParaRPr lang="en-US">
-                        <a:effectLst/>
-                      </a:endParaRPr>
-                    </a:p>
-                  </a:txBody>
-                  <a:tcPr marL="63500" marR="63500" marT="63500" marB="63500" anchor="ctr">
-                    <a:lnL w="12700" cap="flat" cmpd="sng" algn="ctr">
-                      <a:solidFill>
-                        <a:srgbClr val="000000"/>
-                      </a:solidFill>
-                      <a:prstDash val="solid"/>
-                      <a:round/>
-                      <a:headEnd type="none" w="med" len="med"/>
-                      <a:tailEnd type="none" w="med" len="med"/>
-                    </a:lnL>
-                    <a:lnR w="12700" cap="flat" cmpd="sng" algn="ctr">
-                      <a:solidFill>
-                        <a:srgbClr val="000000"/>
-                      </a:solidFill>
-                      <a:prstDash val="solid"/>
-                      <a:round/>
-                      <a:headEnd type="none" w="med" len="med"/>
-                      <a:tailEnd type="none" w="med" len="med"/>
-                    </a:lnR>
-                    <a:lnT w="12700" cap="flat" cmpd="sng" algn="ctr">
-                      <a:solidFill>
-                        <a:srgbClr val="000000"/>
-                      </a:solidFill>
-                      <a:prstDash val="solid"/>
-                      <a:round/>
-                      <a:headEnd type="none" w="med" len="med"/>
-                      <a:tailEnd type="none" w="med" len="med"/>
-                    </a:lnT>
-                    <a:lnB w="12700" cap="flat" cmpd="sng" algn="ctr">
-                      <a:solidFill>
-                        <a:srgbClr val="000000"/>
-                      </a:solidFill>
-                      <a:prstDash val="solid"/>
-                      <a:round/>
-                      <a:headEnd type="none" w="med" len="med"/>
-                      <a:tailEnd type="none" w="med" len="med"/>
-                    </a:lnB>
-                  </a:tcPr>
-                </a:tc>
-                <a:tc>
-                  <a:txBody>
-                    <a:bodyPr/>
-                    <a:lstStyle/>
-                    <a:p>
-                      <a:pPr algn="ctr" rtl="0" fontAlgn="t">
-                        <a:spcBef>
-                          <a:spcPts val="0"/>
-                        </a:spcBef>
-                        <a:spcAft>
-                          <a:spcPts val="0"/>
-                        </a:spcAft>
-                      </a:pPr>
-                      <a:r>
-                        <a:rPr lang="en-US" sz="1200" b="0" i="0" u="none" strike="noStrike">
-                          <a:solidFill>
-                            <a:srgbClr val="000000"/>
-                          </a:solidFill>
-                          <a:effectLst/>
-                          <a:latin typeface="Vazirmatn"/>
-                        </a:rPr>
-                        <a:t>MaxPooling</a:t>
-                      </a:r>
-                      <a:endParaRPr lang="en-US">
-                        <a:effectLst/>
-                      </a:endParaRPr>
-                    </a:p>
-                  </a:txBody>
-                  <a:tcPr marL="63500" marR="63500" marT="63500" marB="63500" anchor="ctr">
-                    <a:lnL w="12700" cap="flat" cmpd="sng" algn="ctr">
-                      <a:solidFill>
-                        <a:srgbClr val="000000"/>
-                      </a:solidFill>
-                      <a:prstDash val="solid"/>
-                      <a:round/>
-                      <a:headEnd type="none" w="med" len="med"/>
-                      <a:tailEnd type="none" w="med" len="med"/>
-                    </a:lnL>
-                    <a:lnR w="12700" cap="flat" cmpd="sng" algn="ctr">
-                      <a:solidFill>
-                        <a:srgbClr val="000000"/>
-                      </a:solidFill>
-                      <a:prstDash val="solid"/>
-                      <a:round/>
-                      <a:headEnd type="none" w="med" len="med"/>
-                      <a:tailEnd type="none" w="med" len="med"/>
-                    </a:lnR>
-                    <a:lnT w="12700" cap="flat" cmpd="sng" algn="ctr">
-                      <a:solidFill>
-                        <a:srgbClr val="000000"/>
-                      </a:solidFill>
-                      <a:prstDash val="solid"/>
-                      <a:round/>
-                      <a:headEnd type="none" w="med" len="med"/>
-                      <a:tailEnd type="none" w="med" len="med"/>
-                    </a:lnT>
-                    <a:lnB w="12700" cap="flat" cmpd="sng" algn="ctr">
-                      <a:solidFill>
-                        <a:srgbClr val="000000"/>
-                      </a:solidFill>
-                      <a:prstDash val="solid"/>
-                      <a:round/>
-                      <a:headEnd type="none" w="med" len="med"/>
-                      <a:tailEnd type="none" w="med" len="med"/>
-                    </a:lnB>
-                  </a:tcPr>
-                </a:tc>
-                <a:tc>
-                  <a:txBody>
-                    <a:bodyPr/>
-                    <a:lstStyle/>
-                    <a:p>
-                      <a:pPr algn="ctr" rtl="0" fontAlgn="t">
-                        <a:spcBef>
-                          <a:spcPts val="0"/>
-                        </a:spcBef>
-                        <a:spcAft>
-                          <a:spcPts val="0"/>
-                        </a:spcAft>
-                      </a:pPr>
-                      <a:r>
-                        <a:rPr lang="en-US" sz="1200" b="0" i="0" u="none" strike="noStrike" dirty="0">
-                          <a:solidFill>
-                            <a:srgbClr val="000000"/>
-                          </a:solidFill>
-                          <a:effectLst/>
-                          <a:latin typeface="Vazirmatn"/>
-                        </a:rPr>
-                        <a:t>in: 21632, out: 21632</a:t>
-                      </a:r>
-                      <a:endParaRPr lang="en-US" dirty="0">
-                        <a:effectLst/>
-                      </a:endParaRPr>
-                    </a:p>
-                  </a:txBody>
-                  <a:tcPr marL="63500" marR="63500" marT="63500" marB="63500" anchor="ctr">
-                    <a:lnL w="12700" cap="flat" cmpd="sng" algn="ctr">
-                      <a:solidFill>
-                        <a:srgbClr val="000000"/>
-                      </a:solidFill>
-                      <a:prstDash val="solid"/>
-                      <a:round/>
-                      <a:headEnd type="none" w="med" len="med"/>
-                      <a:tailEnd type="none" w="med" len="med"/>
-                    </a:lnL>
-                    <a:lnR w="12700" cap="flat" cmpd="sng" algn="ctr">
-                      <a:solidFill>
-                        <a:srgbClr val="000000"/>
-                      </a:solidFill>
-                      <a:prstDash val="solid"/>
-                      <a:round/>
-                      <a:headEnd type="none" w="med" len="med"/>
-                      <a:tailEnd type="none" w="med" len="med"/>
-                    </a:lnR>
-                    <a:lnT w="12700" cap="flat" cmpd="sng" algn="ctr">
-                      <a:solidFill>
-                        <a:srgbClr val="000000"/>
-                      </a:solidFill>
-                      <a:prstDash val="solid"/>
-                      <a:round/>
-                      <a:headEnd type="none" w="med" len="med"/>
-                      <a:tailEnd type="none" w="med" len="med"/>
-                    </a:lnT>
-                    <a:lnB w="12700" cap="flat" cmpd="sng" algn="ctr">
-                      <a:solidFill>
-                        <a:srgbClr val="000000"/>
-                      </a:solidFill>
-                      <a:prstDash val="solid"/>
-                      <a:round/>
-                      <a:headEnd type="none" w="med" len="med"/>
-                      <a:tailEnd type="none" w="med" len="med"/>
-                    </a:lnB>
-                  </a:tcPr>
-                </a:tc>
-                <a:tc>
-                  <a:txBody>
-                    <a:bodyPr/>
-                    <a:lstStyle/>
-                    <a:p>
-                      <a:pPr algn="ctr" rtl="0" fontAlgn="t">
-                        <a:spcBef>
-                          <a:spcPts val="0"/>
-                        </a:spcBef>
-                        <a:spcAft>
-                          <a:spcPts val="0"/>
-                        </a:spcAft>
-                      </a:pPr>
-                      <a:r>
-                        <a:rPr lang="en-US" sz="1200" b="0" i="0" u="none" strike="noStrike">
-                          <a:solidFill>
-                            <a:srgbClr val="000000"/>
-                          </a:solidFill>
-                          <a:effectLst/>
-                          <a:latin typeface="Vazirmatn"/>
-                        </a:rPr>
-                        <a:t>0.43264</a:t>
-                      </a:r>
-                      <a:endParaRPr lang="en-US">
-                        <a:effectLst/>
-                      </a:endParaRPr>
-                    </a:p>
-                  </a:txBody>
-                  <a:tcPr marL="63500" marR="63500" marT="63500" marB="63500" anchor="ctr">
-                    <a:lnL w="12700" cap="flat" cmpd="sng" algn="ctr">
-                      <a:solidFill>
-                        <a:srgbClr val="000000"/>
-                      </a:solidFill>
-                      <a:prstDash val="solid"/>
-                      <a:round/>
-                      <a:headEnd type="none" w="med" len="med"/>
-                      <a:tailEnd type="none" w="med" len="med"/>
-                    </a:lnL>
-                    <a:lnR w="12700" cap="flat" cmpd="sng" algn="ctr">
-                      <a:solidFill>
-                        <a:srgbClr val="000000"/>
-                      </a:solidFill>
-                      <a:prstDash val="solid"/>
-                      <a:round/>
-                      <a:headEnd type="none" w="med" len="med"/>
-                      <a:tailEnd type="none" w="med" len="med"/>
-                    </a:lnR>
-                    <a:lnT w="12700" cap="flat" cmpd="sng" algn="ctr">
-                      <a:solidFill>
-                        <a:srgbClr val="000000"/>
-                      </a:solidFill>
-                      <a:prstDash val="solid"/>
-                      <a:round/>
-                      <a:headEnd type="none" w="med" len="med"/>
-                      <a:tailEnd type="none" w="med" len="med"/>
-                    </a:lnT>
-                    <a:lnB w="12700" cap="flat" cmpd="sng" algn="ctr">
-                      <a:solidFill>
-                        <a:srgbClr val="000000"/>
-                      </a:solidFill>
-                      <a:prstDash val="solid"/>
-                      <a:round/>
-                      <a:headEnd type="none" w="med" len="med"/>
-                      <a:tailEnd type="none" w="med" len="med"/>
-                    </a:lnB>
-                  </a:tcPr>
-                </a:tc>
-                <a:extLst>
-                  <a:ext uri="{0D108BD9-81ED-4DB2-BD59-A6C34878D82A}">
-                    <a16:rowId xmlns:a16="http://schemas.microsoft.com/office/drawing/2014/main" val="3900967438"/>
-                  </a:ext>
-                </a:extLst>
-              </a:tr>
-              <a:tr h="929546">
-                <a:tc>
-                  <a:txBody>
-                    <a:bodyPr/>
-                    <a:lstStyle/>
-                    <a:p>
-                      <a:pPr algn="ctr" rtl="0" fontAlgn="t">
-                        <a:spcBef>
-                          <a:spcPts val="0"/>
-                        </a:spcBef>
-                        <a:spcAft>
-                          <a:spcPts val="0"/>
-                        </a:spcAft>
-                      </a:pPr>
-                      <a:r>
-                        <a:rPr lang="en-US" sz="1200" b="0" i="0" u="none" strike="noStrike">
-                          <a:solidFill>
-                            <a:srgbClr val="000000"/>
-                          </a:solidFill>
-                          <a:effectLst/>
-                          <a:latin typeface="Vazirmatn"/>
-                        </a:rPr>
-                        <a:t>layer#2</a:t>
-                      </a:r>
-                      <a:endParaRPr lang="en-US">
-                        <a:effectLst/>
-                      </a:endParaRPr>
-                    </a:p>
-                  </a:txBody>
-                  <a:tcPr marL="63500" marR="63500" marT="63500" marB="63500" anchor="ctr">
-                    <a:lnL w="12700" cap="flat" cmpd="sng" algn="ctr">
-                      <a:solidFill>
-                        <a:srgbClr val="000000"/>
-                      </a:solidFill>
-                      <a:prstDash val="solid"/>
-                      <a:round/>
-                      <a:headEnd type="none" w="med" len="med"/>
-                      <a:tailEnd type="none" w="med" len="med"/>
-                    </a:lnL>
-                    <a:lnR w="12700" cap="flat" cmpd="sng" algn="ctr">
-                      <a:solidFill>
-                        <a:srgbClr val="000000"/>
-                      </a:solidFill>
-                      <a:prstDash val="solid"/>
-                      <a:round/>
-                      <a:headEnd type="none" w="med" len="med"/>
-                      <a:tailEnd type="none" w="med" len="med"/>
-                    </a:lnR>
-                    <a:lnT w="12700" cap="flat" cmpd="sng" algn="ctr">
-                      <a:solidFill>
-                        <a:srgbClr val="000000"/>
-                      </a:solidFill>
-                      <a:prstDash val="solid"/>
-                      <a:round/>
-                      <a:headEnd type="none" w="med" len="med"/>
-                      <a:tailEnd type="none" w="med" len="med"/>
-                    </a:lnT>
-                    <a:lnB w="12700" cap="flat" cmpd="sng" algn="ctr">
-                      <a:solidFill>
-                        <a:srgbClr val="000000"/>
-                      </a:solidFill>
-                      <a:prstDash val="solid"/>
-                      <a:round/>
-                      <a:headEnd type="none" w="med" len="med"/>
-                      <a:tailEnd type="none" w="med" len="med"/>
-                    </a:lnB>
-                  </a:tcPr>
-                </a:tc>
-                <a:tc>
-                  <a:txBody>
-                    <a:bodyPr/>
-                    <a:lstStyle/>
-                    <a:p>
-                      <a:pPr algn="ctr" rtl="0" fontAlgn="t">
-                        <a:spcBef>
-                          <a:spcPts val="0"/>
-                        </a:spcBef>
-                        <a:spcAft>
-                          <a:spcPts val="0"/>
-                        </a:spcAft>
-                      </a:pPr>
-                      <a:r>
-                        <a:rPr lang="en-US" sz="1200" b="0" i="0" u="none" strike="noStrike">
-                          <a:solidFill>
-                            <a:srgbClr val="000000"/>
-                          </a:solidFill>
-                          <a:effectLst/>
-                          <a:latin typeface="Vazirmatn"/>
-                        </a:rPr>
-                        <a:t>Convolution</a:t>
-                      </a:r>
-                      <a:endParaRPr lang="en-US">
-                        <a:effectLst/>
-                      </a:endParaRPr>
-                    </a:p>
-                  </a:txBody>
-                  <a:tcPr marL="63500" marR="63500" marT="63500" marB="63500" anchor="ctr">
-                    <a:lnL w="12700" cap="flat" cmpd="sng" algn="ctr">
-                      <a:solidFill>
-                        <a:srgbClr val="000000"/>
-                      </a:solidFill>
-                      <a:prstDash val="solid"/>
-                      <a:round/>
-                      <a:headEnd type="none" w="med" len="med"/>
-                      <a:tailEnd type="none" w="med" len="med"/>
-                    </a:lnL>
-                    <a:lnR w="12700" cap="flat" cmpd="sng" algn="ctr">
-                      <a:solidFill>
-                        <a:srgbClr val="000000"/>
-                      </a:solidFill>
-                      <a:prstDash val="solid"/>
-                      <a:round/>
-                      <a:headEnd type="none" w="med" len="med"/>
-                      <a:tailEnd type="none" w="med" len="med"/>
-                    </a:lnR>
-                    <a:lnT w="12700" cap="flat" cmpd="sng" algn="ctr">
-                      <a:solidFill>
-                        <a:srgbClr val="000000"/>
-                      </a:solidFill>
-                      <a:prstDash val="solid"/>
-                      <a:round/>
-                      <a:headEnd type="none" w="med" len="med"/>
-                      <a:tailEnd type="none" w="med" len="med"/>
-                    </a:lnT>
-                    <a:lnB w="12700" cap="flat" cmpd="sng" algn="ctr">
-                      <a:solidFill>
-                        <a:srgbClr val="000000"/>
-                      </a:solidFill>
-                      <a:prstDash val="solid"/>
-                      <a:round/>
-                      <a:headEnd type="none" w="med" len="med"/>
-                      <a:tailEnd type="none" w="med" len="med"/>
-                    </a:lnB>
-                  </a:tcPr>
-                </a:tc>
-                <a:tc>
-                  <a:txBody>
-                    <a:bodyPr/>
-                    <a:lstStyle/>
-                    <a:p>
-                      <a:pPr algn="ctr" rtl="0" fontAlgn="t">
-                        <a:spcBef>
-                          <a:spcPts val="0"/>
-                        </a:spcBef>
-                        <a:spcAft>
-                          <a:spcPts val="0"/>
-                        </a:spcAft>
-                      </a:pPr>
-                      <a:r>
-                        <a:rPr lang="en-US" sz="1200" b="0" i="0" u="none" strike="noStrike">
-                          <a:solidFill>
-                            <a:srgbClr val="000000"/>
-                          </a:solidFill>
-                          <a:effectLst/>
-                          <a:latin typeface="Vazirmatn"/>
-                        </a:rPr>
-                        <a:t>in: 5408, out: 2230272</a:t>
-                      </a:r>
-                      <a:endParaRPr lang="en-US">
-                        <a:effectLst/>
-                      </a:endParaRPr>
-                    </a:p>
-                  </a:txBody>
-                  <a:tcPr marL="63500" marR="63500" marT="63500" marB="63500" anchor="ctr">
-                    <a:lnL w="12700" cap="flat" cmpd="sng" algn="ctr">
-                      <a:solidFill>
-                        <a:srgbClr val="000000"/>
-                      </a:solidFill>
-                      <a:prstDash val="solid"/>
-                      <a:round/>
-                      <a:headEnd type="none" w="med" len="med"/>
-                      <a:tailEnd type="none" w="med" len="med"/>
-                    </a:lnL>
-                    <a:lnR w="12700" cap="flat" cmpd="sng" algn="ctr">
-                      <a:solidFill>
-                        <a:srgbClr val="000000"/>
-                      </a:solidFill>
-                      <a:prstDash val="solid"/>
-                      <a:round/>
-                      <a:headEnd type="none" w="med" len="med"/>
-                      <a:tailEnd type="none" w="med" len="med"/>
-                    </a:lnR>
-                    <a:lnT w="12700" cap="flat" cmpd="sng" algn="ctr">
-                      <a:solidFill>
-                        <a:srgbClr val="000000"/>
-                      </a:solidFill>
-                      <a:prstDash val="solid"/>
-                      <a:round/>
-                      <a:headEnd type="none" w="med" len="med"/>
-                      <a:tailEnd type="none" w="med" len="med"/>
-                    </a:lnT>
-                    <a:lnB w="12700" cap="flat" cmpd="sng" algn="ctr">
-                      <a:solidFill>
-                        <a:srgbClr val="000000"/>
-                      </a:solidFill>
-                      <a:prstDash val="solid"/>
-                      <a:round/>
-                      <a:headEnd type="none" w="med" len="med"/>
-                      <a:tailEnd type="none" w="med" len="med"/>
-                    </a:lnB>
-                  </a:tcPr>
-                </a:tc>
-                <a:tc>
-                  <a:txBody>
-                    <a:bodyPr/>
-                    <a:lstStyle/>
-                    <a:p>
-                      <a:pPr algn="ctr" rtl="0" fontAlgn="t">
-                        <a:spcBef>
-                          <a:spcPts val="0"/>
-                        </a:spcBef>
-                        <a:spcAft>
-                          <a:spcPts val="0"/>
-                        </a:spcAft>
-                      </a:pPr>
-                      <a:r>
-                        <a:rPr lang="en-US" sz="1200" b="0" i="0" u="none" strike="noStrike">
-                          <a:solidFill>
-                            <a:srgbClr val="000000"/>
-                          </a:solidFill>
-                          <a:effectLst/>
-                          <a:latin typeface="Vazirmatn"/>
-                        </a:rPr>
-                        <a:t>22.3568</a:t>
-                      </a:r>
-                      <a:endParaRPr lang="en-US">
-                        <a:effectLst/>
-                      </a:endParaRPr>
-                    </a:p>
-                  </a:txBody>
-                  <a:tcPr marL="63500" marR="63500" marT="63500" marB="63500" anchor="ctr">
-                    <a:lnL w="12700" cap="flat" cmpd="sng" algn="ctr">
-                      <a:solidFill>
-                        <a:srgbClr val="000000"/>
-                      </a:solidFill>
-                      <a:prstDash val="solid"/>
-                      <a:round/>
-                      <a:headEnd type="none" w="med" len="med"/>
-                      <a:tailEnd type="none" w="med" len="med"/>
-                    </a:lnL>
-                    <a:lnR w="12700" cap="flat" cmpd="sng" algn="ctr">
-                      <a:solidFill>
-                        <a:srgbClr val="000000"/>
-                      </a:solidFill>
-                      <a:prstDash val="solid"/>
-                      <a:round/>
-                      <a:headEnd type="none" w="med" len="med"/>
-                      <a:tailEnd type="none" w="med" len="med"/>
-                    </a:lnR>
-                    <a:lnT w="12700" cap="flat" cmpd="sng" algn="ctr">
-                      <a:solidFill>
-                        <a:srgbClr val="000000"/>
-                      </a:solidFill>
-                      <a:prstDash val="solid"/>
-                      <a:round/>
-                      <a:headEnd type="none" w="med" len="med"/>
-                      <a:tailEnd type="none" w="med" len="med"/>
-                    </a:lnT>
-                    <a:lnB w="12700" cap="flat" cmpd="sng" algn="ctr">
-                      <a:solidFill>
-                        <a:srgbClr val="000000"/>
-                      </a:solidFill>
-                      <a:prstDash val="solid"/>
-                      <a:round/>
-                      <a:headEnd type="none" w="med" len="med"/>
-                      <a:tailEnd type="none" w="med" len="med"/>
-                    </a:lnB>
-                  </a:tcPr>
-                </a:tc>
-                <a:extLst>
-                  <a:ext uri="{0D108BD9-81ED-4DB2-BD59-A6C34878D82A}">
-                    <a16:rowId xmlns:a16="http://schemas.microsoft.com/office/drawing/2014/main" val="614554359"/>
-                  </a:ext>
-                </a:extLst>
-              </a:tr>
-              <a:tr h="584560">
-                <a:tc>
-                  <a:txBody>
-                    <a:bodyPr/>
-                    <a:lstStyle/>
-                    <a:p>
-                      <a:pPr algn="ctr" rtl="0" fontAlgn="t">
-                        <a:spcBef>
-                          <a:spcPts val="0"/>
-                        </a:spcBef>
-                        <a:spcAft>
-                          <a:spcPts val="0"/>
-                        </a:spcAft>
-                      </a:pPr>
-                      <a:r>
-                        <a:rPr lang="en-US" sz="1200" b="0" i="0" u="none" strike="noStrike">
-                          <a:solidFill>
-                            <a:srgbClr val="000000"/>
-                          </a:solidFill>
-                          <a:effectLst/>
-                          <a:latin typeface="Vazirmatn"/>
-                        </a:rPr>
-                        <a:t>layer#2 activation</a:t>
-                      </a:r>
-                      <a:endParaRPr lang="en-US">
-                        <a:effectLst/>
-                      </a:endParaRPr>
-                    </a:p>
-                  </a:txBody>
-                  <a:tcPr marL="63500" marR="63500" marT="63500" marB="63500" anchor="ctr">
-                    <a:lnL w="12700" cap="flat" cmpd="sng" algn="ctr">
-                      <a:solidFill>
-                        <a:srgbClr val="000000"/>
-                      </a:solidFill>
-                      <a:prstDash val="solid"/>
-                      <a:round/>
-                      <a:headEnd type="none" w="med" len="med"/>
-                      <a:tailEnd type="none" w="med" len="med"/>
-                    </a:lnL>
-                    <a:lnR w="12700" cap="flat" cmpd="sng" algn="ctr">
-                      <a:solidFill>
-                        <a:srgbClr val="000000"/>
-                      </a:solidFill>
-                      <a:prstDash val="solid"/>
-                      <a:round/>
-                      <a:headEnd type="none" w="med" len="med"/>
-                      <a:tailEnd type="none" w="med" len="med"/>
-                    </a:lnR>
-                    <a:lnT w="12700" cap="flat" cmpd="sng" algn="ctr">
-                      <a:solidFill>
-                        <a:srgbClr val="000000"/>
-                      </a:solidFill>
-                      <a:prstDash val="solid"/>
-                      <a:round/>
-                      <a:headEnd type="none" w="med" len="med"/>
-                      <a:tailEnd type="none" w="med" len="med"/>
-                    </a:lnT>
-                    <a:lnB w="12700" cap="flat" cmpd="sng" algn="ctr">
-                      <a:solidFill>
-                        <a:srgbClr val="000000"/>
-                      </a:solidFill>
-                      <a:prstDash val="solid"/>
-                      <a:round/>
-                      <a:headEnd type="none" w="med" len="med"/>
-                      <a:tailEnd type="none" w="med" len="med"/>
-                    </a:lnB>
-                  </a:tcPr>
-                </a:tc>
-                <a:tc>
-                  <a:txBody>
-                    <a:bodyPr/>
-                    <a:lstStyle/>
-                    <a:p>
-                      <a:pPr algn="ctr" rtl="0" fontAlgn="t">
-                        <a:spcBef>
-                          <a:spcPts val="0"/>
-                        </a:spcBef>
-                        <a:spcAft>
-                          <a:spcPts val="0"/>
-                        </a:spcAft>
-                      </a:pPr>
-                      <a:r>
-                        <a:rPr lang="en-US" sz="1200" b="0" i="0" u="none" strike="noStrike">
-                          <a:solidFill>
-                            <a:srgbClr val="000000"/>
-                          </a:solidFill>
-                          <a:effectLst/>
-                          <a:latin typeface="Vazirmatn"/>
-                        </a:rPr>
-                        <a:t>ReLU</a:t>
-                      </a:r>
-                      <a:endParaRPr lang="en-US">
-                        <a:effectLst/>
-                      </a:endParaRPr>
-                    </a:p>
-                  </a:txBody>
-                  <a:tcPr marL="63500" marR="63500" marT="63500" marB="63500" anchor="ctr">
-                    <a:lnL w="12700" cap="flat" cmpd="sng" algn="ctr">
-                      <a:solidFill>
-                        <a:srgbClr val="000000"/>
-                      </a:solidFill>
-                      <a:prstDash val="solid"/>
-                      <a:round/>
-                      <a:headEnd type="none" w="med" len="med"/>
-                      <a:tailEnd type="none" w="med" len="med"/>
-                    </a:lnL>
-                    <a:lnR w="12700" cap="flat" cmpd="sng" algn="ctr">
-                      <a:solidFill>
-                        <a:srgbClr val="000000"/>
-                      </a:solidFill>
-                      <a:prstDash val="solid"/>
-                      <a:round/>
-                      <a:headEnd type="none" w="med" len="med"/>
-                      <a:tailEnd type="none" w="med" len="med"/>
-                    </a:lnR>
-                    <a:lnT w="12700" cap="flat" cmpd="sng" algn="ctr">
-                      <a:solidFill>
-                        <a:srgbClr val="000000"/>
-                      </a:solidFill>
-                      <a:prstDash val="solid"/>
-                      <a:round/>
-                      <a:headEnd type="none" w="med" len="med"/>
-                      <a:tailEnd type="none" w="med" len="med"/>
-                    </a:lnT>
-                    <a:lnB w="12700" cap="flat" cmpd="sng" algn="ctr">
-                      <a:solidFill>
-                        <a:srgbClr val="000000"/>
-                      </a:solidFill>
-                      <a:prstDash val="solid"/>
-                      <a:round/>
-                      <a:headEnd type="none" w="med" len="med"/>
-                      <a:tailEnd type="none" w="med" len="med"/>
-                    </a:lnB>
-                  </a:tcPr>
-                </a:tc>
-                <a:tc>
-                  <a:txBody>
-                    <a:bodyPr/>
-                    <a:lstStyle/>
-                    <a:p>
-                      <a:pPr algn="ctr" rtl="0" fontAlgn="t">
-                        <a:spcBef>
-                          <a:spcPts val="0"/>
-                        </a:spcBef>
-                        <a:spcAft>
-                          <a:spcPts val="0"/>
-                        </a:spcAft>
-                      </a:pPr>
-                      <a:r>
-                        <a:rPr lang="en-US" sz="1200" b="0" i="0" u="none" strike="noStrike">
-                          <a:solidFill>
-                            <a:srgbClr val="000000"/>
-                          </a:solidFill>
-                          <a:effectLst/>
-                          <a:latin typeface="Vazirmatn"/>
-                        </a:rPr>
-                        <a:t>in: 7744, out: 7744</a:t>
-                      </a:r>
-                      <a:endParaRPr lang="en-US">
-                        <a:effectLst/>
-                      </a:endParaRPr>
-                    </a:p>
-                  </a:txBody>
-                  <a:tcPr marL="63500" marR="63500" marT="63500" marB="63500" anchor="ctr">
-                    <a:lnL w="12700" cap="flat" cmpd="sng" algn="ctr">
-                      <a:solidFill>
-                        <a:srgbClr val="000000"/>
-                      </a:solidFill>
-                      <a:prstDash val="solid"/>
-                      <a:round/>
-                      <a:headEnd type="none" w="med" len="med"/>
-                      <a:tailEnd type="none" w="med" len="med"/>
-                    </a:lnL>
-                    <a:lnR w="12700" cap="flat" cmpd="sng" algn="ctr">
-                      <a:solidFill>
-                        <a:srgbClr val="000000"/>
-                      </a:solidFill>
-                      <a:prstDash val="solid"/>
-                      <a:round/>
-                      <a:headEnd type="none" w="med" len="med"/>
-                      <a:tailEnd type="none" w="med" len="med"/>
-                    </a:lnR>
-                    <a:lnT w="12700" cap="flat" cmpd="sng" algn="ctr">
-                      <a:solidFill>
-                        <a:srgbClr val="000000"/>
-                      </a:solidFill>
-                      <a:prstDash val="solid"/>
-                      <a:round/>
-                      <a:headEnd type="none" w="med" len="med"/>
-                      <a:tailEnd type="none" w="med" len="med"/>
-                    </a:lnT>
-                    <a:lnB w="12700" cap="flat" cmpd="sng" algn="ctr">
-                      <a:solidFill>
-                        <a:srgbClr val="000000"/>
-                      </a:solidFill>
-                      <a:prstDash val="solid"/>
-                      <a:round/>
-                      <a:headEnd type="none" w="med" len="med"/>
-                      <a:tailEnd type="none" w="med" len="med"/>
-                    </a:lnB>
-                  </a:tcPr>
-                </a:tc>
-                <a:tc>
-                  <a:txBody>
-                    <a:bodyPr/>
-                    <a:lstStyle/>
-                    <a:p>
-                      <a:pPr algn="ctr" rtl="0" fontAlgn="t">
-                        <a:spcBef>
-                          <a:spcPts val="0"/>
-                        </a:spcBef>
-                        <a:spcAft>
-                          <a:spcPts val="0"/>
-                        </a:spcAft>
-                      </a:pPr>
-                      <a:r>
-                        <a:rPr lang="en-US" sz="1200" b="0" i="0" u="none" strike="noStrike">
-                          <a:solidFill>
-                            <a:srgbClr val="000000"/>
-                          </a:solidFill>
-                          <a:effectLst/>
-                          <a:latin typeface="Vazirmatn"/>
-                        </a:rPr>
-                        <a:t>0.15488</a:t>
-                      </a:r>
-                      <a:endParaRPr lang="en-US">
-                        <a:effectLst/>
-                      </a:endParaRPr>
-                    </a:p>
-                  </a:txBody>
-                  <a:tcPr marL="63500" marR="63500" marT="63500" marB="63500" anchor="ctr">
-                    <a:lnL w="12700" cap="flat" cmpd="sng" algn="ctr">
-                      <a:solidFill>
-                        <a:srgbClr val="000000"/>
-                      </a:solidFill>
-                      <a:prstDash val="solid"/>
-                      <a:round/>
-                      <a:headEnd type="none" w="med" len="med"/>
-                      <a:tailEnd type="none" w="med" len="med"/>
-                    </a:lnL>
-                    <a:lnR w="12700" cap="flat" cmpd="sng" algn="ctr">
-                      <a:solidFill>
-                        <a:srgbClr val="000000"/>
-                      </a:solidFill>
-                      <a:prstDash val="solid"/>
-                      <a:round/>
-                      <a:headEnd type="none" w="med" len="med"/>
-                      <a:tailEnd type="none" w="med" len="med"/>
-                    </a:lnR>
-                    <a:lnT w="12700" cap="flat" cmpd="sng" algn="ctr">
-                      <a:solidFill>
-                        <a:srgbClr val="000000"/>
-                      </a:solidFill>
-                      <a:prstDash val="solid"/>
-                      <a:round/>
-                      <a:headEnd type="none" w="med" len="med"/>
-                      <a:tailEnd type="none" w="med" len="med"/>
-                    </a:lnT>
-                    <a:lnB w="12700" cap="flat" cmpd="sng" algn="ctr">
-                      <a:solidFill>
-                        <a:srgbClr val="000000"/>
-                      </a:solidFill>
-                      <a:prstDash val="solid"/>
-                      <a:round/>
-                      <a:headEnd type="none" w="med" len="med"/>
-                      <a:tailEnd type="none" w="med" len="med"/>
-                    </a:lnB>
-                  </a:tcPr>
-                </a:tc>
-                <a:extLst>
-                  <a:ext uri="{0D108BD9-81ED-4DB2-BD59-A6C34878D82A}">
-                    <a16:rowId xmlns:a16="http://schemas.microsoft.com/office/drawing/2014/main" val="2279740775"/>
-                  </a:ext>
-                </a:extLst>
-              </a:tr>
-              <a:tr h="584560">
-                <a:tc>
-                  <a:txBody>
-                    <a:bodyPr/>
-                    <a:lstStyle/>
-                    <a:p>
-                      <a:pPr algn="ctr" rtl="0" fontAlgn="t">
-                        <a:spcBef>
-                          <a:spcPts val="0"/>
-                        </a:spcBef>
-                        <a:spcAft>
-                          <a:spcPts val="0"/>
-                        </a:spcAft>
-                      </a:pPr>
-                      <a:r>
-                        <a:rPr lang="en-US" sz="1200" b="0" i="0" u="none" strike="noStrike">
-                          <a:solidFill>
-                            <a:srgbClr val="000000"/>
-                          </a:solidFill>
-                          <a:effectLst/>
-                          <a:latin typeface="Vazirmatn"/>
-                        </a:rPr>
-                        <a:t>layer#3</a:t>
-                      </a:r>
-                      <a:endParaRPr lang="en-US">
-                        <a:effectLst/>
-                      </a:endParaRPr>
-                    </a:p>
-                  </a:txBody>
-                  <a:tcPr marL="63500" marR="63500" marT="63500" marB="63500" anchor="ctr">
-                    <a:lnL w="12700" cap="flat" cmpd="sng" algn="ctr">
-                      <a:solidFill>
-                        <a:srgbClr val="000000"/>
-                      </a:solidFill>
-                      <a:prstDash val="solid"/>
-                      <a:round/>
-                      <a:headEnd type="none" w="med" len="med"/>
-                      <a:tailEnd type="none" w="med" len="med"/>
-                    </a:lnL>
-                    <a:lnR w="12700" cap="flat" cmpd="sng" algn="ctr">
-                      <a:solidFill>
-                        <a:srgbClr val="000000"/>
-                      </a:solidFill>
-                      <a:prstDash val="solid"/>
-                      <a:round/>
-                      <a:headEnd type="none" w="med" len="med"/>
-                      <a:tailEnd type="none" w="med" len="med"/>
-                    </a:lnR>
-                    <a:lnT w="12700" cap="flat" cmpd="sng" algn="ctr">
-                      <a:solidFill>
-                        <a:srgbClr val="000000"/>
-                      </a:solidFill>
-                      <a:prstDash val="solid"/>
-                      <a:round/>
-                      <a:headEnd type="none" w="med" len="med"/>
-                      <a:tailEnd type="none" w="med" len="med"/>
-                    </a:lnT>
-                    <a:lnB w="12700" cap="flat" cmpd="sng" algn="ctr">
-                      <a:solidFill>
-                        <a:srgbClr val="000000"/>
-                      </a:solidFill>
-                      <a:prstDash val="solid"/>
-                      <a:round/>
-                      <a:headEnd type="none" w="med" len="med"/>
-                      <a:tailEnd type="none" w="med" len="med"/>
-                    </a:lnB>
-                  </a:tcPr>
-                </a:tc>
-                <a:tc>
-                  <a:txBody>
-                    <a:bodyPr/>
-                    <a:lstStyle/>
-                    <a:p>
-                      <a:pPr algn="ctr" rtl="0" fontAlgn="t">
-                        <a:spcBef>
-                          <a:spcPts val="0"/>
-                        </a:spcBef>
-                        <a:spcAft>
-                          <a:spcPts val="0"/>
-                        </a:spcAft>
-                      </a:pPr>
-                      <a:r>
-                        <a:rPr lang="en-US" sz="1200" b="0" i="0" u="none" strike="noStrike">
-                          <a:solidFill>
-                            <a:srgbClr val="000000"/>
-                          </a:solidFill>
-                          <a:effectLst/>
-                          <a:latin typeface="Vazirmatn"/>
-                        </a:rPr>
-                        <a:t>MaxPooling</a:t>
-                      </a:r>
-                      <a:endParaRPr lang="en-US">
-                        <a:effectLst/>
-                      </a:endParaRPr>
-                    </a:p>
-                  </a:txBody>
-                  <a:tcPr marL="63500" marR="63500" marT="63500" marB="63500" anchor="ctr">
-                    <a:lnL w="12700" cap="flat" cmpd="sng" algn="ctr">
-                      <a:solidFill>
-                        <a:srgbClr val="000000"/>
-                      </a:solidFill>
-                      <a:prstDash val="solid"/>
-                      <a:round/>
-                      <a:headEnd type="none" w="med" len="med"/>
-                      <a:tailEnd type="none" w="med" len="med"/>
-                    </a:lnL>
-                    <a:lnR w="12700" cap="flat" cmpd="sng" algn="ctr">
-                      <a:solidFill>
-                        <a:srgbClr val="000000"/>
-                      </a:solidFill>
-                      <a:prstDash val="solid"/>
-                      <a:round/>
-                      <a:headEnd type="none" w="med" len="med"/>
-                      <a:tailEnd type="none" w="med" len="med"/>
-                    </a:lnR>
-                    <a:lnT w="12700" cap="flat" cmpd="sng" algn="ctr">
-                      <a:solidFill>
-                        <a:srgbClr val="000000"/>
-                      </a:solidFill>
-                      <a:prstDash val="solid"/>
-                      <a:round/>
-                      <a:headEnd type="none" w="med" len="med"/>
-                      <a:tailEnd type="none" w="med" len="med"/>
-                    </a:lnT>
-                    <a:lnB w="12700" cap="flat" cmpd="sng" algn="ctr">
-                      <a:solidFill>
-                        <a:srgbClr val="000000"/>
-                      </a:solidFill>
-                      <a:prstDash val="solid"/>
-                      <a:round/>
-                      <a:headEnd type="none" w="med" len="med"/>
-                      <a:tailEnd type="none" w="med" len="med"/>
-                    </a:lnB>
-                  </a:tcPr>
-                </a:tc>
-                <a:tc>
-                  <a:txBody>
-                    <a:bodyPr/>
-                    <a:lstStyle/>
-                    <a:p>
-                      <a:pPr algn="ctr" rtl="0" fontAlgn="t">
-                        <a:spcBef>
-                          <a:spcPts val="0"/>
-                        </a:spcBef>
-                        <a:spcAft>
-                          <a:spcPts val="0"/>
-                        </a:spcAft>
-                      </a:pPr>
-                      <a:r>
-                        <a:rPr lang="en-US" sz="1200" b="0" i="0" u="none" strike="noStrike">
-                          <a:solidFill>
-                            <a:srgbClr val="000000"/>
-                          </a:solidFill>
-                          <a:effectLst/>
-                          <a:latin typeface="Vazirmatn"/>
-                        </a:rPr>
-                        <a:t>in: 7744, out: 6400</a:t>
-                      </a:r>
-                      <a:endParaRPr lang="en-US">
-                        <a:effectLst/>
-                      </a:endParaRPr>
-                    </a:p>
-                  </a:txBody>
-                  <a:tcPr marL="63500" marR="63500" marT="63500" marB="63500" anchor="ctr">
-                    <a:lnL w="12700" cap="flat" cmpd="sng" algn="ctr">
-                      <a:solidFill>
-                        <a:srgbClr val="000000"/>
-                      </a:solidFill>
-                      <a:prstDash val="solid"/>
-                      <a:round/>
-                      <a:headEnd type="none" w="med" len="med"/>
-                      <a:tailEnd type="none" w="med" len="med"/>
-                    </a:lnL>
-                    <a:lnR w="12700" cap="flat" cmpd="sng" algn="ctr">
-                      <a:solidFill>
-                        <a:srgbClr val="000000"/>
-                      </a:solidFill>
-                      <a:prstDash val="solid"/>
-                      <a:round/>
-                      <a:headEnd type="none" w="med" len="med"/>
-                      <a:tailEnd type="none" w="med" len="med"/>
-                    </a:lnR>
-                    <a:lnT w="12700" cap="flat" cmpd="sng" algn="ctr">
-                      <a:solidFill>
-                        <a:srgbClr val="000000"/>
-                      </a:solidFill>
-                      <a:prstDash val="solid"/>
-                      <a:round/>
-                      <a:headEnd type="none" w="med" len="med"/>
-                      <a:tailEnd type="none" w="med" len="med"/>
-                    </a:lnT>
-                    <a:lnB w="12700" cap="flat" cmpd="sng" algn="ctr">
-                      <a:solidFill>
-                        <a:srgbClr val="000000"/>
-                      </a:solidFill>
-                      <a:prstDash val="solid"/>
-                      <a:round/>
-                      <a:headEnd type="none" w="med" len="med"/>
-                      <a:tailEnd type="none" w="med" len="med"/>
-                    </a:lnB>
-                  </a:tcPr>
-                </a:tc>
-                <a:tc>
-                  <a:txBody>
-                    <a:bodyPr/>
-                    <a:lstStyle/>
-                    <a:p>
-                      <a:pPr algn="ctr" rtl="0" fontAlgn="t">
-                        <a:spcBef>
-                          <a:spcPts val="0"/>
-                        </a:spcBef>
-                        <a:spcAft>
-                          <a:spcPts val="0"/>
-                        </a:spcAft>
-                      </a:pPr>
-                      <a:r>
-                        <a:rPr lang="en-US" sz="1200" b="0" i="0" u="none" strike="noStrike">
-                          <a:solidFill>
-                            <a:srgbClr val="000000"/>
-                          </a:solidFill>
-                          <a:effectLst/>
-                          <a:latin typeface="Vazirmatn"/>
-                        </a:rPr>
-                        <a:t>0.14144</a:t>
-                      </a:r>
-                      <a:endParaRPr lang="en-US">
-                        <a:effectLst/>
-                      </a:endParaRPr>
-                    </a:p>
-                  </a:txBody>
-                  <a:tcPr marL="63500" marR="63500" marT="63500" marB="63500" anchor="ctr">
-                    <a:lnL w="12700" cap="flat" cmpd="sng" algn="ctr">
-                      <a:solidFill>
-                        <a:srgbClr val="000000"/>
-                      </a:solidFill>
-                      <a:prstDash val="solid"/>
-                      <a:round/>
-                      <a:headEnd type="none" w="med" len="med"/>
-                      <a:tailEnd type="none" w="med" len="med"/>
-                    </a:lnL>
-                    <a:lnR w="12700" cap="flat" cmpd="sng" algn="ctr">
-                      <a:solidFill>
-                        <a:srgbClr val="000000"/>
-                      </a:solidFill>
-                      <a:prstDash val="solid"/>
-                      <a:round/>
-                      <a:headEnd type="none" w="med" len="med"/>
-                      <a:tailEnd type="none" w="med" len="med"/>
-                    </a:lnR>
-                    <a:lnT w="12700" cap="flat" cmpd="sng" algn="ctr">
-                      <a:solidFill>
-                        <a:srgbClr val="000000"/>
-                      </a:solidFill>
-                      <a:prstDash val="solid"/>
-                      <a:round/>
-                      <a:headEnd type="none" w="med" len="med"/>
-                      <a:tailEnd type="none" w="med" len="med"/>
-                    </a:lnT>
-                    <a:lnB w="12700" cap="flat" cmpd="sng" algn="ctr">
-                      <a:solidFill>
-                        <a:srgbClr val="000000"/>
-                      </a:solidFill>
-                      <a:prstDash val="solid"/>
-                      <a:round/>
-                      <a:headEnd type="none" w="med" len="med"/>
-                      <a:tailEnd type="none" w="med" len="med"/>
-                    </a:lnB>
-                  </a:tcPr>
-                </a:tc>
-                <a:extLst>
-                  <a:ext uri="{0D108BD9-81ED-4DB2-BD59-A6C34878D82A}">
-                    <a16:rowId xmlns:a16="http://schemas.microsoft.com/office/drawing/2014/main" val="3415521060"/>
-                  </a:ext>
-                </a:extLst>
-              </a:tr>
-              <a:tr h="584560">
-                <a:tc>
-                  <a:txBody>
-                    <a:bodyPr/>
-                    <a:lstStyle/>
-                    <a:p>
-                      <a:pPr algn="ctr" rtl="0" fontAlgn="t">
-                        <a:spcBef>
-                          <a:spcPts val="0"/>
-                        </a:spcBef>
-                        <a:spcAft>
-                          <a:spcPts val="0"/>
-                        </a:spcAft>
-                      </a:pPr>
-                      <a:r>
-                        <a:rPr lang="en-US" sz="1200" b="0" i="0" u="none" strike="noStrike">
-                          <a:solidFill>
-                            <a:srgbClr val="000000"/>
-                          </a:solidFill>
-                          <a:effectLst/>
-                          <a:latin typeface="Vazirmatn"/>
-                        </a:rPr>
-                        <a:t>layer#4</a:t>
-                      </a:r>
-                      <a:endParaRPr lang="en-US">
-                        <a:effectLst/>
-                      </a:endParaRPr>
-                    </a:p>
-                  </a:txBody>
-                  <a:tcPr marL="63500" marR="63500" marT="63500" marB="63500" anchor="ctr">
-                    <a:lnL w="12700" cap="flat" cmpd="sng" algn="ctr">
-                      <a:solidFill>
-                        <a:srgbClr val="000000"/>
-                      </a:solidFill>
-                      <a:prstDash val="solid"/>
-                      <a:round/>
-                      <a:headEnd type="none" w="med" len="med"/>
-                      <a:tailEnd type="none" w="med" len="med"/>
-                    </a:lnL>
-                    <a:lnR w="12700" cap="flat" cmpd="sng" algn="ctr">
-                      <a:solidFill>
-                        <a:srgbClr val="000000"/>
-                      </a:solidFill>
-                      <a:prstDash val="solid"/>
-                      <a:round/>
-                      <a:headEnd type="none" w="med" len="med"/>
-                      <a:tailEnd type="none" w="med" len="med"/>
-                    </a:lnR>
-                    <a:lnT w="12700" cap="flat" cmpd="sng" algn="ctr">
-                      <a:solidFill>
-                        <a:srgbClr val="000000"/>
-                      </a:solidFill>
-                      <a:prstDash val="solid"/>
-                      <a:round/>
-                      <a:headEnd type="none" w="med" len="med"/>
-                      <a:tailEnd type="none" w="med" len="med"/>
-                    </a:lnT>
-                    <a:lnB w="12700" cap="flat" cmpd="sng" algn="ctr">
-                      <a:solidFill>
-                        <a:srgbClr val="000000"/>
-                      </a:solidFill>
-                      <a:prstDash val="solid"/>
-                      <a:round/>
-                      <a:headEnd type="none" w="med" len="med"/>
-                      <a:tailEnd type="none" w="med" len="med"/>
-                    </a:lnB>
-                  </a:tcPr>
-                </a:tc>
-                <a:tc>
-                  <a:txBody>
-                    <a:bodyPr/>
-                    <a:lstStyle/>
-                    <a:p>
-                      <a:pPr algn="ctr" rtl="0" fontAlgn="t">
-                        <a:spcBef>
-                          <a:spcPts val="0"/>
-                        </a:spcBef>
-                        <a:spcAft>
-                          <a:spcPts val="0"/>
-                        </a:spcAft>
-                      </a:pPr>
-                      <a:r>
-                        <a:rPr lang="en-US" sz="1200" b="0" i="0" u="none" strike="noStrike">
-                          <a:solidFill>
-                            <a:srgbClr val="000000"/>
-                          </a:solidFill>
-                          <a:effectLst/>
-                          <a:latin typeface="Vazirmatn"/>
-                        </a:rPr>
-                        <a:t>Flatten</a:t>
-                      </a:r>
-                      <a:endParaRPr lang="en-US">
-                        <a:effectLst/>
-                      </a:endParaRPr>
-                    </a:p>
-                  </a:txBody>
-                  <a:tcPr marL="63500" marR="63500" marT="63500" marB="63500" anchor="ctr">
-                    <a:lnL w="12700" cap="flat" cmpd="sng" algn="ctr">
-                      <a:solidFill>
-                        <a:srgbClr val="000000"/>
-                      </a:solidFill>
-                      <a:prstDash val="solid"/>
-                      <a:round/>
-                      <a:headEnd type="none" w="med" len="med"/>
-                      <a:tailEnd type="none" w="med" len="med"/>
-                    </a:lnL>
-                    <a:lnR w="12700" cap="flat" cmpd="sng" algn="ctr">
-                      <a:solidFill>
-                        <a:srgbClr val="000000"/>
-                      </a:solidFill>
-                      <a:prstDash val="solid"/>
-                      <a:round/>
-                      <a:headEnd type="none" w="med" len="med"/>
-                      <a:tailEnd type="none" w="med" len="med"/>
-                    </a:lnR>
-                    <a:lnT w="12700" cap="flat" cmpd="sng" algn="ctr">
-                      <a:solidFill>
-                        <a:srgbClr val="000000"/>
-                      </a:solidFill>
-                      <a:prstDash val="solid"/>
-                      <a:round/>
-                      <a:headEnd type="none" w="med" len="med"/>
-                      <a:tailEnd type="none" w="med" len="med"/>
-                    </a:lnT>
-                    <a:lnB w="12700" cap="flat" cmpd="sng" algn="ctr">
-                      <a:solidFill>
-                        <a:srgbClr val="000000"/>
-                      </a:solidFill>
-                      <a:prstDash val="solid"/>
-                      <a:round/>
-                      <a:headEnd type="none" w="med" len="med"/>
-                      <a:tailEnd type="none" w="med" len="med"/>
-                    </a:lnB>
-                  </a:tcPr>
-                </a:tc>
-                <a:tc>
-                  <a:txBody>
-                    <a:bodyPr/>
-                    <a:lstStyle/>
-                    <a:p>
-                      <a:pPr algn="ctr" rtl="0" fontAlgn="t">
-                        <a:spcBef>
-                          <a:spcPts val="0"/>
-                        </a:spcBef>
-                        <a:spcAft>
-                          <a:spcPts val="0"/>
-                        </a:spcAft>
-                      </a:pPr>
-                      <a:r>
-                        <a:rPr lang="en-US" sz="1200" b="0" i="0" u="none" strike="noStrike">
-                          <a:solidFill>
-                            <a:srgbClr val="000000"/>
-                          </a:solidFill>
-                          <a:effectLst/>
-                          <a:latin typeface="Vazirmatn"/>
-                        </a:rPr>
-                        <a:t>in: 1600, out: 1600</a:t>
-                      </a:r>
-                      <a:endParaRPr lang="en-US">
-                        <a:effectLst/>
-                      </a:endParaRPr>
-                    </a:p>
-                  </a:txBody>
-                  <a:tcPr marL="63500" marR="63500" marT="63500" marB="63500" anchor="ctr">
-                    <a:lnL w="12700" cap="flat" cmpd="sng" algn="ctr">
-                      <a:solidFill>
-                        <a:srgbClr val="000000"/>
-                      </a:solidFill>
-                      <a:prstDash val="solid"/>
-                      <a:round/>
-                      <a:headEnd type="none" w="med" len="med"/>
-                      <a:tailEnd type="none" w="med" len="med"/>
-                    </a:lnL>
-                    <a:lnR w="12700" cap="flat" cmpd="sng" algn="ctr">
-                      <a:solidFill>
-                        <a:srgbClr val="000000"/>
-                      </a:solidFill>
-                      <a:prstDash val="solid"/>
-                      <a:round/>
-                      <a:headEnd type="none" w="med" len="med"/>
-                      <a:tailEnd type="none" w="med" len="med"/>
-                    </a:lnR>
-                    <a:lnT w="12700" cap="flat" cmpd="sng" algn="ctr">
-                      <a:solidFill>
-                        <a:srgbClr val="000000"/>
-                      </a:solidFill>
-                      <a:prstDash val="solid"/>
-                      <a:round/>
-                      <a:headEnd type="none" w="med" len="med"/>
-                      <a:tailEnd type="none" w="med" len="med"/>
-                    </a:lnT>
-                    <a:lnB w="12700" cap="flat" cmpd="sng" algn="ctr">
-                      <a:solidFill>
-                        <a:srgbClr val="000000"/>
-                      </a:solidFill>
-                      <a:prstDash val="solid"/>
-                      <a:round/>
-                      <a:headEnd type="none" w="med" len="med"/>
-                      <a:tailEnd type="none" w="med" len="med"/>
-                    </a:lnB>
-                  </a:tcPr>
-                </a:tc>
-                <a:tc>
-                  <a:txBody>
-                    <a:bodyPr/>
-                    <a:lstStyle/>
-                    <a:p>
-                      <a:pPr algn="ctr" rtl="0" fontAlgn="t">
-                        <a:spcBef>
-                          <a:spcPts val="0"/>
-                        </a:spcBef>
-                        <a:spcAft>
-                          <a:spcPts val="0"/>
-                        </a:spcAft>
-                      </a:pPr>
-                      <a:r>
-                        <a:rPr lang="en-US" sz="1200" b="0" i="0" u="none" strike="noStrike">
-                          <a:solidFill>
-                            <a:srgbClr val="000000"/>
-                          </a:solidFill>
-                          <a:effectLst/>
-                          <a:latin typeface="Vazirmatn"/>
-                        </a:rPr>
-                        <a:t>-</a:t>
-                      </a:r>
-                      <a:endParaRPr lang="en-US">
-                        <a:effectLst/>
-                      </a:endParaRPr>
-                    </a:p>
-                  </a:txBody>
-                  <a:tcPr marL="63500" marR="63500" marT="63500" marB="63500" anchor="ctr">
-                    <a:lnL w="12700" cap="flat" cmpd="sng" algn="ctr">
-                      <a:solidFill>
-                        <a:srgbClr val="000000"/>
-                      </a:solidFill>
-                      <a:prstDash val="solid"/>
-                      <a:round/>
-                      <a:headEnd type="none" w="med" len="med"/>
-                      <a:tailEnd type="none" w="med" len="med"/>
-                    </a:lnL>
-                    <a:lnR w="12700" cap="flat" cmpd="sng" algn="ctr">
-                      <a:solidFill>
-                        <a:srgbClr val="000000"/>
-                      </a:solidFill>
-                      <a:prstDash val="solid"/>
-                      <a:round/>
-                      <a:headEnd type="none" w="med" len="med"/>
-                      <a:tailEnd type="none" w="med" len="med"/>
-                    </a:lnR>
-                    <a:lnT w="12700" cap="flat" cmpd="sng" algn="ctr">
-                      <a:solidFill>
-                        <a:srgbClr val="000000"/>
-                      </a:solidFill>
-                      <a:prstDash val="solid"/>
-                      <a:round/>
-                      <a:headEnd type="none" w="med" len="med"/>
-                      <a:tailEnd type="none" w="med" len="med"/>
-                    </a:lnT>
-                    <a:lnB w="12700" cap="flat" cmpd="sng" algn="ctr">
-                      <a:solidFill>
-                        <a:srgbClr val="000000"/>
-                      </a:solidFill>
-                      <a:prstDash val="solid"/>
-                      <a:round/>
-                      <a:headEnd type="none" w="med" len="med"/>
-                      <a:tailEnd type="none" w="med" len="med"/>
-                    </a:lnB>
-                  </a:tcPr>
-                </a:tc>
-                <a:extLst>
-                  <a:ext uri="{0D108BD9-81ED-4DB2-BD59-A6C34878D82A}">
-                    <a16:rowId xmlns:a16="http://schemas.microsoft.com/office/drawing/2014/main" val="3956614987"/>
-                  </a:ext>
-                </a:extLst>
-              </a:tr>
-              <a:tr h="584560">
-                <a:tc>
-                  <a:txBody>
-                    <a:bodyPr/>
-                    <a:lstStyle/>
-                    <a:p>
-                      <a:pPr algn="ctr" rtl="0" fontAlgn="t">
-                        <a:spcBef>
-                          <a:spcPts val="0"/>
-                        </a:spcBef>
-                        <a:spcAft>
-                          <a:spcPts val="0"/>
-                        </a:spcAft>
-                      </a:pPr>
-                      <a:r>
-                        <a:rPr lang="en-US" sz="1200" b="0" i="0" u="none" strike="noStrike">
-                          <a:solidFill>
-                            <a:srgbClr val="000000"/>
-                          </a:solidFill>
-                          <a:effectLst/>
-                          <a:latin typeface="Vazirmatn"/>
-                        </a:rPr>
-                        <a:t>layer#6</a:t>
-                      </a:r>
-                      <a:endParaRPr lang="en-US">
-                        <a:effectLst/>
-                      </a:endParaRPr>
-                    </a:p>
-                  </a:txBody>
-                  <a:tcPr marL="63500" marR="63500" marT="63500" marB="63500" anchor="ctr">
-                    <a:lnL w="12700" cap="flat" cmpd="sng" algn="ctr">
-                      <a:solidFill>
-                        <a:srgbClr val="000000"/>
-                      </a:solidFill>
-                      <a:prstDash val="solid"/>
-                      <a:round/>
-                      <a:headEnd type="none" w="med" len="med"/>
-                      <a:tailEnd type="none" w="med" len="med"/>
-                    </a:lnL>
-                    <a:lnR w="12700" cap="flat" cmpd="sng" algn="ctr">
-                      <a:solidFill>
-                        <a:srgbClr val="000000"/>
-                      </a:solidFill>
-                      <a:prstDash val="solid"/>
-                      <a:round/>
-                      <a:headEnd type="none" w="med" len="med"/>
-                      <a:tailEnd type="none" w="med" len="med"/>
-                    </a:lnR>
-                    <a:lnT w="12700" cap="flat" cmpd="sng" algn="ctr">
-                      <a:solidFill>
-                        <a:srgbClr val="000000"/>
-                      </a:solidFill>
-                      <a:prstDash val="solid"/>
-                      <a:round/>
-                      <a:headEnd type="none" w="med" len="med"/>
-                      <a:tailEnd type="none" w="med" len="med"/>
-                    </a:lnT>
-                    <a:lnB w="12700" cap="flat" cmpd="sng" algn="ctr">
-                      <a:solidFill>
-                        <a:srgbClr val="000000"/>
-                      </a:solidFill>
-                      <a:prstDash val="solid"/>
-                      <a:round/>
-                      <a:headEnd type="none" w="med" len="med"/>
-                      <a:tailEnd type="none" w="med" len="med"/>
-                    </a:lnB>
-                  </a:tcPr>
-                </a:tc>
-                <a:tc>
-                  <a:txBody>
-                    <a:bodyPr/>
-                    <a:lstStyle/>
-                    <a:p>
-                      <a:pPr algn="ctr" rtl="0" fontAlgn="t">
-                        <a:spcBef>
-                          <a:spcPts val="0"/>
-                        </a:spcBef>
-                        <a:spcAft>
-                          <a:spcPts val="0"/>
-                        </a:spcAft>
-                      </a:pPr>
-                      <a:r>
-                        <a:rPr lang="en-US" sz="1200" b="0" i="0" u="none" strike="noStrike">
-                          <a:solidFill>
-                            <a:srgbClr val="000000"/>
-                          </a:solidFill>
-                          <a:effectLst/>
-                          <a:latin typeface="Vazirmatn"/>
-                        </a:rPr>
-                        <a:t>Dense</a:t>
-                      </a:r>
-                      <a:endParaRPr lang="en-US">
-                        <a:effectLst/>
-                      </a:endParaRPr>
-                    </a:p>
-                  </a:txBody>
-                  <a:tcPr marL="63500" marR="63500" marT="63500" marB="63500" anchor="ctr">
-                    <a:lnL w="12700" cap="flat" cmpd="sng" algn="ctr">
-                      <a:solidFill>
-                        <a:srgbClr val="000000"/>
-                      </a:solidFill>
-                      <a:prstDash val="solid"/>
-                      <a:round/>
-                      <a:headEnd type="none" w="med" len="med"/>
-                      <a:tailEnd type="none" w="med" len="med"/>
-                    </a:lnL>
-                    <a:lnR w="12700" cap="flat" cmpd="sng" algn="ctr">
-                      <a:solidFill>
-                        <a:srgbClr val="000000"/>
-                      </a:solidFill>
-                      <a:prstDash val="solid"/>
-                      <a:round/>
-                      <a:headEnd type="none" w="med" len="med"/>
-                      <a:tailEnd type="none" w="med" len="med"/>
-                    </a:lnR>
-                    <a:lnT w="12700" cap="flat" cmpd="sng" algn="ctr">
-                      <a:solidFill>
-                        <a:srgbClr val="000000"/>
-                      </a:solidFill>
-                      <a:prstDash val="solid"/>
-                      <a:round/>
-                      <a:headEnd type="none" w="med" len="med"/>
-                      <a:tailEnd type="none" w="med" len="med"/>
-                    </a:lnT>
-                    <a:lnB w="12700" cap="flat" cmpd="sng" algn="ctr">
-                      <a:solidFill>
-                        <a:srgbClr val="000000"/>
-                      </a:solidFill>
-                      <a:prstDash val="solid"/>
-                      <a:round/>
-                      <a:headEnd type="none" w="med" len="med"/>
-                      <a:tailEnd type="none" w="med" len="med"/>
-                    </a:lnB>
-                  </a:tcPr>
-                </a:tc>
-                <a:tc>
-                  <a:txBody>
-                    <a:bodyPr/>
-                    <a:lstStyle/>
-                    <a:p>
-                      <a:pPr algn="ctr" rtl="0" fontAlgn="t">
-                        <a:spcBef>
-                          <a:spcPts val="0"/>
-                        </a:spcBef>
-                        <a:spcAft>
-                          <a:spcPts val="0"/>
-                        </a:spcAft>
-                      </a:pPr>
-                      <a:r>
-                        <a:rPr lang="en-US" sz="1200" b="0" i="0" u="none" strike="noStrike">
-                          <a:solidFill>
-                            <a:srgbClr val="000000"/>
-                          </a:solidFill>
-                          <a:effectLst/>
-                          <a:latin typeface="Vazirmatn"/>
-                        </a:rPr>
-                        <a:t>in: 1600, out: 10</a:t>
-                      </a:r>
-                      <a:endParaRPr lang="en-US">
-                        <a:effectLst/>
-                      </a:endParaRPr>
-                    </a:p>
-                  </a:txBody>
-                  <a:tcPr marL="63500" marR="63500" marT="63500" marB="63500" anchor="ctr">
-                    <a:lnL w="12700" cap="flat" cmpd="sng" algn="ctr">
-                      <a:solidFill>
-                        <a:srgbClr val="000000"/>
-                      </a:solidFill>
-                      <a:prstDash val="solid"/>
-                      <a:round/>
-                      <a:headEnd type="none" w="med" len="med"/>
-                      <a:tailEnd type="none" w="med" len="med"/>
-                    </a:lnL>
-                    <a:lnR w="12700" cap="flat" cmpd="sng" algn="ctr">
-                      <a:solidFill>
-                        <a:srgbClr val="000000"/>
-                      </a:solidFill>
-                      <a:prstDash val="solid"/>
-                      <a:round/>
-                      <a:headEnd type="none" w="med" len="med"/>
-                      <a:tailEnd type="none" w="med" len="med"/>
-                    </a:lnR>
-                    <a:lnT w="12700" cap="flat" cmpd="sng" algn="ctr">
-                      <a:solidFill>
-                        <a:srgbClr val="000000"/>
-                      </a:solidFill>
-                      <a:prstDash val="solid"/>
-                      <a:round/>
-                      <a:headEnd type="none" w="med" len="med"/>
-                      <a:tailEnd type="none" w="med" len="med"/>
-                    </a:lnT>
-                    <a:lnB w="12700" cap="flat" cmpd="sng" algn="ctr">
-                      <a:solidFill>
-                        <a:srgbClr val="000000"/>
-                      </a:solidFill>
-                      <a:prstDash val="solid"/>
-                      <a:round/>
-                      <a:headEnd type="none" w="med" len="med"/>
-                      <a:tailEnd type="none" w="med" len="med"/>
-                    </a:lnB>
-                  </a:tcPr>
-                </a:tc>
-                <a:tc>
-                  <a:txBody>
-                    <a:bodyPr/>
-                    <a:lstStyle/>
-                    <a:p>
-                      <a:pPr algn="ctr" rtl="0" fontAlgn="t">
-                        <a:spcBef>
-                          <a:spcPts val="0"/>
-                        </a:spcBef>
-                        <a:spcAft>
-                          <a:spcPts val="0"/>
-                        </a:spcAft>
-                      </a:pPr>
-                      <a:r>
-                        <a:rPr lang="en-US" sz="1200" b="0" i="0" u="none" strike="noStrike">
-                          <a:solidFill>
-                            <a:srgbClr val="000000"/>
-                          </a:solidFill>
-                          <a:effectLst/>
-                          <a:latin typeface="Vazirmatn"/>
-                        </a:rPr>
-                        <a:t>0.176</a:t>
-                      </a:r>
-                      <a:endParaRPr lang="en-US">
-                        <a:effectLst/>
-                      </a:endParaRPr>
-                    </a:p>
-                  </a:txBody>
-                  <a:tcPr marL="63500" marR="63500" marT="63500" marB="63500" anchor="ctr">
-                    <a:lnL w="12700" cap="flat" cmpd="sng" algn="ctr">
-                      <a:solidFill>
-                        <a:srgbClr val="000000"/>
-                      </a:solidFill>
-                      <a:prstDash val="solid"/>
-                      <a:round/>
-                      <a:headEnd type="none" w="med" len="med"/>
-                      <a:tailEnd type="none" w="med" len="med"/>
-                    </a:lnL>
-                    <a:lnR w="12700" cap="flat" cmpd="sng" algn="ctr">
-                      <a:solidFill>
-                        <a:srgbClr val="000000"/>
-                      </a:solidFill>
-                      <a:prstDash val="solid"/>
-                      <a:round/>
-                      <a:headEnd type="none" w="med" len="med"/>
-                      <a:tailEnd type="none" w="med" len="med"/>
-                    </a:lnR>
-                    <a:lnT w="12700" cap="flat" cmpd="sng" algn="ctr">
-                      <a:solidFill>
-                        <a:srgbClr val="000000"/>
-                      </a:solidFill>
-                      <a:prstDash val="solid"/>
-                      <a:round/>
-                      <a:headEnd type="none" w="med" len="med"/>
-                      <a:tailEnd type="none" w="med" len="med"/>
-                    </a:lnT>
-                    <a:lnB w="12700" cap="flat" cmpd="sng" algn="ctr">
-                      <a:solidFill>
-                        <a:srgbClr val="000000"/>
-                      </a:solidFill>
-                      <a:prstDash val="solid"/>
-                      <a:round/>
-                      <a:headEnd type="none" w="med" len="med"/>
-                      <a:tailEnd type="none" w="med" len="med"/>
-                    </a:lnB>
-                  </a:tcPr>
-                </a:tc>
-                <a:extLst>
-                  <a:ext uri="{0D108BD9-81ED-4DB2-BD59-A6C34878D82A}">
-                    <a16:rowId xmlns:a16="http://schemas.microsoft.com/office/drawing/2014/main" val="886357555"/>
-                  </a:ext>
-                </a:extLst>
-              </a:tr>
-              <a:tr h="584560">
-                <a:tc>
-                  <a:txBody>
-                    <a:bodyPr/>
-                    <a:lstStyle/>
-                    <a:p>
-                      <a:pPr algn="ctr" rtl="0" fontAlgn="t">
-                        <a:spcBef>
-                          <a:spcPts val="0"/>
-                        </a:spcBef>
-                        <a:spcAft>
-                          <a:spcPts val="0"/>
-                        </a:spcAft>
-                      </a:pPr>
-                      <a:r>
-                        <a:rPr lang="en-US" sz="1200" b="0" i="0" u="none" strike="noStrike">
-                          <a:solidFill>
-                            <a:srgbClr val="000000"/>
-                          </a:solidFill>
-                          <a:effectLst/>
-                          <a:latin typeface="Vazirmatn"/>
-                        </a:rPr>
-                        <a:t>layer#6 activation</a:t>
-                      </a:r>
-                      <a:endParaRPr lang="en-US">
-                        <a:effectLst/>
-                      </a:endParaRPr>
-                    </a:p>
-                  </a:txBody>
-                  <a:tcPr marL="63500" marR="63500" marT="63500" marB="63500" anchor="ctr">
-                    <a:lnL w="12700" cap="flat" cmpd="sng" algn="ctr">
-                      <a:solidFill>
-                        <a:srgbClr val="000000"/>
-                      </a:solidFill>
-                      <a:prstDash val="solid"/>
-                      <a:round/>
-                      <a:headEnd type="none" w="med" len="med"/>
-                      <a:tailEnd type="none" w="med" len="med"/>
-                    </a:lnL>
-                    <a:lnR w="12700" cap="flat" cmpd="sng" algn="ctr">
-                      <a:solidFill>
-                        <a:srgbClr val="000000"/>
-                      </a:solidFill>
-                      <a:prstDash val="solid"/>
-                      <a:round/>
-                      <a:headEnd type="none" w="med" len="med"/>
-                      <a:tailEnd type="none" w="med" len="med"/>
-                    </a:lnR>
-                    <a:lnT w="12700" cap="flat" cmpd="sng" algn="ctr">
-                      <a:solidFill>
-                        <a:srgbClr val="000000"/>
-                      </a:solidFill>
-                      <a:prstDash val="solid"/>
-                      <a:round/>
-                      <a:headEnd type="none" w="med" len="med"/>
-                      <a:tailEnd type="none" w="med" len="med"/>
-                    </a:lnT>
-                    <a:lnB w="12700" cap="flat" cmpd="sng" algn="ctr">
-                      <a:solidFill>
-                        <a:srgbClr val="000000"/>
-                      </a:solidFill>
-                      <a:prstDash val="solid"/>
-                      <a:round/>
-                      <a:headEnd type="none" w="med" len="med"/>
-                      <a:tailEnd type="none" w="med" len="med"/>
-                    </a:lnB>
-                  </a:tcPr>
-                </a:tc>
-                <a:tc>
-                  <a:txBody>
-                    <a:bodyPr/>
-                    <a:lstStyle/>
-                    <a:p>
-                      <a:pPr algn="ctr" rtl="0" fontAlgn="t">
-                        <a:spcBef>
-                          <a:spcPts val="0"/>
-                        </a:spcBef>
-                        <a:spcAft>
-                          <a:spcPts val="0"/>
-                        </a:spcAft>
-                      </a:pPr>
-                      <a:r>
-                        <a:rPr lang="en-US" sz="1200" b="0" i="0" u="none" strike="noStrike">
-                          <a:solidFill>
-                            <a:srgbClr val="000000"/>
-                          </a:solidFill>
-                          <a:effectLst/>
-                          <a:latin typeface="Vazirmatn"/>
-                        </a:rPr>
-                        <a:t>Softmax</a:t>
-                      </a:r>
-                      <a:endParaRPr lang="en-US">
-                        <a:effectLst/>
-                      </a:endParaRPr>
-                    </a:p>
-                  </a:txBody>
-                  <a:tcPr marL="63500" marR="63500" marT="63500" marB="63500" anchor="ctr">
-                    <a:lnL w="12700" cap="flat" cmpd="sng" algn="ctr">
-                      <a:solidFill>
-                        <a:srgbClr val="000000"/>
-                      </a:solidFill>
-                      <a:prstDash val="solid"/>
-                      <a:round/>
-                      <a:headEnd type="none" w="med" len="med"/>
-                      <a:tailEnd type="none" w="med" len="med"/>
-                    </a:lnL>
-                    <a:lnR w="12700" cap="flat" cmpd="sng" algn="ctr">
-                      <a:solidFill>
-                        <a:srgbClr val="000000"/>
-                      </a:solidFill>
-                      <a:prstDash val="solid"/>
-                      <a:round/>
-                      <a:headEnd type="none" w="med" len="med"/>
-                      <a:tailEnd type="none" w="med" len="med"/>
-                    </a:lnR>
-                    <a:lnT w="12700" cap="flat" cmpd="sng" algn="ctr">
-                      <a:solidFill>
-                        <a:srgbClr val="000000"/>
-                      </a:solidFill>
-                      <a:prstDash val="solid"/>
-                      <a:round/>
-                      <a:headEnd type="none" w="med" len="med"/>
-                      <a:tailEnd type="none" w="med" len="med"/>
-                    </a:lnT>
-                    <a:lnB w="12700" cap="flat" cmpd="sng" algn="ctr">
-                      <a:solidFill>
-                        <a:srgbClr val="000000"/>
-                      </a:solidFill>
-                      <a:prstDash val="solid"/>
-                      <a:round/>
-                      <a:headEnd type="none" w="med" len="med"/>
-                      <a:tailEnd type="none" w="med" len="med"/>
-                    </a:lnB>
-                  </a:tcPr>
-                </a:tc>
-                <a:tc>
-                  <a:txBody>
-                    <a:bodyPr/>
-                    <a:lstStyle/>
-                    <a:p>
-                      <a:pPr algn="ctr" rtl="0" fontAlgn="t">
-                        <a:spcBef>
-                          <a:spcPts val="0"/>
-                        </a:spcBef>
-                        <a:spcAft>
-                          <a:spcPts val="0"/>
-                        </a:spcAft>
-                      </a:pPr>
-                      <a:r>
-                        <a:rPr lang="en-US" sz="1200" b="0" i="0" u="none" strike="noStrike">
-                          <a:solidFill>
-                            <a:srgbClr val="000000"/>
-                          </a:solidFill>
-                          <a:effectLst/>
-                          <a:latin typeface="Vazirmatn"/>
-                        </a:rPr>
-                        <a:t>in: 10: out: 10</a:t>
-                      </a:r>
-                      <a:endParaRPr lang="en-US">
-                        <a:effectLst/>
-                      </a:endParaRPr>
-                    </a:p>
-                  </a:txBody>
-                  <a:tcPr marL="63500" marR="63500" marT="63500" marB="63500" anchor="ctr">
-                    <a:lnL w="12700" cap="flat" cmpd="sng" algn="ctr">
-                      <a:solidFill>
-                        <a:srgbClr val="000000"/>
-                      </a:solidFill>
-                      <a:prstDash val="solid"/>
-                      <a:round/>
-                      <a:headEnd type="none" w="med" len="med"/>
-                      <a:tailEnd type="none" w="med" len="med"/>
-                    </a:lnL>
-                    <a:lnR w="12700" cap="flat" cmpd="sng" algn="ctr">
-                      <a:solidFill>
-                        <a:srgbClr val="000000"/>
-                      </a:solidFill>
-                      <a:prstDash val="solid"/>
-                      <a:round/>
-                      <a:headEnd type="none" w="med" len="med"/>
-                      <a:tailEnd type="none" w="med" len="med"/>
-                    </a:lnR>
-                    <a:lnT w="12700" cap="flat" cmpd="sng" algn="ctr">
-                      <a:solidFill>
-                        <a:srgbClr val="000000"/>
-                      </a:solidFill>
-                      <a:prstDash val="solid"/>
-                      <a:round/>
-                      <a:headEnd type="none" w="med" len="med"/>
-                      <a:tailEnd type="none" w="med" len="med"/>
-                    </a:lnT>
-                    <a:lnB w="12700" cap="flat" cmpd="sng" algn="ctr">
-                      <a:solidFill>
-                        <a:srgbClr val="000000"/>
-                      </a:solidFill>
-                      <a:prstDash val="solid"/>
-                      <a:round/>
-                      <a:headEnd type="none" w="med" len="med"/>
-                      <a:tailEnd type="none" w="med" len="med"/>
-                    </a:lnB>
-                  </a:tcPr>
-                </a:tc>
-                <a:tc>
-                  <a:txBody>
-                    <a:bodyPr/>
-                    <a:lstStyle/>
-                    <a:p>
-                      <a:pPr algn="ctr" rtl="0" fontAlgn="t">
-                        <a:spcBef>
-                          <a:spcPts val="0"/>
-                        </a:spcBef>
-                        <a:spcAft>
-                          <a:spcPts val="0"/>
-                        </a:spcAft>
-                      </a:pPr>
-                      <a:r>
-                        <a:rPr lang="en-US" sz="1200" b="0" i="0" u="none" strike="noStrike" dirty="0">
-                          <a:solidFill>
-                            <a:srgbClr val="000000"/>
-                          </a:solidFill>
-                          <a:effectLst/>
-                          <a:latin typeface="Vazirmatn"/>
-                        </a:rPr>
-                        <a:t>TODO</a:t>
-                      </a:r>
-                      <a:endParaRPr lang="en-US" dirty="0">
-                        <a:effectLst/>
-                      </a:endParaRPr>
-                    </a:p>
-                  </a:txBody>
-                  <a:tcPr marL="63500" marR="63500" marT="63500" marB="63500" anchor="ctr">
-                    <a:lnL w="12700" cap="flat" cmpd="sng" algn="ctr">
-                      <a:solidFill>
-                        <a:srgbClr val="000000"/>
-                      </a:solidFill>
-                      <a:prstDash val="solid"/>
-                      <a:round/>
-                      <a:headEnd type="none" w="med" len="med"/>
-                      <a:tailEnd type="none" w="med" len="med"/>
-                    </a:lnL>
-                    <a:lnR w="12700" cap="flat" cmpd="sng" algn="ctr">
-                      <a:solidFill>
-                        <a:srgbClr val="000000"/>
-                      </a:solidFill>
-                      <a:prstDash val="solid"/>
-                      <a:round/>
-                      <a:headEnd type="none" w="med" len="med"/>
-                      <a:tailEnd type="none" w="med" len="med"/>
-                    </a:lnR>
-                    <a:lnT w="12700" cap="flat" cmpd="sng" algn="ctr">
-                      <a:solidFill>
-                        <a:srgbClr val="000000"/>
-                      </a:solidFill>
-                      <a:prstDash val="solid"/>
-                      <a:round/>
-                      <a:headEnd type="none" w="med" len="med"/>
-                      <a:tailEnd type="none" w="med" len="med"/>
-                    </a:lnT>
-                    <a:lnB w="12700" cap="flat" cmpd="sng" algn="ctr">
-                      <a:solidFill>
-                        <a:srgbClr val="000000"/>
-                      </a:solidFill>
-                      <a:prstDash val="solid"/>
-                      <a:round/>
-                      <a:headEnd type="none" w="med" len="med"/>
-                      <a:tailEnd type="none" w="med" len="med"/>
-                    </a:lnB>
-                  </a:tcPr>
-                </a:tc>
-                <a:extLst>
-                  <a:ext uri="{0D108BD9-81ED-4DB2-BD59-A6C34878D82A}">
-                    <a16:rowId xmlns:a16="http://schemas.microsoft.com/office/drawing/2014/main" val="2031482313"/>
-                  </a:ext>
-                </a:extLst>
-              </a:tr>
-            </a:tbl>
-          </a:graphicData>
-        </a:graphic>
-      </p:graphicFrame>
       <p:sp>
         <p:nvSpPr>
           <p:cNvPr id="32" name="TextBox 31">
@@ -12451,8 +9889,8 @@
         </p:nvSpPr>
         <p:spPr>
           <a:xfrm>
-            <a:off x="283687" y="9443995"/>
-            <a:ext cx="10698480" cy="523220"/>
+            <a:off x="472262" y="12765927"/>
+            <a:ext cx="10115788" cy="892552"/>
           </a:xfrm>
           <a:prstGeom prst="rect">
             <a:avLst/>
@@ -12467,15 +9905,2037 @@
           <a:p>
             <a:pPr rtl="1"/>
             <a:r>
-              <a:rPr lang="fa-IR" altLang="en-US" sz="2800" dirty="0">
-                <a:latin typeface="Times New Roman" pitchFamily="18" charset="0"/>
-                <a:cs typeface="B Nazanin" panose="00000400000000000000" pitchFamily="2" charset="-78"/>
-              </a:rPr>
-              <a:t>جدول ۱- زمان‌بندی اجرای لایه‌های مختلف به صورت نرم‌افزاری</a:t>
-            </a:r>
+              <a:rPr lang="fa-IR" altLang="en-US" sz="2400" dirty="0">
+                <a:latin typeface="Times New Roman" pitchFamily="18" charset="0"/>
+                <a:cs typeface="B Nazanin" panose="00000400000000000000" pitchFamily="2" charset="-78"/>
+              </a:rPr>
+              <a:t>جدول ۱- زمان‌بندی اجرای لایه‌های مختلف به صورت </a:t>
+            </a:r>
+            <a:r>
+              <a:rPr lang="fa-IR" altLang="en-US" sz="2400" dirty="0" err="1">
+                <a:latin typeface="Times New Roman" pitchFamily="18" charset="0"/>
+                <a:cs typeface="B Nazanin" panose="00000400000000000000" pitchFamily="2" charset="-78"/>
+              </a:rPr>
+              <a:t>نرم‌افزاری</a:t>
+            </a:r>
+            <a:endParaRPr lang="en-US" altLang="en-US" sz="2400" dirty="0">
+              <a:latin typeface="Times New Roman" pitchFamily="18" charset="0"/>
+              <a:cs typeface="B Nazanin" panose="00000400000000000000" pitchFamily="2" charset="-78"/>
+            </a:endParaRPr>
+          </a:p>
+          <a:p>
+            <a:pPr rtl="1"/>
+            <a:endParaRPr lang="fa-IR" altLang="en-US" sz="2800" dirty="0">
+              <a:latin typeface="Times New Roman" pitchFamily="18" charset="0"/>
+              <a:cs typeface="B Nazanin" panose="00000400000000000000" pitchFamily="2" charset="-78"/>
+            </a:endParaRPr>
           </a:p>
         </p:txBody>
       </p:sp>
+      <p:pic>
+        <p:nvPicPr>
+          <p:cNvPr id="52" name="Picture 2" descr="Introduction to Convolutional Neural Networks Architecture">
+            <a:extLst>
+              <a:ext uri="{FF2B5EF4-FFF2-40B4-BE49-F238E27FC236}">
+                <a16:creationId xmlns:a16="http://schemas.microsoft.com/office/drawing/2014/main" id="{BD8C23F9-9F67-4117-A052-1934222C0917}"/>
+              </a:ext>
+            </a:extLst>
+          </p:cNvPr>
+          <p:cNvPicPr>
+            <a:picLocks noChangeAspect="1" noChangeArrowheads="1"/>
+          </p:cNvPicPr>
+          <p:nvPr/>
+        </p:nvPicPr>
+        <p:blipFill>
+          <a:blip r:embed="rId16">
+            <a:extLst>
+              <a:ext uri="{28A0092B-C50C-407E-A947-70E740481C1C}">
+                <a14:useLocalDpi xmlns:a14="http://schemas.microsoft.com/office/drawing/2010/main" val="0"/>
+              </a:ext>
+            </a:extLst>
+          </a:blip>
+          <a:srcRect/>
+          <a:stretch>
+            <a:fillRect/>
+          </a:stretch>
+        </p:blipFill>
+        <p:spPr bwMode="auto">
+          <a:xfrm>
+            <a:off x="11902203" y="20006597"/>
+            <a:ext cx="4264553" cy="1790995"/>
+          </a:xfrm>
+          <a:prstGeom prst="rect">
+            <a:avLst/>
+          </a:prstGeom>
+          <a:noFill/>
+          <a:extLst>
+            <a:ext uri="{909E8E84-426E-40DD-AFC4-6F175D3DCCD1}">
+              <a14:hiddenFill xmlns:a14="http://schemas.microsoft.com/office/drawing/2010/main">
+                <a:solidFill>
+                  <a:srgbClr val="FFFFFF"/>
+                </a:solidFill>
+              </a14:hiddenFill>
+            </a:ext>
+          </a:extLst>
+        </p:spPr>
+      </p:pic>
+      <p:sp>
+        <p:nvSpPr>
+          <p:cNvPr id="53" name="Text Box 36">
+            <a:extLst>
+              <a:ext uri="{FF2B5EF4-FFF2-40B4-BE49-F238E27FC236}">
+                <a16:creationId xmlns:a16="http://schemas.microsoft.com/office/drawing/2014/main" id="{995920B0-46FA-4E42-9600-65B010384E66}"/>
+              </a:ext>
+            </a:extLst>
+          </p:cNvPr>
+          <p:cNvSpPr txBox="1">
+            <a:spLocks noChangeArrowheads="1"/>
+          </p:cNvSpPr>
+          <p:nvPr/>
+        </p:nvSpPr>
+        <p:spPr bwMode="auto">
+          <a:xfrm>
+            <a:off x="12506961" y="28962878"/>
+            <a:ext cx="6581286" cy="256816"/>
+          </a:xfrm>
+          <a:prstGeom prst="rect">
+            <a:avLst/>
+          </a:prstGeom>
+          <a:noFill/>
+          <a:ln>
+            <a:noFill/>
+          </a:ln>
+          <a:effectLst/>
+          <a:extLst>
+            <a:ext uri="{909E8E84-426E-40DD-AFC4-6F175D3DCCD1}">
+              <a14:hiddenFill xmlns:a14="http://schemas.microsoft.com/office/drawing/2010/main">
+                <a:solidFill>
+                  <a:schemeClr val="bg1"/>
+                </a:solidFill>
+              </a14:hiddenFill>
+            </a:ext>
+            <a:ext uri="{91240B29-F687-4F45-9708-019B960494DF}">
+              <a14:hiddenLine xmlns:a14="http://schemas.microsoft.com/office/drawing/2010/main" w="57150" cmpd="thinThick">
+                <a:solidFill>
+                  <a:schemeClr val="tx1"/>
+                </a:solidFill>
+                <a:miter lim="800000"/>
+                <a:headEnd/>
+                <a:tailEnd/>
+              </a14:hiddenLine>
+            </a:ext>
+            <a:ext uri="{AF507438-7753-43E0-B8FC-AC1667EBCBE1}">
+              <a14:hiddenEffects xmlns:a14="http://schemas.microsoft.com/office/drawing/2010/main">
+                <a:effectLst>
+                  <a:outerShdw dist="35921" dir="2700000" algn="ctr" rotWithShape="0">
+                    <a:schemeClr val="bg2"/>
+                  </a:outerShdw>
+                </a:effectLst>
+              </a14:hiddenEffects>
+            </a:ext>
+          </a:extLst>
+        </p:spPr>
+        <p:txBody>
+          <a:bodyPr wrap="square" lIns="40974" tIns="20486" rIns="40974" bIns="20486">
+            <a:spAutoFit/>
+          </a:bodyPr>
+          <a:lstStyle>
+            <a:lvl1pPr defTabSz="488950" eaLnBrk="0" hangingPunct="0">
+              <a:defRPr sz="6900">
+                <a:solidFill>
+                  <a:schemeClr val="tx1"/>
+                </a:solidFill>
+                <a:latin typeface="Arial" charset="0"/>
+              </a:defRPr>
+            </a:lvl1pPr>
+            <a:lvl2pPr marL="742950" indent="-285750" defTabSz="488950" eaLnBrk="0" hangingPunct="0">
+              <a:defRPr sz="6900">
+                <a:solidFill>
+                  <a:schemeClr val="tx1"/>
+                </a:solidFill>
+                <a:latin typeface="Arial" charset="0"/>
+              </a:defRPr>
+            </a:lvl2pPr>
+            <a:lvl3pPr marL="1143000" indent="-228600" defTabSz="488950" eaLnBrk="0" hangingPunct="0">
+              <a:defRPr sz="6900">
+                <a:solidFill>
+                  <a:schemeClr val="tx1"/>
+                </a:solidFill>
+                <a:latin typeface="Arial" charset="0"/>
+              </a:defRPr>
+            </a:lvl3pPr>
+            <a:lvl4pPr marL="1600200" indent="-228600" defTabSz="488950" eaLnBrk="0" hangingPunct="0">
+              <a:defRPr sz="6900">
+                <a:solidFill>
+                  <a:schemeClr val="tx1"/>
+                </a:solidFill>
+                <a:latin typeface="Arial" charset="0"/>
+              </a:defRPr>
+            </a:lvl4pPr>
+            <a:lvl5pPr marL="2057400" indent="-228600" defTabSz="488950" eaLnBrk="0" hangingPunct="0">
+              <a:defRPr sz="6900">
+                <a:solidFill>
+                  <a:schemeClr val="tx1"/>
+                </a:solidFill>
+                <a:latin typeface="Arial" charset="0"/>
+              </a:defRPr>
+            </a:lvl5pPr>
+            <a:lvl6pPr marL="2514600" indent="-228600" algn="ctr" defTabSz="488950" eaLnBrk="0" fontAlgn="base" hangingPunct="0">
+              <a:spcBef>
+                <a:spcPct val="0"/>
+              </a:spcBef>
+              <a:spcAft>
+                <a:spcPct val="0"/>
+              </a:spcAft>
+              <a:defRPr sz="6900">
+                <a:solidFill>
+                  <a:schemeClr val="tx1"/>
+                </a:solidFill>
+                <a:latin typeface="Arial" charset="0"/>
+              </a:defRPr>
+            </a:lvl6pPr>
+            <a:lvl7pPr marL="2971800" indent="-228600" algn="ctr" defTabSz="488950" eaLnBrk="0" fontAlgn="base" hangingPunct="0">
+              <a:spcBef>
+                <a:spcPct val="0"/>
+              </a:spcBef>
+              <a:spcAft>
+                <a:spcPct val="0"/>
+              </a:spcAft>
+              <a:defRPr sz="6900">
+                <a:solidFill>
+                  <a:schemeClr val="tx1"/>
+                </a:solidFill>
+                <a:latin typeface="Arial" charset="0"/>
+              </a:defRPr>
+            </a:lvl7pPr>
+            <a:lvl8pPr marL="3429000" indent="-228600" algn="ctr" defTabSz="488950" eaLnBrk="0" fontAlgn="base" hangingPunct="0">
+              <a:spcBef>
+                <a:spcPct val="0"/>
+              </a:spcBef>
+              <a:spcAft>
+                <a:spcPct val="0"/>
+              </a:spcAft>
+              <a:defRPr sz="6900">
+                <a:solidFill>
+                  <a:schemeClr val="tx1"/>
+                </a:solidFill>
+                <a:latin typeface="Arial" charset="0"/>
+              </a:defRPr>
+            </a:lvl8pPr>
+            <a:lvl9pPr marL="3886200" indent="-228600" algn="ctr" defTabSz="488950" eaLnBrk="0" fontAlgn="base" hangingPunct="0">
+              <a:spcBef>
+                <a:spcPct val="0"/>
+              </a:spcBef>
+              <a:spcAft>
+                <a:spcPct val="0"/>
+              </a:spcAft>
+              <a:defRPr sz="6900">
+                <a:solidFill>
+                  <a:schemeClr val="tx1"/>
+                </a:solidFill>
+                <a:latin typeface="Arial" charset="0"/>
+              </a:defRPr>
+            </a:lvl9pPr>
+          </a:lstStyle>
+          <a:p>
+            <a:pPr rtl="1"/>
+            <a:r>
+              <a:rPr lang="fa-IR" altLang="en-US" sz="1400" dirty="0">
+                <a:latin typeface="Times New Roman" pitchFamily="18" charset="0"/>
+                <a:cs typeface="B Nazanin" panose="00000400000000000000" pitchFamily="2" charset="-78"/>
+              </a:rPr>
+              <a:t>شکل ۵: شکل کلی </a:t>
+            </a:r>
+            <a:r>
+              <a:rPr lang="fa-IR" altLang="en-US" sz="1400" dirty="0" err="1">
+                <a:latin typeface="Times New Roman" pitchFamily="18" charset="0"/>
+                <a:cs typeface="B Nazanin" panose="00000400000000000000" pitchFamily="2" charset="-78"/>
+              </a:rPr>
+              <a:t>پیاده‌سازی</a:t>
+            </a:r>
+            <a:r>
+              <a:rPr lang="fa-IR" altLang="en-US" sz="1400" dirty="0">
+                <a:latin typeface="Times New Roman" pitchFamily="18" charset="0"/>
+                <a:cs typeface="B Nazanin" panose="00000400000000000000" pitchFamily="2" charset="-78"/>
+              </a:rPr>
+              <a:t> </a:t>
+            </a:r>
+            <a:r>
+              <a:rPr lang="fa-IR" altLang="en-US" sz="1400" dirty="0" err="1">
+                <a:latin typeface="Times New Roman" pitchFamily="18" charset="0"/>
+                <a:cs typeface="B Nazanin" panose="00000400000000000000" pitchFamily="2" charset="-78"/>
+              </a:rPr>
+              <a:t>سخت‌افزاری</a:t>
+            </a:r>
+            <a:r>
+              <a:rPr lang="fa-IR" altLang="en-US" sz="1400" dirty="0">
+                <a:latin typeface="Times New Roman" pitchFamily="18" charset="0"/>
+                <a:cs typeface="B Nazanin" panose="00000400000000000000" pitchFamily="2" charset="-78"/>
+              </a:rPr>
+              <a:t> شبکه عصبی </a:t>
+            </a:r>
+            <a:r>
+              <a:rPr lang="en-US" altLang="en-US" sz="1200" dirty="0">
+                <a:latin typeface="Times New Roman" pitchFamily="18" charset="0"/>
+                <a:cs typeface="B Nazanin" panose="00000400000000000000" pitchFamily="2" charset="-78"/>
+              </a:rPr>
+              <a:t>CNN</a:t>
+            </a:r>
+            <a:r>
+              <a:rPr lang="fa-IR" altLang="en-US" sz="1400" dirty="0">
+                <a:latin typeface="Times New Roman" pitchFamily="18" charset="0"/>
+                <a:cs typeface="B Nazanin" panose="00000400000000000000" pitchFamily="2" charset="-78"/>
+              </a:rPr>
+              <a:t> به صورت ترکیبی از کنترل </a:t>
+            </a:r>
+            <a:r>
+              <a:rPr lang="en-US" altLang="en-US" sz="1200" dirty="0">
+                <a:latin typeface="Times New Roman" pitchFamily="18" charset="0"/>
+                <a:cs typeface="B Nazanin" panose="00000400000000000000" pitchFamily="2" charset="-78"/>
+              </a:rPr>
+              <a:t>PS</a:t>
+            </a:r>
+            <a:r>
+              <a:rPr lang="fa-IR" altLang="en-US" sz="1400" dirty="0">
+                <a:latin typeface="Times New Roman" pitchFamily="18" charset="0"/>
+                <a:cs typeface="B Nazanin" panose="00000400000000000000" pitchFamily="2" charset="-78"/>
+              </a:rPr>
+              <a:t> و اجرای </a:t>
+            </a:r>
+            <a:r>
+              <a:rPr lang="en-US" altLang="en-US" sz="1200" dirty="0">
+                <a:latin typeface="Times New Roman" pitchFamily="18" charset="0"/>
+                <a:cs typeface="B Nazanin" panose="00000400000000000000" pitchFamily="2" charset="-78"/>
+              </a:rPr>
+              <a:t>PL</a:t>
+            </a:r>
+            <a:endParaRPr lang="fa-IR" altLang="en-US" sz="1400" dirty="0">
+              <a:latin typeface="Times New Roman" pitchFamily="18" charset="0"/>
+              <a:cs typeface="B Nazanin" panose="00000400000000000000" pitchFamily="2" charset="-78"/>
+            </a:endParaRPr>
+          </a:p>
+        </p:txBody>
+      </p:sp>
+      <p:pic>
+        <p:nvPicPr>
+          <p:cNvPr id="47" name="Picture 46">
+            <a:extLst>
+              <a:ext uri="{FF2B5EF4-FFF2-40B4-BE49-F238E27FC236}">
+                <a16:creationId xmlns:a16="http://schemas.microsoft.com/office/drawing/2014/main" id="{56306938-83A7-41FD-9182-607CC84EC44B}"/>
+              </a:ext>
+            </a:extLst>
+          </p:cNvPr>
+          <p:cNvPicPr>
+            <a:picLocks noChangeAspect="1"/>
+          </p:cNvPicPr>
+          <p:nvPr/>
+        </p:nvPicPr>
+        <p:blipFill>
+          <a:blip r:embed="rId17"/>
+          <a:stretch>
+            <a:fillRect/>
+          </a:stretch>
+        </p:blipFill>
+        <p:spPr>
+          <a:xfrm>
+            <a:off x="12214753" y="25997900"/>
+            <a:ext cx="7165702" cy="2964978"/>
+          </a:xfrm>
+          <a:prstGeom prst="rect">
+            <a:avLst/>
+          </a:prstGeom>
+        </p:spPr>
+      </p:pic>
+      <p:graphicFrame>
+        <p:nvGraphicFramePr>
+          <p:cNvPr id="55" name="Table 54">
+            <a:extLst>
+              <a:ext uri="{FF2B5EF4-FFF2-40B4-BE49-F238E27FC236}">
+                <a16:creationId xmlns:a16="http://schemas.microsoft.com/office/drawing/2014/main" id="{B90F8A45-64D5-4E47-AEBE-13CC573EB20F}"/>
+              </a:ext>
+            </a:extLst>
+          </p:cNvPr>
+          <p:cNvGraphicFramePr>
+            <a:graphicFrameLocks noGrp="1"/>
+          </p:cNvGraphicFramePr>
+          <p:nvPr>
+            <p:extLst>
+              <p:ext uri="{D42A27DB-BD31-4B8C-83A1-F6EECF244321}">
+                <p14:modId xmlns:p14="http://schemas.microsoft.com/office/powerpoint/2010/main" val="3117989953"/>
+              </p:ext>
+            </p:extLst>
+          </p:nvPr>
+        </p:nvGraphicFramePr>
+        <p:xfrm>
+          <a:off x="831930" y="13352993"/>
+          <a:ext cx="9422622" cy="4483593"/>
+        </p:xfrm>
+        <a:graphic>
+          <a:graphicData uri="http://schemas.openxmlformats.org/drawingml/2006/table">
+            <a:tbl>
+              <a:tblPr>
+                <a:tableStyleId>{21E4AEA4-8DFA-4A89-87EB-49C32662AFE0}</a:tableStyleId>
+              </a:tblPr>
+              <a:tblGrid>
+                <a:gridCol w="1969413">
+                  <a:extLst>
+                    <a:ext uri="{9D8B030D-6E8A-4147-A177-3AD203B41FA5}">
+                      <a16:colId xmlns:a16="http://schemas.microsoft.com/office/drawing/2014/main" val="1615027046"/>
+                    </a:ext>
+                  </a:extLst>
+                </a:gridCol>
+                <a:gridCol w="1290305">
+                  <a:extLst>
+                    <a:ext uri="{9D8B030D-6E8A-4147-A177-3AD203B41FA5}">
+                      <a16:colId xmlns:a16="http://schemas.microsoft.com/office/drawing/2014/main" val="2244287656"/>
+                    </a:ext>
+                  </a:extLst>
+                </a:gridCol>
+                <a:gridCol w="2241056">
+                  <a:extLst>
+                    <a:ext uri="{9D8B030D-6E8A-4147-A177-3AD203B41FA5}">
+                      <a16:colId xmlns:a16="http://schemas.microsoft.com/office/drawing/2014/main" val="2651612645"/>
+                    </a:ext>
+                  </a:extLst>
+                </a:gridCol>
+                <a:gridCol w="1494037">
+                  <a:extLst>
+                    <a:ext uri="{9D8B030D-6E8A-4147-A177-3AD203B41FA5}">
+                      <a16:colId xmlns:a16="http://schemas.microsoft.com/office/drawing/2014/main" val="3358253671"/>
+                    </a:ext>
+                  </a:extLst>
+                </a:gridCol>
+                <a:gridCol w="1290305">
+                  <a:extLst>
+                    <a:ext uri="{9D8B030D-6E8A-4147-A177-3AD203B41FA5}">
+                      <a16:colId xmlns:a16="http://schemas.microsoft.com/office/drawing/2014/main" val="3098883803"/>
+                    </a:ext>
+                  </a:extLst>
+                </a:gridCol>
+                <a:gridCol w="1137506">
+                  <a:extLst>
+                    <a:ext uri="{9D8B030D-6E8A-4147-A177-3AD203B41FA5}">
+                      <a16:colId xmlns:a16="http://schemas.microsoft.com/office/drawing/2014/main" val="963470198"/>
+                    </a:ext>
+                  </a:extLst>
+                </a:gridCol>
+              </a:tblGrid>
+              <a:tr h="426429">
+                <a:tc>
+                  <a:txBody>
+                    <a:bodyPr/>
+                    <a:lstStyle/>
+                    <a:p>
+                      <a:pPr algn="ctr" rtl="0" fontAlgn="ctr"/>
+                      <a:r>
+                        <a:rPr lang="en-US" sz="1100" b="1" u="none" strike="noStrike" dirty="0">
+                          <a:solidFill>
+                            <a:schemeClr val="bg1"/>
+                          </a:solidFill>
+                          <a:effectLst/>
+                          <a:latin typeface="Lexend" pitchFamily="2" charset="0"/>
+                        </a:rPr>
+                        <a:t>Layer</a:t>
+                      </a:r>
+                      <a:endParaRPr lang="en-US" sz="1100" b="1" i="0" u="none" strike="noStrike" dirty="0">
+                        <a:solidFill>
+                          <a:schemeClr val="bg1"/>
+                        </a:solidFill>
+                        <a:effectLst/>
+                        <a:latin typeface="Lexend" pitchFamily="2" charset="0"/>
+                      </a:endParaRPr>
+                    </a:p>
+                  </a:txBody>
+                  <a:tcPr marL="7620" marR="7620" marT="7620" marB="0" anchor="ctr">
+                    <a:solidFill>
+                      <a:srgbClr val="6C2B70"/>
+                    </a:solidFill>
+                  </a:tcPr>
+                </a:tc>
+                <a:tc>
+                  <a:txBody>
+                    <a:bodyPr/>
+                    <a:lstStyle/>
+                    <a:p>
+                      <a:pPr algn="ctr" fontAlgn="ctr"/>
+                      <a:r>
+                        <a:rPr lang="en-US" sz="1100" b="1" u="none" strike="noStrike" dirty="0">
+                          <a:solidFill>
+                            <a:schemeClr val="bg1"/>
+                          </a:solidFill>
+                          <a:effectLst/>
+                          <a:latin typeface="Lexend" pitchFamily="2" charset="0"/>
+                        </a:rPr>
+                        <a:t>Name</a:t>
+                      </a:r>
+                      <a:endParaRPr lang="en-US" sz="1100" b="1" i="0" u="none" strike="noStrike" dirty="0">
+                        <a:solidFill>
+                          <a:schemeClr val="bg1"/>
+                        </a:solidFill>
+                        <a:effectLst/>
+                        <a:latin typeface="Lexend" pitchFamily="2" charset="0"/>
+                      </a:endParaRPr>
+                    </a:p>
+                  </a:txBody>
+                  <a:tcPr marL="7620" marR="7620" marT="7620" marB="0" anchor="ctr">
+                    <a:solidFill>
+                      <a:srgbClr val="6C2B70"/>
+                    </a:solidFill>
+                  </a:tcPr>
+                </a:tc>
+                <a:tc>
+                  <a:txBody>
+                    <a:bodyPr/>
+                    <a:lstStyle/>
+                    <a:p>
+                      <a:pPr algn="ctr" fontAlgn="ctr"/>
+                      <a:r>
+                        <a:rPr lang="en-US" sz="1100" b="1" u="none" strike="noStrike" dirty="0">
+                          <a:solidFill>
+                            <a:schemeClr val="bg1"/>
+                          </a:solidFill>
+                          <a:effectLst/>
+                          <a:latin typeface="Lexend" pitchFamily="2" charset="0"/>
+                        </a:rPr>
+                        <a:t>Dimension</a:t>
+                      </a:r>
+                      <a:endParaRPr lang="en-US" sz="1100" b="1" i="0" u="none" strike="noStrike" dirty="0">
+                        <a:solidFill>
+                          <a:schemeClr val="bg1"/>
+                        </a:solidFill>
+                        <a:effectLst/>
+                        <a:latin typeface="Lexend" pitchFamily="2" charset="0"/>
+                      </a:endParaRPr>
+                    </a:p>
+                  </a:txBody>
+                  <a:tcPr marL="7620" marR="7620" marT="7620" marB="0" anchor="ctr">
+                    <a:solidFill>
+                      <a:srgbClr val="6C2B70"/>
+                    </a:solidFill>
+                  </a:tcPr>
+                </a:tc>
+                <a:tc>
+                  <a:txBody>
+                    <a:bodyPr/>
+                    <a:lstStyle/>
+                    <a:p>
+                      <a:pPr algn="ctr" rtl="0" fontAlgn="ctr"/>
+                      <a:r>
+                        <a:rPr lang="en-US" sz="1100" b="1" u="none" strike="noStrike" dirty="0">
+                          <a:solidFill>
+                            <a:schemeClr val="bg1"/>
+                          </a:solidFill>
+                          <a:effectLst/>
+                          <a:latin typeface="Lexend" pitchFamily="2" charset="0"/>
+                        </a:rPr>
+                        <a:t>PC Time (</a:t>
+                      </a:r>
+                      <a:r>
+                        <a:rPr lang="en-US" sz="1100" b="1" u="none" strike="noStrike" dirty="0" err="1">
+                          <a:solidFill>
+                            <a:schemeClr val="bg1"/>
+                          </a:solidFill>
+                          <a:effectLst/>
+                          <a:latin typeface="Lexend" pitchFamily="2" charset="0"/>
+                        </a:rPr>
+                        <a:t>ms</a:t>
+                      </a:r>
+                      <a:r>
+                        <a:rPr lang="en-US" sz="1100" b="1" u="none" strike="noStrike" dirty="0">
+                          <a:solidFill>
+                            <a:schemeClr val="bg1"/>
+                          </a:solidFill>
+                          <a:effectLst/>
+                          <a:latin typeface="Lexend" pitchFamily="2" charset="0"/>
+                        </a:rPr>
+                        <a:t>)</a:t>
+                      </a:r>
+                      <a:endParaRPr lang="en-US" sz="1100" b="1" i="0" u="none" strike="noStrike" dirty="0">
+                        <a:solidFill>
+                          <a:schemeClr val="bg1"/>
+                        </a:solidFill>
+                        <a:effectLst/>
+                        <a:latin typeface="Lexend" pitchFamily="2" charset="0"/>
+                      </a:endParaRPr>
+                    </a:p>
+                  </a:txBody>
+                  <a:tcPr marL="7620" marR="7620" marT="7620" marB="0" anchor="ctr">
+                    <a:solidFill>
+                      <a:srgbClr val="6C2B70"/>
+                    </a:solidFill>
+                  </a:tcPr>
+                </a:tc>
+                <a:tc>
+                  <a:txBody>
+                    <a:bodyPr/>
+                    <a:lstStyle/>
+                    <a:p>
+                      <a:pPr algn="ctr" rtl="0" fontAlgn="ctr"/>
+                      <a:r>
+                        <a:rPr lang="en-US" sz="1100" b="1" u="none" strike="noStrike" dirty="0">
+                          <a:solidFill>
+                            <a:schemeClr val="bg1"/>
+                          </a:solidFill>
+                          <a:effectLst/>
+                          <a:latin typeface="Lexend" pitchFamily="2" charset="0"/>
+                        </a:rPr>
+                        <a:t>PS Time (</a:t>
+                      </a:r>
+                      <a:r>
+                        <a:rPr lang="en-US" sz="1100" b="1" u="none" strike="noStrike" dirty="0" err="1">
+                          <a:solidFill>
+                            <a:schemeClr val="bg1"/>
+                          </a:solidFill>
+                          <a:effectLst/>
+                          <a:latin typeface="Lexend" pitchFamily="2" charset="0"/>
+                        </a:rPr>
+                        <a:t>ms</a:t>
+                      </a:r>
+                      <a:r>
+                        <a:rPr lang="en-US" sz="1100" b="1" u="none" strike="noStrike" dirty="0">
+                          <a:solidFill>
+                            <a:schemeClr val="bg1"/>
+                          </a:solidFill>
+                          <a:effectLst/>
+                          <a:latin typeface="Lexend" pitchFamily="2" charset="0"/>
+                        </a:rPr>
+                        <a:t>)</a:t>
+                      </a:r>
+                      <a:endParaRPr lang="en-US" sz="1100" b="1" i="0" u="none" strike="noStrike" dirty="0">
+                        <a:solidFill>
+                          <a:schemeClr val="bg1"/>
+                        </a:solidFill>
+                        <a:effectLst/>
+                        <a:latin typeface="Lexend" pitchFamily="2" charset="0"/>
+                      </a:endParaRPr>
+                    </a:p>
+                  </a:txBody>
+                  <a:tcPr marL="7620" marR="7620" marT="7620" marB="0" anchor="ctr">
+                    <a:solidFill>
+                      <a:srgbClr val="6C2B70"/>
+                    </a:solidFill>
+                  </a:tcPr>
+                </a:tc>
+                <a:tc>
+                  <a:txBody>
+                    <a:bodyPr/>
+                    <a:lstStyle/>
+                    <a:p>
+                      <a:pPr algn="ctr" rtl="0" fontAlgn="ctr"/>
+                      <a:r>
+                        <a:rPr lang="en-US" sz="1100" b="1" u="none" strike="noStrike" dirty="0">
+                          <a:solidFill>
+                            <a:schemeClr val="bg1"/>
+                          </a:solidFill>
+                          <a:effectLst/>
+                          <a:latin typeface="Lexend" pitchFamily="2" charset="0"/>
+                        </a:rPr>
+                        <a:t>Time (</a:t>
+                      </a:r>
+                      <a:r>
+                        <a:rPr lang="en-US" sz="1100" b="1" u="none" strike="noStrike" dirty="0" err="1">
+                          <a:solidFill>
+                            <a:schemeClr val="bg1"/>
+                          </a:solidFill>
+                          <a:effectLst/>
+                          <a:latin typeface="Lexend" pitchFamily="2" charset="0"/>
+                        </a:rPr>
+                        <a:t>ms</a:t>
+                      </a:r>
+                      <a:r>
+                        <a:rPr lang="en-US" sz="1100" b="1" u="none" strike="noStrike" dirty="0">
+                          <a:solidFill>
+                            <a:schemeClr val="bg1"/>
+                          </a:solidFill>
+                          <a:effectLst/>
+                          <a:latin typeface="Lexend" pitchFamily="2" charset="0"/>
+                        </a:rPr>
+                        <a:t>)</a:t>
+                      </a:r>
+                      <a:endParaRPr lang="en-US" sz="1100" b="1" i="0" u="none" strike="noStrike" dirty="0">
+                        <a:solidFill>
+                          <a:schemeClr val="bg1"/>
+                        </a:solidFill>
+                        <a:effectLst/>
+                        <a:latin typeface="Lexend" pitchFamily="2" charset="0"/>
+                      </a:endParaRPr>
+                    </a:p>
+                  </a:txBody>
+                  <a:tcPr marL="7620" marR="7620" marT="7620" marB="0" anchor="ctr">
+                    <a:solidFill>
+                      <a:srgbClr val="6C2B70"/>
+                    </a:solidFill>
+                  </a:tcPr>
+                </a:tc>
+                <a:extLst>
+                  <a:ext uri="{0D108BD9-81ED-4DB2-BD59-A6C34878D82A}">
+                    <a16:rowId xmlns:a16="http://schemas.microsoft.com/office/drawing/2014/main" val="1256402075"/>
+                  </a:ext>
+                </a:extLst>
+              </a:tr>
+              <a:tr h="450796">
+                <a:tc>
+                  <a:txBody>
+                    <a:bodyPr/>
+                    <a:lstStyle/>
+                    <a:p>
+                      <a:pPr algn="ctr" fontAlgn="ctr"/>
+                      <a:r>
+                        <a:rPr lang="en-US" sz="1100" u="none" strike="noStrike" dirty="0">
+                          <a:effectLst/>
+                          <a:latin typeface="Lexend" pitchFamily="2" charset="0"/>
+                        </a:rPr>
+                        <a:t>Layer #0</a:t>
+                      </a:r>
+                      <a:endParaRPr lang="en-US" sz="1100" b="0" i="0" u="none" strike="noStrike" dirty="0">
+                        <a:solidFill>
+                          <a:srgbClr val="000000"/>
+                        </a:solidFill>
+                        <a:effectLst/>
+                        <a:latin typeface="Lexend" pitchFamily="2" charset="0"/>
+                      </a:endParaRPr>
+                    </a:p>
+                  </a:txBody>
+                  <a:tcPr marL="7620" marR="7620" marT="7620" marB="0" anchor="ctr"/>
+                </a:tc>
+                <a:tc>
+                  <a:txBody>
+                    <a:bodyPr/>
+                    <a:lstStyle/>
+                    <a:p>
+                      <a:pPr algn="ctr" fontAlgn="ctr"/>
+                      <a:r>
+                        <a:rPr lang="en-US" sz="1100" u="none" strike="noStrike" dirty="0">
+                          <a:effectLst/>
+                          <a:latin typeface="Lexend" pitchFamily="2" charset="0"/>
+                        </a:rPr>
+                        <a:t>Convolution</a:t>
+                      </a:r>
+                      <a:endParaRPr lang="en-US" sz="1100" b="0" i="0" u="none" strike="noStrike" dirty="0">
+                        <a:solidFill>
+                          <a:srgbClr val="000000"/>
+                        </a:solidFill>
+                        <a:effectLst/>
+                        <a:latin typeface="Lexend" pitchFamily="2" charset="0"/>
+                      </a:endParaRPr>
+                    </a:p>
+                  </a:txBody>
+                  <a:tcPr marL="7620" marR="7620" marT="7620" marB="0" anchor="ctr"/>
+                </a:tc>
+                <a:tc>
+                  <a:txBody>
+                    <a:bodyPr/>
+                    <a:lstStyle/>
+                    <a:p>
+                      <a:pPr algn="ctr" fontAlgn="ctr"/>
+                      <a:r>
+                        <a:rPr lang="en-US" sz="1100" u="none" strike="noStrike">
+                          <a:effectLst/>
+                          <a:latin typeface="Lexend" pitchFamily="2" charset="0"/>
+                        </a:rPr>
+                        <a:t>in: 784, out: 194688</a:t>
+                      </a:r>
+                      <a:endParaRPr lang="en-US" sz="1100" b="0" i="0" u="none" strike="noStrike">
+                        <a:solidFill>
+                          <a:srgbClr val="000000"/>
+                        </a:solidFill>
+                        <a:effectLst/>
+                        <a:latin typeface="Lexend" pitchFamily="2" charset="0"/>
+                      </a:endParaRPr>
+                    </a:p>
+                  </a:txBody>
+                  <a:tcPr marL="7620" marR="7620" marT="7620" marB="0" anchor="ctr"/>
+                </a:tc>
+                <a:tc>
+                  <a:txBody>
+                    <a:bodyPr/>
+                    <a:lstStyle/>
+                    <a:p>
+                      <a:pPr algn="ctr" fontAlgn="ctr"/>
+                      <a:r>
+                        <a:rPr lang="en-US" sz="1100" u="none" strike="noStrike" dirty="0">
+                          <a:effectLst/>
+                          <a:latin typeface="Lexend" pitchFamily="2" charset="0"/>
+                        </a:rPr>
+                        <a:t>396.3614</a:t>
+                      </a:r>
+                      <a:endParaRPr lang="en-US" sz="1100" b="0" i="0" u="none" strike="noStrike" dirty="0">
+                        <a:solidFill>
+                          <a:srgbClr val="000000"/>
+                        </a:solidFill>
+                        <a:effectLst/>
+                        <a:latin typeface="Lexend" pitchFamily="2" charset="0"/>
+                      </a:endParaRPr>
+                    </a:p>
+                  </a:txBody>
+                  <a:tcPr marL="7620" marR="7620" marT="7620" marB="0" anchor="ctr"/>
+                </a:tc>
+                <a:tc>
+                  <a:txBody>
+                    <a:bodyPr/>
+                    <a:lstStyle/>
+                    <a:p>
+                      <a:pPr algn="ctr" fontAlgn="ctr"/>
+                      <a:r>
+                        <a:rPr lang="en-US" sz="1100" u="none" strike="noStrike">
+                          <a:effectLst/>
+                          <a:latin typeface="Lexend" pitchFamily="2" charset="0"/>
+                        </a:rPr>
+                        <a:t>14135.5</a:t>
+                      </a:r>
+                      <a:endParaRPr lang="en-US" sz="1100" b="0" i="0" u="none" strike="noStrike">
+                        <a:solidFill>
+                          <a:srgbClr val="000000"/>
+                        </a:solidFill>
+                        <a:effectLst/>
+                        <a:latin typeface="Lexend" pitchFamily="2" charset="0"/>
+                      </a:endParaRPr>
+                    </a:p>
+                  </a:txBody>
+                  <a:tcPr marL="7620" marR="7620" marT="7620" marB="0" anchor="ctr"/>
+                </a:tc>
+                <a:tc>
+                  <a:txBody>
+                    <a:bodyPr/>
+                    <a:lstStyle/>
+                    <a:p>
+                      <a:pPr algn="ctr" fontAlgn="ctr"/>
+                      <a:r>
+                        <a:rPr lang="en-US" sz="1100" u="none" strike="noStrike">
+                          <a:effectLst/>
+                          <a:latin typeface="Lexend" pitchFamily="2" charset="0"/>
+                        </a:rPr>
+                        <a:t>1.95472</a:t>
+                      </a:r>
+                      <a:endParaRPr lang="en-US" sz="1100" b="0" i="0" u="none" strike="noStrike">
+                        <a:solidFill>
+                          <a:srgbClr val="000000"/>
+                        </a:solidFill>
+                        <a:effectLst/>
+                        <a:latin typeface="Lexend" pitchFamily="2" charset="0"/>
+                      </a:endParaRPr>
+                    </a:p>
+                  </a:txBody>
+                  <a:tcPr marL="7620" marR="7620" marT="7620" marB="0" anchor="ctr"/>
+                </a:tc>
+                <a:extLst>
+                  <a:ext uri="{0D108BD9-81ED-4DB2-BD59-A6C34878D82A}">
+                    <a16:rowId xmlns:a16="http://schemas.microsoft.com/office/drawing/2014/main" val="653118450"/>
+                  </a:ext>
+                </a:extLst>
+              </a:tr>
+              <a:tr h="450796">
+                <a:tc>
+                  <a:txBody>
+                    <a:bodyPr/>
+                    <a:lstStyle/>
+                    <a:p>
+                      <a:pPr algn="ctr" fontAlgn="ctr"/>
+                      <a:r>
+                        <a:rPr lang="en-US" sz="1100" u="none" strike="noStrike" dirty="0">
+                          <a:effectLst/>
+                          <a:latin typeface="Lexend" pitchFamily="2" charset="0"/>
+                        </a:rPr>
+                        <a:t>Layer #0 activation</a:t>
+                      </a:r>
+                      <a:endParaRPr lang="en-US" sz="1100" b="0" i="0" u="none" strike="noStrike" dirty="0">
+                        <a:solidFill>
+                          <a:srgbClr val="000000"/>
+                        </a:solidFill>
+                        <a:effectLst/>
+                        <a:latin typeface="Lexend" pitchFamily="2" charset="0"/>
+                      </a:endParaRPr>
+                    </a:p>
+                  </a:txBody>
+                  <a:tcPr marL="7620" marR="7620" marT="7620" marB="0" anchor="ctr"/>
+                </a:tc>
+                <a:tc>
+                  <a:txBody>
+                    <a:bodyPr/>
+                    <a:lstStyle/>
+                    <a:p>
+                      <a:pPr algn="ctr" fontAlgn="ctr"/>
+                      <a:r>
+                        <a:rPr lang="en-US" sz="1100" u="none" strike="noStrike" dirty="0" err="1">
+                          <a:effectLst/>
+                          <a:latin typeface="Lexend" pitchFamily="2" charset="0"/>
+                        </a:rPr>
+                        <a:t>ReLU</a:t>
+                      </a:r>
+                      <a:endParaRPr lang="en-US" sz="1100" b="0" i="0" u="none" strike="noStrike" dirty="0">
+                        <a:solidFill>
+                          <a:srgbClr val="000000"/>
+                        </a:solidFill>
+                        <a:effectLst/>
+                        <a:latin typeface="Lexend" pitchFamily="2" charset="0"/>
+                      </a:endParaRPr>
+                    </a:p>
+                  </a:txBody>
+                  <a:tcPr marL="7620" marR="7620" marT="7620" marB="0" anchor="ctr"/>
+                </a:tc>
+                <a:tc>
+                  <a:txBody>
+                    <a:bodyPr/>
+                    <a:lstStyle/>
+                    <a:p>
+                      <a:pPr algn="ctr" fontAlgn="ctr"/>
+                      <a:r>
+                        <a:rPr lang="en-US" sz="1100" u="none" strike="noStrike" dirty="0">
+                          <a:effectLst/>
+                          <a:latin typeface="Lexend" pitchFamily="2" charset="0"/>
+                        </a:rPr>
+                        <a:t>in: 21632, out: 21632</a:t>
+                      </a:r>
+                      <a:endParaRPr lang="en-US" sz="1100" b="0" i="0" u="none" strike="noStrike" dirty="0">
+                        <a:solidFill>
+                          <a:srgbClr val="000000"/>
+                        </a:solidFill>
+                        <a:effectLst/>
+                        <a:latin typeface="Lexend" pitchFamily="2" charset="0"/>
+                      </a:endParaRPr>
+                    </a:p>
+                  </a:txBody>
+                  <a:tcPr marL="7620" marR="7620" marT="7620" marB="0" anchor="ctr"/>
+                </a:tc>
+                <a:tc>
+                  <a:txBody>
+                    <a:bodyPr/>
+                    <a:lstStyle/>
+                    <a:p>
+                      <a:pPr algn="ctr" fontAlgn="ctr"/>
+                      <a:r>
+                        <a:rPr lang="en-US" sz="1100" u="none" strike="noStrike" dirty="0">
+                          <a:effectLst/>
+                          <a:latin typeface="Lexend" pitchFamily="2" charset="0"/>
+                        </a:rPr>
+                        <a:t>7.0078</a:t>
+                      </a:r>
+                      <a:endParaRPr lang="en-US" sz="1100" b="0" i="0" u="none" strike="noStrike" dirty="0">
+                        <a:solidFill>
+                          <a:srgbClr val="000000"/>
+                        </a:solidFill>
+                        <a:effectLst/>
+                        <a:latin typeface="Lexend" pitchFamily="2" charset="0"/>
+                      </a:endParaRPr>
+                    </a:p>
+                  </a:txBody>
+                  <a:tcPr marL="7620" marR="7620" marT="7620" marB="0" anchor="ctr"/>
+                </a:tc>
+                <a:tc>
+                  <a:txBody>
+                    <a:bodyPr/>
+                    <a:lstStyle/>
+                    <a:p>
+                      <a:pPr algn="ctr" fontAlgn="ctr"/>
+                      <a:r>
+                        <a:rPr lang="en-US" sz="1100" u="none" strike="noStrike">
+                          <a:effectLst/>
+                          <a:latin typeface="Lexend" pitchFamily="2" charset="0"/>
+                        </a:rPr>
+                        <a:t>169.7</a:t>
+                      </a:r>
+                      <a:endParaRPr lang="en-US" sz="1100" b="0" i="0" u="none" strike="noStrike">
+                        <a:solidFill>
+                          <a:srgbClr val="000000"/>
+                        </a:solidFill>
+                        <a:effectLst/>
+                        <a:latin typeface="Lexend" pitchFamily="2" charset="0"/>
+                      </a:endParaRPr>
+                    </a:p>
+                  </a:txBody>
+                  <a:tcPr marL="7620" marR="7620" marT="7620" marB="0" anchor="ctr"/>
+                </a:tc>
+                <a:tc>
+                  <a:txBody>
+                    <a:bodyPr/>
+                    <a:lstStyle/>
+                    <a:p>
+                      <a:pPr algn="ctr" fontAlgn="ctr"/>
+                      <a:r>
+                        <a:rPr lang="en-US" sz="1100" u="none" strike="noStrike">
+                          <a:effectLst/>
+                          <a:latin typeface="Lexend" pitchFamily="2" charset="0"/>
+                        </a:rPr>
+                        <a:t>0.43264</a:t>
+                      </a:r>
+                      <a:endParaRPr lang="en-US" sz="1100" b="0" i="0" u="none" strike="noStrike">
+                        <a:solidFill>
+                          <a:srgbClr val="000000"/>
+                        </a:solidFill>
+                        <a:effectLst/>
+                        <a:latin typeface="Lexend" pitchFamily="2" charset="0"/>
+                      </a:endParaRPr>
+                    </a:p>
+                  </a:txBody>
+                  <a:tcPr marL="7620" marR="7620" marT="7620" marB="0" anchor="ctr"/>
+                </a:tc>
+                <a:extLst>
+                  <a:ext uri="{0D108BD9-81ED-4DB2-BD59-A6C34878D82A}">
+                    <a16:rowId xmlns:a16="http://schemas.microsoft.com/office/drawing/2014/main" val="1373828445"/>
+                  </a:ext>
+                </a:extLst>
+              </a:tr>
+              <a:tr h="450796">
+                <a:tc>
+                  <a:txBody>
+                    <a:bodyPr/>
+                    <a:lstStyle/>
+                    <a:p>
+                      <a:pPr algn="ctr" fontAlgn="ctr"/>
+                      <a:r>
+                        <a:rPr lang="en-US" sz="1100" u="none" strike="noStrike" dirty="0">
+                          <a:effectLst/>
+                          <a:latin typeface="Lexend" pitchFamily="2" charset="0"/>
+                        </a:rPr>
+                        <a:t>Layer #1</a:t>
+                      </a:r>
+                      <a:endParaRPr lang="en-US" sz="1100" b="0" i="0" u="none" strike="noStrike" dirty="0">
+                        <a:solidFill>
+                          <a:srgbClr val="000000"/>
+                        </a:solidFill>
+                        <a:effectLst/>
+                        <a:latin typeface="Lexend" pitchFamily="2" charset="0"/>
+                      </a:endParaRPr>
+                    </a:p>
+                  </a:txBody>
+                  <a:tcPr marL="7620" marR="7620" marT="7620" marB="0" anchor="ctr"/>
+                </a:tc>
+                <a:tc>
+                  <a:txBody>
+                    <a:bodyPr/>
+                    <a:lstStyle/>
+                    <a:p>
+                      <a:pPr algn="ctr" fontAlgn="ctr"/>
+                      <a:r>
+                        <a:rPr lang="en-US" sz="1100" u="none" strike="noStrike" dirty="0" err="1">
+                          <a:effectLst/>
+                          <a:latin typeface="Lexend" pitchFamily="2" charset="0"/>
+                        </a:rPr>
+                        <a:t>MaxPooling</a:t>
+                      </a:r>
+                      <a:endParaRPr lang="en-US" sz="1100" b="0" i="0" u="none" strike="noStrike" dirty="0">
+                        <a:solidFill>
+                          <a:srgbClr val="000000"/>
+                        </a:solidFill>
+                        <a:effectLst/>
+                        <a:latin typeface="Lexend" pitchFamily="2" charset="0"/>
+                      </a:endParaRPr>
+                    </a:p>
+                  </a:txBody>
+                  <a:tcPr marL="7620" marR="7620" marT="7620" marB="0" anchor="ctr"/>
+                </a:tc>
+                <a:tc>
+                  <a:txBody>
+                    <a:bodyPr/>
+                    <a:lstStyle/>
+                    <a:p>
+                      <a:pPr algn="ctr" fontAlgn="ctr"/>
+                      <a:r>
+                        <a:rPr lang="en-US" sz="1100" u="none" strike="noStrike" dirty="0">
+                          <a:effectLst/>
+                          <a:latin typeface="Lexend" pitchFamily="2" charset="0"/>
+                        </a:rPr>
+                        <a:t>in: 21632, out: 21632</a:t>
+                      </a:r>
+                      <a:endParaRPr lang="en-US" sz="1100" b="0" i="0" u="none" strike="noStrike" dirty="0">
+                        <a:solidFill>
+                          <a:srgbClr val="000000"/>
+                        </a:solidFill>
+                        <a:effectLst/>
+                        <a:latin typeface="Lexend" pitchFamily="2" charset="0"/>
+                      </a:endParaRPr>
+                    </a:p>
+                  </a:txBody>
+                  <a:tcPr marL="7620" marR="7620" marT="7620" marB="0" anchor="ctr"/>
+                </a:tc>
+                <a:tc>
+                  <a:txBody>
+                    <a:bodyPr/>
+                    <a:lstStyle/>
+                    <a:p>
+                      <a:pPr algn="ctr" fontAlgn="ctr"/>
+                      <a:r>
+                        <a:rPr lang="en-US" sz="1100" u="none" strike="noStrike" dirty="0">
+                          <a:effectLst/>
+                          <a:latin typeface="Lexend" pitchFamily="2" charset="0"/>
+                        </a:rPr>
+                        <a:t>6.0443</a:t>
+                      </a:r>
+                      <a:endParaRPr lang="en-US" sz="1100" b="0" i="0" u="none" strike="noStrike" dirty="0">
+                        <a:solidFill>
+                          <a:srgbClr val="000000"/>
+                        </a:solidFill>
+                        <a:effectLst/>
+                        <a:latin typeface="Lexend" pitchFamily="2" charset="0"/>
+                      </a:endParaRPr>
+                    </a:p>
+                  </a:txBody>
+                  <a:tcPr marL="7620" marR="7620" marT="7620" marB="0" anchor="ctr"/>
+                </a:tc>
+                <a:tc>
+                  <a:txBody>
+                    <a:bodyPr/>
+                    <a:lstStyle/>
+                    <a:p>
+                      <a:pPr algn="ctr" fontAlgn="ctr"/>
+                      <a:r>
+                        <a:rPr lang="en-US" sz="1100" u="none" strike="noStrike" dirty="0">
+                          <a:effectLst/>
+                          <a:latin typeface="Lexend" pitchFamily="2" charset="0"/>
+                        </a:rPr>
+                        <a:t>164.6</a:t>
+                      </a:r>
+                      <a:endParaRPr lang="en-US" sz="1100" b="0" i="0" u="none" strike="noStrike" dirty="0">
+                        <a:solidFill>
+                          <a:srgbClr val="000000"/>
+                        </a:solidFill>
+                        <a:effectLst/>
+                        <a:latin typeface="Lexend" pitchFamily="2" charset="0"/>
+                      </a:endParaRPr>
+                    </a:p>
+                  </a:txBody>
+                  <a:tcPr marL="7620" marR="7620" marT="7620" marB="0" anchor="ctr"/>
+                </a:tc>
+                <a:tc>
+                  <a:txBody>
+                    <a:bodyPr/>
+                    <a:lstStyle/>
+                    <a:p>
+                      <a:pPr algn="ctr" fontAlgn="ctr"/>
+                      <a:r>
+                        <a:rPr lang="en-US" sz="1100" u="none" strike="noStrike">
+                          <a:effectLst/>
+                          <a:latin typeface="Lexend" pitchFamily="2" charset="0"/>
+                        </a:rPr>
+                        <a:t>0.43264</a:t>
+                      </a:r>
+                      <a:endParaRPr lang="en-US" sz="1100" b="0" i="0" u="none" strike="noStrike">
+                        <a:solidFill>
+                          <a:srgbClr val="000000"/>
+                        </a:solidFill>
+                        <a:effectLst/>
+                        <a:latin typeface="Lexend" pitchFamily="2" charset="0"/>
+                      </a:endParaRPr>
+                    </a:p>
+                  </a:txBody>
+                  <a:tcPr marL="7620" marR="7620" marT="7620" marB="0" anchor="ctr"/>
+                </a:tc>
+                <a:extLst>
+                  <a:ext uri="{0D108BD9-81ED-4DB2-BD59-A6C34878D82A}">
+                    <a16:rowId xmlns:a16="http://schemas.microsoft.com/office/drawing/2014/main" val="3864079427"/>
+                  </a:ext>
+                </a:extLst>
+              </a:tr>
+              <a:tr h="450796">
+                <a:tc>
+                  <a:txBody>
+                    <a:bodyPr/>
+                    <a:lstStyle/>
+                    <a:p>
+                      <a:pPr algn="ctr" fontAlgn="ctr"/>
+                      <a:r>
+                        <a:rPr lang="en-US" sz="1100" u="none" strike="noStrike" dirty="0">
+                          <a:effectLst/>
+                          <a:latin typeface="Lexend" pitchFamily="2" charset="0"/>
+                        </a:rPr>
+                        <a:t>Layer #2</a:t>
+                      </a:r>
+                      <a:endParaRPr lang="en-US" sz="1100" b="0" i="0" u="none" strike="noStrike" dirty="0">
+                        <a:solidFill>
+                          <a:srgbClr val="000000"/>
+                        </a:solidFill>
+                        <a:effectLst/>
+                        <a:latin typeface="Lexend" pitchFamily="2" charset="0"/>
+                      </a:endParaRPr>
+                    </a:p>
+                  </a:txBody>
+                  <a:tcPr marL="7620" marR="7620" marT="7620" marB="0" anchor="ctr"/>
+                </a:tc>
+                <a:tc>
+                  <a:txBody>
+                    <a:bodyPr/>
+                    <a:lstStyle/>
+                    <a:p>
+                      <a:pPr algn="ctr" fontAlgn="ctr"/>
+                      <a:r>
+                        <a:rPr lang="en-US" sz="1100" u="none" strike="noStrike" dirty="0">
+                          <a:effectLst/>
+                          <a:latin typeface="Lexend" pitchFamily="2" charset="0"/>
+                        </a:rPr>
+                        <a:t>Convolution</a:t>
+                      </a:r>
+                      <a:endParaRPr lang="en-US" sz="1100" b="0" i="0" u="none" strike="noStrike" dirty="0">
+                        <a:solidFill>
+                          <a:srgbClr val="000000"/>
+                        </a:solidFill>
+                        <a:effectLst/>
+                        <a:latin typeface="Lexend" pitchFamily="2" charset="0"/>
+                      </a:endParaRPr>
+                    </a:p>
+                  </a:txBody>
+                  <a:tcPr marL="7620" marR="7620" marT="7620" marB="0" anchor="ctr"/>
+                </a:tc>
+                <a:tc>
+                  <a:txBody>
+                    <a:bodyPr/>
+                    <a:lstStyle/>
+                    <a:p>
+                      <a:pPr algn="ctr" fontAlgn="ctr"/>
+                      <a:r>
+                        <a:rPr lang="en-US" sz="1100" u="none" strike="noStrike" dirty="0">
+                          <a:effectLst/>
+                          <a:latin typeface="Lexend" pitchFamily="2" charset="0"/>
+                        </a:rPr>
+                        <a:t>in: 5408, out: 2230272</a:t>
+                      </a:r>
+                      <a:endParaRPr lang="en-US" sz="1100" b="0" i="0" u="none" strike="noStrike" dirty="0">
+                        <a:solidFill>
+                          <a:srgbClr val="000000"/>
+                        </a:solidFill>
+                        <a:effectLst/>
+                        <a:latin typeface="Lexend" pitchFamily="2" charset="0"/>
+                      </a:endParaRPr>
+                    </a:p>
+                  </a:txBody>
+                  <a:tcPr marL="7620" marR="7620" marT="7620" marB="0" anchor="ctr"/>
+                </a:tc>
+                <a:tc>
+                  <a:txBody>
+                    <a:bodyPr/>
+                    <a:lstStyle/>
+                    <a:p>
+                      <a:pPr algn="ctr" fontAlgn="ctr"/>
+                      <a:r>
+                        <a:rPr lang="en-US" sz="1100" u="none" strike="noStrike">
+                          <a:effectLst/>
+                          <a:latin typeface="Lexend" pitchFamily="2" charset="0"/>
+                        </a:rPr>
+                        <a:t>1520.4479</a:t>
+                      </a:r>
+                      <a:endParaRPr lang="en-US" sz="1100" b="0" i="0" u="none" strike="noStrike">
+                        <a:solidFill>
+                          <a:srgbClr val="000000"/>
+                        </a:solidFill>
+                        <a:effectLst/>
+                        <a:latin typeface="Lexend" pitchFamily="2" charset="0"/>
+                      </a:endParaRPr>
+                    </a:p>
+                  </a:txBody>
+                  <a:tcPr marL="7620" marR="7620" marT="7620" marB="0" anchor="ctr"/>
+                </a:tc>
+                <a:tc>
+                  <a:txBody>
+                    <a:bodyPr/>
+                    <a:lstStyle/>
+                    <a:p>
+                      <a:pPr algn="ctr" fontAlgn="ctr"/>
+                      <a:r>
+                        <a:rPr lang="en-US" sz="1100" u="none" strike="noStrike" dirty="0">
+                          <a:effectLst/>
+                          <a:latin typeface="Lexend" pitchFamily="2" charset="0"/>
+                        </a:rPr>
+                        <a:t>36425.4</a:t>
+                      </a:r>
+                      <a:endParaRPr lang="en-US" sz="1100" b="0" i="0" u="none" strike="noStrike" dirty="0">
+                        <a:solidFill>
+                          <a:srgbClr val="000000"/>
+                        </a:solidFill>
+                        <a:effectLst/>
+                        <a:latin typeface="Lexend" pitchFamily="2" charset="0"/>
+                      </a:endParaRPr>
+                    </a:p>
+                  </a:txBody>
+                  <a:tcPr marL="7620" marR="7620" marT="7620" marB="0" anchor="ctr"/>
+                </a:tc>
+                <a:tc>
+                  <a:txBody>
+                    <a:bodyPr/>
+                    <a:lstStyle/>
+                    <a:p>
+                      <a:pPr algn="ctr" fontAlgn="ctr"/>
+                      <a:r>
+                        <a:rPr lang="en-US" sz="1100" u="none" strike="noStrike">
+                          <a:effectLst/>
+                          <a:latin typeface="Lexend" pitchFamily="2" charset="0"/>
+                        </a:rPr>
+                        <a:t>22.3568</a:t>
+                      </a:r>
+                      <a:endParaRPr lang="en-US" sz="1100" b="0" i="0" u="none" strike="noStrike">
+                        <a:solidFill>
+                          <a:srgbClr val="000000"/>
+                        </a:solidFill>
+                        <a:effectLst/>
+                        <a:latin typeface="Lexend" pitchFamily="2" charset="0"/>
+                      </a:endParaRPr>
+                    </a:p>
+                  </a:txBody>
+                  <a:tcPr marL="7620" marR="7620" marT="7620" marB="0" anchor="ctr"/>
+                </a:tc>
+                <a:extLst>
+                  <a:ext uri="{0D108BD9-81ED-4DB2-BD59-A6C34878D82A}">
+                    <a16:rowId xmlns:a16="http://schemas.microsoft.com/office/drawing/2014/main" val="3135105871"/>
+                  </a:ext>
+                </a:extLst>
+              </a:tr>
+              <a:tr h="450796">
+                <a:tc>
+                  <a:txBody>
+                    <a:bodyPr/>
+                    <a:lstStyle/>
+                    <a:p>
+                      <a:pPr algn="ctr" fontAlgn="ctr"/>
+                      <a:r>
+                        <a:rPr lang="en-US" sz="1100" u="none" strike="noStrike" dirty="0">
+                          <a:effectLst/>
+                          <a:latin typeface="Lexend" pitchFamily="2" charset="0"/>
+                        </a:rPr>
+                        <a:t>Layer #2 activation</a:t>
+                      </a:r>
+                      <a:endParaRPr lang="en-US" sz="1100" b="0" i="0" u="none" strike="noStrike" dirty="0">
+                        <a:solidFill>
+                          <a:srgbClr val="000000"/>
+                        </a:solidFill>
+                        <a:effectLst/>
+                        <a:latin typeface="Lexend" pitchFamily="2" charset="0"/>
+                      </a:endParaRPr>
+                    </a:p>
+                  </a:txBody>
+                  <a:tcPr marL="7620" marR="7620" marT="7620" marB="0" anchor="ctr"/>
+                </a:tc>
+                <a:tc>
+                  <a:txBody>
+                    <a:bodyPr/>
+                    <a:lstStyle/>
+                    <a:p>
+                      <a:pPr algn="ctr" fontAlgn="ctr"/>
+                      <a:r>
+                        <a:rPr lang="en-US" sz="1100" u="none" strike="noStrike">
+                          <a:effectLst/>
+                          <a:latin typeface="Lexend" pitchFamily="2" charset="0"/>
+                        </a:rPr>
+                        <a:t>ReLU</a:t>
+                      </a:r>
+                      <a:endParaRPr lang="en-US" sz="1100" b="0" i="0" u="none" strike="noStrike">
+                        <a:solidFill>
+                          <a:srgbClr val="000000"/>
+                        </a:solidFill>
+                        <a:effectLst/>
+                        <a:latin typeface="Lexend" pitchFamily="2" charset="0"/>
+                      </a:endParaRPr>
+                    </a:p>
+                  </a:txBody>
+                  <a:tcPr marL="7620" marR="7620" marT="7620" marB="0" anchor="ctr"/>
+                </a:tc>
+                <a:tc>
+                  <a:txBody>
+                    <a:bodyPr/>
+                    <a:lstStyle/>
+                    <a:p>
+                      <a:pPr algn="ctr" fontAlgn="ctr"/>
+                      <a:r>
+                        <a:rPr lang="en-US" sz="1100" u="none" strike="noStrike" dirty="0">
+                          <a:effectLst/>
+                          <a:latin typeface="Lexend" pitchFamily="2" charset="0"/>
+                        </a:rPr>
+                        <a:t>in: 7744, out: 7744</a:t>
+                      </a:r>
+                      <a:endParaRPr lang="en-US" sz="1100" b="0" i="0" u="none" strike="noStrike" dirty="0">
+                        <a:solidFill>
+                          <a:srgbClr val="000000"/>
+                        </a:solidFill>
+                        <a:effectLst/>
+                        <a:latin typeface="Lexend" pitchFamily="2" charset="0"/>
+                      </a:endParaRPr>
+                    </a:p>
+                  </a:txBody>
+                  <a:tcPr marL="7620" marR="7620" marT="7620" marB="0" anchor="ctr"/>
+                </a:tc>
+                <a:tc>
+                  <a:txBody>
+                    <a:bodyPr/>
+                    <a:lstStyle/>
+                    <a:p>
+                      <a:pPr algn="ctr" fontAlgn="ctr"/>
+                      <a:r>
+                        <a:rPr lang="en-US" sz="1100" u="none" strike="noStrike">
+                          <a:effectLst/>
+                          <a:latin typeface="Lexend" pitchFamily="2" charset="0"/>
+                        </a:rPr>
+                        <a:t>2.9997</a:t>
+                      </a:r>
+                      <a:endParaRPr lang="en-US" sz="1100" b="0" i="0" u="none" strike="noStrike">
+                        <a:solidFill>
+                          <a:srgbClr val="000000"/>
+                        </a:solidFill>
+                        <a:effectLst/>
+                        <a:latin typeface="Lexend" pitchFamily="2" charset="0"/>
+                      </a:endParaRPr>
+                    </a:p>
+                  </a:txBody>
+                  <a:tcPr marL="7620" marR="7620" marT="7620" marB="0" anchor="ctr"/>
+                </a:tc>
+                <a:tc>
+                  <a:txBody>
+                    <a:bodyPr/>
+                    <a:lstStyle/>
+                    <a:p>
+                      <a:pPr algn="ctr" fontAlgn="ctr"/>
+                      <a:r>
+                        <a:rPr lang="en-US" sz="1100" u="none" strike="noStrike" dirty="0">
+                          <a:effectLst/>
+                          <a:latin typeface="Lexend" pitchFamily="2" charset="0"/>
+                        </a:rPr>
+                        <a:t>84.2</a:t>
+                      </a:r>
+                      <a:endParaRPr lang="en-US" sz="1100" b="0" i="0" u="none" strike="noStrike" dirty="0">
+                        <a:solidFill>
+                          <a:srgbClr val="000000"/>
+                        </a:solidFill>
+                        <a:effectLst/>
+                        <a:latin typeface="Lexend" pitchFamily="2" charset="0"/>
+                      </a:endParaRPr>
+                    </a:p>
+                  </a:txBody>
+                  <a:tcPr marL="7620" marR="7620" marT="7620" marB="0" anchor="ctr"/>
+                </a:tc>
+                <a:tc>
+                  <a:txBody>
+                    <a:bodyPr/>
+                    <a:lstStyle/>
+                    <a:p>
+                      <a:pPr algn="ctr" fontAlgn="ctr"/>
+                      <a:r>
+                        <a:rPr lang="en-US" sz="1100" u="none" strike="noStrike">
+                          <a:effectLst/>
+                          <a:latin typeface="Lexend" pitchFamily="2" charset="0"/>
+                        </a:rPr>
+                        <a:t>0.15488</a:t>
+                      </a:r>
+                      <a:endParaRPr lang="en-US" sz="1100" b="0" i="0" u="none" strike="noStrike">
+                        <a:solidFill>
+                          <a:srgbClr val="000000"/>
+                        </a:solidFill>
+                        <a:effectLst/>
+                        <a:latin typeface="Lexend" pitchFamily="2" charset="0"/>
+                      </a:endParaRPr>
+                    </a:p>
+                  </a:txBody>
+                  <a:tcPr marL="7620" marR="7620" marT="7620" marB="0" anchor="ctr"/>
+                </a:tc>
+                <a:extLst>
+                  <a:ext uri="{0D108BD9-81ED-4DB2-BD59-A6C34878D82A}">
+                    <a16:rowId xmlns:a16="http://schemas.microsoft.com/office/drawing/2014/main" val="909772147"/>
+                  </a:ext>
+                </a:extLst>
+              </a:tr>
+              <a:tr h="450796">
+                <a:tc>
+                  <a:txBody>
+                    <a:bodyPr/>
+                    <a:lstStyle/>
+                    <a:p>
+                      <a:pPr algn="ctr" fontAlgn="ctr"/>
+                      <a:r>
+                        <a:rPr lang="en-US" sz="1100" u="none" strike="noStrike" dirty="0">
+                          <a:effectLst/>
+                          <a:latin typeface="Lexend" pitchFamily="2" charset="0"/>
+                        </a:rPr>
+                        <a:t>Layer #3</a:t>
+                      </a:r>
+                      <a:endParaRPr lang="en-US" sz="1100" b="0" i="0" u="none" strike="noStrike" dirty="0">
+                        <a:solidFill>
+                          <a:srgbClr val="000000"/>
+                        </a:solidFill>
+                        <a:effectLst/>
+                        <a:latin typeface="Lexend" pitchFamily="2" charset="0"/>
+                      </a:endParaRPr>
+                    </a:p>
+                  </a:txBody>
+                  <a:tcPr marL="7620" marR="7620" marT="7620" marB="0" anchor="ctr"/>
+                </a:tc>
+                <a:tc>
+                  <a:txBody>
+                    <a:bodyPr/>
+                    <a:lstStyle/>
+                    <a:p>
+                      <a:pPr algn="ctr" fontAlgn="ctr"/>
+                      <a:r>
+                        <a:rPr lang="en-US" sz="1100" u="none" strike="noStrike">
+                          <a:effectLst/>
+                          <a:latin typeface="Lexend" pitchFamily="2" charset="0"/>
+                        </a:rPr>
+                        <a:t>MaxPooling</a:t>
+                      </a:r>
+                      <a:endParaRPr lang="en-US" sz="1100" b="0" i="0" u="none" strike="noStrike">
+                        <a:solidFill>
+                          <a:srgbClr val="000000"/>
+                        </a:solidFill>
+                        <a:effectLst/>
+                        <a:latin typeface="Lexend" pitchFamily="2" charset="0"/>
+                      </a:endParaRPr>
+                    </a:p>
+                  </a:txBody>
+                  <a:tcPr marL="7620" marR="7620" marT="7620" marB="0" anchor="ctr"/>
+                </a:tc>
+                <a:tc>
+                  <a:txBody>
+                    <a:bodyPr/>
+                    <a:lstStyle/>
+                    <a:p>
+                      <a:pPr algn="ctr" fontAlgn="ctr"/>
+                      <a:r>
+                        <a:rPr lang="en-US" sz="1100" u="none" strike="noStrike" dirty="0">
+                          <a:effectLst/>
+                          <a:latin typeface="Lexend" pitchFamily="2" charset="0"/>
+                        </a:rPr>
+                        <a:t>in: 7744, out: 6400</a:t>
+                      </a:r>
+                      <a:endParaRPr lang="en-US" sz="1100" b="0" i="0" u="none" strike="noStrike" dirty="0">
+                        <a:solidFill>
+                          <a:srgbClr val="000000"/>
+                        </a:solidFill>
+                        <a:effectLst/>
+                        <a:latin typeface="Lexend" pitchFamily="2" charset="0"/>
+                      </a:endParaRPr>
+                    </a:p>
+                  </a:txBody>
+                  <a:tcPr marL="7620" marR="7620" marT="7620" marB="0" anchor="ctr"/>
+                </a:tc>
+                <a:tc>
+                  <a:txBody>
+                    <a:bodyPr/>
+                    <a:lstStyle/>
+                    <a:p>
+                      <a:pPr algn="ctr" fontAlgn="ctr"/>
+                      <a:r>
+                        <a:rPr lang="en-US" sz="1100" u="none" strike="noStrike" dirty="0">
+                          <a:effectLst/>
+                          <a:latin typeface="Lexend" pitchFamily="2" charset="0"/>
+                        </a:rPr>
+                        <a:t>2.9995</a:t>
+                      </a:r>
+                      <a:endParaRPr lang="en-US" sz="1100" b="0" i="0" u="none" strike="noStrike" dirty="0">
+                        <a:solidFill>
+                          <a:srgbClr val="000000"/>
+                        </a:solidFill>
+                        <a:effectLst/>
+                        <a:latin typeface="Lexend" pitchFamily="2" charset="0"/>
+                      </a:endParaRPr>
+                    </a:p>
+                  </a:txBody>
+                  <a:tcPr marL="7620" marR="7620" marT="7620" marB="0" anchor="ctr"/>
+                </a:tc>
+                <a:tc>
+                  <a:txBody>
+                    <a:bodyPr/>
+                    <a:lstStyle/>
+                    <a:p>
+                      <a:pPr algn="ctr" fontAlgn="ctr"/>
+                      <a:r>
+                        <a:rPr lang="en-US" sz="1100" u="none" strike="noStrike" dirty="0">
+                          <a:effectLst/>
+                          <a:latin typeface="Lexend" pitchFamily="2" charset="0"/>
+                        </a:rPr>
+                        <a:t>59.5</a:t>
+                      </a:r>
+                      <a:endParaRPr lang="en-US" sz="1100" b="0" i="0" u="none" strike="noStrike" dirty="0">
+                        <a:solidFill>
+                          <a:srgbClr val="000000"/>
+                        </a:solidFill>
+                        <a:effectLst/>
+                        <a:latin typeface="Lexend" pitchFamily="2" charset="0"/>
+                      </a:endParaRPr>
+                    </a:p>
+                  </a:txBody>
+                  <a:tcPr marL="7620" marR="7620" marT="7620" marB="0" anchor="ctr"/>
+                </a:tc>
+                <a:tc>
+                  <a:txBody>
+                    <a:bodyPr/>
+                    <a:lstStyle/>
+                    <a:p>
+                      <a:pPr algn="ctr" fontAlgn="ctr"/>
+                      <a:r>
+                        <a:rPr lang="en-US" sz="1100" u="none" strike="noStrike" dirty="0">
+                          <a:effectLst/>
+                          <a:latin typeface="Lexend" pitchFamily="2" charset="0"/>
+                        </a:rPr>
+                        <a:t>0.14144</a:t>
+                      </a:r>
+                      <a:endParaRPr lang="en-US" sz="1100" b="0" i="0" u="none" strike="noStrike" dirty="0">
+                        <a:solidFill>
+                          <a:srgbClr val="000000"/>
+                        </a:solidFill>
+                        <a:effectLst/>
+                        <a:latin typeface="Lexend" pitchFamily="2" charset="0"/>
+                      </a:endParaRPr>
+                    </a:p>
+                  </a:txBody>
+                  <a:tcPr marL="7620" marR="7620" marT="7620" marB="0" anchor="ctr"/>
+                </a:tc>
+                <a:extLst>
+                  <a:ext uri="{0D108BD9-81ED-4DB2-BD59-A6C34878D82A}">
+                    <a16:rowId xmlns:a16="http://schemas.microsoft.com/office/drawing/2014/main" val="3757946613"/>
+                  </a:ext>
+                </a:extLst>
+              </a:tr>
+              <a:tr h="450796">
+                <a:tc>
+                  <a:txBody>
+                    <a:bodyPr/>
+                    <a:lstStyle/>
+                    <a:p>
+                      <a:pPr algn="ctr" fontAlgn="ctr"/>
+                      <a:r>
+                        <a:rPr lang="en-US" sz="1100" u="none" strike="noStrike" dirty="0">
+                          <a:effectLst/>
+                          <a:latin typeface="Lexend" pitchFamily="2" charset="0"/>
+                        </a:rPr>
+                        <a:t>Layer #4</a:t>
+                      </a:r>
+                      <a:endParaRPr lang="en-US" sz="1100" b="0" i="0" u="none" strike="noStrike" dirty="0">
+                        <a:solidFill>
+                          <a:srgbClr val="000000"/>
+                        </a:solidFill>
+                        <a:effectLst/>
+                        <a:latin typeface="Lexend" pitchFamily="2" charset="0"/>
+                      </a:endParaRPr>
+                    </a:p>
+                  </a:txBody>
+                  <a:tcPr marL="7620" marR="7620" marT="7620" marB="0" anchor="ctr"/>
+                </a:tc>
+                <a:tc>
+                  <a:txBody>
+                    <a:bodyPr/>
+                    <a:lstStyle/>
+                    <a:p>
+                      <a:pPr algn="ctr" fontAlgn="ctr"/>
+                      <a:r>
+                        <a:rPr lang="en-US" sz="1100" u="none" strike="noStrike">
+                          <a:effectLst/>
+                          <a:latin typeface="Lexend" pitchFamily="2" charset="0"/>
+                        </a:rPr>
+                        <a:t>Flatten</a:t>
+                      </a:r>
+                      <a:endParaRPr lang="en-US" sz="1100" b="0" i="0" u="none" strike="noStrike">
+                        <a:solidFill>
+                          <a:srgbClr val="000000"/>
+                        </a:solidFill>
+                        <a:effectLst/>
+                        <a:latin typeface="Lexend" pitchFamily="2" charset="0"/>
+                      </a:endParaRPr>
+                    </a:p>
+                  </a:txBody>
+                  <a:tcPr marL="7620" marR="7620" marT="7620" marB="0" anchor="ctr"/>
+                </a:tc>
+                <a:tc>
+                  <a:txBody>
+                    <a:bodyPr/>
+                    <a:lstStyle/>
+                    <a:p>
+                      <a:pPr algn="ctr" fontAlgn="ctr"/>
+                      <a:r>
+                        <a:rPr lang="en-US" sz="1100" u="none" strike="noStrike" dirty="0">
+                          <a:effectLst/>
+                          <a:latin typeface="Lexend" pitchFamily="2" charset="0"/>
+                        </a:rPr>
+                        <a:t>in: 1600, out: 1600</a:t>
+                      </a:r>
+                      <a:endParaRPr lang="en-US" sz="1100" b="0" i="0" u="none" strike="noStrike" dirty="0">
+                        <a:solidFill>
+                          <a:srgbClr val="000000"/>
+                        </a:solidFill>
+                        <a:effectLst/>
+                        <a:latin typeface="Lexend" pitchFamily="2" charset="0"/>
+                      </a:endParaRPr>
+                    </a:p>
+                  </a:txBody>
+                  <a:tcPr marL="7620" marR="7620" marT="7620" marB="0" anchor="ctr"/>
+                </a:tc>
+                <a:tc>
+                  <a:txBody>
+                    <a:bodyPr/>
+                    <a:lstStyle/>
+                    <a:p>
+                      <a:pPr algn="ctr" fontAlgn="ctr"/>
+                      <a:r>
+                        <a:rPr lang="en-US" sz="1100" u="none" strike="noStrike" dirty="0">
+                          <a:effectLst/>
+                          <a:latin typeface="Lexend" pitchFamily="2" charset="0"/>
+                        </a:rPr>
+                        <a:t>0</a:t>
+                      </a:r>
+                      <a:endParaRPr lang="en-US" sz="1100" b="0" i="0" u="none" strike="noStrike" dirty="0">
+                        <a:solidFill>
+                          <a:srgbClr val="000000"/>
+                        </a:solidFill>
+                        <a:effectLst/>
+                        <a:latin typeface="Lexend" pitchFamily="2" charset="0"/>
+                      </a:endParaRPr>
+                    </a:p>
+                  </a:txBody>
+                  <a:tcPr marL="7620" marR="7620" marT="7620" marB="0" anchor="ctr"/>
+                </a:tc>
+                <a:tc>
+                  <a:txBody>
+                    <a:bodyPr/>
+                    <a:lstStyle/>
+                    <a:p>
+                      <a:pPr algn="ctr" fontAlgn="ctr"/>
+                      <a:r>
+                        <a:rPr lang="en-US" sz="1100" u="none" strike="noStrike" dirty="0">
+                          <a:effectLst/>
+                          <a:latin typeface="Lexend" pitchFamily="2" charset="0"/>
+                        </a:rPr>
+                        <a:t>1.1</a:t>
+                      </a:r>
+                      <a:endParaRPr lang="en-US" sz="1100" b="0" i="0" u="none" strike="noStrike" dirty="0">
+                        <a:solidFill>
+                          <a:srgbClr val="000000"/>
+                        </a:solidFill>
+                        <a:effectLst/>
+                        <a:latin typeface="Lexend" pitchFamily="2" charset="0"/>
+                      </a:endParaRPr>
+                    </a:p>
+                  </a:txBody>
+                  <a:tcPr marL="7620" marR="7620" marT="7620" marB="0" anchor="ctr"/>
+                </a:tc>
+                <a:tc>
+                  <a:txBody>
+                    <a:bodyPr/>
+                    <a:lstStyle/>
+                    <a:p>
+                      <a:pPr algn="ctr" fontAlgn="ctr"/>
+                      <a:r>
+                        <a:rPr lang="en-US" sz="1100" u="none" strike="noStrike" dirty="0">
+                          <a:effectLst/>
+                          <a:latin typeface="Lexend" pitchFamily="2" charset="0"/>
+                        </a:rPr>
+                        <a:t>-</a:t>
+                      </a:r>
+                      <a:endParaRPr lang="en-US" sz="1100" b="0" i="0" u="none" strike="noStrike" dirty="0">
+                        <a:solidFill>
+                          <a:srgbClr val="000000"/>
+                        </a:solidFill>
+                        <a:effectLst/>
+                        <a:latin typeface="Lexend" pitchFamily="2" charset="0"/>
+                      </a:endParaRPr>
+                    </a:p>
+                  </a:txBody>
+                  <a:tcPr marL="7620" marR="7620" marT="7620" marB="0" anchor="ctr"/>
+                </a:tc>
+                <a:extLst>
+                  <a:ext uri="{0D108BD9-81ED-4DB2-BD59-A6C34878D82A}">
+                    <a16:rowId xmlns:a16="http://schemas.microsoft.com/office/drawing/2014/main" val="1258181899"/>
+                  </a:ext>
+                </a:extLst>
+              </a:tr>
+              <a:tr h="450796">
+                <a:tc>
+                  <a:txBody>
+                    <a:bodyPr/>
+                    <a:lstStyle/>
+                    <a:p>
+                      <a:pPr algn="ctr" fontAlgn="ctr"/>
+                      <a:r>
+                        <a:rPr lang="en-US" sz="1100" u="none" strike="noStrike" dirty="0">
+                          <a:effectLst/>
+                          <a:latin typeface="Lexend" pitchFamily="2" charset="0"/>
+                        </a:rPr>
+                        <a:t>Layer #5</a:t>
+                      </a:r>
+                      <a:endParaRPr lang="en-US" sz="1100" b="0" i="0" u="none" strike="noStrike" dirty="0">
+                        <a:solidFill>
+                          <a:srgbClr val="000000"/>
+                        </a:solidFill>
+                        <a:effectLst/>
+                        <a:latin typeface="Lexend" pitchFamily="2" charset="0"/>
+                      </a:endParaRPr>
+                    </a:p>
+                  </a:txBody>
+                  <a:tcPr marL="7620" marR="7620" marT="7620" marB="0" anchor="ctr"/>
+                </a:tc>
+                <a:tc>
+                  <a:txBody>
+                    <a:bodyPr/>
+                    <a:lstStyle/>
+                    <a:p>
+                      <a:pPr algn="ctr" fontAlgn="ctr"/>
+                      <a:r>
+                        <a:rPr lang="en-US" sz="1100" u="none" strike="noStrike" dirty="0">
+                          <a:effectLst/>
+                          <a:latin typeface="Lexend" pitchFamily="2" charset="0"/>
+                        </a:rPr>
+                        <a:t>Dense</a:t>
+                      </a:r>
+                      <a:endParaRPr lang="en-US" sz="1100" b="0" i="0" u="none" strike="noStrike" dirty="0">
+                        <a:solidFill>
+                          <a:srgbClr val="000000"/>
+                        </a:solidFill>
+                        <a:effectLst/>
+                        <a:latin typeface="Lexend" pitchFamily="2" charset="0"/>
+                      </a:endParaRPr>
+                    </a:p>
+                  </a:txBody>
+                  <a:tcPr marL="7620" marR="7620" marT="7620" marB="0" anchor="ctr"/>
+                </a:tc>
+                <a:tc>
+                  <a:txBody>
+                    <a:bodyPr/>
+                    <a:lstStyle/>
+                    <a:p>
+                      <a:pPr algn="ctr" fontAlgn="ctr"/>
+                      <a:r>
+                        <a:rPr lang="en-US" sz="1100" u="none" strike="noStrike" dirty="0">
+                          <a:effectLst/>
+                          <a:latin typeface="Lexend" pitchFamily="2" charset="0"/>
+                        </a:rPr>
+                        <a:t>in: 1600, out: 10</a:t>
+                      </a:r>
+                      <a:endParaRPr lang="en-US" sz="1100" b="0" i="0" u="none" strike="noStrike" dirty="0">
+                        <a:solidFill>
+                          <a:srgbClr val="000000"/>
+                        </a:solidFill>
+                        <a:effectLst/>
+                        <a:latin typeface="Lexend" pitchFamily="2" charset="0"/>
+                      </a:endParaRPr>
+                    </a:p>
+                  </a:txBody>
+                  <a:tcPr marL="7620" marR="7620" marT="7620" marB="0" anchor="ctr"/>
+                </a:tc>
+                <a:tc>
+                  <a:txBody>
+                    <a:bodyPr/>
+                    <a:lstStyle/>
+                    <a:p>
+                      <a:pPr algn="ctr" fontAlgn="ctr"/>
+                      <a:r>
+                        <a:rPr lang="en-US" sz="1100" u="none" strike="noStrike" dirty="0">
+                          <a:effectLst/>
+                          <a:latin typeface="Lexend" pitchFamily="2" charset="0"/>
+                        </a:rPr>
+                        <a:t>5.0367</a:t>
+                      </a:r>
+                      <a:endParaRPr lang="en-US" sz="1100" b="0" i="0" u="none" strike="noStrike" dirty="0">
+                        <a:solidFill>
+                          <a:srgbClr val="000000"/>
+                        </a:solidFill>
+                        <a:effectLst/>
+                        <a:latin typeface="Lexend" pitchFamily="2" charset="0"/>
+                      </a:endParaRPr>
+                    </a:p>
+                  </a:txBody>
+                  <a:tcPr marL="7620" marR="7620" marT="7620" marB="0" anchor="ctr"/>
+                </a:tc>
+                <a:tc>
+                  <a:txBody>
+                    <a:bodyPr/>
+                    <a:lstStyle/>
+                    <a:p>
+                      <a:pPr algn="ctr" fontAlgn="ctr"/>
+                      <a:r>
+                        <a:rPr lang="en-US" sz="1100" u="none" strike="noStrike" dirty="0">
+                          <a:effectLst/>
+                          <a:latin typeface="Lexend" pitchFamily="2" charset="0"/>
+                        </a:rPr>
+                        <a:t>88.8</a:t>
+                      </a:r>
+                      <a:endParaRPr lang="en-US" sz="1100" b="0" i="0" u="none" strike="noStrike" dirty="0">
+                        <a:solidFill>
+                          <a:srgbClr val="000000"/>
+                        </a:solidFill>
+                        <a:effectLst/>
+                        <a:latin typeface="Lexend" pitchFamily="2" charset="0"/>
+                      </a:endParaRPr>
+                    </a:p>
+                  </a:txBody>
+                  <a:tcPr marL="7620" marR="7620" marT="7620" marB="0" anchor="ctr"/>
+                </a:tc>
+                <a:tc>
+                  <a:txBody>
+                    <a:bodyPr/>
+                    <a:lstStyle/>
+                    <a:p>
+                      <a:pPr algn="ctr" fontAlgn="ctr"/>
+                      <a:r>
+                        <a:rPr lang="en-US" sz="1100" u="none" strike="noStrike" dirty="0">
+                          <a:effectLst/>
+                          <a:latin typeface="Lexend" pitchFamily="2" charset="0"/>
+                        </a:rPr>
+                        <a:t>0.176</a:t>
+                      </a:r>
+                      <a:endParaRPr lang="en-US" sz="1100" b="0" i="0" u="none" strike="noStrike" dirty="0">
+                        <a:solidFill>
+                          <a:srgbClr val="000000"/>
+                        </a:solidFill>
+                        <a:effectLst/>
+                        <a:latin typeface="Lexend" pitchFamily="2" charset="0"/>
+                      </a:endParaRPr>
+                    </a:p>
+                  </a:txBody>
+                  <a:tcPr marL="7620" marR="7620" marT="7620" marB="0" anchor="ctr"/>
+                </a:tc>
+                <a:extLst>
+                  <a:ext uri="{0D108BD9-81ED-4DB2-BD59-A6C34878D82A}">
+                    <a16:rowId xmlns:a16="http://schemas.microsoft.com/office/drawing/2014/main" val="3263762435"/>
+                  </a:ext>
+                </a:extLst>
+              </a:tr>
+              <a:tr h="450796">
+                <a:tc>
+                  <a:txBody>
+                    <a:bodyPr/>
+                    <a:lstStyle/>
+                    <a:p>
+                      <a:pPr algn="ctr" fontAlgn="ctr"/>
+                      <a:r>
+                        <a:rPr lang="en-US" sz="1100" u="none" strike="noStrike" dirty="0">
+                          <a:effectLst/>
+                          <a:latin typeface="Lexend" pitchFamily="2" charset="0"/>
+                        </a:rPr>
+                        <a:t>Layer #5 activation</a:t>
+                      </a:r>
+                      <a:endParaRPr lang="en-US" sz="1100" b="0" i="0" u="none" strike="noStrike" dirty="0">
+                        <a:solidFill>
+                          <a:srgbClr val="000000"/>
+                        </a:solidFill>
+                        <a:effectLst/>
+                        <a:latin typeface="Lexend" pitchFamily="2" charset="0"/>
+                      </a:endParaRPr>
+                    </a:p>
+                  </a:txBody>
+                  <a:tcPr marL="7620" marR="7620" marT="7620" marB="0" anchor="ctr"/>
+                </a:tc>
+                <a:tc>
+                  <a:txBody>
+                    <a:bodyPr/>
+                    <a:lstStyle/>
+                    <a:p>
+                      <a:pPr algn="ctr" fontAlgn="ctr"/>
+                      <a:r>
+                        <a:rPr lang="en-US" sz="1100" u="none" strike="noStrike">
+                          <a:effectLst/>
+                          <a:latin typeface="Lexend" pitchFamily="2" charset="0"/>
+                        </a:rPr>
+                        <a:t>Softmax</a:t>
+                      </a:r>
+                      <a:endParaRPr lang="en-US" sz="1100" b="0" i="0" u="none" strike="noStrike">
+                        <a:solidFill>
+                          <a:srgbClr val="000000"/>
+                        </a:solidFill>
+                        <a:effectLst/>
+                        <a:latin typeface="Lexend" pitchFamily="2" charset="0"/>
+                      </a:endParaRPr>
+                    </a:p>
+                  </a:txBody>
+                  <a:tcPr marL="7620" marR="7620" marT="7620" marB="0" anchor="ctr"/>
+                </a:tc>
+                <a:tc>
+                  <a:txBody>
+                    <a:bodyPr/>
+                    <a:lstStyle/>
+                    <a:p>
+                      <a:pPr algn="ctr" fontAlgn="ctr"/>
+                      <a:r>
+                        <a:rPr lang="en-US" sz="1100" u="none" strike="noStrike" dirty="0">
+                          <a:effectLst/>
+                          <a:latin typeface="Lexend" pitchFamily="2" charset="0"/>
+                        </a:rPr>
+                        <a:t>in: 10: out: 10 </a:t>
+                      </a:r>
+                      <a:endParaRPr lang="en-US" sz="1100" b="0" i="0" u="none" strike="noStrike" dirty="0">
+                        <a:solidFill>
+                          <a:srgbClr val="000000"/>
+                        </a:solidFill>
+                        <a:effectLst/>
+                        <a:latin typeface="Lexend" pitchFamily="2" charset="0"/>
+                      </a:endParaRPr>
+                    </a:p>
+                  </a:txBody>
+                  <a:tcPr marL="7620" marR="7620" marT="7620" marB="0" anchor="ctr"/>
+                </a:tc>
+                <a:tc>
+                  <a:txBody>
+                    <a:bodyPr/>
+                    <a:lstStyle/>
+                    <a:p>
+                      <a:pPr algn="ctr" fontAlgn="ctr"/>
+                      <a:r>
+                        <a:rPr lang="en-US" sz="1100" u="none" strike="noStrike" dirty="0">
+                          <a:effectLst/>
+                          <a:latin typeface="Lexend" pitchFamily="2" charset="0"/>
+                        </a:rPr>
+                        <a:t>0 </a:t>
+                      </a:r>
+                      <a:endParaRPr lang="en-US" sz="1100" b="0" i="0" u="none" strike="noStrike" dirty="0">
+                        <a:solidFill>
+                          <a:srgbClr val="000000"/>
+                        </a:solidFill>
+                        <a:effectLst/>
+                        <a:latin typeface="Lexend" pitchFamily="2" charset="0"/>
+                      </a:endParaRPr>
+                    </a:p>
+                  </a:txBody>
+                  <a:tcPr marL="7620" marR="7620" marT="7620" marB="0" anchor="ctr"/>
+                </a:tc>
+                <a:tc>
+                  <a:txBody>
+                    <a:bodyPr/>
+                    <a:lstStyle/>
+                    <a:p>
+                      <a:pPr algn="ctr" fontAlgn="ctr"/>
+                      <a:r>
+                        <a:rPr lang="en-US" sz="1100" u="none" strike="noStrike" dirty="0">
+                          <a:effectLst/>
+                          <a:latin typeface="Lexend" pitchFamily="2" charset="0"/>
+                        </a:rPr>
+                        <a:t>0.1</a:t>
+                      </a:r>
+                      <a:endParaRPr lang="en-US" sz="1100" b="0" i="0" u="none" strike="noStrike" dirty="0">
+                        <a:solidFill>
+                          <a:srgbClr val="000000"/>
+                        </a:solidFill>
+                        <a:effectLst/>
+                        <a:latin typeface="Lexend" pitchFamily="2" charset="0"/>
+                      </a:endParaRPr>
+                    </a:p>
+                  </a:txBody>
+                  <a:tcPr marL="7620" marR="7620" marT="7620" marB="0" anchor="ctr"/>
+                </a:tc>
+                <a:tc>
+                  <a:txBody>
+                    <a:bodyPr/>
+                    <a:lstStyle/>
+                    <a:p>
+                      <a:pPr algn="ctr" fontAlgn="ctr"/>
+                      <a:r>
+                        <a:rPr lang="en-US" sz="1100" u="none" strike="noStrike" dirty="0">
+                          <a:effectLst/>
+                          <a:latin typeface="Lexend" pitchFamily="2" charset="0"/>
+                        </a:rPr>
+                        <a:t>0.005 </a:t>
+                      </a:r>
+                      <a:endParaRPr lang="en-US" sz="1100" b="0" i="0" u="none" strike="noStrike" dirty="0">
+                        <a:solidFill>
+                          <a:srgbClr val="000000"/>
+                        </a:solidFill>
+                        <a:effectLst/>
+                        <a:latin typeface="Lexend" pitchFamily="2" charset="0"/>
+                      </a:endParaRPr>
+                    </a:p>
+                  </a:txBody>
+                  <a:tcPr marL="7620" marR="7620" marT="7620" marB="0" anchor="ctr"/>
+                </a:tc>
+                <a:extLst>
+                  <a:ext uri="{0D108BD9-81ED-4DB2-BD59-A6C34878D82A}">
+                    <a16:rowId xmlns:a16="http://schemas.microsoft.com/office/drawing/2014/main" val="2054761215"/>
+                  </a:ext>
+                </a:extLst>
+              </a:tr>
+            </a:tbl>
+          </a:graphicData>
+        </a:graphic>
+      </p:graphicFrame>
     </p:spTree>
   </p:cSld>
   <p:clrMapOvr>

--- a/Docs/Poster.pptx
+++ b/Docs/Poster.pptx
@@ -2729,7 +2729,7 @@
           <a:graphicData uri="http://schemas.openxmlformats.org/presentationml/2006/ole">
             <mc:AlternateContent xmlns:mc="http://schemas.openxmlformats.org/markup-compatibility/2006">
               <mc:Choice xmlns:v="urn:schemas-microsoft-com:vml" Requires="v">
-                <p:oleObj spid="_x0000_s1068" name="CorelDRAW" r:id="rId15" imgW="8833104" imgH="310896" progId="CorelDraw.Graphic.15">
+                <p:oleObj spid="_x0000_s1090" name="CorelDRAW" r:id="rId15" imgW="8833104" imgH="310896" progId="CorelDraw.Graphic.15">
                   <p:embed/>
                 </p:oleObj>
               </mc:Choice>
@@ -5929,7 +5929,7 @@
         <p:spPr bwMode="auto">
           <a:xfrm>
             <a:off x="11342485" y="14673970"/>
-            <a:ext cx="9079115" cy="3303804"/>
+            <a:ext cx="9079115" cy="3950134"/>
           </a:xfrm>
           <a:prstGeom prst="rect">
             <a:avLst/>
@@ -6073,35 +6073,35 @@
           <a:p>
             <a:pPr algn="just" rtl="1"/>
             <a:r>
-              <a:rPr lang="fa-IR" altLang="en-US" sz="1800" dirty="0">
+              <a:rPr lang="fa-IR" altLang="en-US" sz="2000" dirty="0">
                 <a:latin typeface="Times New Roman" pitchFamily="18" charset="0"/>
                 <a:cs typeface="B Nazanin" panose="00000400000000000000" pitchFamily="2" charset="-78"/>
               </a:rPr>
               <a:t>برای بررسی توانایی برد </a:t>
             </a:r>
             <a:r>
-              <a:rPr lang="en-US" altLang="en-US" sz="1600" dirty="0">
+              <a:rPr lang="en-US" altLang="en-US" sz="1800" dirty="0">
                 <a:latin typeface="Times New Roman" pitchFamily="18" charset="0"/>
                 <a:cs typeface="B Nazanin" panose="00000400000000000000" pitchFamily="2" charset="-78"/>
               </a:rPr>
               <a:t>PYNQ-Z2</a:t>
             </a:r>
             <a:r>
-              <a:rPr lang="fa-IR" altLang="en-US" sz="1800" dirty="0">
+              <a:rPr lang="fa-IR" altLang="en-US" sz="2000" dirty="0">
                 <a:latin typeface="Times New Roman" pitchFamily="18" charset="0"/>
                 <a:cs typeface="B Nazanin" panose="00000400000000000000" pitchFamily="2" charset="-78"/>
               </a:rPr>
               <a:t> در بهبود سرعت تشخیص اعداد، دو مدل متداول هوش مصنوعی مورد آزمایش قرار گرفت، که به اختصار شرح داده </a:t>
             </a:r>
             <a:r>
-              <a:rPr lang="fa-IR" altLang="en-US" sz="1800" dirty="0" err="1">
+              <a:rPr lang="fa-IR" altLang="en-US" sz="2000" dirty="0" err="1">
                 <a:latin typeface="Times New Roman" pitchFamily="18" charset="0"/>
                 <a:cs typeface="B Nazanin" panose="00000400000000000000" pitchFamily="2" charset="-78"/>
               </a:rPr>
               <a:t>شده‌اند</a:t>
             </a:r>
             <a:r>
-              <a:rPr lang="fa-IR" altLang="en-US" sz="1800" dirty="0">
+              <a:rPr lang="fa-IR" altLang="en-US" sz="2000" dirty="0">
                 <a:latin typeface="Times New Roman" pitchFamily="18" charset="0"/>
                 <a:cs typeface="B Nazanin" panose="00000400000000000000" pitchFamily="2" charset="-78"/>
               </a:rPr>
@@ -6114,7 +6114,7 @@
               <a:buChar char="v"/>
             </a:pPr>
             <a:r>
-              <a:rPr lang="en-US" altLang="en-US" sz="1600" dirty="0">
+              <a:rPr lang="en-US" altLang="en-US" sz="1800" dirty="0">
                 <a:latin typeface="Times New Roman" pitchFamily="18" charset="0"/>
                 <a:cs typeface="B Nazanin" panose="00000400000000000000" pitchFamily="2" charset="-78"/>
               </a:rPr>
@@ -6127,13 +6127,13 @@
               <a:buChar char="v"/>
             </a:pPr>
             <a:r>
-              <a:rPr lang="en-US" altLang="en-US" sz="1600" dirty="0">
+              <a:rPr lang="en-US" altLang="en-US" sz="1800" dirty="0">
                 <a:latin typeface="Times New Roman" pitchFamily="18" charset="0"/>
                 <a:cs typeface="B Nazanin" panose="00000400000000000000" pitchFamily="2" charset="-78"/>
               </a:rPr>
               <a:t>Convolutional Neural Network (CNN)</a:t>
             </a:r>
-            <a:endParaRPr lang="fa-IR" altLang="en-US" sz="1800" dirty="0">
+            <a:endParaRPr lang="fa-IR" altLang="en-US" sz="2000" dirty="0">
               <a:latin typeface="Times New Roman" pitchFamily="18" charset="0"/>
               <a:cs typeface="B Nazanin" panose="00000400000000000000" pitchFamily="2" charset="-78"/>
             </a:endParaRPr>
@@ -6141,35 +6141,35 @@
           <a:p>
             <a:pPr algn="just" rtl="1"/>
             <a:r>
-              <a:rPr lang="fa-IR" altLang="en-US" sz="1800" dirty="0">
+              <a:rPr lang="fa-IR" altLang="en-US" sz="2000" dirty="0">
                 <a:latin typeface="Times New Roman" pitchFamily="18" charset="0"/>
                 <a:cs typeface="B Nazanin" panose="00000400000000000000" pitchFamily="2" charset="-78"/>
               </a:rPr>
               <a:t>تعداد </a:t>
             </a:r>
             <a:r>
-              <a:rPr lang="fa-IR" altLang="en-US" sz="1800" dirty="0" err="1">
+              <a:rPr lang="fa-IR" altLang="en-US" sz="2000" dirty="0" err="1">
                 <a:latin typeface="Times New Roman" pitchFamily="18" charset="0"/>
                 <a:cs typeface="B Nazanin" panose="00000400000000000000" pitchFamily="2" charset="-78"/>
               </a:rPr>
               <a:t>لایه‌ها</a:t>
             </a:r>
             <a:r>
-              <a:rPr lang="fa-IR" altLang="en-US" sz="1800" dirty="0">
+              <a:rPr lang="fa-IR" altLang="en-US" sz="2000" dirty="0">
                 <a:latin typeface="Times New Roman" pitchFamily="18" charset="0"/>
                 <a:cs typeface="B Nazanin" panose="00000400000000000000" pitchFamily="2" charset="-78"/>
               </a:rPr>
               <a:t> و </a:t>
             </a:r>
             <a:r>
-              <a:rPr lang="fa-IR" altLang="en-US" sz="1800" dirty="0" err="1">
+              <a:rPr lang="fa-IR" altLang="en-US" sz="2000" dirty="0" err="1">
                 <a:latin typeface="Times New Roman" pitchFamily="18" charset="0"/>
                 <a:cs typeface="B Nazanin" panose="00000400000000000000" pitchFamily="2" charset="-78"/>
               </a:rPr>
               <a:t>نورون‌های</a:t>
             </a:r>
             <a:r>
-              <a:rPr lang="fa-IR" altLang="en-US" sz="1800" dirty="0">
+              <a:rPr lang="fa-IR" altLang="en-US" sz="2000" dirty="0">
                 <a:latin typeface="Times New Roman" pitchFamily="18" charset="0"/>
                 <a:cs typeface="B Nazanin" panose="00000400000000000000" pitchFamily="2" charset="-78"/>
               </a:rPr>
@@ -6183,105 +6183,105 @@
               <a:t>MLP</a:t>
             </a:r>
             <a:r>
-              <a:rPr lang="fa-IR" altLang="en-US" sz="1800" dirty="0">
+              <a:rPr lang="fa-IR" altLang="en-US" sz="2000" dirty="0">
                 <a:latin typeface="Times New Roman" pitchFamily="18" charset="0"/>
                 <a:cs typeface="B Nazanin" panose="00000400000000000000" pitchFamily="2" charset="-78"/>
               </a:rPr>
               <a:t> بررسی شد. در بهترین حالت، مدل مورد بررسی به دقت </a:t>
             </a:r>
             <a:r>
-              <a:rPr lang="en-US" altLang="en-US" sz="1600" dirty="0">
+              <a:rPr lang="en-US" altLang="en-US" sz="1800" dirty="0">
                 <a:latin typeface="Times New Roman" pitchFamily="18" charset="0"/>
                 <a:cs typeface="B Nazanin" panose="00000400000000000000" pitchFamily="2" charset="-78"/>
               </a:rPr>
               <a:t>97.36%</a:t>
             </a:r>
             <a:r>
-              <a:rPr lang="fa-IR" altLang="en-US" sz="1800" dirty="0">
+              <a:rPr lang="fa-IR" altLang="en-US" sz="2000" dirty="0">
                 <a:latin typeface="Times New Roman" pitchFamily="18" charset="0"/>
                 <a:cs typeface="B Nazanin" panose="00000400000000000000" pitchFamily="2" charset="-78"/>
               </a:rPr>
               <a:t> بر روی </a:t>
             </a:r>
             <a:r>
-              <a:rPr lang="fa-IR" altLang="en-US" sz="1800" dirty="0" err="1">
+              <a:rPr lang="fa-IR" altLang="en-US" sz="2000" dirty="0" err="1">
                 <a:latin typeface="Times New Roman" pitchFamily="18" charset="0"/>
                 <a:cs typeface="B Nazanin" panose="00000400000000000000" pitchFamily="2" charset="-78"/>
               </a:rPr>
               <a:t>داده‌های</a:t>
             </a:r>
             <a:r>
-              <a:rPr lang="fa-IR" altLang="en-US" sz="1800" dirty="0">
+              <a:rPr lang="fa-IR" altLang="en-US" sz="2000" dirty="0">
                 <a:latin typeface="Times New Roman" pitchFamily="18" charset="0"/>
                 <a:cs typeface="B Nazanin" panose="00000400000000000000" pitchFamily="2" charset="-78"/>
               </a:rPr>
               <a:t> </a:t>
             </a:r>
             <a:r>
-              <a:rPr lang="en-US" altLang="en-US" sz="1600" dirty="0">
+              <a:rPr lang="en-US" altLang="en-US" sz="1800" dirty="0">
                 <a:latin typeface="Times New Roman" pitchFamily="18" charset="0"/>
                 <a:cs typeface="B Nazanin" panose="00000400000000000000" pitchFamily="2" charset="-78"/>
               </a:rPr>
               <a:t>training</a:t>
             </a:r>
             <a:r>
-              <a:rPr lang="fa-IR" altLang="en-US" sz="1800" dirty="0">
+              <a:rPr lang="fa-IR" altLang="en-US" sz="2000" dirty="0">
                 <a:latin typeface="Times New Roman" pitchFamily="18" charset="0"/>
                 <a:cs typeface="B Nazanin" panose="00000400000000000000" pitchFamily="2" charset="-78"/>
               </a:rPr>
               <a:t> رسید، در حالی که مشاهده شد بر روی </a:t>
             </a:r>
             <a:r>
-              <a:rPr lang="fa-IR" altLang="en-US" sz="1800" dirty="0" err="1">
+              <a:rPr lang="fa-IR" altLang="en-US" sz="2000" dirty="0" err="1">
                 <a:latin typeface="Times New Roman" pitchFamily="18" charset="0"/>
                 <a:cs typeface="B Nazanin" panose="00000400000000000000" pitchFamily="2" charset="-78"/>
               </a:rPr>
               <a:t>داده‌های</a:t>
             </a:r>
             <a:r>
-              <a:rPr lang="fa-IR" altLang="en-US" sz="1800" dirty="0">
+              <a:rPr lang="fa-IR" altLang="en-US" sz="2000" dirty="0">
                 <a:latin typeface="Times New Roman" pitchFamily="18" charset="0"/>
                 <a:cs typeface="B Nazanin" panose="00000400000000000000" pitchFamily="2" charset="-78"/>
               </a:rPr>
               <a:t> </a:t>
             </a:r>
             <a:r>
-              <a:rPr lang="en-US" altLang="en-US" sz="1600" dirty="0">
+              <a:rPr lang="en-US" altLang="en-US" sz="1800" dirty="0">
                 <a:latin typeface="Times New Roman" pitchFamily="18" charset="0"/>
                 <a:cs typeface="B Nazanin" panose="00000400000000000000" pitchFamily="2" charset="-78"/>
               </a:rPr>
               <a:t>test</a:t>
             </a:r>
             <a:r>
-              <a:rPr lang="fa-IR" altLang="en-US" sz="1800" dirty="0">
+              <a:rPr lang="fa-IR" altLang="en-US" sz="2000" dirty="0">
                 <a:latin typeface="Times New Roman" pitchFamily="18" charset="0"/>
                 <a:cs typeface="B Nazanin" panose="00000400000000000000" pitchFamily="2" charset="-78"/>
               </a:rPr>
               <a:t> عملکرد خوبی ندارد، که </a:t>
             </a:r>
             <a:r>
-              <a:rPr lang="fa-IR" altLang="en-US" sz="1800" dirty="0" err="1">
+              <a:rPr lang="fa-IR" altLang="en-US" sz="2000" dirty="0" err="1">
                 <a:latin typeface="Times New Roman" pitchFamily="18" charset="0"/>
                 <a:cs typeface="B Nazanin" panose="00000400000000000000" pitchFamily="2" charset="-78"/>
               </a:rPr>
               <a:t>می‌تواند</a:t>
             </a:r>
             <a:r>
-              <a:rPr lang="fa-IR" altLang="en-US" sz="1800" dirty="0">
+              <a:rPr lang="fa-IR" altLang="en-US" sz="2000" dirty="0">
                 <a:latin typeface="Times New Roman" pitchFamily="18" charset="0"/>
                 <a:cs typeface="B Nazanin" panose="00000400000000000000" pitchFamily="2" charset="-78"/>
               </a:rPr>
               <a:t> نشانه </a:t>
             </a:r>
             <a:r>
-              <a:rPr lang="en-US" altLang="en-US" sz="1600" dirty="0">
+              <a:rPr lang="en-US" altLang="en-US" sz="1800" dirty="0">
                 <a:latin typeface="Times New Roman" pitchFamily="18" charset="0"/>
                 <a:cs typeface="B Nazanin" panose="00000400000000000000" pitchFamily="2" charset="-78"/>
               </a:rPr>
               <a:t>overfitting</a:t>
             </a:r>
             <a:r>
-              <a:rPr lang="fa-IR" altLang="en-US" sz="1800" dirty="0">
+              <a:rPr lang="fa-IR" altLang="en-US" sz="2000" dirty="0">
                 <a:latin typeface="Times New Roman" pitchFamily="18" charset="0"/>
                 <a:cs typeface="B Nazanin" panose="00000400000000000000" pitchFamily="2" charset="-78"/>
               </a:rPr>
@@ -6291,21 +6291,21 @@
           <a:p>
             <a:pPr algn="just" rtl="1"/>
             <a:r>
-              <a:rPr lang="fa-IR" altLang="en-US" sz="1800" dirty="0">
+              <a:rPr lang="fa-IR" altLang="en-US" sz="2000" dirty="0">
                 <a:latin typeface="Times New Roman" pitchFamily="18" charset="0"/>
                 <a:cs typeface="B Nazanin" panose="00000400000000000000" pitchFamily="2" charset="-78"/>
               </a:rPr>
               <a:t>با توجه به </a:t>
             </a:r>
             <a:r>
-              <a:rPr lang="fa-IR" altLang="en-US" sz="1800" dirty="0" err="1">
+              <a:rPr lang="fa-IR" altLang="en-US" sz="2000" dirty="0" err="1">
                 <a:latin typeface="Times New Roman" pitchFamily="18" charset="0"/>
                 <a:cs typeface="B Nazanin" panose="00000400000000000000" pitchFamily="2" charset="-78"/>
               </a:rPr>
               <a:t>تست‌ها</a:t>
             </a:r>
             <a:r>
-              <a:rPr lang="fa-IR" altLang="en-US" sz="1800" dirty="0">
+              <a:rPr lang="fa-IR" altLang="en-US" sz="2000" dirty="0">
                 <a:latin typeface="Times New Roman" pitchFamily="18" charset="0"/>
                 <a:cs typeface="B Nazanin" panose="00000400000000000000" pitchFamily="2" charset="-78"/>
               </a:rPr>
@@ -6319,21 +6319,21 @@
               <a:t>CNN</a:t>
             </a:r>
             <a:r>
-              <a:rPr lang="fa-IR" altLang="en-US" sz="1800" dirty="0">
+              <a:rPr lang="fa-IR" altLang="en-US" sz="2000" dirty="0">
                 <a:latin typeface="Times New Roman" pitchFamily="18" charset="0"/>
                 <a:cs typeface="B Nazanin" panose="00000400000000000000" pitchFamily="2" charset="-78"/>
               </a:rPr>
               <a:t>، این شبکه کاربرد، نتیجه و دقت بسیار بیشتری برای پردازش تصویر و تشخیص اعداد </a:t>
             </a:r>
             <a:r>
-              <a:rPr lang="fa-IR" altLang="en-US" sz="1800" dirty="0" err="1">
+              <a:rPr lang="fa-IR" altLang="en-US" sz="2000" dirty="0" err="1">
                 <a:latin typeface="Times New Roman" pitchFamily="18" charset="0"/>
                 <a:cs typeface="B Nazanin" panose="00000400000000000000" pitchFamily="2" charset="-78"/>
               </a:rPr>
               <a:t>دست‌نوشت</a:t>
             </a:r>
             <a:r>
-              <a:rPr lang="fa-IR" altLang="en-US" sz="1800" dirty="0">
+              <a:rPr lang="fa-IR" altLang="en-US" sz="2000" dirty="0">
                 <a:latin typeface="Times New Roman" pitchFamily="18" charset="0"/>
                 <a:cs typeface="B Nazanin" panose="00000400000000000000" pitchFamily="2" charset="-78"/>
               </a:rPr>
@@ -6347,21 +6347,21 @@
               <a:t>MNIST</a:t>
             </a:r>
             <a:r>
-              <a:rPr lang="fa-IR" altLang="en-US" sz="1800" dirty="0">
+              <a:rPr lang="fa-IR" altLang="en-US" sz="2000" dirty="0">
                 <a:latin typeface="Times New Roman" pitchFamily="18" charset="0"/>
                 <a:cs typeface="B Nazanin" panose="00000400000000000000" pitchFamily="2" charset="-78"/>
               </a:rPr>
               <a:t> داشتند و برای ادامه کار گزینه </a:t>
             </a:r>
             <a:r>
-              <a:rPr lang="fa-IR" altLang="en-US" sz="1800" dirty="0" err="1">
+              <a:rPr lang="fa-IR" altLang="en-US" sz="2000" dirty="0" err="1">
                 <a:latin typeface="Times New Roman" pitchFamily="18" charset="0"/>
                 <a:cs typeface="B Nazanin" panose="00000400000000000000" pitchFamily="2" charset="-78"/>
               </a:rPr>
               <a:t>مناسب‌تری</a:t>
             </a:r>
             <a:r>
-              <a:rPr lang="fa-IR" altLang="en-US" sz="1800" dirty="0">
+              <a:rPr lang="fa-IR" altLang="en-US" sz="2000" dirty="0">
                 <a:latin typeface="Times New Roman" pitchFamily="18" charset="0"/>
                 <a:cs typeface="B Nazanin" panose="00000400000000000000" pitchFamily="2" charset="-78"/>
               </a:rPr>
@@ -6371,196 +6371,203 @@
           <a:p>
             <a:pPr algn="just" rtl="1"/>
             <a:r>
+              <a:rPr lang="fa-IR" altLang="en-US" sz="2000" dirty="0">
+                <a:latin typeface="Times New Roman" pitchFamily="18" charset="0"/>
+                <a:cs typeface="B Nazanin" panose="00000400000000000000" pitchFamily="2" charset="-78"/>
+              </a:rPr>
+              <a:t>برای این پروژه، از یک </a:t>
+            </a:r>
+            <a:r>
+              <a:rPr lang="en-US" altLang="en-US" sz="1800" dirty="0">
+                <a:latin typeface="Times New Roman" pitchFamily="18" charset="0"/>
+                <a:cs typeface="B Nazanin" panose="00000400000000000000" pitchFamily="2" charset="-78"/>
+              </a:rPr>
+              <a:t>CNN</a:t>
+            </a:r>
+            <a:r>
+              <a:rPr lang="fa-IR" altLang="en-US" sz="2000" dirty="0">
+                <a:latin typeface="Times New Roman" pitchFamily="18" charset="0"/>
+                <a:cs typeface="B Nazanin" panose="00000400000000000000" pitchFamily="2" charset="-78"/>
+              </a:rPr>
+              <a:t> که دو بار بر روی ورودی عملیات </a:t>
+            </a:r>
+            <a:r>
+              <a:rPr lang="fa-IR" altLang="en-US" sz="2000" dirty="0" err="1">
+                <a:latin typeface="Times New Roman" pitchFamily="18" charset="0"/>
+                <a:cs typeface="B Nazanin" panose="00000400000000000000" pitchFamily="2" charset="-78"/>
+              </a:rPr>
+              <a:t>کانولوشن</a:t>
+            </a:r>
+            <a:r>
+              <a:rPr lang="fa-IR" altLang="en-US" sz="2000" dirty="0">
+                <a:latin typeface="Times New Roman" pitchFamily="18" charset="0"/>
+                <a:cs typeface="B Nazanin" panose="00000400000000000000" pitchFamily="2" charset="-78"/>
+              </a:rPr>
+              <a:t> و </a:t>
+            </a:r>
+            <a:r>
+              <a:rPr lang="en-US" altLang="en-US" sz="1800" dirty="0">
+                <a:latin typeface="Times New Roman" pitchFamily="18" charset="0"/>
+                <a:cs typeface="B Nazanin" panose="00000400000000000000" pitchFamily="2" charset="-78"/>
+              </a:rPr>
+              <a:t>max pooling</a:t>
+            </a:r>
+            <a:r>
               <a:rPr lang="fa-IR" altLang="en-US" sz="1800" dirty="0">
                 <a:latin typeface="Times New Roman" pitchFamily="18" charset="0"/>
                 <a:cs typeface="B Nazanin" panose="00000400000000000000" pitchFamily="2" charset="-78"/>
               </a:rPr>
-              <a:t>برای این پروژه، از یک </a:t>
-            </a:r>
-            <a:r>
-              <a:rPr lang="en-US" altLang="en-US" sz="1600" dirty="0">
-                <a:latin typeface="Times New Roman" pitchFamily="18" charset="0"/>
-                <a:cs typeface="B Nazanin" panose="00000400000000000000" pitchFamily="2" charset="-78"/>
-              </a:rPr>
-              <a:t>CNN</a:t>
+              <a:t> </a:t>
+            </a:r>
+            <a:r>
+              <a:rPr lang="fa-IR" altLang="en-US" sz="2000" dirty="0">
+                <a:latin typeface="Times New Roman" pitchFamily="18" charset="0"/>
+                <a:cs typeface="B Nazanin" panose="00000400000000000000" pitchFamily="2" charset="-78"/>
+              </a:rPr>
+              <a:t>انجام </a:t>
+            </a:r>
+            <a:r>
+              <a:rPr lang="fa-IR" altLang="en-US" sz="2000" dirty="0" err="1">
+                <a:latin typeface="Times New Roman" pitchFamily="18" charset="0"/>
+                <a:cs typeface="B Nazanin" panose="00000400000000000000" pitchFamily="2" charset="-78"/>
+              </a:rPr>
+              <a:t>می‌دهد</a:t>
+            </a:r>
+            <a:r>
+              <a:rPr lang="fa-IR" altLang="en-US" sz="2000" dirty="0">
+                <a:latin typeface="Times New Roman" pitchFamily="18" charset="0"/>
+                <a:cs typeface="B Nazanin" panose="00000400000000000000" pitchFamily="2" charset="-78"/>
+              </a:rPr>
+              <a:t>، و سپس یک </a:t>
+            </a:r>
+            <a:r>
+              <a:rPr lang="fa-IR" altLang="en-US" sz="2000" dirty="0" err="1">
+                <a:latin typeface="Times New Roman" pitchFamily="18" charset="0"/>
+                <a:cs typeface="B Nazanin" panose="00000400000000000000" pitchFamily="2" charset="-78"/>
+              </a:rPr>
+              <a:t>لایه‌ی</a:t>
+            </a:r>
+            <a:r>
+              <a:rPr lang="fa-IR" altLang="en-US" sz="2000" dirty="0">
+                <a:latin typeface="Times New Roman" pitchFamily="18" charset="0"/>
+                <a:cs typeface="B Nazanin" panose="00000400000000000000" pitchFamily="2" charset="-78"/>
+              </a:rPr>
+              <a:t> </a:t>
+            </a:r>
+            <a:r>
+              <a:rPr lang="en-US" altLang="en-US" sz="1800" dirty="0">
+                <a:latin typeface="Times New Roman" pitchFamily="18" charset="0"/>
+                <a:cs typeface="B Nazanin" panose="00000400000000000000" pitchFamily="2" charset="-78"/>
+              </a:rPr>
+              <a:t>dense</a:t>
+            </a:r>
+            <a:r>
+              <a:rPr lang="fa-IR" altLang="en-US" sz="2000" dirty="0">
+                <a:latin typeface="Times New Roman" pitchFamily="18" charset="0"/>
+                <a:cs typeface="B Nazanin" panose="00000400000000000000" pitchFamily="2" charset="-78"/>
+              </a:rPr>
+              <a:t> و بعد </a:t>
+            </a:r>
+            <a:r>
+              <a:rPr lang="en-US" altLang="en-US" sz="1800" dirty="0">
+                <a:latin typeface="Times New Roman" pitchFamily="18" charset="0"/>
+                <a:cs typeface="B Nazanin" panose="00000400000000000000" pitchFamily="2" charset="-78"/>
+              </a:rPr>
+              <a:t>SoftMax</a:t>
+            </a:r>
+            <a:r>
+              <a:rPr lang="fa-IR" altLang="en-US" sz="2000" dirty="0">
+                <a:latin typeface="Times New Roman" pitchFamily="18" charset="0"/>
+                <a:cs typeface="B Nazanin" panose="00000400000000000000" pitchFamily="2" charset="-78"/>
+              </a:rPr>
+              <a:t> روی آن اعمال </a:t>
+            </a:r>
+            <a:r>
+              <a:rPr lang="fa-IR" altLang="en-US" sz="2000" dirty="0" err="1">
+                <a:latin typeface="Times New Roman" pitchFamily="18" charset="0"/>
+                <a:cs typeface="B Nazanin" panose="00000400000000000000" pitchFamily="2" charset="-78"/>
+              </a:rPr>
+              <a:t>می‌کند</a:t>
+            </a:r>
+            <a:r>
+              <a:rPr lang="fa-IR" altLang="en-US" sz="2000" dirty="0">
+                <a:latin typeface="Times New Roman" pitchFamily="18" charset="0"/>
+                <a:cs typeface="B Nazanin" panose="00000400000000000000" pitchFamily="2" charset="-78"/>
+              </a:rPr>
+              <a:t>، استفاده شده است. این مدل پس از </a:t>
+            </a:r>
+            <a:r>
+              <a:rPr lang="en-US" altLang="en-US" sz="1800" dirty="0">
+                <a:latin typeface="Times New Roman" pitchFamily="18" charset="0"/>
+                <a:cs typeface="B Nazanin" panose="00000400000000000000" pitchFamily="2" charset="-78"/>
+              </a:rPr>
+              <a:t>train</a:t>
+            </a:r>
+            <a:r>
+              <a:rPr lang="fa-IR" altLang="en-US" sz="2000" dirty="0">
+                <a:latin typeface="Times New Roman" pitchFamily="18" charset="0"/>
+                <a:cs typeface="B Nazanin" panose="00000400000000000000" pitchFamily="2" charset="-78"/>
+              </a:rPr>
+              <a:t> شدن به دقت </a:t>
+            </a:r>
+            <a:r>
+              <a:rPr lang="en-US" altLang="en-US" sz="1800" dirty="0">
+                <a:latin typeface="Times New Roman" pitchFamily="18" charset="0"/>
+                <a:cs typeface="B Nazanin" panose="00000400000000000000" pitchFamily="2" charset="-78"/>
+              </a:rPr>
+              <a:t>99.08%</a:t>
             </a:r>
             <a:r>
               <a:rPr lang="fa-IR" altLang="en-US" sz="1800" dirty="0">
                 <a:latin typeface="Times New Roman" pitchFamily="18" charset="0"/>
                 <a:cs typeface="B Nazanin" panose="00000400000000000000" pitchFamily="2" charset="-78"/>
               </a:rPr>
-              <a:t> که دو بار بر روی ورودی عملیات </a:t>
-            </a:r>
-            <a:r>
-              <a:rPr lang="fa-IR" altLang="en-US" sz="1800" dirty="0" err="1">
-                <a:latin typeface="Times New Roman" pitchFamily="18" charset="0"/>
-                <a:cs typeface="B Nazanin" panose="00000400000000000000" pitchFamily="2" charset="-78"/>
-              </a:rPr>
-              <a:t>کانولوشن</a:t>
-            </a:r>
-            <a:r>
-              <a:rPr lang="fa-IR" altLang="en-US" sz="1800" dirty="0">
-                <a:latin typeface="Times New Roman" pitchFamily="18" charset="0"/>
-                <a:cs typeface="B Nazanin" panose="00000400000000000000" pitchFamily="2" charset="-78"/>
-              </a:rPr>
-              <a:t> و </a:t>
-            </a:r>
-            <a:r>
-              <a:rPr lang="en-US" altLang="en-US" sz="1600" dirty="0">
-                <a:latin typeface="Times New Roman" pitchFamily="18" charset="0"/>
-                <a:cs typeface="B Nazanin" panose="00000400000000000000" pitchFamily="2" charset="-78"/>
-              </a:rPr>
-              <a:t>max pooling</a:t>
-            </a:r>
-            <a:r>
-              <a:rPr lang="fa-IR" altLang="en-US" sz="1800" dirty="0">
-                <a:latin typeface="Times New Roman" pitchFamily="18" charset="0"/>
-                <a:cs typeface="B Nazanin" panose="00000400000000000000" pitchFamily="2" charset="-78"/>
-              </a:rPr>
-              <a:t> انجام </a:t>
-            </a:r>
-            <a:r>
-              <a:rPr lang="fa-IR" altLang="en-US" sz="1800" dirty="0" err="1">
-                <a:latin typeface="Times New Roman" pitchFamily="18" charset="0"/>
-                <a:cs typeface="B Nazanin" panose="00000400000000000000" pitchFamily="2" charset="-78"/>
-              </a:rPr>
-              <a:t>می‌دهد</a:t>
-            </a:r>
-            <a:r>
-              <a:rPr lang="fa-IR" altLang="en-US" sz="1800" dirty="0">
-                <a:latin typeface="Times New Roman" pitchFamily="18" charset="0"/>
-                <a:cs typeface="B Nazanin" panose="00000400000000000000" pitchFamily="2" charset="-78"/>
-              </a:rPr>
-              <a:t>، و سپس یک </a:t>
-            </a:r>
-            <a:r>
-              <a:rPr lang="fa-IR" altLang="en-US" sz="1800" dirty="0" err="1">
-                <a:latin typeface="Times New Roman" pitchFamily="18" charset="0"/>
-                <a:cs typeface="B Nazanin" panose="00000400000000000000" pitchFamily="2" charset="-78"/>
-              </a:rPr>
-              <a:t>لایه‌ی</a:t>
-            </a:r>
-            <a:r>
-              <a:rPr lang="fa-IR" altLang="en-US" sz="1800" dirty="0">
-                <a:latin typeface="Times New Roman" pitchFamily="18" charset="0"/>
-                <a:cs typeface="B Nazanin" panose="00000400000000000000" pitchFamily="2" charset="-78"/>
-              </a:rPr>
               <a:t> </a:t>
             </a:r>
             <a:r>
-              <a:rPr lang="en-US" altLang="en-US" sz="1600" dirty="0">
-                <a:latin typeface="Times New Roman" pitchFamily="18" charset="0"/>
-                <a:cs typeface="B Nazanin" panose="00000400000000000000" pitchFamily="2" charset="-78"/>
-              </a:rPr>
-              <a:t>dense</a:t>
-            </a:r>
-            <a:r>
-              <a:rPr lang="fa-IR" altLang="en-US" sz="1800" dirty="0">
-                <a:latin typeface="Times New Roman" pitchFamily="18" charset="0"/>
-                <a:cs typeface="B Nazanin" panose="00000400000000000000" pitchFamily="2" charset="-78"/>
-              </a:rPr>
-              <a:t> و بعد </a:t>
-            </a:r>
-            <a:r>
-              <a:rPr lang="en-US" altLang="en-US" sz="1600" dirty="0">
-                <a:latin typeface="Times New Roman" pitchFamily="18" charset="0"/>
-                <a:cs typeface="B Nazanin" panose="00000400000000000000" pitchFamily="2" charset="-78"/>
-              </a:rPr>
-              <a:t>SoftMax</a:t>
-            </a:r>
-            <a:r>
-              <a:rPr lang="fa-IR" altLang="en-US" sz="1800" dirty="0">
-                <a:latin typeface="Times New Roman" pitchFamily="18" charset="0"/>
-                <a:cs typeface="B Nazanin" panose="00000400000000000000" pitchFamily="2" charset="-78"/>
-              </a:rPr>
-              <a:t> روی آن اعمال </a:t>
-            </a:r>
-            <a:r>
-              <a:rPr lang="fa-IR" altLang="en-US" sz="1800" dirty="0" err="1">
-                <a:latin typeface="Times New Roman" pitchFamily="18" charset="0"/>
-                <a:cs typeface="B Nazanin" panose="00000400000000000000" pitchFamily="2" charset="-78"/>
-              </a:rPr>
-              <a:t>می‌کند</a:t>
-            </a:r>
-            <a:r>
-              <a:rPr lang="fa-IR" altLang="en-US" sz="1800" dirty="0">
-                <a:latin typeface="Times New Roman" pitchFamily="18" charset="0"/>
-                <a:cs typeface="B Nazanin" panose="00000400000000000000" pitchFamily="2" charset="-78"/>
-              </a:rPr>
-              <a:t>، استفاده شده است. این مدل پس از </a:t>
-            </a:r>
-            <a:r>
-              <a:rPr lang="en-US" altLang="en-US" sz="1600" dirty="0">
-                <a:latin typeface="Times New Roman" pitchFamily="18" charset="0"/>
-                <a:cs typeface="B Nazanin" panose="00000400000000000000" pitchFamily="2" charset="-78"/>
-              </a:rPr>
-              <a:t>train</a:t>
-            </a:r>
-            <a:r>
-              <a:rPr lang="fa-IR" altLang="en-US" sz="1800" dirty="0">
-                <a:latin typeface="Times New Roman" pitchFamily="18" charset="0"/>
-                <a:cs typeface="B Nazanin" panose="00000400000000000000" pitchFamily="2" charset="-78"/>
-              </a:rPr>
-              <a:t> شدن به دقت </a:t>
-            </a:r>
-            <a:r>
-              <a:rPr lang="en-US" altLang="en-US" sz="1600" dirty="0">
-                <a:latin typeface="Times New Roman" pitchFamily="18" charset="0"/>
-                <a:cs typeface="B Nazanin" panose="00000400000000000000" pitchFamily="2" charset="-78"/>
-              </a:rPr>
-              <a:t>99.08%</a:t>
-            </a:r>
-            <a:r>
-              <a:rPr lang="fa-IR" altLang="en-US" sz="1600" dirty="0">
+              <a:rPr lang="fa-IR" altLang="en-US" sz="2000" dirty="0">
+                <a:latin typeface="Times New Roman" pitchFamily="18" charset="0"/>
+                <a:cs typeface="B Nazanin" panose="00000400000000000000" pitchFamily="2" charset="-78"/>
+              </a:rPr>
+              <a:t>بر روی </a:t>
+            </a:r>
+            <a:r>
+              <a:rPr lang="fa-IR" altLang="en-US" sz="2000" dirty="0" err="1">
+                <a:latin typeface="Times New Roman" pitchFamily="18" charset="0"/>
+                <a:cs typeface="B Nazanin" panose="00000400000000000000" pitchFamily="2" charset="-78"/>
+              </a:rPr>
+              <a:t>داده‌ّای</a:t>
+            </a:r>
+            <a:r>
+              <a:rPr lang="fa-IR" altLang="en-US" sz="2000" dirty="0">
                 <a:latin typeface="Times New Roman" pitchFamily="18" charset="0"/>
                 <a:cs typeface="B Nazanin" panose="00000400000000000000" pitchFamily="2" charset="-78"/>
               </a:rPr>
               <a:t> </a:t>
             </a:r>
             <a:r>
-              <a:rPr lang="fa-IR" altLang="en-US" sz="1800" dirty="0">
-                <a:latin typeface="Times New Roman" pitchFamily="18" charset="0"/>
-                <a:cs typeface="B Nazanin" panose="00000400000000000000" pitchFamily="2" charset="-78"/>
-              </a:rPr>
-              <a:t>بر روی </a:t>
-            </a:r>
-            <a:r>
-              <a:rPr lang="fa-IR" altLang="en-US" sz="1800" dirty="0" err="1">
-                <a:latin typeface="Times New Roman" pitchFamily="18" charset="0"/>
-                <a:cs typeface="B Nazanin" panose="00000400000000000000" pitchFamily="2" charset="-78"/>
-              </a:rPr>
-              <a:t>داده‌ّای</a:t>
-            </a:r>
-            <a:r>
-              <a:rPr lang="fa-IR" altLang="en-US" sz="1800" dirty="0">
-                <a:latin typeface="Times New Roman" pitchFamily="18" charset="0"/>
-                <a:cs typeface="B Nazanin" panose="00000400000000000000" pitchFamily="2" charset="-78"/>
-              </a:rPr>
-              <a:t> </a:t>
-            </a:r>
-            <a:r>
-              <a:rPr lang="en-US" altLang="en-US" sz="1600" dirty="0">
+              <a:rPr lang="en-US" altLang="en-US" sz="1800" dirty="0">
                 <a:latin typeface="Times New Roman" pitchFamily="18" charset="0"/>
                 <a:cs typeface="B Nazanin" panose="00000400000000000000" pitchFamily="2" charset="-78"/>
               </a:rPr>
               <a:t>training</a:t>
             </a:r>
             <a:r>
-              <a:rPr lang="fa-IR" altLang="en-US" sz="1800" dirty="0">
+              <a:rPr lang="fa-IR" altLang="en-US" sz="2000" dirty="0">
                 <a:latin typeface="Times New Roman" pitchFamily="18" charset="0"/>
                 <a:cs typeface="B Nazanin" panose="00000400000000000000" pitchFamily="2" charset="-78"/>
               </a:rPr>
               <a:t> رسید، و در عمل نیز نتایج خیلی بهتری بر روی </a:t>
             </a:r>
             <a:r>
-              <a:rPr lang="fa-IR" altLang="en-US" sz="1800" dirty="0" err="1">
+              <a:rPr lang="fa-IR" altLang="en-US" sz="2000" dirty="0" err="1">
                 <a:latin typeface="Times New Roman" pitchFamily="18" charset="0"/>
                 <a:cs typeface="B Nazanin" panose="00000400000000000000" pitchFamily="2" charset="-78"/>
               </a:rPr>
               <a:t>داده‌های</a:t>
             </a:r>
             <a:r>
-              <a:rPr lang="fa-IR" altLang="en-US" sz="1800" dirty="0">
+              <a:rPr lang="fa-IR" altLang="en-US" sz="2000" dirty="0">
                 <a:latin typeface="Times New Roman" pitchFamily="18" charset="0"/>
                 <a:cs typeface="B Nazanin" panose="00000400000000000000" pitchFamily="2" charset="-78"/>
               </a:rPr>
@@ -6569,314 +6576,7 @@
           </a:p>
           <a:p>
             <a:pPr algn="just" rtl="1"/>
-            <a:endParaRPr lang="en-US" altLang="en-US" sz="1800" dirty="0">
-              <a:latin typeface="Times New Roman" pitchFamily="18" charset="0"/>
-              <a:cs typeface="B Nazanin" panose="00000400000000000000" pitchFamily="2" charset="-78"/>
-            </a:endParaRPr>
-          </a:p>
-        </p:txBody>
-      </p:sp>
-      <p:sp>
-        <p:nvSpPr>
-          <p:cNvPr id="45" name="Text Box 19"/>
-          <p:cNvSpPr txBox="1">
-            <a:spLocks noChangeArrowheads="1"/>
-          </p:cNvSpPr>
-          <p:nvPr/>
-        </p:nvSpPr>
-        <p:spPr bwMode="auto">
-          <a:xfrm>
-            <a:off x="899531" y="6944122"/>
-            <a:ext cx="9290933" cy="2492990"/>
-          </a:xfrm>
-          <a:prstGeom prst="rect">
-            <a:avLst/>
-          </a:prstGeom>
-          <a:noFill/>
-          <a:ln>
-            <a:noFill/>
-          </a:ln>
-          <a:extLst>
-            <a:ext uri="{909E8E84-426E-40DD-AFC4-6F175D3DCCD1}">
-              <a14:hiddenFill xmlns:a14="http://schemas.microsoft.com/office/drawing/2010/main">
-                <a:solidFill>
-                  <a:srgbClr val="FFFFFF"/>
-                </a:solidFill>
-              </a14:hiddenFill>
-            </a:ext>
-            <a:ext uri="{91240B29-F687-4F45-9708-019B960494DF}">
-              <a14:hiddenLine xmlns:a14="http://schemas.microsoft.com/office/drawing/2010/main" w="9525">
-                <a:solidFill>
-                  <a:srgbClr val="000000"/>
-                </a:solidFill>
-                <a:miter lim="800000"/>
-                <a:headEnd/>
-                <a:tailEnd/>
-              </a14:hiddenLine>
-            </a:ext>
-          </a:extLst>
-        </p:spPr>
-        <p:txBody>
-          <a:bodyPr>
-            <a:spAutoFit/>
-          </a:bodyPr>
-          <a:lstStyle>
-            <a:lvl1pPr marL="533400" indent="-533400" defTabSz="4389438" eaLnBrk="0" hangingPunct="0">
-              <a:defRPr sz="6900">
-                <a:solidFill>
-                  <a:schemeClr val="tx1"/>
-                </a:solidFill>
-                <a:latin typeface="Arial" charset="0"/>
-              </a:defRPr>
-            </a:lvl1pPr>
-            <a:lvl2pPr marL="742950" indent="-285750" defTabSz="4389438" eaLnBrk="0" hangingPunct="0">
-              <a:defRPr sz="6900">
-                <a:solidFill>
-                  <a:schemeClr val="tx1"/>
-                </a:solidFill>
-                <a:latin typeface="Arial" charset="0"/>
-              </a:defRPr>
-            </a:lvl2pPr>
-            <a:lvl3pPr marL="1143000" indent="-228600" defTabSz="4389438" eaLnBrk="0" hangingPunct="0">
-              <a:defRPr sz="6900">
-                <a:solidFill>
-                  <a:schemeClr val="tx1"/>
-                </a:solidFill>
-                <a:latin typeface="Arial" charset="0"/>
-              </a:defRPr>
-            </a:lvl3pPr>
-            <a:lvl4pPr marL="1600200" indent="-228600" defTabSz="4389438" eaLnBrk="0" hangingPunct="0">
-              <a:defRPr sz="6900">
-                <a:solidFill>
-                  <a:schemeClr val="tx1"/>
-                </a:solidFill>
-                <a:latin typeface="Arial" charset="0"/>
-              </a:defRPr>
-            </a:lvl4pPr>
-            <a:lvl5pPr marL="2057400" indent="-228600" defTabSz="4389438" eaLnBrk="0" hangingPunct="0">
-              <a:defRPr sz="6900">
-                <a:solidFill>
-                  <a:schemeClr val="tx1"/>
-                </a:solidFill>
-                <a:latin typeface="Arial" charset="0"/>
-              </a:defRPr>
-            </a:lvl5pPr>
-            <a:lvl6pPr marL="2514600" indent="-228600" algn="ctr" defTabSz="4389438" eaLnBrk="0" fontAlgn="base" hangingPunct="0">
-              <a:spcBef>
-                <a:spcPct val="0"/>
-              </a:spcBef>
-              <a:spcAft>
-                <a:spcPct val="0"/>
-              </a:spcAft>
-              <a:defRPr sz="6900">
-                <a:solidFill>
-                  <a:schemeClr val="tx1"/>
-                </a:solidFill>
-                <a:latin typeface="Arial" charset="0"/>
-              </a:defRPr>
-            </a:lvl6pPr>
-            <a:lvl7pPr marL="2971800" indent="-228600" algn="ctr" defTabSz="4389438" eaLnBrk="0" fontAlgn="base" hangingPunct="0">
-              <a:spcBef>
-                <a:spcPct val="0"/>
-              </a:spcBef>
-              <a:spcAft>
-                <a:spcPct val="0"/>
-              </a:spcAft>
-              <a:defRPr sz="6900">
-                <a:solidFill>
-                  <a:schemeClr val="tx1"/>
-                </a:solidFill>
-                <a:latin typeface="Arial" charset="0"/>
-              </a:defRPr>
-            </a:lvl7pPr>
-            <a:lvl8pPr marL="3429000" indent="-228600" algn="ctr" defTabSz="4389438" eaLnBrk="0" fontAlgn="base" hangingPunct="0">
-              <a:spcBef>
-                <a:spcPct val="0"/>
-              </a:spcBef>
-              <a:spcAft>
-                <a:spcPct val="0"/>
-              </a:spcAft>
-              <a:defRPr sz="6900">
-                <a:solidFill>
-                  <a:schemeClr val="tx1"/>
-                </a:solidFill>
-                <a:latin typeface="Arial" charset="0"/>
-              </a:defRPr>
-            </a:lvl8pPr>
-            <a:lvl9pPr marL="3886200" indent="-228600" algn="ctr" defTabSz="4389438" eaLnBrk="0" fontAlgn="base" hangingPunct="0">
-              <a:spcBef>
-                <a:spcPct val="0"/>
-              </a:spcBef>
-              <a:spcAft>
-                <a:spcPct val="0"/>
-              </a:spcAft>
-              <a:defRPr sz="6900">
-                <a:solidFill>
-                  <a:schemeClr val="tx1"/>
-                </a:solidFill>
-                <a:latin typeface="Arial" charset="0"/>
-              </a:defRPr>
-            </a:lvl9pPr>
-          </a:lstStyle>
-          <a:p>
-            <a:pPr algn="r" rtl="1"/>
-            <a:r>
-              <a:rPr lang="fa-IR" altLang="en-US" sz="2600" dirty="0">
-                <a:latin typeface="Times New Roman" pitchFamily="18" charset="0"/>
-                <a:cs typeface="B Nazanin" panose="00000400000000000000" pitchFamily="2" charset="-78"/>
-              </a:rPr>
-              <a:t>زمان انتقال داده‌ها از </a:t>
-            </a:r>
-            <a:r>
-              <a:rPr lang="en-US" altLang="en-US" sz="2400" dirty="0">
-                <a:latin typeface="Times New Roman" pitchFamily="18" charset="0"/>
-                <a:cs typeface="B Nazanin" panose="00000400000000000000" pitchFamily="2" charset="-78"/>
-              </a:rPr>
-              <a:t>Memory‌</a:t>
-            </a:r>
-            <a:r>
-              <a:rPr lang="fa-IR" altLang="en-US" sz="2600" dirty="0">
-                <a:latin typeface="Times New Roman" pitchFamily="18" charset="0"/>
-                <a:cs typeface="B Nazanin" panose="00000400000000000000" pitchFamily="2" charset="-78"/>
-              </a:rPr>
-              <a:t> واسطه </a:t>
-            </a:r>
-            <a:r>
-              <a:rPr lang="en-US" altLang="en-US" sz="2400" dirty="0">
-                <a:latin typeface="Times New Roman" pitchFamily="18" charset="0"/>
-                <a:cs typeface="B Nazanin" panose="00000400000000000000" pitchFamily="2" charset="-78"/>
-              </a:rPr>
-              <a:t>DMA</a:t>
-            </a:r>
-            <a:r>
-              <a:rPr lang="fa-IR" altLang="en-US" sz="2600" dirty="0">
-                <a:latin typeface="Times New Roman" pitchFamily="18" charset="0"/>
-                <a:cs typeface="B Nazanin" panose="00000400000000000000" pitchFamily="2" charset="-78"/>
-              </a:rPr>
-              <a:t> به یک ماژول </a:t>
-            </a:r>
-            <a:r>
-              <a:rPr lang="en-US" altLang="en-US" sz="2400" dirty="0">
-                <a:latin typeface="Times New Roman" pitchFamily="18" charset="0"/>
-                <a:cs typeface="B Nazanin" panose="00000400000000000000" pitchFamily="2" charset="-78"/>
-              </a:rPr>
-              <a:t>AXIS</a:t>
-            </a:r>
-            <a:r>
-              <a:rPr lang="fa-IR" altLang="en-US" sz="2600" dirty="0">
-                <a:latin typeface="Times New Roman" pitchFamily="18" charset="0"/>
-                <a:cs typeface="B Nazanin" panose="00000400000000000000" pitchFamily="2" charset="-78"/>
-              </a:rPr>
-              <a:t> برابر با </a:t>
-            </a:r>
-            <a:r>
-              <a:rPr lang="en-US" altLang="en-US" sz="2400" dirty="0">
-                <a:latin typeface="Times New Roman" pitchFamily="18" charset="0"/>
-                <a:cs typeface="B Nazanin" panose="00000400000000000000" pitchFamily="2" charset="-78"/>
-              </a:rPr>
-              <a:t>1.171ms</a:t>
-            </a:r>
-            <a:r>
-              <a:rPr lang="fa-IR" altLang="en-US" sz="2400" dirty="0">
-                <a:latin typeface="Times New Roman" pitchFamily="18" charset="0"/>
-                <a:cs typeface="B Nazanin" panose="00000400000000000000" pitchFamily="2" charset="-78"/>
-              </a:rPr>
-              <a:t> </a:t>
-            </a:r>
-            <a:r>
-              <a:rPr lang="fa-IR" altLang="en-US" sz="2600" dirty="0" err="1">
-                <a:latin typeface="Times New Roman" pitchFamily="18" charset="0"/>
-                <a:cs typeface="B Nazanin" panose="00000400000000000000" pitchFamily="2" charset="-78"/>
-              </a:rPr>
-              <a:t>می‌باشد</a:t>
-            </a:r>
-            <a:r>
-              <a:rPr lang="fa-IR" altLang="en-US" sz="2600" dirty="0">
-                <a:latin typeface="Times New Roman" pitchFamily="18" charset="0"/>
-                <a:cs typeface="B Nazanin" panose="00000400000000000000" pitchFamily="2" charset="-78"/>
-              </a:rPr>
-              <a:t> و زمان دریافت داده‌ها نیز برابر با </a:t>
-            </a:r>
-            <a:r>
-              <a:rPr lang="en-US" altLang="en-US" sz="2400" dirty="0">
-                <a:latin typeface="Times New Roman" pitchFamily="18" charset="0"/>
-                <a:cs typeface="B Nazanin" panose="00000400000000000000" pitchFamily="2" charset="-78"/>
-              </a:rPr>
-              <a:t>1.438 </a:t>
-            </a:r>
-            <a:r>
-              <a:rPr lang="en-US" altLang="en-US" sz="2400" dirty="0" err="1">
-                <a:latin typeface="Times New Roman" pitchFamily="18" charset="0"/>
-                <a:cs typeface="B Nazanin" panose="00000400000000000000" pitchFamily="2" charset="-78"/>
-              </a:rPr>
-              <a:t>ms</a:t>
-            </a:r>
-            <a:r>
-              <a:rPr lang="fa-IR" altLang="en-US" sz="2400" dirty="0">
-                <a:latin typeface="Times New Roman" pitchFamily="18" charset="0"/>
-                <a:cs typeface="B Nazanin" panose="00000400000000000000" pitchFamily="2" charset="-78"/>
-              </a:rPr>
-              <a:t> </a:t>
-            </a:r>
-            <a:r>
-              <a:rPr lang="fa-IR" altLang="en-US" sz="2600" dirty="0">
-                <a:latin typeface="Times New Roman" pitchFamily="18" charset="0"/>
-                <a:cs typeface="B Nazanin" panose="00000400000000000000" pitchFamily="2" charset="-78"/>
-              </a:rPr>
-              <a:t>می‌باشد. لازم به ذکر است که فرکانس کاری مدار </a:t>
-            </a:r>
-            <a:r>
-              <a:rPr lang="en-US" altLang="en-US" sz="2400" dirty="0">
-                <a:latin typeface="Times New Roman" pitchFamily="18" charset="0"/>
-                <a:cs typeface="B Nazanin" panose="00000400000000000000" pitchFamily="2" charset="-78"/>
-              </a:rPr>
-              <a:t>100 MHz</a:t>
-            </a:r>
-            <a:r>
-              <a:rPr lang="fa-IR" altLang="en-US" sz="2400" dirty="0">
-                <a:latin typeface="Times New Roman" pitchFamily="18" charset="0"/>
-                <a:cs typeface="B Nazanin" panose="00000400000000000000" pitchFamily="2" charset="-78"/>
-              </a:rPr>
-              <a:t> </a:t>
-            </a:r>
-            <a:r>
-              <a:rPr lang="fa-IR" altLang="en-US" sz="2600" dirty="0" err="1">
-                <a:latin typeface="Times New Roman" pitchFamily="18" charset="0"/>
-                <a:cs typeface="B Nazanin" panose="00000400000000000000" pitchFamily="2" charset="-78"/>
-              </a:rPr>
-              <a:t>می‌باشد</a:t>
-            </a:r>
-            <a:r>
-              <a:rPr lang="fa-IR" altLang="en-US" sz="2600" dirty="0">
-                <a:latin typeface="Times New Roman" pitchFamily="18" charset="0"/>
-                <a:cs typeface="B Nazanin" panose="00000400000000000000" pitchFamily="2" charset="-78"/>
-              </a:rPr>
-              <a:t>.</a:t>
-            </a:r>
-            <a:endParaRPr lang="en-US" altLang="en-US" sz="2600" dirty="0">
-              <a:latin typeface="Times New Roman" pitchFamily="18" charset="0"/>
-              <a:cs typeface="B Nazanin" panose="00000400000000000000" pitchFamily="2" charset="-78"/>
-            </a:endParaRPr>
-          </a:p>
-          <a:p>
-            <a:pPr algn="r" rtl="1"/>
-            <a:r>
-              <a:rPr lang="fa-IR" altLang="en-US" sz="2600" dirty="0">
-                <a:latin typeface="Times New Roman" pitchFamily="18" charset="0"/>
-                <a:cs typeface="B Nazanin" panose="00000400000000000000" pitchFamily="2" charset="-78"/>
-              </a:rPr>
-              <a:t>همچنین زمان </a:t>
-            </a:r>
-          </a:p>
-          <a:p>
-            <a:pPr algn="just" rtl="1"/>
-            <a:br>
-              <a:rPr lang="fa-IR" altLang="en-US" sz="2600" dirty="0">
-                <a:latin typeface="Times New Roman" pitchFamily="18" charset="0"/>
-                <a:cs typeface="B Nazanin" panose="00000400000000000000" pitchFamily="2" charset="-78"/>
-              </a:rPr>
-            </a:br>
-            <a:endParaRPr lang="fa-IR" altLang="en-US" sz="2600" dirty="0">
+            <a:endParaRPr lang="en-US" altLang="en-US" sz="2000" dirty="0">
               <a:latin typeface="Times New Roman" pitchFamily="18" charset="0"/>
               <a:cs typeface="B Nazanin" panose="00000400000000000000" pitchFamily="2" charset="-78"/>
             </a:endParaRPr>
@@ -8314,10 +8014,10 @@
       </p:sp>
       <p:grpSp>
         <p:nvGrpSpPr>
-          <p:cNvPr id="17" name="Group 16">
+          <p:cNvPr id="56" name="Group 55">
             <a:extLst>
               <a:ext uri="{FF2B5EF4-FFF2-40B4-BE49-F238E27FC236}">
-                <a16:creationId xmlns:a16="http://schemas.microsoft.com/office/drawing/2014/main" id="{E44BB001-40EB-0224-9FD1-A01632B7CDB8}"/>
+                <a16:creationId xmlns:a16="http://schemas.microsoft.com/office/drawing/2014/main" id="{67FA8B65-8225-435D-AB93-D986E0F9E7A5}"/>
               </a:ext>
             </a:extLst>
           </p:cNvPr>
@@ -8326,18 +8026,18 @@
         </p:nvGrpSpPr>
         <p:grpSpPr>
           <a:xfrm>
-            <a:off x="11342483" y="17731130"/>
-            <a:ext cx="9079116" cy="4323278"/>
-            <a:chOff x="11342483" y="19844410"/>
-            <a:chExt cx="9079116" cy="4323278"/>
+            <a:off x="11342482" y="18520481"/>
+            <a:ext cx="9167535" cy="3727150"/>
+            <a:chOff x="11342482" y="22178082"/>
+            <a:chExt cx="9167535" cy="3727150"/>
           </a:xfrm>
         </p:grpSpPr>
         <p:sp>
           <p:nvSpPr>
-            <p:cNvPr id="9" name="TextBox 8">
+            <p:cNvPr id="5" name="TextBox 4">
               <a:extLst>
                 <a:ext uri="{FF2B5EF4-FFF2-40B4-BE49-F238E27FC236}">
-                  <a16:creationId xmlns:a16="http://schemas.microsoft.com/office/drawing/2014/main" id="{18FB7EAD-16DB-470F-A5A3-68A3FF82B942}"/>
+                  <a16:creationId xmlns:a16="http://schemas.microsoft.com/office/drawing/2014/main" id="{A8D45197-DF80-A2D0-FA35-1854D24D4277}"/>
                 </a:ext>
               </a:extLst>
             </p:cNvPr>
@@ -8346,7 +8046,7 @@
           </p:nvSpPr>
           <p:spPr>
             <a:xfrm>
-              <a:off x="11342483" y="19844410"/>
+              <a:off x="11430901" y="22178082"/>
               <a:ext cx="9079116" cy="400110"/>
             </a:xfrm>
             <a:prstGeom prst="rect">
@@ -8361,1520 +8061,667 @@
             <a:lstStyle/>
             <a:p>
               <a:r>
-                <a:rPr lang="en-US" altLang="en-US" sz="2000" b="1" dirty="0">
+                <a:rPr lang="fa-IR" altLang="en-US" sz="2000" b="1" dirty="0">
                   <a:latin typeface="Times New Roman" pitchFamily="18" charset="0"/>
                   <a:cs typeface="B Nazanin" panose="00000400000000000000" pitchFamily="2" charset="-78"/>
                 </a:rPr>
-                <a:t>Convolutional Neural Network (CNN)</a:t>
+                <a:t>طراحی بر روی سخت‌افزار</a:t>
               </a:r>
-              <a:endParaRPr lang="fa-IR" altLang="en-US" sz="2000" b="1" dirty="0">
-                <a:latin typeface="Times New Roman" pitchFamily="18" charset="0"/>
-                <a:cs typeface="B Nazanin" panose="00000400000000000000" pitchFamily="2" charset="-78"/>
+            </a:p>
+          </p:txBody>
+        </p:sp>
+        <p:pic>
+          <p:nvPicPr>
+            <p:cNvPr id="1026" name="Picture 2">
+              <a:extLst>
+                <a:ext uri="{FF2B5EF4-FFF2-40B4-BE49-F238E27FC236}">
+                  <a16:creationId xmlns:a16="http://schemas.microsoft.com/office/drawing/2014/main" id="{CADA5DE0-3324-9270-DF2E-12C97E29BB1C}"/>
+                </a:ext>
+              </a:extLst>
+            </p:cNvPr>
+            <p:cNvPicPr>
+              <a:picLocks noChangeAspect="1" noChangeArrowheads="1"/>
+            </p:cNvPicPr>
+            <p:nvPr/>
+          </p:nvPicPr>
+          <p:blipFill>
+            <a:blip r:embed="rId14">
+              <a:extLst>
+                <a:ext uri="{28A0092B-C50C-407E-A947-70E740481C1C}">
+                  <a14:useLocalDpi xmlns:a14="http://schemas.microsoft.com/office/drawing/2010/main" val="0"/>
+                </a:ext>
+              </a:extLst>
+            </a:blip>
+            <a:srcRect/>
+            <a:stretch>
+              <a:fillRect/>
+            </a:stretch>
+          </p:blipFill>
+          <p:spPr bwMode="auto">
+            <a:xfrm>
+              <a:off x="11342482" y="22628992"/>
+              <a:ext cx="5014845" cy="3016281"/>
+            </a:xfrm>
+            <a:prstGeom prst="rect">
+              <a:avLst/>
+            </a:prstGeom>
+            <a:noFill/>
+            <a:extLst>
+              <a:ext uri="{909E8E84-426E-40DD-AFC4-6F175D3DCCD1}">
+                <a14:hiddenFill xmlns:a14="http://schemas.microsoft.com/office/drawing/2010/main">
+                  <a:solidFill>
+                    <a:srgbClr val="FFFFFF"/>
+                  </a:solidFill>
+                </a14:hiddenFill>
+              </a:ext>
+            </a:extLst>
+          </p:spPr>
+        </p:pic>
+        <p:sp>
+          <p:nvSpPr>
+            <p:cNvPr id="18" name="Rectangle 17">
+              <a:extLst>
+                <a:ext uri="{FF2B5EF4-FFF2-40B4-BE49-F238E27FC236}">
+                  <a16:creationId xmlns:a16="http://schemas.microsoft.com/office/drawing/2014/main" id="{628EEF0D-EB89-3709-AAE6-DAE794864A67}"/>
+                </a:ext>
+              </a:extLst>
+            </p:cNvPr>
+            <p:cNvSpPr/>
+            <p:nvPr/>
+          </p:nvSpPr>
+          <p:spPr bwMode="auto">
+            <a:xfrm>
+              <a:off x="20307299" y="22594753"/>
+              <a:ext cx="114298" cy="3176087"/>
+            </a:xfrm>
+            <a:prstGeom prst="rect">
+              <a:avLst/>
+            </a:prstGeom>
+            <a:solidFill>
+              <a:srgbClr val="6C2B70"/>
+            </a:solidFill>
+            <a:ln w="9525" cap="flat" cmpd="sng" algn="ctr">
+              <a:noFill/>
+              <a:prstDash val="solid"/>
+              <a:round/>
+              <a:headEnd type="none" w="med" len="med"/>
+              <a:tailEnd type="none" w="med" len="med"/>
+            </a:ln>
+            <a:effectLst/>
+          </p:spPr>
+          <p:txBody>
+            <a:bodyPr vert="horz" wrap="none" lIns="91440" tIns="45720" rIns="91440" bIns="45720" numCol="1" rtlCol="0" anchor="ctr" anchorCtr="0" compatLnSpc="1">
+              <a:prstTxWarp prst="textNoShape">
+                <a:avLst/>
+              </a:prstTxWarp>
+            </a:bodyPr>
+            <a:lstStyle/>
+            <a:p>
+              <a:pPr marL="0" marR="0" indent="0" algn="ctr" defTabSz="3497263" rtl="0" eaLnBrk="1" fontAlgn="base" latinLnBrk="0" hangingPunct="1">
+                <a:lnSpc>
+                  <a:spcPct val="100000"/>
+                </a:lnSpc>
+                <a:spcBef>
+                  <a:spcPct val="0"/>
+                </a:spcBef>
+                <a:spcAft>
+                  <a:spcPct val="0"/>
+                </a:spcAft>
+                <a:buClrTx/>
+                <a:buSzTx/>
+                <a:buFontTx/>
+                <a:buNone/>
+                <a:tabLst/>
+              </a:pPr>
+              <a:endParaRPr kumimoji="0" lang="en-US" sz="6900" b="0" i="0" u="none" strike="noStrike" cap="none" normalizeH="0" baseline="0">
+                <a:ln>
+                  <a:noFill/>
+                </a:ln>
+                <a:solidFill>
+                  <a:schemeClr val="tx1"/>
+                </a:solidFill>
+                <a:effectLst/>
+                <a:latin typeface="Arial" charset="0"/>
               </a:endParaRPr>
             </a:p>
           </p:txBody>
         </p:sp>
-        <p:grpSp>
-          <p:nvGrpSpPr>
-            <p:cNvPr id="14" name="Group 13">
+        <p:sp>
+          <p:nvSpPr>
+            <p:cNvPr id="19" name="Text Box 36">
               <a:extLst>
                 <a:ext uri="{FF2B5EF4-FFF2-40B4-BE49-F238E27FC236}">
-                  <a16:creationId xmlns:a16="http://schemas.microsoft.com/office/drawing/2014/main" id="{77D8249C-94DF-C5BD-52D3-CF69AB731828}"/>
+                  <a16:creationId xmlns:a16="http://schemas.microsoft.com/office/drawing/2014/main" id="{CF50A09C-AA79-CEDF-3AA7-251D9EED0F5A}"/>
                 </a:ext>
               </a:extLst>
             </p:cNvPr>
-            <p:cNvGrpSpPr/>
+            <p:cNvSpPr txBox="1">
+              <a:spLocks noChangeArrowheads="1"/>
+            </p:cNvSpPr>
             <p:nvPr/>
-          </p:nvGrpSpPr>
-          <p:grpSpPr>
+          </p:nvSpPr>
+          <p:spPr bwMode="auto">
             <a:xfrm>
-              <a:off x="11342483" y="20248331"/>
-              <a:ext cx="9079113" cy="3919357"/>
-              <a:chOff x="11342483" y="20248331"/>
-              <a:chExt cx="9079113" cy="3919357"/>
+              <a:off x="11902203" y="25648416"/>
+              <a:ext cx="3895401" cy="256816"/>
             </a:xfrm>
-          </p:grpSpPr>
-          <p:pic>
-            <p:nvPicPr>
-              <p:cNvPr id="2052" name="Picture 4">
-                <a:extLst>
-                  <a:ext uri="{FF2B5EF4-FFF2-40B4-BE49-F238E27FC236}">
-                    <a16:creationId xmlns:a16="http://schemas.microsoft.com/office/drawing/2014/main" id="{AEB98E5B-94F0-2A18-3EA4-2D4DF4E2E91C}"/>
-                  </a:ext>
-                </a:extLst>
-              </p:cNvPr>
-              <p:cNvPicPr>
-                <a:picLocks noChangeAspect="1" noChangeArrowheads="1"/>
-              </p:cNvPicPr>
-              <p:nvPr/>
-            </p:nvPicPr>
-            <p:blipFill>
-              <a:blip r:embed="rId14">
-                <a:extLst>
-                  <a:ext uri="{28A0092B-C50C-407E-A947-70E740481C1C}">
-                    <a14:useLocalDpi xmlns:a14="http://schemas.microsoft.com/office/drawing/2010/main" val="0"/>
-                  </a:ext>
-                </a:extLst>
-              </a:blip>
-              <a:srcRect/>
-              <a:stretch>
-                <a:fillRect/>
-              </a:stretch>
-            </p:blipFill>
-            <p:spPr bwMode="auto">
-              <a:xfrm>
-                <a:off x="11342483" y="20248331"/>
-                <a:ext cx="5360557" cy="1600284"/>
-              </a:xfrm>
-              <a:prstGeom prst="rect">
-                <a:avLst/>
-              </a:prstGeom>
+            <a:prstGeom prst="rect">
+              <a:avLst/>
+            </a:prstGeom>
+            <a:noFill/>
+            <a:ln>
               <a:noFill/>
-              <a:extLst>
-                <a:ext uri="{909E8E84-426E-40DD-AFC4-6F175D3DCCD1}">
-                  <a14:hiddenFill xmlns:a14="http://schemas.microsoft.com/office/drawing/2010/main">
-                    <a:solidFill>
-                      <a:srgbClr val="FFFFFF"/>
-                    </a:solidFill>
-                  </a14:hiddenFill>
-                </a:ext>
-              </a:extLst>
-            </p:spPr>
-          </p:pic>
-          <p:sp>
-            <p:nvSpPr>
-              <p:cNvPr id="10" name="Text Box 36">
-                <a:extLst>
-                  <a:ext uri="{FF2B5EF4-FFF2-40B4-BE49-F238E27FC236}">
-                    <a16:creationId xmlns:a16="http://schemas.microsoft.com/office/drawing/2014/main" id="{C454798F-821E-BF7E-3EBF-A450E411DED6}"/>
-                  </a:ext>
-                </a:extLst>
-              </p:cNvPr>
-              <p:cNvSpPr txBox="1">
-                <a:spLocks noChangeArrowheads="1"/>
-              </p:cNvSpPr>
-              <p:nvPr/>
-            </p:nvSpPr>
-            <p:spPr bwMode="auto">
-              <a:xfrm>
-                <a:off x="16703036" y="20248331"/>
-                <a:ext cx="3543303" cy="3919357"/>
-              </a:xfrm>
-              <a:prstGeom prst="rect">
-                <a:avLst/>
-              </a:prstGeom>
-              <a:noFill/>
-              <a:ln>
-                <a:noFill/>
-              </a:ln>
-              <a:effectLst/>
-              <a:extLst>
-                <a:ext uri="{909E8E84-426E-40DD-AFC4-6F175D3DCCD1}">
-                  <a14:hiddenFill xmlns:a14="http://schemas.microsoft.com/office/drawing/2010/main">
-                    <a:solidFill>
-                      <a:schemeClr val="bg1"/>
-                    </a:solidFill>
-                  </a14:hiddenFill>
-                </a:ext>
-                <a:ext uri="{91240B29-F687-4F45-9708-019B960494DF}">
-                  <a14:hiddenLine xmlns:a14="http://schemas.microsoft.com/office/drawing/2010/main" w="57150" cmpd="thinThick">
-                    <a:solidFill>
-                      <a:schemeClr val="tx1"/>
-                    </a:solidFill>
-                    <a:miter lim="800000"/>
-                    <a:headEnd/>
-                    <a:tailEnd/>
-                  </a14:hiddenLine>
-                </a:ext>
-                <a:ext uri="{AF507438-7753-43E0-B8FC-AC1667EBCBE1}">
-                  <a14:hiddenEffects xmlns:a14="http://schemas.microsoft.com/office/drawing/2010/main">
-                    <a:effectLst>
-                      <a:outerShdw dist="35921" dir="2700000" algn="ctr" rotWithShape="0">
-                        <a:schemeClr val="bg2"/>
-                      </a:outerShdw>
-                    </a:effectLst>
-                  </a14:hiddenEffects>
-                </a:ext>
-              </a:extLst>
-            </p:spPr>
-            <p:txBody>
-              <a:bodyPr wrap="square" lIns="40974" tIns="20486" rIns="40974" bIns="20486">
-                <a:spAutoFit/>
-              </a:bodyPr>
-              <a:lstStyle>
-                <a:lvl1pPr defTabSz="488950" eaLnBrk="0" hangingPunct="0">
-                  <a:defRPr sz="6900">
-                    <a:solidFill>
-                      <a:schemeClr val="tx1"/>
-                    </a:solidFill>
-                    <a:latin typeface="Arial" charset="0"/>
-                  </a:defRPr>
-                </a:lvl1pPr>
-                <a:lvl2pPr marL="742950" indent="-285750" defTabSz="488950" eaLnBrk="0" hangingPunct="0">
-                  <a:defRPr sz="6900">
-                    <a:solidFill>
-                      <a:schemeClr val="tx1"/>
-                    </a:solidFill>
-                    <a:latin typeface="Arial" charset="0"/>
-                  </a:defRPr>
-                </a:lvl2pPr>
-                <a:lvl3pPr marL="1143000" indent="-228600" defTabSz="488950" eaLnBrk="0" hangingPunct="0">
-                  <a:defRPr sz="6900">
-                    <a:solidFill>
-                      <a:schemeClr val="tx1"/>
-                    </a:solidFill>
-                    <a:latin typeface="Arial" charset="0"/>
-                  </a:defRPr>
-                </a:lvl3pPr>
-                <a:lvl4pPr marL="1600200" indent="-228600" defTabSz="488950" eaLnBrk="0" hangingPunct="0">
-                  <a:defRPr sz="6900">
-                    <a:solidFill>
-                      <a:schemeClr val="tx1"/>
-                    </a:solidFill>
-                    <a:latin typeface="Arial" charset="0"/>
-                  </a:defRPr>
-                </a:lvl4pPr>
-                <a:lvl5pPr marL="2057400" indent="-228600" defTabSz="488950" eaLnBrk="0" hangingPunct="0">
-                  <a:defRPr sz="6900">
-                    <a:solidFill>
-                      <a:schemeClr val="tx1"/>
-                    </a:solidFill>
-                    <a:latin typeface="Arial" charset="0"/>
-                  </a:defRPr>
-                </a:lvl5pPr>
-                <a:lvl6pPr marL="2514600" indent="-228600" algn="ctr" defTabSz="488950" eaLnBrk="0" fontAlgn="base" hangingPunct="0">
-                  <a:spcBef>
-                    <a:spcPct val="0"/>
-                  </a:spcBef>
-                  <a:spcAft>
-                    <a:spcPct val="0"/>
-                  </a:spcAft>
-                  <a:defRPr sz="6900">
-                    <a:solidFill>
-                      <a:schemeClr val="tx1"/>
-                    </a:solidFill>
-                    <a:latin typeface="Arial" charset="0"/>
-                  </a:defRPr>
-                </a:lvl6pPr>
-                <a:lvl7pPr marL="2971800" indent="-228600" algn="ctr" defTabSz="488950" eaLnBrk="0" fontAlgn="base" hangingPunct="0">
-                  <a:spcBef>
-                    <a:spcPct val="0"/>
-                  </a:spcBef>
-                  <a:spcAft>
-                    <a:spcPct val="0"/>
-                  </a:spcAft>
-                  <a:defRPr sz="6900">
-                    <a:solidFill>
-                      <a:schemeClr val="tx1"/>
-                    </a:solidFill>
-                    <a:latin typeface="Arial" charset="0"/>
-                  </a:defRPr>
-                </a:lvl7pPr>
-                <a:lvl8pPr marL="3429000" indent="-228600" algn="ctr" defTabSz="488950" eaLnBrk="0" fontAlgn="base" hangingPunct="0">
-                  <a:spcBef>
-                    <a:spcPct val="0"/>
-                  </a:spcBef>
-                  <a:spcAft>
-                    <a:spcPct val="0"/>
-                  </a:spcAft>
-                  <a:defRPr sz="6900">
-                    <a:solidFill>
-                      <a:schemeClr val="tx1"/>
-                    </a:solidFill>
-                    <a:latin typeface="Arial" charset="0"/>
-                  </a:defRPr>
-                </a:lvl8pPr>
-                <a:lvl9pPr marL="3886200" indent="-228600" algn="ctr" defTabSz="488950" eaLnBrk="0" fontAlgn="base" hangingPunct="0">
-                  <a:spcBef>
-                    <a:spcPct val="0"/>
-                  </a:spcBef>
-                  <a:spcAft>
-                    <a:spcPct val="0"/>
-                  </a:spcAft>
-                  <a:defRPr sz="6900">
-                    <a:solidFill>
-                      <a:schemeClr val="tx1"/>
-                    </a:solidFill>
-                    <a:latin typeface="Arial" charset="0"/>
-                  </a:defRPr>
-                </a:lvl9pPr>
-              </a:lstStyle>
-              <a:p>
-                <a:pPr algn="just" rtl="1"/>
-                <a:r>
-                  <a:rPr lang="en-US" altLang="en-US" sz="1600" dirty="0">
-                    <a:latin typeface="Times New Roman" pitchFamily="18" charset="0"/>
-                    <a:cs typeface="B Nazanin" panose="00000400000000000000" pitchFamily="2" charset="-78"/>
-                  </a:rPr>
-                  <a:t>CNN</a:t>
-                </a:r>
-                <a:r>
-                  <a:rPr lang="fa-IR" altLang="en-US" sz="1600" dirty="0">
-                    <a:latin typeface="Times New Roman" pitchFamily="18" charset="0"/>
-                    <a:cs typeface="B Nazanin" panose="00000400000000000000" pitchFamily="2" charset="-78"/>
-                  </a:rPr>
-                  <a:t> </a:t>
-                </a:r>
-                <a:r>
-                  <a:rPr lang="fa-IR" altLang="en-US" sz="1800" dirty="0">
-                    <a:latin typeface="Times New Roman" pitchFamily="18" charset="0"/>
-                    <a:cs typeface="B Nazanin" panose="00000400000000000000" pitchFamily="2" charset="-78"/>
-                  </a:rPr>
-                  <a:t>ها شبکه‌هایی متشکل از لایه‌هایی از انواع مختلف هستند (شکل ۲). انواع متداول این لایه‌ها عبارتند از:</a:t>
-                </a:r>
-              </a:p>
-              <a:p>
-                <a:pPr marL="285750" indent="-285750" algn="just" rtl="1">
-                  <a:buFont typeface="Arial" panose="020B0604020202020204" pitchFamily="34" charset="0"/>
-                  <a:buChar char="•"/>
-                </a:pPr>
-                <a:r>
-                  <a:rPr lang="fa-IR" altLang="en-US" sz="1800" dirty="0">
-                    <a:latin typeface="Times New Roman" pitchFamily="18" charset="0"/>
-                    <a:cs typeface="B Nazanin" panose="00000400000000000000" pitchFamily="2" charset="-78"/>
-                  </a:rPr>
-                  <a:t>لایه‌ی کانولوشن (</a:t>
-                </a:r>
-                <a:r>
-                  <a:rPr lang="en-US" altLang="en-US" sz="1600" dirty="0">
-                    <a:latin typeface="Times New Roman" pitchFamily="18" charset="0"/>
-                    <a:cs typeface="B Nazanin" panose="00000400000000000000" pitchFamily="2" charset="-78"/>
-                  </a:rPr>
-                  <a:t>convolution</a:t>
-                </a:r>
-                <a:r>
-                  <a:rPr lang="fa-IR" altLang="en-US" sz="1800" dirty="0">
-                    <a:latin typeface="Times New Roman" pitchFamily="18" charset="0"/>
-                    <a:cs typeface="B Nazanin" panose="00000400000000000000" pitchFamily="2" charset="-78"/>
-                  </a:rPr>
-                  <a:t>)، که ویژگی‌های کلی ورودی را بدون توجه به موقعیت مکانی آن در تصویر بررسی می‌کند (شکل ۳).</a:t>
-                </a:r>
-              </a:p>
-              <a:p>
-                <a:pPr marL="285750" indent="-285750" algn="just" rtl="1">
-                  <a:buFont typeface="Arial" panose="020B0604020202020204" pitchFamily="34" charset="0"/>
-                  <a:buChar char="•"/>
-                </a:pPr>
-                <a:r>
-                  <a:rPr lang="fa-IR" altLang="en-US" sz="1800" dirty="0">
-                    <a:latin typeface="Times New Roman" pitchFamily="18" charset="0"/>
-                    <a:cs typeface="B Nazanin" panose="00000400000000000000" pitchFamily="2" charset="-78"/>
-                  </a:rPr>
-                  <a:t> لایه‌ی </a:t>
-                </a:r>
-                <a:r>
-                  <a:rPr lang="en-US" altLang="en-US" sz="1600" dirty="0">
-                    <a:latin typeface="Times New Roman" pitchFamily="18" charset="0"/>
-                    <a:cs typeface="B Nazanin" panose="00000400000000000000" pitchFamily="2" charset="-78"/>
-                  </a:rPr>
-                  <a:t>pooling</a:t>
-                </a:r>
-                <a:r>
-                  <a:rPr lang="fa-IR" altLang="en-US" sz="1800" dirty="0">
-                    <a:latin typeface="Times New Roman" pitchFamily="18" charset="0"/>
-                    <a:cs typeface="B Nazanin" panose="00000400000000000000" pitchFamily="2" charset="-78"/>
-                  </a:rPr>
-                  <a:t>، که به نوعی داده‌های ورودی‌اش را خلاصه‌سازی می‌کند.</a:t>
-                </a:r>
-              </a:p>
-              <a:p>
-                <a:pPr marL="285750" indent="-285750" algn="just" rtl="1">
-                  <a:buFont typeface="Arial" panose="020B0604020202020204" pitchFamily="34" charset="0"/>
-                  <a:buChar char="•"/>
-                </a:pPr>
-                <a:r>
-                  <a:rPr lang="fa-IR" altLang="en-US" sz="1800" dirty="0">
-                    <a:latin typeface="Times New Roman" pitchFamily="18" charset="0"/>
-                    <a:cs typeface="B Nazanin" panose="00000400000000000000" pitchFamily="2" charset="-78"/>
-                  </a:rPr>
-                  <a:t>لایه‌ی </a:t>
-                </a:r>
-                <a:r>
-                  <a:rPr lang="en-US" altLang="en-US" sz="1600" dirty="0">
-                    <a:latin typeface="Times New Roman" pitchFamily="18" charset="0"/>
-                    <a:cs typeface="B Nazanin" panose="00000400000000000000" pitchFamily="2" charset="-78"/>
-                  </a:rPr>
-                  <a:t>dense</a:t>
-                </a:r>
-                <a:r>
-                  <a:rPr lang="fa-IR" altLang="en-US" sz="1800" dirty="0">
-                    <a:latin typeface="Times New Roman" pitchFamily="18" charset="0"/>
-                    <a:cs typeface="B Nazanin" panose="00000400000000000000" pitchFamily="2" charset="-78"/>
-                  </a:rPr>
-                  <a:t>، که می‌توان آن را معادل یک </a:t>
-                </a:r>
-                <a:r>
-                  <a:rPr lang="en-US" altLang="en-US" sz="1600" dirty="0">
-                    <a:latin typeface="Times New Roman" pitchFamily="18" charset="0"/>
-                    <a:cs typeface="B Nazanin" panose="00000400000000000000" pitchFamily="2" charset="-78"/>
-                  </a:rPr>
-                  <a:t>MLP</a:t>
-                </a:r>
-                <a:r>
-                  <a:rPr lang="fa-IR" altLang="en-US" sz="1800" dirty="0">
-                    <a:latin typeface="Times New Roman" pitchFamily="18" charset="0"/>
-                    <a:cs typeface="B Nazanin" panose="00000400000000000000" pitchFamily="2" charset="-78"/>
-                  </a:rPr>
-                  <a:t> تک لایه دانست.</a:t>
-                </a:r>
-              </a:p>
-              <a:p>
-                <a:pPr marL="285750" indent="-285750" algn="just" rtl="1">
-                  <a:buFont typeface="Arial" panose="020B0604020202020204" pitchFamily="34" charset="0"/>
-                  <a:buChar char="•"/>
-                </a:pPr>
-                <a:r>
-                  <a:rPr lang="fa-IR" altLang="en-US" sz="1800" dirty="0">
-                    <a:latin typeface="Times New Roman" pitchFamily="18" charset="0"/>
-                    <a:cs typeface="B Nazanin" panose="00000400000000000000" pitchFamily="2" charset="-78"/>
-                  </a:rPr>
-                  <a:t>لایه‌ی </a:t>
-                </a:r>
-                <a:r>
-                  <a:rPr lang="en-US" altLang="en-US" sz="1600" dirty="0">
-                    <a:latin typeface="Times New Roman" pitchFamily="18" charset="0"/>
-                    <a:cs typeface="B Nazanin" panose="00000400000000000000" pitchFamily="2" charset="-78"/>
-                  </a:rPr>
-                  <a:t>SoftMax</a:t>
-                </a:r>
-                <a:r>
-                  <a:rPr lang="fa-IR" altLang="en-US" sz="1800" dirty="0">
-                    <a:latin typeface="Times New Roman" pitchFamily="18" charset="0"/>
-                    <a:cs typeface="B Nazanin" panose="00000400000000000000" pitchFamily="2" charset="-78"/>
-                  </a:rPr>
-                  <a:t>، که ورودی‌هایش را بر روی نمودار نمایی می‌برد و سپس </a:t>
-                </a:r>
-                <a:r>
-                  <a:rPr lang="en-US" altLang="en-US" sz="1600" dirty="0">
-                    <a:latin typeface="Times New Roman" pitchFamily="18" charset="0"/>
-                    <a:cs typeface="B Nazanin" panose="00000400000000000000" pitchFamily="2" charset="-78"/>
-                  </a:rPr>
-                  <a:t>normalize</a:t>
-                </a:r>
-                <a:r>
-                  <a:rPr lang="fa-IR" altLang="en-US" sz="1800" dirty="0">
-                    <a:latin typeface="Times New Roman" pitchFamily="18" charset="0"/>
-                    <a:cs typeface="B Nazanin" panose="00000400000000000000" pitchFamily="2" charset="-78"/>
-                  </a:rPr>
-                  <a:t> می‌کند.</a:t>
-                </a:r>
-              </a:p>
-            </p:txBody>
-          </p:sp>
-          <p:sp>
-            <p:nvSpPr>
-              <p:cNvPr id="7" name="Text Box 36">
-                <a:extLst>
-                  <a:ext uri="{FF2B5EF4-FFF2-40B4-BE49-F238E27FC236}">
-                    <a16:creationId xmlns:a16="http://schemas.microsoft.com/office/drawing/2014/main" id="{ACD0A9C7-AFCD-A835-9799-C77749BEBB8A}"/>
-                  </a:ext>
-                </a:extLst>
-              </p:cNvPr>
-              <p:cNvSpPr txBox="1">
-                <a:spLocks noChangeArrowheads="1"/>
-              </p:cNvSpPr>
-              <p:nvPr/>
-            </p:nvSpPr>
-            <p:spPr bwMode="auto">
-              <a:xfrm>
-                <a:off x="12075058" y="21829411"/>
-                <a:ext cx="3895401" cy="256816"/>
-              </a:xfrm>
-              <a:prstGeom prst="rect">
-                <a:avLst/>
-              </a:prstGeom>
-              <a:noFill/>
-              <a:ln>
-                <a:noFill/>
-              </a:ln>
-              <a:effectLst/>
-              <a:extLst>
-                <a:ext uri="{909E8E84-426E-40DD-AFC4-6F175D3DCCD1}">
-                  <a14:hiddenFill xmlns:a14="http://schemas.microsoft.com/office/drawing/2010/main">
-                    <a:solidFill>
-                      <a:schemeClr val="bg1"/>
-                    </a:solidFill>
-                  </a14:hiddenFill>
-                </a:ext>
-                <a:ext uri="{91240B29-F687-4F45-9708-019B960494DF}">
-                  <a14:hiddenLine xmlns:a14="http://schemas.microsoft.com/office/drawing/2010/main" w="57150" cmpd="thinThick">
-                    <a:solidFill>
-                      <a:schemeClr val="tx1"/>
-                    </a:solidFill>
-                    <a:miter lim="800000"/>
-                    <a:headEnd/>
-                    <a:tailEnd/>
-                  </a14:hiddenLine>
-                </a:ext>
-                <a:ext uri="{AF507438-7753-43E0-B8FC-AC1667EBCBE1}">
-                  <a14:hiddenEffects xmlns:a14="http://schemas.microsoft.com/office/drawing/2010/main">
-                    <a:effectLst>
-                      <a:outerShdw dist="35921" dir="2700000" algn="ctr" rotWithShape="0">
-                        <a:schemeClr val="bg2"/>
-                      </a:outerShdw>
-                    </a:effectLst>
-                  </a14:hiddenEffects>
-                </a:ext>
-              </a:extLst>
-            </p:spPr>
-            <p:txBody>
-              <a:bodyPr wrap="square" lIns="40974" tIns="20486" rIns="40974" bIns="20486">
-                <a:spAutoFit/>
-              </a:bodyPr>
-              <a:lstStyle>
-                <a:lvl1pPr defTabSz="488950" eaLnBrk="0" hangingPunct="0">
-                  <a:defRPr sz="6900">
-                    <a:solidFill>
-                      <a:schemeClr val="tx1"/>
-                    </a:solidFill>
-                    <a:latin typeface="Arial" charset="0"/>
-                  </a:defRPr>
-                </a:lvl1pPr>
-                <a:lvl2pPr marL="742950" indent="-285750" defTabSz="488950" eaLnBrk="0" hangingPunct="0">
-                  <a:defRPr sz="6900">
-                    <a:solidFill>
-                      <a:schemeClr val="tx1"/>
-                    </a:solidFill>
-                    <a:latin typeface="Arial" charset="0"/>
-                  </a:defRPr>
-                </a:lvl2pPr>
-                <a:lvl3pPr marL="1143000" indent="-228600" defTabSz="488950" eaLnBrk="0" hangingPunct="0">
-                  <a:defRPr sz="6900">
-                    <a:solidFill>
-                      <a:schemeClr val="tx1"/>
-                    </a:solidFill>
-                    <a:latin typeface="Arial" charset="0"/>
-                  </a:defRPr>
-                </a:lvl3pPr>
-                <a:lvl4pPr marL="1600200" indent="-228600" defTabSz="488950" eaLnBrk="0" hangingPunct="0">
-                  <a:defRPr sz="6900">
-                    <a:solidFill>
-                      <a:schemeClr val="tx1"/>
-                    </a:solidFill>
-                    <a:latin typeface="Arial" charset="0"/>
-                  </a:defRPr>
-                </a:lvl4pPr>
-                <a:lvl5pPr marL="2057400" indent="-228600" defTabSz="488950" eaLnBrk="0" hangingPunct="0">
-                  <a:defRPr sz="6900">
-                    <a:solidFill>
-                      <a:schemeClr val="tx1"/>
-                    </a:solidFill>
-                    <a:latin typeface="Arial" charset="0"/>
-                  </a:defRPr>
-                </a:lvl5pPr>
-                <a:lvl6pPr marL="2514600" indent="-228600" algn="ctr" defTabSz="488950" eaLnBrk="0" fontAlgn="base" hangingPunct="0">
-                  <a:spcBef>
-                    <a:spcPct val="0"/>
-                  </a:spcBef>
-                  <a:spcAft>
-                    <a:spcPct val="0"/>
-                  </a:spcAft>
-                  <a:defRPr sz="6900">
-                    <a:solidFill>
-                      <a:schemeClr val="tx1"/>
-                    </a:solidFill>
-                    <a:latin typeface="Arial" charset="0"/>
-                  </a:defRPr>
-                </a:lvl6pPr>
-                <a:lvl7pPr marL="2971800" indent="-228600" algn="ctr" defTabSz="488950" eaLnBrk="0" fontAlgn="base" hangingPunct="0">
-                  <a:spcBef>
-                    <a:spcPct val="0"/>
-                  </a:spcBef>
-                  <a:spcAft>
-                    <a:spcPct val="0"/>
-                  </a:spcAft>
-                  <a:defRPr sz="6900">
-                    <a:solidFill>
-                      <a:schemeClr val="tx1"/>
-                    </a:solidFill>
-                    <a:latin typeface="Arial" charset="0"/>
-                  </a:defRPr>
-                </a:lvl7pPr>
-                <a:lvl8pPr marL="3429000" indent="-228600" algn="ctr" defTabSz="488950" eaLnBrk="0" fontAlgn="base" hangingPunct="0">
-                  <a:spcBef>
-                    <a:spcPct val="0"/>
-                  </a:spcBef>
-                  <a:spcAft>
-                    <a:spcPct val="0"/>
-                  </a:spcAft>
-                  <a:defRPr sz="6900">
-                    <a:solidFill>
-                      <a:schemeClr val="tx1"/>
-                    </a:solidFill>
-                    <a:latin typeface="Arial" charset="0"/>
-                  </a:defRPr>
-                </a:lvl8pPr>
-                <a:lvl9pPr marL="3886200" indent="-228600" algn="ctr" defTabSz="488950" eaLnBrk="0" fontAlgn="base" hangingPunct="0">
-                  <a:spcBef>
-                    <a:spcPct val="0"/>
-                  </a:spcBef>
-                  <a:spcAft>
-                    <a:spcPct val="0"/>
-                  </a:spcAft>
-                  <a:defRPr sz="6900">
-                    <a:solidFill>
-                      <a:schemeClr val="tx1"/>
-                    </a:solidFill>
-                    <a:latin typeface="Arial" charset="0"/>
-                  </a:defRPr>
-                </a:lvl9pPr>
-              </a:lstStyle>
-              <a:p>
-                <a:pPr rtl="1"/>
-                <a:r>
-                  <a:rPr lang="fa-IR" altLang="en-US" sz="1400" dirty="0">
-                    <a:latin typeface="Times New Roman" pitchFamily="18" charset="0"/>
-                    <a:cs typeface="B Nazanin" panose="00000400000000000000" pitchFamily="2" charset="-78"/>
-                  </a:rPr>
-                  <a:t>شکل ۲: شماتیک یک </a:t>
-                </a:r>
-                <a:r>
-                  <a:rPr lang="en-US" altLang="en-US" sz="1400" dirty="0">
-                    <a:latin typeface="Times New Roman" pitchFamily="18" charset="0"/>
-                    <a:cs typeface="B Nazanin" panose="00000400000000000000" pitchFamily="2" charset="-78"/>
-                  </a:rPr>
-                  <a:t>CNN</a:t>
-                </a:r>
-                <a:r>
-                  <a:rPr lang="fa-IR" altLang="en-US" sz="1400" dirty="0">
-                    <a:latin typeface="Times New Roman" pitchFamily="18" charset="0"/>
-                    <a:cs typeface="B Nazanin" panose="00000400000000000000" pitchFamily="2" charset="-78"/>
-                  </a:rPr>
-                  <a:t> نوعی</a:t>
-                </a:r>
-              </a:p>
-            </p:txBody>
-          </p:sp>
-          <p:sp>
-            <p:nvSpPr>
-              <p:cNvPr id="8" name="Text Box 36">
-                <a:extLst>
-                  <a:ext uri="{FF2B5EF4-FFF2-40B4-BE49-F238E27FC236}">
-                    <a16:creationId xmlns:a16="http://schemas.microsoft.com/office/drawing/2014/main" id="{A7A9A93F-8D09-CC86-A5E7-EBFC3AF846B6}"/>
-                  </a:ext>
-                </a:extLst>
-              </p:cNvPr>
-              <p:cNvSpPr txBox="1">
-                <a:spLocks noChangeArrowheads="1"/>
-              </p:cNvSpPr>
-              <p:nvPr/>
-            </p:nvSpPr>
-            <p:spPr bwMode="auto">
-              <a:xfrm>
-                <a:off x="12075059" y="23910872"/>
-                <a:ext cx="3895401" cy="256816"/>
-              </a:xfrm>
-              <a:prstGeom prst="rect">
-                <a:avLst/>
-              </a:prstGeom>
-              <a:noFill/>
-              <a:ln>
-                <a:noFill/>
-              </a:ln>
-              <a:effectLst/>
-              <a:extLst>
-                <a:ext uri="{909E8E84-426E-40DD-AFC4-6F175D3DCCD1}">
-                  <a14:hiddenFill xmlns:a14="http://schemas.microsoft.com/office/drawing/2010/main">
-                    <a:solidFill>
-                      <a:schemeClr val="bg1"/>
-                    </a:solidFill>
-                  </a14:hiddenFill>
-                </a:ext>
-                <a:ext uri="{91240B29-F687-4F45-9708-019B960494DF}">
-                  <a14:hiddenLine xmlns:a14="http://schemas.microsoft.com/office/drawing/2010/main" w="57150" cmpd="thinThick">
-                    <a:solidFill>
-                      <a:schemeClr val="tx1"/>
-                    </a:solidFill>
-                    <a:miter lim="800000"/>
-                    <a:headEnd/>
-                    <a:tailEnd/>
-                  </a14:hiddenLine>
-                </a:ext>
-                <a:ext uri="{AF507438-7753-43E0-B8FC-AC1667EBCBE1}">
-                  <a14:hiddenEffects xmlns:a14="http://schemas.microsoft.com/office/drawing/2010/main">
-                    <a:effectLst>
-                      <a:outerShdw dist="35921" dir="2700000" algn="ctr" rotWithShape="0">
-                        <a:schemeClr val="bg2"/>
-                      </a:outerShdw>
-                    </a:effectLst>
-                  </a14:hiddenEffects>
-                </a:ext>
-              </a:extLst>
-            </p:spPr>
-            <p:txBody>
-              <a:bodyPr wrap="square" lIns="40974" tIns="20486" rIns="40974" bIns="20486">
-                <a:spAutoFit/>
-              </a:bodyPr>
-              <a:lstStyle>
-                <a:lvl1pPr defTabSz="488950" eaLnBrk="0" hangingPunct="0">
-                  <a:defRPr sz="6900">
-                    <a:solidFill>
-                      <a:schemeClr val="tx1"/>
-                    </a:solidFill>
-                    <a:latin typeface="Arial" charset="0"/>
-                  </a:defRPr>
-                </a:lvl1pPr>
-                <a:lvl2pPr marL="742950" indent="-285750" defTabSz="488950" eaLnBrk="0" hangingPunct="0">
-                  <a:defRPr sz="6900">
-                    <a:solidFill>
-                      <a:schemeClr val="tx1"/>
-                    </a:solidFill>
-                    <a:latin typeface="Arial" charset="0"/>
-                  </a:defRPr>
-                </a:lvl2pPr>
-                <a:lvl3pPr marL="1143000" indent="-228600" defTabSz="488950" eaLnBrk="0" hangingPunct="0">
-                  <a:defRPr sz="6900">
-                    <a:solidFill>
-                      <a:schemeClr val="tx1"/>
-                    </a:solidFill>
-                    <a:latin typeface="Arial" charset="0"/>
-                  </a:defRPr>
-                </a:lvl3pPr>
-                <a:lvl4pPr marL="1600200" indent="-228600" defTabSz="488950" eaLnBrk="0" hangingPunct="0">
-                  <a:defRPr sz="6900">
-                    <a:solidFill>
-                      <a:schemeClr val="tx1"/>
-                    </a:solidFill>
-                    <a:latin typeface="Arial" charset="0"/>
-                  </a:defRPr>
-                </a:lvl4pPr>
-                <a:lvl5pPr marL="2057400" indent="-228600" defTabSz="488950" eaLnBrk="0" hangingPunct="0">
-                  <a:defRPr sz="6900">
-                    <a:solidFill>
-                      <a:schemeClr val="tx1"/>
-                    </a:solidFill>
-                    <a:latin typeface="Arial" charset="0"/>
-                  </a:defRPr>
-                </a:lvl5pPr>
-                <a:lvl6pPr marL="2514600" indent="-228600" algn="ctr" defTabSz="488950" eaLnBrk="0" fontAlgn="base" hangingPunct="0">
-                  <a:spcBef>
-                    <a:spcPct val="0"/>
-                  </a:spcBef>
-                  <a:spcAft>
-                    <a:spcPct val="0"/>
-                  </a:spcAft>
-                  <a:defRPr sz="6900">
-                    <a:solidFill>
-                      <a:schemeClr val="tx1"/>
-                    </a:solidFill>
-                    <a:latin typeface="Arial" charset="0"/>
-                  </a:defRPr>
-                </a:lvl6pPr>
-                <a:lvl7pPr marL="2971800" indent="-228600" algn="ctr" defTabSz="488950" eaLnBrk="0" fontAlgn="base" hangingPunct="0">
-                  <a:spcBef>
-                    <a:spcPct val="0"/>
-                  </a:spcBef>
-                  <a:spcAft>
-                    <a:spcPct val="0"/>
-                  </a:spcAft>
-                  <a:defRPr sz="6900">
-                    <a:solidFill>
-                      <a:schemeClr val="tx1"/>
-                    </a:solidFill>
-                    <a:latin typeface="Arial" charset="0"/>
-                  </a:defRPr>
-                </a:lvl7pPr>
-                <a:lvl8pPr marL="3429000" indent="-228600" algn="ctr" defTabSz="488950" eaLnBrk="0" fontAlgn="base" hangingPunct="0">
-                  <a:spcBef>
-                    <a:spcPct val="0"/>
-                  </a:spcBef>
-                  <a:spcAft>
-                    <a:spcPct val="0"/>
-                  </a:spcAft>
-                  <a:defRPr sz="6900">
-                    <a:solidFill>
-                      <a:schemeClr val="tx1"/>
-                    </a:solidFill>
-                    <a:latin typeface="Arial" charset="0"/>
-                  </a:defRPr>
-                </a:lvl8pPr>
-                <a:lvl9pPr marL="3886200" indent="-228600" algn="ctr" defTabSz="488950" eaLnBrk="0" fontAlgn="base" hangingPunct="0">
-                  <a:spcBef>
-                    <a:spcPct val="0"/>
-                  </a:spcBef>
-                  <a:spcAft>
-                    <a:spcPct val="0"/>
-                  </a:spcAft>
-                  <a:defRPr sz="6900">
-                    <a:solidFill>
-                      <a:schemeClr val="tx1"/>
-                    </a:solidFill>
-                    <a:latin typeface="Arial" charset="0"/>
-                  </a:defRPr>
-                </a:lvl9pPr>
-              </a:lstStyle>
-              <a:p>
-                <a:pPr rtl="1"/>
-                <a:r>
-                  <a:rPr lang="fa-IR" altLang="en-US" sz="1400" dirty="0">
-                    <a:latin typeface="Times New Roman" pitchFamily="18" charset="0"/>
-                    <a:cs typeface="B Nazanin" panose="00000400000000000000" pitchFamily="2" charset="-78"/>
-                  </a:rPr>
-                  <a:t>شکل ۳: نمونه‌ای از عملیات کانولوشن</a:t>
-                </a:r>
-              </a:p>
-            </p:txBody>
-          </p:sp>
-          <p:sp>
-            <p:nvSpPr>
-              <p:cNvPr id="12" name="Rectangle 11">
-                <a:extLst>
-                  <a:ext uri="{FF2B5EF4-FFF2-40B4-BE49-F238E27FC236}">
-                    <a16:creationId xmlns:a16="http://schemas.microsoft.com/office/drawing/2014/main" id="{F3F8DBAE-600E-A1ED-4903-4BF273821A54}"/>
-                  </a:ext>
-                </a:extLst>
-              </p:cNvPr>
-              <p:cNvSpPr/>
-              <p:nvPr/>
-            </p:nvSpPr>
-            <p:spPr bwMode="auto">
-              <a:xfrm>
-                <a:off x="20307299" y="20248331"/>
-                <a:ext cx="114297" cy="3919357"/>
-              </a:xfrm>
-              <a:prstGeom prst="rect">
-                <a:avLst/>
-              </a:prstGeom>
-              <a:solidFill>
-                <a:srgbClr val="6C2B70"/>
-              </a:solidFill>
-              <a:ln w="9525" cap="flat" cmpd="sng" algn="ctr">
-                <a:noFill/>
-                <a:prstDash val="solid"/>
-                <a:round/>
-                <a:headEnd type="none" w="med" len="med"/>
-                <a:tailEnd type="none" w="med" len="med"/>
-              </a:ln>
-              <a:effectLst/>
-            </p:spPr>
-            <p:txBody>
-              <a:bodyPr vert="horz" wrap="none" lIns="91440" tIns="45720" rIns="91440" bIns="45720" numCol="1" rtlCol="0" anchor="ctr" anchorCtr="0" compatLnSpc="1">
-                <a:prstTxWarp prst="textNoShape">
-                  <a:avLst/>
-                </a:prstTxWarp>
-              </a:bodyPr>
-              <a:lstStyle/>
-              <a:p>
-                <a:pPr marL="0" marR="0" indent="0" algn="ctr" defTabSz="3497263" rtl="0" eaLnBrk="1" fontAlgn="base" latinLnBrk="0" hangingPunct="1">
-                  <a:lnSpc>
-                    <a:spcPct val="100000"/>
-                  </a:lnSpc>
-                  <a:spcBef>
-                    <a:spcPct val="0"/>
-                  </a:spcBef>
-                  <a:spcAft>
-                    <a:spcPct val="0"/>
-                  </a:spcAft>
-                  <a:buClrTx/>
-                  <a:buSzTx/>
-                  <a:buFontTx/>
-                  <a:buNone/>
-                  <a:tabLst/>
-                </a:pPr>
-                <a:endParaRPr kumimoji="0" lang="en-US" sz="6900" b="0" i="0" u="none" strike="noStrike" cap="none" normalizeH="0" baseline="0">
-                  <a:ln>
-                    <a:noFill/>
-                  </a:ln>
+            </a:ln>
+            <a:effectLst/>
+            <a:extLst>
+              <a:ext uri="{909E8E84-426E-40DD-AFC4-6F175D3DCCD1}">
+                <a14:hiddenFill xmlns:a14="http://schemas.microsoft.com/office/drawing/2010/main">
+                  <a:solidFill>
+                    <a:schemeClr val="bg1"/>
+                  </a:solidFill>
+                </a14:hiddenFill>
+              </a:ext>
+              <a:ext uri="{91240B29-F687-4F45-9708-019B960494DF}">
+                <a14:hiddenLine xmlns:a14="http://schemas.microsoft.com/office/drawing/2010/main" w="57150" cmpd="thinThick">
                   <a:solidFill>
                     <a:schemeClr val="tx1"/>
                   </a:solidFill>
-                  <a:effectLst/>
-                  <a:latin typeface="Arial" charset="0"/>
-                </a:endParaRPr>
-              </a:p>
-            </p:txBody>
-          </p:sp>
-        </p:grpSp>
-      </p:grpSp>
-      <p:sp>
-        <p:nvSpPr>
-          <p:cNvPr id="5" name="TextBox 4">
-            <a:extLst>
-              <a:ext uri="{FF2B5EF4-FFF2-40B4-BE49-F238E27FC236}">
-                <a16:creationId xmlns:a16="http://schemas.microsoft.com/office/drawing/2014/main" id="{A8D45197-DF80-A2D0-FA35-1854D24D4277}"/>
+                  <a:miter lim="800000"/>
+                  <a:headEnd/>
+                  <a:tailEnd/>
+                </a14:hiddenLine>
+              </a:ext>
+              <a:ext uri="{AF507438-7753-43E0-B8FC-AC1667EBCBE1}">
+                <a14:hiddenEffects xmlns:a14="http://schemas.microsoft.com/office/drawing/2010/main">
+                  <a:effectLst>
+                    <a:outerShdw dist="35921" dir="2700000" algn="ctr" rotWithShape="0">
+                      <a:schemeClr val="bg2"/>
+                    </a:outerShdw>
+                  </a:effectLst>
+                </a14:hiddenEffects>
               </a:ext>
             </a:extLst>
-          </p:cNvPr>
-          <p:cNvSpPr txBox="1"/>
-          <p:nvPr/>
-        </p:nvSpPr>
-        <p:spPr>
-          <a:xfrm>
-            <a:off x="11430901" y="22178082"/>
-            <a:ext cx="9079116" cy="400110"/>
-          </a:xfrm>
-          <a:prstGeom prst="rect">
-            <a:avLst/>
-          </a:prstGeom>
-          <a:noFill/>
-        </p:spPr>
-        <p:txBody>
-          <a:bodyPr wrap="square">
-            <a:spAutoFit/>
-          </a:bodyPr>
-          <a:lstStyle/>
-          <a:p>
-            <a:r>
-              <a:rPr lang="fa-IR" altLang="en-US" sz="2000" b="1" dirty="0">
-                <a:latin typeface="Times New Roman" pitchFamily="18" charset="0"/>
-                <a:cs typeface="B Nazanin" panose="00000400000000000000" pitchFamily="2" charset="-78"/>
-              </a:rPr>
-              <a:t>طراحی بر روی سخت‌افزار</a:t>
-            </a:r>
-          </a:p>
-        </p:txBody>
-      </p:sp>
-      <p:pic>
-        <p:nvPicPr>
-          <p:cNvPr id="1026" name="Picture 2">
+          </p:spPr>
+          <p:txBody>
+            <a:bodyPr wrap="square" lIns="40974" tIns="20486" rIns="40974" bIns="20486">
+              <a:spAutoFit/>
+            </a:bodyPr>
+            <a:lstStyle>
+              <a:lvl1pPr defTabSz="488950" eaLnBrk="0" hangingPunct="0">
+                <a:defRPr sz="6900">
+                  <a:solidFill>
+                    <a:schemeClr val="tx1"/>
+                  </a:solidFill>
+                  <a:latin typeface="Arial" charset="0"/>
+                </a:defRPr>
+              </a:lvl1pPr>
+              <a:lvl2pPr marL="742950" indent="-285750" defTabSz="488950" eaLnBrk="0" hangingPunct="0">
+                <a:defRPr sz="6900">
+                  <a:solidFill>
+                    <a:schemeClr val="tx1"/>
+                  </a:solidFill>
+                  <a:latin typeface="Arial" charset="0"/>
+                </a:defRPr>
+              </a:lvl2pPr>
+              <a:lvl3pPr marL="1143000" indent="-228600" defTabSz="488950" eaLnBrk="0" hangingPunct="0">
+                <a:defRPr sz="6900">
+                  <a:solidFill>
+                    <a:schemeClr val="tx1"/>
+                  </a:solidFill>
+                  <a:latin typeface="Arial" charset="0"/>
+                </a:defRPr>
+              </a:lvl3pPr>
+              <a:lvl4pPr marL="1600200" indent="-228600" defTabSz="488950" eaLnBrk="0" hangingPunct="0">
+                <a:defRPr sz="6900">
+                  <a:solidFill>
+                    <a:schemeClr val="tx1"/>
+                  </a:solidFill>
+                  <a:latin typeface="Arial" charset="0"/>
+                </a:defRPr>
+              </a:lvl4pPr>
+              <a:lvl5pPr marL="2057400" indent="-228600" defTabSz="488950" eaLnBrk="0" hangingPunct="0">
+                <a:defRPr sz="6900">
+                  <a:solidFill>
+                    <a:schemeClr val="tx1"/>
+                  </a:solidFill>
+                  <a:latin typeface="Arial" charset="0"/>
+                </a:defRPr>
+              </a:lvl5pPr>
+              <a:lvl6pPr marL="2514600" indent="-228600" algn="ctr" defTabSz="488950" eaLnBrk="0" fontAlgn="base" hangingPunct="0">
+                <a:spcBef>
+                  <a:spcPct val="0"/>
+                </a:spcBef>
+                <a:spcAft>
+                  <a:spcPct val="0"/>
+                </a:spcAft>
+                <a:defRPr sz="6900">
+                  <a:solidFill>
+                    <a:schemeClr val="tx1"/>
+                  </a:solidFill>
+                  <a:latin typeface="Arial" charset="0"/>
+                </a:defRPr>
+              </a:lvl6pPr>
+              <a:lvl7pPr marL="2971800" indent="-228600" algn="ctr" defTabSz="488950" eaLnBrk="0" fontAlgn="base" hangingPunct="0">
+                <a:spcBef>
+                  <a:spcPct val="0"/>
+                </a:spcBef>
+                <a:spcAft>
+                  <a:spcPct val="0"/>
+                </a:spcAft>
+                <a:defRPr sz="6900">
+                  <a:solidFill>
+                    <a:schemeClr val="tx1"/>
+                  </a:solidFill>
+                  <a:latin typeface="Arial" charset="0"/>
+                </a:defRPr>
+              </a:lvl7pPr>
+              <a:lvl8pPr marL="3429000" indent="-228600" algn="ctr" defTabSz="488950" eaLnBrk="0" fontAlgn="base" hangingPunct="0">
+                <a:spcBef>
+                  <a:spcPct val="0"/>
+                </a:spcBef>
+                <a:spcAft>
+                  <a:spcPct val="0"/>
+                </a:spcAft>
+                <a:defRPr sz="6900">
+                  <a:solidFill>
+                    <a:schemeClr val="tx1"/>
+                  </a:solidFill>
+                  <a:latin typeface="Arial" charset="0"/>
+                </a:defRPr>
+              </a:lvl8pPr>
+              <a:lvl9pPr marL="3886200" indent="-228600" algn="ctr" defTabSz="488950" eaLnBrk="0" fontAlgn="base" hangingPunct="0">
+                <a:spcBef>
+                  <a:spcPct val="0"/>
+                </a:spcBef>
+                <a:spcAft>
+                  <a:spcPct val="0"/>
+                </a:spcAft>
+                <a:defRPr sz="6900">
+                  <a:solidFill>
+                    <a:schemeClr val="tx1"/>
+                  </a:solidFill>
+                  <a:latin typeface="Arial" charset="0"/>
+                </a:defRPr>
+              </a:lvl9pPr>
+            </a:lstStyle>
+            <a:p>
+              <a:pPr rtl="1"/>
+              <a:r>
+                <a:rPr lang="fa-IR" altLang="en-US" sz="1400" dirty="0">
+                  <a:latin typeface="Times New Roman" pitchFamily="18" charset="0"/>
+                  <a:cs typeface="B Nazanin" panose="00000400000000000000" pitchFamily="2" charset="-78"/>
+                </a:rPr>
+                <a:t>شکل ۴: ساختار درونی برد </a:t>
+              </a:r>
+              <a:r>
+                <a:rPr lang="en-US" altLang="en-US" sz="1400" dirty="0">
+                  <a:latin typeface="Times New Roman" pitchFamily="18" charset="0"/>
+                  <a:cs typeface="B Nazanin" panose="00000400000000000000" pitchFamily="2" charset="-78"/>
+                </a:rPr>
+                <a:t>PYNQ</a:t>
+              </a:r>
+              <a:endParaRPr lang="fa-IR" altLang="en-US" sz="1400" dirty="0">
+                <a:latin typeface="Times New Roman" pitchFamily="18" charset="0"/>
+                <a:cs typeface="B Nazanin" panose="00000400000000000000" pitchFamily="2" charset="-78"/>
+              </a:endParaRPr>
+            </a:p>
+          </p:txBody>
+        </p:sp>
+        <p:sp>
+          <p:nvSpPr>
+            <p:cNvPr id="20" name="Text Box 36">
+              <a:extLst>
+                <a:ext uri="{FF2B5EF4-FFF2-40B4-BE49-F238E27FC236}">
+                  <a16:creationId xmlns:a16="http://schemas.microsoft.com/office/drawing/2014/main" id="{BACF8915-23E0-28AB-D782-E662F1505249}"/>
+                </a:ext>
+              </a:extLst>
+            </p:cNvPr>
+            <p:cNvSpPr txBox="1">
+              <a:spLocks noChangeArrowheads="1"/>
+            </p:cNvSpPr>
+            <p:nvPr/>
+          </p:nvSpPr>
+          <p:spPr bwMode="auto">
+            <a:xfrm>
+              <a:off x="16469048" y="22578192"/>
+              <a:ext cx="3777291" cy="3088360"/>
+            </a:xfrm>
+            <a:prstGeom prst="rect">
+              <a:avLst/>
+            </a:prstGeom>
+            <a:noFill/>
+            <a:ln>
+              <a:noFill/>
+            </a:ln>
+            <a:effectLst/>
             <a:extLst>
-              <a:ext uri="{FF2B5EF4-FFF2-40B4-BE49-F238E27FC236}">
-                <a16:creationId xmlns:a16="http://schemas.microsoft.com/office/drawing/2014/main" id="{CADA5DE0-3324-9270-DF2E-12C97E29BB1C}"/>
+              <a:ext uri="{909E8E84-426E-40DD-AFC4-6F175D3DCCD1}">
+                <a14:hiddenFill xmlns:a14="http://schemas.microsoft.com/office/drawing/2010/main">
+                  <a:solidFill>
+                    <a:schemeClr val="bg1"/>
+                  </a:solidFill>
+                </a14:hiddenFill>
+              </a:ext>
+              <a:ext uri="{91240B29-F687-4F45-9708-019B960494DF}">
+                <a14:hiddenLine xmlns:a14="http://schemas.microsoft.com/office/drawing/2010/main" w="57150" cmpd="thinThick">
+                  <a:solidFill>
+                    <a:schemeClr val="tx1"/>
+                  </a:solidFill>
+                  <a:miter lim="800000"/>
+                  <a:headEnd/>
+                  <a:tailEnd/>
+                </a14:hiddenLine>
+              </a:ext>
+              <a:ext uri="{AF507438-7753-43E0-B8FC-AC1667EBCBE1}">
+                <a14:hiddenEffects xmlns:a14="http://schemas.microsoft.com/office/drawing/2010/main">
+                  <a:effectLst>
+                    <a:outerShdw dist="35921" dir="2700000" algn="ctr" rotWithShape="0">
+                      <a:schemeClr val="bg2"/>
+                    </a:outerShdw>
+                  </a:effectLst>
+                </a14:hiddenEffects>
               </a:ext>
             </a:extLst>
-          </p:cNvPr>
-          <p:cNvPicPr>
-            <a:picLocks noChangeAspect="1" noChangeArrowheads="1"/>
-          </p:cNvPicPr>
-          <p:nvPr/>
-        </p:nvPicPr>
-        <p:blipFill>
-          <a:blip r:embed="rId15">
-            <a:extLst>
-              <a:ext uri="{28A0092B-C50C-407E-A947-70E740481C1C}">
-                <a14:useLocalDpi xmlns:a14="http://schemas.microsoft.com/office/drawing/2010/main" val="0"/>
-              </a:ext>
-            </a:extLst>
-          </a:blip>
-          <a:srcRect/>
-          <a:stretch>
-            <a:fillRect/>
-          </a:stretch>
-        </p:blipFill>
-        <p:spPr bwMode="auto">
-          <a:xfrm>
-            <a:off x="11342482" y="22628992"/>
-            <a:ext cx="5014845" cy="3016281"/>
-          </a:xfrm>
-          <a:prstGeom prst="rect">
-            <a:avLst/>
-          </a:prstGeom>
-          <a:noFill/>
-          <a:extLst>
-            <a:ext uri="{909E8E84-426E-40DD-AFC4-6F175D3DCCD1}">
-              <a14:hiddenFill xmlns:a14="http://schemas.microsoft.com/office/drawing/2010/main">
-                <a:solidFill>
-                  <a:srgbClr val="FFFFFF"/>
-                </a:solidFill>
-              </a14:hiddenFill>
-            </a:ext>
-          </a:extLst>
-        </p:spPr>
-      </p:pic>
-      <p:sp>
-        <p:nvSpPr>
-          <p:cNvPr id="18" name="Rectangle 17">
-            <a:extLst>
-              <a:ext uri="{FF2B5EF4-FFF2-40B4-BE49-F238E27FC236}">
-                <a16:creationId xmlns:a16="http://schemas.microsoft.com/office/drawing/2014/main" id="{628EEF0D-EB89-3709-AAE6-DAE794864A67}"/>
-              </a:ext>
-            </a:extLst>
-          </p:cNvPr>
-          <p:cNvSpPr/>
-          <p:nvPr/>
-        </p:nvSpPr>
-        <p:spPr bwMode="auto">
-          <a:xfrm>
-            <a:off x="20307299" y="22594753"/>
-            <a:ext cx="114298" cy="3176087"/>
-          </a:xfrm>
-          <a:prstGeom prst="rect">
-            <a:avLst/>
-          </a:prstGeom>
-          <a:solidFill>
-            <a:srgbClr val="6C2B70"/>
-          </a:solidFill>
-          <a:ln w="9525" cap="flat" cmpd="sng" algn="ctr">
-            <a:noFill/>
-            <a:prstDash val="solid"/>
-            <a:round/>
-            <a:headEnd type="none" w="med" len="med"/>
-            <a:tailEnd type="none" w="med" len="med"/>
-          </a:ln>
-          <a:effectLst/>
-        </p:spPr>
-        <p:txBody>
-          <a:bodyPr vert="horz" wrap="none" lIns="91440" tIns="45720" rIns="91440" bIns="45720" numCol="1" rtlCol="0" anchor="ctr" anchorCtr="0" compatLnSpc="1">
-            <a:prstTxWarp prst="textNoShape">
-              <a:avLst/>
-            </a:prstTxWarp>
-          </a:bodyPr>
-          <a:lstStyle/>
-          <a:p>
-            <a:pPr marL="0" marR="0" indent="0" algn="ctr" defTabSz="3497263" rtl="0" eaLnBrk="1" fontAlgn="base" latinLnBrk="0" hangingPunct="1">
-              <a:lnSpc>
-                <a:spcPct val="100000"/>
-              </a:lnSpc>
-              <a:spcBef>
-                <a:spcPct val="0"/>
-              </a:spcBef>
-              <a:spcAft>
-                <a:spcPct val="0"/>
-              </a:spcAft>
-              <a:buClrTx/>
-              <a:buSzTx/>
-              <a:buFontTx/>
-              <a:buNone/>
-              <a:tabLst/>
-            </a:pPr>
-            <a:endParaRPr kumimoji="0" lang="en-US" sz="6900" b="0" i="0" u="none" strike="noStrike" cap="none" normalizeH="0" baseline="0">
-              <a:ln>
-                <a:noFill/>
-              </a:ln>
-              <a:solidFill>
-                <a:schemeClr val="tx1"/>
-              </a:solidFill>
-              <a:effectLst/>
-              <a:latin typeface="Arial" charset="0"/>
-            </a:endParaRPr>
-          </a:p>
-        </p:txBody>
-      </p:sp>
-      <p:sp>
-        <p:nvSpPr>
-          <p:cNvPr id="19" name="Text Box 36">
-            <a:extLst>
-              <a:ext uri="{FF2B5EF4-FFF2-40B4-BE49-F238E27FC236}">
-                <a16:creationId xmlns:a16="http://schemas.microsoft.com/office/drawing/2014/main" id="{CF50A09C-AA79-CEDF-3AA7-251D9EED0F5A}"/>
-              </a:ext>
-            </a:extLst>
-          </p:cNvPr>
-          <p:cNvSpPr txBox="1">
-            <a:spLocks noChangeArrowheads="1"/>
-          </p:cNvSpPr>
-          <p:nvPr/>
-        </p:nvSpPr>
-        <p:spPr bwMode="auto">
-          <a:xfrm>
-            <a:off x="11902203" y="25648416"/>
-            <a:ext cx="3895401" cy="256816"/>
-          </a:xfrm>
-          <a:prstGeom prst="rect">
-            <a:avLst/>
-          </a:prstGeom>
-          <a:noFill/>
-          <a:ln>
-            <a:noFill/>
-          </a:ln>
-          <a:effectLst/>
-          <a:extLst>
-            <a:ext uri="{909E8E84-426E-40DD-AFC4-6F175D3DCCD1}">
-              <a14:hiddenFill xmlns:a14="http://schemas.microsoft.com/office/drawing/2010/main">
-                <a:solidFill>
-                  <a:schemeClr val="bg1"/>
-                </a:solidFill>
-              </a14:hiddenFill>
-            </a:ext>
-            <a:ext uri="{91240B29-F687-4F45-9708-019B960494DF}">
-              <a14:hiddenLine xmlns:a14="http://schemas.microsoft.com/office/drawing/2010/main" w="57150" cmpd="thinThick">
-                <a:solidFill>
-                  <a:schemeClr val="tx1"/>
-                </a:solidFill>
-                <a:miter lim="800000"/>
-                <a:headEnd/>
-                <a:tailEnd/>
-              </a14:hiddenLine>
-            </a:ext>
-            <a:ext uri="{AF507438-7753-43E0-B8FC-AC1667EBCBE1}">
-              <a14:hiddenEffects xmlns:a14="http://schemas.microsoft.com/office/drawing/2010/main">
-                <a:effectLst>
-                  <a:outerShdw dist="35921" dir="2700000" algn="ctr" rotWithShape="0">
-                    <a:schemeClr val="bg2"/>
-                  </a:outerShdw>
-                </a:effectLst>
-              </a14:hiddenEffects>
-            </a:ext>
-          </a:extLst>
-        </p:spPr>
-        <p:txBody>
-          <a:bodyPr wrap="square" lIns="40974" tIns="20486" rIns="40974" bIns="20486">
-            <a:spAutoFit/>
-          </a:bodyPr>
-          <a:lstStyle>
-            <a:lvl1pPr defTabSz="488950" eaLnBrk="0" hangingPunct="0">
-              <a:defRPr sz="6900">
-                <a:solidFill>
-                  <a:schemeClr val="tx1"/>
-                </a:solidFill>
-                <a:latin typeface="Arial" charset="0"/>
-              </a:defRPr>
-            </a:lvl1pPr>
-            <a:lvl2pPr marL="742950" indent="-285750" defTabSz="488950" eaLnBrk="0" hangingPunct="0">
-              <a:defRPr sz="6900">
-                <a:solidFill>
-                  <a:schemeClr val="tx1"/>
-                </a:solidFill>
-                <a:latin typeface="Arial" charset="0"/>
-              </a:defRPr>
-            </a:lvl2pPr>
-            <a:lvl3pPr marL="1143000" indent="-228600" defTabSz="488950" eaLnBrk="0" hangingPunct="0">
-              <a:defRPr sz="6900">
-                <a:solidFill>
-                  <a:schemeClr val="tx1"/>
-                </a:solidFill>
-                <a:latin typeface="Arial" charset="0"/>
-              </a:defRPr>
-            </a:lvl3pPr>
-            <a:lvl4pPr marL="1600200" indent="-228600" defTabSz="488950" eaLnBrk="0" hangingPunct="0">
-              <a:defRPr sz="6900">
-                <a:solidFill>
-                  <a:schemeClr val="tx1"/>
-                </a:solidFill>
-                <a:latin typeface="Arial" charset="0"/>
-              </a:defRPr>
-            </a:lvl4pPr>
-            <a:lvl5pPr marL="2057400" indent="-228600" defTabSz="488950" eaLnBrk="0" hangingPunct="0">
-              <a:defRPr sz="6900">
-                <a:solidFill>
-                  <a:schemeClr val="tx1"/>
-                </a:solidFill>
-                <a:latin typeface="Arial" charset="0"/>
-              </a:defRPr>
-            </a:lvl5pPr>
-            <a:lvl6pPr marL="2514600" indent="-228600" algn="ctr" defTabSz="488950" eaLnBrk="0" fontAlgn="base" hangingPunct="0">
-              <a:spcBef>
-                <a:spcPct val="0"/>
-              </a:spcBef>
-              <a:spcAft>
-                <a:spcPct val="0"/>
-              </a:spcAft>
-              <a:defRPr sz="6900">
-                <a:solidFill>
-                  <a:schemeClr val="tx1"/>
-                </a:solidFill>
-                <a:latin typeface="Arial" charset="0"/>
-              </a:defRPr>
-            </a:lvl6pPr>
-            <a:lvl7pPr marL="2971800" indent="-228600" algn="ctr" defTabSz="488950" eaLnBrk="0" fontAlgn="base" hangingPunct="0">
-              <a:spcBef>
-                <a:spcPct val="0"/>
-              </a:spcBef>
-              <a:spcAft>
-                <a:spcPct val="0"/>
-              </a:spcAft>
-              <a:defRPr sz="6900">
-                <a:solidFill>
-                  <a:schemeClr val="tx1"/>
-                </a:solidFill>
-                <a:latin typeface="Arial" charset="0"/>
-              </a:defRPr>
-            </a:lvl7pPr>
-            <a:lvl8pPr marL="3429000" indent="-228600" algn="ctr" defTabSz="488950" eaLnBrk="0" fontAlgn="base" hangingPunct="0">
-              <a:spcBef>
-                <a:spcPct val="0"/>
-              </a:spcBef>
-              <a:spcAft>
-                <a:spcPct val="0"/>
-              </a:spcAft>
-              <a:defRPr sz="6900">
-                <a:solidFill>
-                  <a:schemeClr val="tx1"/>
-                </a:solidFill>
-                <a:latin typeface="Arial" charset="0"/>
-              </a:defRPr>
-            </a:lvl8pPr>
-            <a:lvl9pPr marL="3886200" indent="-228600" algn="ctr" defTabSz="488950" eaLnBrk="0" fontAlgn="base" hangingPunct="0">
-              <a:spcBef>
-                <a:spcPct val="0"/>
-              </a:spcBef>
-              <a:spcAft>
-                <a:spcPct val="0"/>
-              </a:spcAft>
-              <a:defRPr sz="6900">
-                <a:solidFill>
-                  <a:schemeClr val="tx1"/>
-                </a:solidFill>
-                <a:latin typeface="Arial" charset="0"/>
-              </a:defRPr>
-            </a:lvl9pPr>
-          </a:lstStyle>
-          <a:p>
-            <a:pPr rtl="1"/>
-            <a:r>
-              <a:rPr lang="fa-IR" altLang="en-US" sz="1400" dirty="0">
-                <a:latin typeface="Times New Roman" pitchFamily="18" charset="0"/>
-                <a:cs typeface="B Nazanin" panose="00000400000000000000" pitchFamily="2" charset="-78"/>
-              </a:rPr>
-              <a:t>شکل ۴: ساختار درونی برد </a:t>
-            </a:r>
-            <a:r>
-              <a:rPr lang="en-US" altLang="en-US" sz="1400" dirty="0">
-                <a:latin typeface="Times New Roman" pitchFamily="18" charset="0"/>
-                <a:cs typeface="B Nazanin" panose="00000400000000000000" pitchFamily="2" charset="-78"/>
-              </a:rPr>
-              <a:t>PYNQ</a:t>
-            </a:r>
-            <a:endParaRPr lang="fa-IR" altLang="en-US" sz="1400" dirty="0">
-              <a:latin typeface="Times New Roman" pitchFamily="18" charset="0"/>
-              <a:cs typeface="B Nazanin" panose="00000400000000000000" pitchFamily="2" charset="-78"/>
-            </a:endParaRPr>
-          </a:p>
-        </p:txBody>
-      </p:sp>
-      <p:sp>
-        <p:nvSpPr>
-          <p:cNvPr id="20" name="Text Box 36">
-            <a:extLst>
-              <a:ext uri="{FF2B5EF4-FFF2-40B4-BE49-F238E27FC236}">
-                <a16:creationId xmlns:a16="http://schemas.microsoft.com/office/drawing/2014/main" id="{BACF8915-23E0-28AB-D782-E662F1505249}"/>
-              </a:ext>
-            </a:extLst>
-          </p:cNvPr>
-          <p:cNvSpPr txBox="1">
-            <a:spLocks noChangeArrowheads="1"/>
-          </p:cNvSpPr>
-          <p:nvPr/>
-        </p:nvSpPr>
-        <p:spPr bwMode="auto">
-          <a:xfrm>
-            <a:off x="16469048" y="22578192"/>
-            <a:ext cx="3777291" cy="3088360"/>
-          </a:xfrm>
-          <a:prstGeom prst="rect">
-            <a:avLst/>
-          </a:prstGeom>
-          <a:noFill/>
-          <a:ln>
-            <a:noFill/>
-          </a:ln>
-          <a:effectLst/>
-          <a:extLst>
-            <a:ext uri="{909E8E84-426E-40DD-AFC4-6F175D3DCCD1}">
-              <a14:hiddenFill xmlns:a14="http://schemas.microsoft.com/office/drawing/2010/main">
-                <a:solidFill>
-                  <a:schemeClr val="bg1"/>
-                </a:solidFill>
-              </a14:hiddenFill>
-            </a:ext>
-            <a:ext uri="{91240B29-F687-4F45-9708-019B960494DF}">
-              <a14:hiddenLine xmlns:a14="http://schemas.microsoft.com/office/drawing/2010/main" w="57150" cmpd="thinThick">
-                <a:solidFill>
-                  <a:schemeClr val="tx1"/>
-                </a:solidFill>
-                <a:miter lim="800000"/>
-                <a:headEnd/>
-                <a:tailEnd/>
-              </a14:hiddenLine>
-            </a:ext>
-            <a:ext uri="{AF507438-7753-43E0-B8FC-AC1667EBCBE1}">
-              <a14:hiddenEffects xmlns:a14="http://schemas.microsoft.com/office/drawing/2010/main">
-                <a:effectLst>
-                  <a:outerShdw dist="35921" dir="2700000" algn="ctr" rotWithShape="0">
-                    <a:schemeClr val="bg2"/>
-                  </a:outerShdw>
-                </a:effectLst>
-              </a14:hiddenEffects>
-            </a:ext>
-          </a:extLst>
-        </p:spPr>
-        <p:txBody>
-          <a:bodyPr wrap="square" lIns="40974" tIns="20486" rIns="40974" bIns="20486">
-            <a:spAutoFit/>
-          </a:bodyPr>
-          <a:lstStyle>
-            <a:lvl1pPr defTabSz="488950" eaLnBrk="0" hangingPunct="0">
-              <a:defRPr sz="6900">
-                <a:solidFill>
-                  <a:schemeClr val="tx1"/>
-                </a:solidFill>
-                <a:latin typeface="Arial" charset="0"/>
-              </a:defRPr>
-            </a:lvl1pPr>
-            <a:lvl2pPr marL="742950" indent="-285750" defTabSz="488950" eaLnBrk="0" hangingPunct="0">
-              <a:defRPr sz="6900">
-                <a:solidFill>
-                  <a:schemeClr val="tx1"/>
-                </a:solidFill>
-                <a:latin typeface="Arial" charset="0"/>
-              </a:defRPr>
-            </a:lvl2pPr>
-            <a:lvl3pPr marL="1143000" indent="-228600" defTabSz="488950" eaLnBrk="0" hangingPunct="0">
-              <a:defRPr sz="6900">
-                <a:solidFill>
-                  <a:schemeClr val="tx1"/>
-                </a:solidFill>
-                <a:latin typeface="Arial" charset="0"/>
-              </a:defRPr>
-            </a:lvl3pPr>
-            <a:lvl4pPr marL="1600200" indent="-228600" defTabSz="488950" eaLnBrk="0" hangingPunct="0">
-              <a:defRPr sz="6900">
-                <a:solidFill>
-                  <a:schemeClr val="tx1"/>
-                </a:solidFill>
-                <a:latin typeface="Arial" charset="0"/>
-              </a:defRPr>
-            </a:lvl4pPr>
-            <a:lvl5pPr marL="2057400" indent="-228600" defTabSz="488950" eaLnBrk="0" hangingPunct="0">
-              <a:defRPr sz="6900">
-                <a:solidFill>
-                  <a:schemeClr val="tx1"/>
-                </a:solidFill>
-                <a:latin typeface="Arial" charset="0"/>
-              </a:defRPr>
-            </a:lvl5pPr>
-            <a:lvl6pPr marL="2514600" indent="-228600" algn="ctr" defTabSz="488950" eaLnBrk="0" fontAlgn="base" hangingPunct="0">
-              <a:spcBef>
-                <a:spcPct val="0"/>
-              </a:spcBef>
-              <a:spcAft>
-                <a:spcPct val="0"/>
-              </a:spcAft>
-              <a:defRPr sz="6900">
-                <a:solidFill>
-                  <a:schemeClr val="tx1"/>
-                </a:solidFill>
-                <a:latin typeface="Arial" charset="0"/>
-              </a:defRPr>
-            </a:lvl6pPr>
-            <a:lvl7pPr marL="2971800" indent="-228600" algn="ctr" defTabSz="488950" eaLnBrk="0" fontAlgn="base" hangingPunct="0">
-              <a:spcBef>
-                <a:spcPct val="0"/>
-              </a:spcBef>
-              <a:spcAft>
-                <a:spcPct val="0"/>
-              </a:spcAft>
-              <a:defRPr sz="6900">
-                <a:solidFill>
-                  <a:schemeClr val="tx1"/>
-                </a:solidFill>
-                <a:latin typeface="Arial" charset="0"/>
-              </a:defRPr>
-            </a:lvl7pPr>
-            <a:lvl8pPr marL="3429000" indent="-228600" algn="ctr" defTabSz="488950" eaLnBrk="0" fontAlgn="base" hangingPunct="0">
-              <a:spcBef>
-                <a:spcPct val="0"/>
-              </a:spcBef>
-              <a:spcAft>
-                <a:spcPct val="0"/>
-              </a:spcAft>
-              <a:defRPr sz="6900">
-                <a:solidFill>
-                  <a:schemeClr val="tx1"/>
-                </a:solidFill>
-                <a:latin typeface="Arial" charset="0"/>
-              </a:defRPr>
-            </a:lvl8pPr>
-            <a:lvl9pPr marL="3886200" indent="-228600" algn="ctr" defTabSz="488950" eaLnBrk="0" fontAlgn="base" hangingPunct="0">
-              <a:spcBef>
-                <a:spcPct val="0"/>
-              </a:spcBef>
-              <a:spcAft>
-                <a:spcPct val="0"/>
-              </a:spcAft>
-              <a:defRPr sz="6900">
-                <a:solidFill>
-                  <a:schemeClr val="tx1"/>
-                </a:solidFill>
-                <a:latin typeface="Arial" charset="0"/>
-              </a:defRPr>
-            </a:lvl9pPr>
-          </a:lstStyle>
-          <a:p>
-            <a:pPr algn="just" rtl="1"/>
-            <a:r>
-              <a:rPr lang="fa-IR" altLang="en-US" sz="1800" dirty="0">
-                <a:latin typeface="Times New Roman" pitchFamily="18" charset="0"/>
-                <a:cs typeface="B Nazanin" panose="00000400000000000000" pitchFamily="2" charset="-78"/>
-              </a:rPr>
-              <a:t>برد </a:t>
-            </a:r>
-            <a:r>
-              <a:rPr lang="en-US" altLang="en-US" sz="1600" dirty="0">
-                <a:latin typeface="Times New Roman" pitchFamily="18" charset="0"/>
-                <a:cs typeface="B Nazanin" panose="00000400000000000000" pitchFamily="2" charset="-78"/>
-              </a:rPr>
-              <a:t>PYNQ</a:t>
-            </a:r>
-            <a:r>
-              <a:rPr lang="fa-IR" altLang="en-US" sz="1800" dirty="0">
-                <a:latin typeface="Times New Roman" pitchFamily="18" charset="0"/>
-                <a:cs typeface="B Nazanin" panose="00000400000000000000" pitchFamily="2" charset="-78"/>
-              </a:rPr>
-              <a:t>، که بر پایه‌ی چارچوب </a:t>
-            </a:r>
-            <a:r>
-              <a:rPr lang="en-US" altLang="en-US" sz="1600" dirty="0">
-                <a:latin typeface="Times New Roman" pitchFamily="18" charset="0"/>
-                <a:cs typeface="B Nazanin" panose="00000400000000000000" pitchFamily="2" charset="-78"/>
-              </a:rPr>
-              <a:t>Xilinx ZYNQ</a:t>
-            </a:r>
-            <a:r>
-              <a:rPr lang="fa-IR" altLang="en-US" sz="1600" dirty="0">
-                <a:latin typeface="Times New Roman" pitchFamily="18" charset="0"/>
-                <a:cs typeface="B Nazanin" panose="00000400000000000000" pitchFamily="2" charset="-78"/>
-              </a:rPr>
-              <a:t> </a:t>
-            </a:r>
-            <a:r>
-              <a:rPr lang="fa-IR" altLang="en-US" sz="1800" dirty="0">
-                <a:latin typeface="Times New Roman" pitchFamily="18" charset="0"/>
-                <a:cs typeface="B Nazanin" panose="00000400000000000000" pitchFamily="2" charset="-78"/>
-              </a:rPr>
-              <a:t>ساخته شده است، از دو بخش اصلی تشکیل می‌شود:</a:t>
-            </a:r>
-          </a:p>
-          <a:p>
-            <a:pPr marL="285750" indent="-285750" algn="just" rtl="1">
-              <a:buFont typeface="Arial" panose="020B0604020202020204" pitchFamily="34" charset="0"/>
-              <a:buChar char="•"/>
-            </a:pPr>
-            <a:r>
-              <a:rPr lang="en-US" altLang="en-US" sz="1600" dirty="0">
-                <a:latin typeface="Times New Roman" pitchFamily="18" charset="0"/>
-                <a:cs typeface="B Nazanin" panose="00000400000000000000" pitchFamily="2" charset="-78"/>
-              </a:rPr>
-              <a:t>Processing System</a:t>
-            </a:r>
-            <a:r>
-              <a:rPr lang="fa-IR" altLang="en-US" sz="1600" dirty="0">
-                <a:latin typeface="Times New Roman" pitchFamily="18" charset="0"/>
-                <a:cs typeface="B Nazanin" panose="00000400000000000000" pitchFamily="2" charset="-78"/>
-              </a:rPr>
-              <a:t> </a:t>
-            </a:r>
-            <a:r>
-              <a:rPr lang="fa-IR" altLang="en-US" sz="1800" dirty="0">
-                <a:latin typeface="Times New Roman" pitchFamily="18" charset="0"/>
-                <a:cs typeface="B Nazanin" panose="00000400000000000000" pitchFamily="2" charset="-78"/>
-              </a:rPr>
-              <a:t>یا </a:t>
-            </a:r>
-            <a:r>
-              <a:rPr lang="en-US" altLang="en-US" sz="1600" dirty="0">
-                <a:latin typeface="Times New Roman" pitchFamily="18" charset="0"/>
-                <a:cs typeface="B Nazanin" panose="00000400000000000000" pitchFamily="2" charset="-78"/>
-              </a:rPr>
-              <a:t>PS</a:t>
-            </a:r>
-            <a:r>
-              <a:rPr lang="fa-IR" altLang="en-US" sz="1800" dirty="0">
-                <a:latin typeface="Times New Roman" pitchFamily="18" charset="0"/>
-                <a:cs typeface="B Nazanin" panose="00000400000000000000" pitchFamily="2" charset="-78"/>
-              </a:rPr>
-              <a:t>، که شامل پردازنده‌ی </a:t>
-            </a:r>
-            <a:r>
-              <a:rPr lang="en-US" altLang="en-US" sz="1600" dirty="0">
-                <a:latin typeface="Times New Roman" pitchFamily="18" charset="0"/>
-                <a:cs typeface="B Nazanin" panose="00000400000000000000" pitchFamily="2" charset="-78"/>
-              </a:rPr>
-              <a:t>ARM Cortex-A9</a:t>
-            </a:r>
-            <a:r>
-              <a:rPr lang="fa-IR" altLang="en-US" sz="1600" dirty="0">
-                <a:latin typeface="Times New Roman" pitchFamily="18" charset="0"/>
-                <a:cs typeface="B Nazanin" panose="00000400000000000000" pitchFamily="2" charset="-78"/>
-              </a:rPr>
-              <a:t> </a:t>
-            </a:r>
-            <a:r>
-              <a:rPr lang="fa-IR" altLang="en-US" sz="1800" dirty="0">
-                <a:latin typeface="Times New Roman" pitchFamily="18" charset="0"/>
-                <a:cs typeface="B Nazanin" panose="00000400000000000000" pitchFamily="2" charset="-78"/>
-              </a:rPr>
-              <a:t>دارای سیستم‌عامل </a:t>
-            </a:r>
-            <a:r>
-              <a:rPr lang="en-US" altLang="en-US" sz="1600" dirty="0">
-                <a:latin typeface="Times New Roman" pitchFamily="18" charset="0"/>
-                <a:cs typeface="B Nazanin" panose="00000400000000000000" pitchFamily="2" charset="-78"/>
-              </a:rPr>
-              <a:t>Linux</a:t>
-            </a:r>
-            <a:r>
-              <a:rPr lang="fa-IR" altLang="en-US" sz="1800" dirty="0">
-                <a:latin typeface="Times New Roman" pitchFamily="18" charset="0"/>
-                <a:cs typeface="B Nazanin" panose="00000400000000000000" pitchFamily="2" charset="-78"/>
-              </a:rPr>
-              <a:t> است و قابلیت اجرای برنامه‌های به زبان پایتون را دارد. این برنامه‌ها، بخش‌های سخت‌افزاری روی برد </a:t>
-            </a:r>
-            <a:r>
-              <a:rPr lang="en-US" altLang="en-US" sz="1600" dirty="0">
-                <a:latin typeface="Times New Roman" pitchFamily="18" charset="0"/>
-                <a:cs typeface="B Nazanin" panose="00000400000000000000" pitchFamily="2" charset="-78"/>
-              </a:rPr>
-              <a:t>PYNQ</a:t>
-            </a:r>
-            <a:r>
-              <a:rPr lang="fa-IR" altLang="en-US" sz="1800" dirty="0">
-                <a:latin typeface="Times New Roman" pitchFamily="18" charset="0"/>
-                <a:cs typeface="B Nazanin" panose="00000400000000000000" pitchFamily="2" charset="-78"/>
-              </a:rPr>
-              <a:t> را مدیریت می‌کنند.</a:t>
-            </a:r>
-          </a:p>
-          <a:p>
-            <a:pPr marL="285750" indent="-285750" algn="just" rtl="1">
-              <a:buFont typeface="Arial" panose="020B0604020202020204" pitchFamily="34" charset="0"/>
-              <a:buChar char="•"/>
-            </a:pPr>
-            <a:r>
-              <a:rPr lang="en-US" altLang="en-US" sz="1600" dirty="0">
-                <a:latin typeface="Times New Roman" pitchFamily="18" charset="0"/>
-                <a:cs typeface="B Nazanin" panose="00000400000000000000" pitchFamily="2" charset="-78"/>
-              </a:rPr>
-              <a:t>Programmable Logic</a:t>
-            </a:r>
-            <a:r>
-              <a:rPr lang="fa-IR" altLang="en-US" sz="1600" dirty="0">
-                <a:latin typeface="Times New Roman" pitchFamily="18" charset="0"/>
-                <a:cs typeface="B Nazanin" panose="00000400000000000000" pitchFamily="2" charset="-78"/>
-              </a:rPr>
-              <a:t> </a:t>
-            </a:r>
-            <a:r>
-              <a:rPr lang="fa-IR" altLang="en-US" sz="1800" dirty="0">
-                <a:latin typeface="Times New Roman" pitchFamily="18" charset="0"/>
-                <a:cs typeface="B Nazanin" panose="00000400000000000000" pitchFamily="2" charset="-78"/>
-              </a:rPr>
-              <a:t>یا </a:t>
-            </a:r>
-            <a:r>
-              <a:rPr lang="en-US" altLang="en-US" sz="1600" dirty="0">
-                <a:latin typeface="Times New Roman" pitchFamily="18" charset="0"/>
-                <a:cs typeface="B Nazanin" panose="00000400000000000000" pitchFamily="2" charset="-78"/>
-              </a:rPr>
-              <a:t>PL</a:t>
-            </a:r>
-            <a:r>
-              <a:rPr lang="fa-IR" altLang="en-US" sz="1800" dirty="0">
-                <a:latin typeface="Times New Roman" pitchFamily="18" charset="0"/>
-                <a:cs typeface="B Nazanin" panose="00000400000000000000" pitchFamily="2" charset="-78"/>
-              </a:rPr>
-              <a:t>، که قابلیت برنامه‌ریزی به صورت سخت‌افزاری را دارد و مبتنی بر </a:t>
-            </a:r>
-            <a:r>
-              <a:rPr lang="en-US" altLang="en-US" sz="1600" dirty="0">
-                <a:latin typeface="Times New Roman" pitchFamily="18" charset="0"/>
-                <a:cs typeface="B Nazanin" panose="00000400000000000000" pitchFamily="2" charset="-78"/>
-              </a:rPr>
-              <a:t>FPGA</a:t>
-            </a:r>
-            <a:r>
-              <a:rPr lang="fa-IR" altLang="en-US" sz="1800" dirty="0">
-                <a:latin typeface="Times New Roman" pitchFamily="18" charset="0"/>
-                <a:cs typeface="B Nazanin" panose="00000400000000000000" pitchFamily="2" charset="-78"/>
-              </a:rPr>
-              <a:t> می‌باشد.</a:t>
-            </a:r>
-            <a:endParaRPr lang="fa-IR" altLang="en-US" sz="2000" dirty="0">
-              <a:latin typeface="Times New Roman" pitchFamily="18" charset="0"/>
-              <a:cs typeface="B Nazanin" panose="00000400000000000000" pitchFamily="2" charset="-78"/>
-            </a:endParaRPr>
-          </a:p>
-        </p:txBody>
-      </p:sp>
+          </p:spPr>
+          <p:txBody>
+            <a:bodyPr wrap="square" lIns="40974" tIns="20486" rIns="40974" bIns="20486">
+              <a:spAutoFit/>
+            </a:bodyPr>
+            <a:lstStyle>
+              <a:lvl1pPr defTabSz="488950" eaLnBrk="0" hangingPunct="0">
+                <a:defRPr sz="6900">
+                  <a:solidFill>
+                    <a:schemeClr val="tx1"/>
+                  </a:solidFill>
+                  <a:latin typeface="Arial" charset="0"/>
+                </a:defRPr>
+              </a:lvl1pPr>
+              <a:lvl2pPr marL="742950" indent="-285750" defTabSz="488950" eaLnBrk="0" hangingPunct="0">
+                <a:defRPr sz="6900">
+                  <a:solidFill>
+                    <a:schemeClr val="tx1"/>
+                  </a:solidFill>
+                  <a:latin typeface="Arial" charset="0"/>
+                </a:defRPr>
+              </a:lvl2pPr>
+              <a:lvl3pPr marL="1143000" indent="-228600" defTabSz="488950" eaLnBrk="0" hangingPunct="0">
+                <a:defRPr sz="6900">
+                  <a:solidFill>
+                    <a:schemeClr val="tx1"/>
+                  </a:solidFill>
+                  <a:latin typeface="Arial" charset="0"/>
+                </a:defRPr>
+              </a:lvl3pPr>
+              <a:lvl4pPr marL="1600200" indent="-228600" defTabSz="488950" eaLnBrk="0" hangingPunct="0">
+                <a:defRPr sz="6900">
+                  <a:solidFill>
+                    <a:schemeClr val="tx1"/>
+                  </a:solidFill>
+                  <a:latin typeface="Arial" charset="0"/>
+                </a:defRPr>
+              </a:lvl4pPr>
+              <a:lvl5pPr marL="2057400" indent="-228600" defTabSz="488950" eaLnBrk="0" hangingPunct="0">
+                <a:defRPr sz="6900">
+                  <a:solidFill>
+                    <a:schemeClr val="tx1"/>
+                  </a:solidFill>
+                  <a:latin typeface="Arial" charset="0"/>
+                </a:defRPr>
+              </a:lvl5pPr>
+              <a:lvl6pPr marL="2514600" indent="-228600" algn="ctr" defTabSz="488950" eaLnBrk="0" fontAlgn="base" hangingPunct="0">
+                <a:spcBef>
+                  <a:spcPct val="0"/>
+                </a:spcBef>
+                <a:spcAft>
+                  <a:spcPct val="0"/>
+                </a:spcAft>
+                <a:defRPr sz="6900">
+                  <a:solidFill>
+                    <a:schemeClr val="tx1"/>
+                  </a:solidFill>
+                  <a:latin typeface="Arial" charset="0"/>
+                </a:defRPr>
+              </a:lvl6pPr>
+              <a:lvl7pPr marL="2971800" indent="-228600" algn="ctr" defTabSz="488950" eaLnBrk="0" fontAlgn="base" hangingPunct="0">
+                <a:spcBef>
+                  <a:spcPct val="0"/>
+                </a:spcBef>
+                <a:spcAft>
+                  <a:spcPct val="0"/>
+                </a:spcAft>
+                <a:defRPr sz="6900">
+                  <a:solidFill>
+                    <a:schemeClr val="tx1"/>
+                  </a:solidFill>
+                  <a:latin typeface="Arial" charset="0"/>
+                </a:defRPr>
+              </a:lvl7pPr>
+              <a:lvl8pPr marL="3429000" indent="-228600" algn="ctr" defTabSz="488950" eaLnBrk="0" fontAlgn="base" hangingPunct="0">
+                <a:spcBef>
+                  <a:spcPct val="0"/>
+                </a:spcBef>
+                <a:spcAft>
+                  <a:spcPct val="0"/>
+                </a:spcAft>
+                <a:defRPr sz="6900">
+                  <a:solidFill>
+                    <a:schemeClr val="tx1"/>
+                  </a:solidFill>
+                  <a:latin typeface="Arial" charset="0"/>
+                </a:defRPr>
+              </a:lvl8pPr>
+              <a:lvl9pPr marL="3886200" indent="-228600" algn="ctr" defTabSz="488950" eaLnBrk="0" fontAlgn="base" hangingPunct="0">
+                <a:spcBef>
+                  <a:spcPct val="0"/>
+                </a:spcBef>
+                <a:spcAft>
+                  <a:spcPct val="0"/>
+                </a:spcAft>
+                <a:defRPr sz="6900">
+                  <a:solidFill>
+                    <a:schemeClr val="tx1"/>
+                  </a:solidFill>
+                  <a:latin typeface="Arial" charset="0"/>
+                </a:defRPr>
+              </a:lvl9pPr>
+            </a:lstStyle>
+            <a:p>
+              <a:pPr algn="just" rtl="1"/>
+              <a:r>
+                <a:rPr lang="fa-IR" altLang="en-US" sz="1800" dirty="0">
+                  <a:latin typeface="Times New Roman" pitchFamily="18" charset="0"/>
+                  <a:cs typeface="B Nazanin" panose="00000400000000000000" pitchFamily="2" charset="-78"/>
+                </a:rPr>
+                <a:t>برد </a:t>
+              </a:r>
+              <a:r>
+                <a:rPr lang="en-US" altLang="en-US" sz="1600" dirty="0">
+                  <a:latin typeface="Times New Roman" pitchFamily="18" charset="0"/>
+                  <a:cs typeface="B Nazanin" panose="00000400000000000000" pitchFamily="2" charset="-78"/>
+                </a:rPr>
+                <a:t>PYNQ</a:t>
+              </a:r>
+              <a:r>
+                <a:rPr lang="fa-IR" altLang="en-US" sz="1800" dirty="0">
+                  <a:latin typeface="Times New Roman" pitchFamily="18" charset="0"/>
+                  <a:cs typeface="B Nazanin" panose="00000400000000000000" pitchFamily="2" charset="-78"/>
+                </a:rPr>
+                <a:t>، که بر پایه‌ی چارچوب </a:t>
+              </a:r>
+              <a:r>
+                <a:rPr lang="en-US" altLang="en-US" sz="1600" dirty="0">
+                  <a:latin typeface="Times New Roman" pitchFamily="18" charset="0"/>
+                  <a:cs typeface="B Nazanin" panose="00000400000000000000" pitchFamily="2" charset="-78"/>
+                </a:rPr>
+                <a:t>Xilinx ZYNQ</a:t>
+              </a:r>
+              <a:r>
+                <a:rPr lang="fa-IR" altLang="en-US" sz="1600" dirty="0">
+                  <a:latin typeface="Times New Roman" pitchFamily="18" charset="0"/>
+                  <a:cs typeface="B Nazanin" panose="00000400000000000000" pitchFamily="2" charset="-78"/>
+                </a:rPr>
+                <a:t> </a:t>
+              </a:r>
+              <a:r>
+                <a:rPr lang="fa-IR" altLang="en-US" sz="1800" dirty="0">
+                  <a:latin typeface="Times New Roman" pitchFamily="18" charset="0"/>
+                  <a:cs typeface="B Nazanin" panose="00000400000000000000" pitchFamily="2" charset="-78"/>
+                </a:rPr>
+                <a:t>ساخته شده است، از دو بخش اصلی تشکیل می‌شود:</a:t>
+              </a:r>
+            </a:p>
+            <a:p>
+              <a:pPr marL="285750" indent="-285750" algn="just" rtl="1">
+                <a:buFont typeface="Arial" panose="020B0604020202020204" pitchFamily="34" charset="0"/>
+                <a:buChar char="•"/>
+              </a:pPr>
+              <a:r>
+                <a:rPr lang="en-US" altLang="en-US" sz="1600" dirty="0">
+                  <a:latin typeface="Times New Roman" pitchFamily="18" charset="0"/>
+                  <a:cs typeface="B Nazanin" panose="00000400000000000000" pitchFamily="2" charset="-78"/>
+                </a:rPr>
+                <a:t>Processing System</a:t>
+              </a:r>
+              <a:r>
+                <a:rPr lang="fa-IR" altLang="en-US" sz="1600" dirty="0">
+                  <a:latin typeface="Times New Roman" pitchFamily="18" charset="0"/>
+                  <a:cs typeface="B Nazanin" panose="00000400000000000000" pitchFamily="2" charset="-78"/>
+                </a:rPr>
+                <a:t> </a:t>
+              </a:r>
+              <a:r>
+                <a:rPr lang="fa-IR" altLang="en-US" sz="1800" dirty="0">
+                  <a:latin typeface="Times New Roman" pitchFamily="18" charset="0"/>
+                  <a:cs typeface="B Nazanin" panose="00000400000000000000" pitchFamily="2" charset="-78"/>
+                </a:rPr>
+                <a:t>یا </a:t>
+              </a:r>
+              <a:r>
+                <a:rPr lang="en-US" altLang="en-US" sz="1600" dirty="0">
+                  <a:latin typeface="Times New Roman" pitchFamily="18" charset="0"/>
+                  <a:cs typeface="B Nazanin" panose="00000400000000000000" pitchFamily="2" charset="-78"/>
+                </a:rPr>
+                <a:t>PS</a:t>
+              </a:r>
+              <a:r>
+                <a:rPr lang="fa-IR" altLang="en-US" sz="1800" dirty="0">
+                  <a:latin typeface="Times New Roman" pitchFamily="18" charset="0"/>
+                  <a:cs typeface="B Nazanin" panose="00000400000000000000" pitchFamily="2" charset="-78"/>
+                </a:rPr>
+                <a:t>، که شامل پردازنده‌ی </a:t>
+              </a:r>
+              <a:r>
+                <a:rPr lang="en-US" altLang="en-US" sz="1600" dirty="0">
+                  <a:latin typeface="Times New Roman" pitchFamily="18" charset="0"/>
+                  <a:cs typeface="B Nazanin" panose="00000400000000000000" pitchFamily="2" charset="-78"/>
+                </a:rPr>
+                <a:t>ARM Cortex-A9</a:t>
+              </a:r>
+              <a:r>
+                <a:rPr lang="fa-IR" altLang="en-US" sz="1600" dirty="0">
+                  <a:latin typeface="Times New Roman" pitchFamily="18" charset="0"/>
+                  <a:cs typeface="B Nazanin" panose="00000400000000000000" pitchFamily="2" charset="-78"/>
+                </a:rPr>
+                <a:t> </a:t>
+              </a:r>
+              <a:r>
+                <a:rPr lang="fa-IR" altLang="en-US" sz="1800" dirty="0">
+                  <a:latin typeface="Times New Roman" pitchFamily="18" charset="0"/>
+                  <a:cs typeface="B Nazanin" panose="00000400000000000000" pitchFamily="2" charset="-78"/>
+                </a:rPr>
+                <a:t>دارای سیستم‌عامل </a:t>
+              </a:r>
+              <a:r>
+                <a:rPr lang="en-US" altLang="en-US" sz="1600" dirty="0">
+                  <a:latin typeface="Times New Roman" pitchFamily="18" charset="0"/>
+                  <a:cs typeface="B Nazanin" panose="00000400000000000000" pitchFamily="2" charset="-78"/>
+                </a:rPr>
+                <a:t>Linux</a:t>
+              </a:r>
+              <a:r>
+                <a:rPr lang="fa-IR" altLang="en-US" sz="1800" dirty="0">
+                  <a:latin typeface="Times New Roman" pitchFamily="18" charset="0"/>
+                  <a:cs typeface="B Nazanin" panose="00000400000000000000" pitchFamily="2" charset="-78"/>
+                </a:rPr>
+                <a:t> است و قابلیت اجرای برنامه‌های به زبان پایتون را دارد. این برنامه‌ها، بخش‌های سخت‌افزاری روی برد </a:t>
+              </a:r>
+              <a:r>
+                <a:rPr lang="en-US" altLang="en-US" sz="1600" dirty="0">
+                  <a:latin typeface="Times New Roman" pitchFamily="18" charset="0"/>
+                  <a:cs typeface="B Nazanin" panose="00000400000000000000" pitchFamily="2" charset="-78"/>
+                </a:rPr>
+                <a:t>PYNQ</a:t>
+              </a:r>
+              <a:r>
+                <a:rPr lang="fa-IR" altLang="en-US" sz="1800" dirty="0">
+                  <a:latin typeface="Times New Roman" pitchFamily="18" charset="0"/>
+                  <a:cs typeface="B Nazanin" panose="00000400000000000000" pitchFamily="2" charset="-78"/>
+                </a:rPr>
+                <a:t> را مدیریت می‌کنند.</a:t>
+              </a:r>
+            </a:p>
+            <a:p>
+              <a:pPr marL="285750" indent="-285750" algn="just" rtl="1">
+                <a:buFont typeface="Arial" panose="020B0604020202020204" pitchFamily="34" charset="0"/>
+                <a:buChar char="•"/>
+              </a:pPr>
+              <a:r>
+                <a:rPr lang="en-US" altLang="en-US" sz="1600" dirty="0">
+                  <a:latin typeface="Times New Roman" pitchFamily="18" charset="0"/>
+                  <a:cs typeface="B Nazanin" panose="00000400000000000000" pitchFamily="2" charset="-78"/>
+                </a:rPr>
+                <a:t>Programmable Logic</a:t>
+              </a:r>
+              <a:r>
+                <a:rPr lang="fa-IR" altLang="en-US" sz="1600" dirty="0">
+                  <a:latin typeface="Times New Roman" pitchFamily="18" charset="0"/>
+                  <a:cs typeface="B Nazanin" panose="00000400000000000000" pitchFamily="2" charset="-78"/>
+                </a:rPr>
+                <a:t> </a:t>
+              </a:r>
+              <a:r>
+                <a:rPr lang="fa-IR" altLang="en-US" sz="1800" dirty="0">
+                  <a:latin typeface="Times New Roman" pitchFamily="18" charset="0"/>
+                  <a:cs typeface="B Nazanin" panose="00000400000000000000" pitchFamily="2" charset="-78"/>
+                </a:rPr>
+                <a:t>یا </a:t>
+              </a:r>
+              <a:r>
+                <a:rPr lang="en-US" altLang="en-US" sz="1600" dirty="0">
+                  <a:latin typeface="Times New Roman" pitchFamily="18" charset="0"/>
+                  <a:cs typeface="B Nazanin" panose="00000400000000000000" pitchFamily="2" charset="-78"/>
+                </a:rPr>
+                <a:t>PL</a:t>
+              </a:r>
+              <a:r>
+                <a:rPr lang="fa-IR" altLang="en-US" sz="1800" dirty="0">
+                  <a:latin typeface="Times New Roman" pitchFamily="18" charset="0"/>
+                  <a:cs typeface="B Nazanin" panose="00000400000000000000" pitchFamily="2" charset="-78"/>
+                </a:rPr>
+                <a:t>، که قابلیت برنامه‌ریزی به صورت سخت‌افزاری را دارد و مبتنی بر </a:t>
+              </a:r>
+              <a:r>
+                <a:rPr lang="en-US" altLang="en-US" sz="1600" dirty="0">
+                  <a:latin typeface="Times New Roman" pitchFamily="18" charset="0"/>
+                  <a:cs typeface="B Nazanin" panose="00000400000000000000" pitchFamily="2" charset="-78"/>
+                </a:rPr>
+                <a:t>FPGA</a:t>
+              </a:r>
+              <a:r>
+                <a:rPr lang="fa-IR" altLang="en-US" sz="1800" dirty="0">
+                  <a:latin typeface="Times New Roman" pitchFamily="18" charset="0"/>
+                  <a:cs typeface="B Nazanin" panose="00000400000000000000" pitchFamily="2" charset="-78"/>
+                </a:rPr>
+                <a:t> می‌باشد.</a:t>
+              </a:r>
+              <a:endParaRPr lang="fa-IR" altLang="en-US" sz="2000" dirty="0">
+                <a:latin typeface="Times New Roman" pitchFamily="18" charset="0"/>
+                <a:cs typeface="B Nazanin" panose="00000400000000000000" pitchFamily="2" charset="-78"/>
+              </a:endParaRPr>
+            </a:p>
+          </p:txBody>
+        </p:sp>
+      </p:grpSp>
       <p:sp>
         <p:nvSpPr>
           <p:cNvPr id="32" name="TextBox 31">
@@ -9932,320 +8779,294 @@
           </a:p>
         </p:txBody>
       </p:sp>
-      <p:pic>
-        <p:nvPicPr>
-          <p:cNvPr id="52" name="Picture 2" descr="Introduction to Convolutional Neural Networks Architecture">
+      <p:grpSp>
+        <p:nvGrpSpPr>
+          <p:cNvPr id="57" name="Group 56">
             <a:extLst>
               <a:ext uri="{FF2B5EF4-FFF2-40B4-BE49-F238E27FC236}">
-                <a16:creationId xmlns:a16="http://schemas.microsoft.com/office/drawing/2014/main" id="{BD8C23F9-9F67-4117-A052-1934222C0917}"/>
+                <a16:creationId xmlns:a16="http://schemas.microsoft.com/office/drawing/2014/main" id="{87ED5D8A-2110-436B-8519-FAC6C198AF52}"/>
               </a:ext>
             </a:extLst>
           </p:cNvPr>
-          <p:cNvPicPr>
-            <a:picLocks noChangeAspect="1" noChangeArrowheads="1"/>
-          </p:cNvPicPr>
+          <p:cNvGrpSpPr/>
           <p:nvPr/>
-        </p:nvPicPr>
-        <p:blipFill>
-          <a:blip r:embed="rId16">
+        </p:nvGrpSpPr>
+        <p:grpSpPr>
+          <a:xfrm>
+            <a:off x="11363626" y="24986468"/>
+            <a:ext cx="9079116" cy="4164094"/>
+            <a:chOff x="11363626" y="22845153"/>
+            <a:chExt cx="9079116" cy="4164094"/>
+          </a:xfrm>
+        </p:grpSpPr>
+        <p:sp>
+          <p:nvSpPr>
+            <p:cNvPr id="53" name="Text Box 36">
+              <a:extLst>
+                <a:ext uri="{FF2B5EF4-FFF2-40B4-BE49-F238E27FC236}">
+                  <a16:creationId xmlns:a16="http://schemas.microsoft.com/office/drawing/2014/main" id="{995920B0-46FA-4E42-9600-65B010384E66}"/>
+                </a:ext>
+              </a:extLst>
+            </p:cNvPr>
+            <p:cNvSpPr txBox="1">
+              <a:spLocks noChangeArrowheads="1"/>
+            </p:cNvSpPr>
+            <p:nvPr/>
+          </p:nvSpPr>
+          <p:spPr bwMode="auto">
+            <a:xfrm>
+              <a:off x="12506961" y="26752431"/>
+              <a:ext cx="6581286" cy="256816"/>
+            </a:xfrm>
+            <a:prstGeom prst="rect">
+              <a:avLst/>
+            </a:prstGeom>
+            <a:noFill/>
+            <a:ln>
+              <a:noFill/>
+            </a:ln>
+            <a:effectLst/>
             <a:extLst>
-              <a:ext uri="{28A0092B-C50C-407E-A947-70E740481C1C}">
-                <a14:useLocalDpi xmlns:a14="http://schemas.microsoft.com/office/drawing/2010/main" val="0"/>
+              <a:ext uri="{909E8E84-426E-40DD-AFC4-6F175D3DCCD1}">
+                <a14:hiddenFill xmlns:a14="http://schemas.microsoft.com/office/drawing/2010/main">
+                  <a:solidFill>
+                    <a:schemeClr val="bg1"/>
+                  </a:solidFill>
+                </a14:hiddenFill>
+              </a:ext>
+              <a:ext uri="{91240B29-F687-4F45-9708-019B960494DF}">
+                <a14:hiddenLine xmlns:a14="http://schemas.microsoft.com/office/drawing/2010/main" w="57150" cmpd="thinThick">
+                  <a:solidFill>
+                    <a:schemeClr val="tx1"/>
+                  </a:solidFill>
+                  <a:miter lim="800000"/>
+                  <a:headEnd/>
+                  <a:tailEnd/>
+                </a14:hiddenLine>
+              </a:ext>
+              <a:ext uri="{AF507438-7753-43E0-B8FC-AC1667EBCBE1}">
+                <a14:hiddenEffects xmlns:a14="http://schemas.microsoft.com/office/drawing/2010/main">
+                  <a:effectLst>
+                    <a:outerShdw dist="35921" dir="2700000" algn="ctr" rotWithShape="0">
+                      <a:schemeClr val="bg2"/>
+                    </a:outerShdw>
+                  </a:effectLst>
+                </a14:hiddenEffects>
               </a:ext>
             </a:extLst>
-          </a:blip>
-          <a:srcRect/>
-          <a:stretch>
-            <a:fillRect/>
-          </a:stretch>
-        </p:blipFill>
-        <p:spPr bwMode="auto">
-          <a:xfrm>
-            <a:off x="11902203" y="20006597"/>
-            <a:ext cx="4264553" cy="1790995"/>
-          </a:xfrm>
-          <a:prstGeom prst="rect">
-            <a:avLst/>
-          </a:prstGeom>
-          <a:noFill/>
-          <a:extLst>
-            <a:ext uri="{909E8E84-426E-40DD-AFC4-6F175D3DCCD1}">
-              <a14:hiddenFill xmlns:a14="http://schemas.microsoft.com/office/drawing/2010/main">
-                <a:solidFill>
-                  <a:srgbClr val="FFFFFF"/>
-                </a:solidFill>
-              </a14:hiddenFill>
-            </a:ext>
-          </a:extLst>
-        </p:spPr>
-      </p:pic>
-      <p:sp>
-        <p:nvSpPr>
-          <p:cNvPr id="53" name="Text Box 36">
-            <a:extLst>
-              <a:ext uri="{FF2B5EF4-FFF2-40B4-BE49-F238E27FC236}">
-                <a16:creationId xmlns:a16="http://schemas.microsoft.com/office/drawing/2014/main" id="{995920B0-46FA-4E42-9600-65B010384E66}"/>
-              </a:ext>
-            </a:extLst>
-          </p:cNvPr>
-          <p:cNvSpPr txBox="1">
-            <a:spLocks noChangeArrowheads="1"/>
-          </p:cNvSpPr>
-          <p:nvPr/>
-        </p:nvSpPr>
-        <p:spPr bwMode="auto">
-          <a:xfrm>
-            <a:off x="12506961" y="28962878"/>
-            <a:ext cx="6581286" cy="256816"/>
-          </a:xfrm>
-          <a:prstGeom prst="rect">
-            <a:avLst/>
-          </a:prstGeom>
-          <a:noFill/>
-          <a:ln>
-            <a:noFill/>
-          </a:ln>
-          <a:effectLst/>
-          <a:extLst>
-            <a:ext uri="{909E8E84-426E-40DD-AFC4-6F175D3DCCD1}">
-              <a14:hiddenFill xmlns:a14="http://schemas.microsoft.com/office/drawing/2010/main">
-                <a:solidFill>
-                  <a:schemeClr val="bg1"/>
-                </a:solidFill>
-              </a14:hiddenFill>
-            </a:ext>
-            <a:ext uri="{91240B29-F687-4F45-9708-019B960494DF}">
-              <a14:hiddenLine xmlns:a14="http://schemas.microsoft.com/office/drawing/2010/main" w="57150" cmpd="thinThick">
-                <a:solidFill>
-                  <a:schemeClr val="tx1"/>
-                </a:solidFill>
-                <a:miter lim="800000"/>
-                <a:headEnd/>
-                <a:tailEnd/>
-              </a14:hiddenLine>
-            </a:ext>
-            <a:ext uri="{AF507438-7753-43E0-B8FC-AC1667EBCBE1}">
-              <a14:hiddenEffects xmlns:a14="http://schemas.microsoft.com/office/drawing/2010/main">
-                <a:effectLst>
-                  <a:outerShdw dist="35921" dir="2700000" algn="ctr" rotWithShape="0">
-                    <a:schemeClr val="bg2"/>
-                  </a:outerShdw>
-                </a:effectLst>
-              </a14:hiddenEffects>
-            </a:ext>
-          </a:extLst>
-        </p:spPr>
-        <p:txBody>
-          <a:bodyPr wrap="square" lIns="40974" tIns="20486" rIns="40974" bIns="20486">
-            <a:spAutoFit/>
-          </a:bodyPr>
-          <a:lstStyle>
-            <a:lvl1pPr defTabSz="488950" eaLnBrk="0" hangingPunct="0">
-              <a:defRPr sz="6900">
-                <a:solidFill>
-                  <a:schemeClr val="tx1"/>
-                </a:solidFill>
-                <a:latin typeface="Arial" charset="0"/>
-              </a:defRPr>
-            </a:lvl1pPr>
-            <a:lvl2pPr marL="742950" indent="-285750" defTabSz="488950" eaLnBrk="0" hangingPunct="0">
-              <a:defRPr sz="6900">
-                <a:solidFill>
-                  <a:schemeClr val="tx1"/>
-                </a:solidFill>
-                <a:latin typeface="Arial" charset="0"/>
-              </a:defRPr>
-            </a:lvl2pPr>
-            <a:lvl3pPr marL="1143000" indent="-228600" defTabSz="488950" eaLnBrk="0" hangingPunct="0">
-              <a:defRPr sz="6900">
-                <a:solidFill>
-                  <a:schemeClr val="tx1"/>
-                </a:solidFill>
-                <a:latin typeface="Arial" charset="0"/>
-              </a:defRPr>
-            </a:lvl3pPr>
-            <a:lvl4pPr marL="1600200" indent="-228600" defTabSz="488950" eaLnBrk="0" hangingPunct="0">
-              <a:defRPr sz="6900">
-                <a:solidFill>
-                  <a:schemeClr val="tx1"/>
-                </a:solidFill>
-                <a:latin typeface="Arial" charset="0"/>
-              </a:defRPr>
-            </a:lvl4pPr>
-            <a:lvl5pPr marL="2057400" indent="-228600" defTabSz="488950" eaLnBrk="0" hangingPunct="0">
-              <a:defRPr sz="6900">
-                <a:solidFill>
-                  <a:schemeClr val="tx1"/>
-                </a:solidFill>
-                <a:latin typeface="Arial" charset="0"/>
-              </a:defRPr>
-            </a:lvl5pPr>
-            <a:lvl6pPr marL="2514600" indent="-228600" algn="ctr" defTabSz="488950" eaLnBrk="0" fontAlgn="base" hangingPunct="0">
-              <a:spcBef>
-                <a:spcPct val="0"/>
-              </a:spcBef>
-              <a:spcAft>
-                <a:spcPct val="0"/>
-              </a:spcAft>
-              <a:defRPr sz="6900">
-                <a:solidFill>
-                  <a:schemeClr val="tx1"/>
-                </a:solidFill>
-                <a:latin typeface="Arial" charset="0"/>
-              </a:defRPr>
-            </a:lvl6pPr>
-            <a:lvl7pPr marL="2971800" indent="-228600" algn="ctr" defTabSz="488950" eaLnBrk="0" fontAlgn="base" hangingPunct="0">
-              <a:spcBef>
-                <a:spcPct val="0"/>
-              </a:spcBef>
-              <a:spcAft>
-                <a:spcPct val="0"/>
-              </a:spcAft>
-              <a:defRPr sz="6900">
-                <a:solidFill>
-                  <a:schemeClr val="tx1"/>
-                </a:solidFill>
-                <a:latin typeface="Arial" charset="0"/>
-              </a:defRPr>
-            </a:lvl7pPr>
-            <a:lvl8pPr marL="3429000" indent="-228600" algn="ctr" defTabSz="488950" eaLnBrk="0" fontAlgn="base" hangingPunct="0">
-              <a:spcBef>
-                <a:spcPct val="0"/>
-              </a:spcBef>
-              <a:spcAft>
-                <a:spcPct val="0"/>
-              </a:spcAft>
-              <a:defRPr sz="6900">
-                <a:solidFill>
-                  <a:schemeClr val="tx1"/>
-                </a:solidFill>
-                <a:latin typeface="Arial" charset="0"/>
-              </a:defRPr>
-            </a:lvl8pPr>
-            <a:lvl9pPr marL="3886200" indent="-228600" algn="ctr" defTabSz="488950" eaLnBrk="0" fontAlgn="base" hangingPunct="0">
-              <a:spcBef>
-                <a:spcPct val="0"/>
-              </a:spcBef>
-              <a:spcAft>
-                <a:spcPct val="0"/>
-              </a:spcAft>
-              <a:defRPr sz="6900">
-                <a:solidFill>
-                  <a:schemeClr val="tx1"/>
-                </a:solidFill>
-                <a:latin typeface="Arial" charset="0"/>
-              </a:defRPr>
-            </a:lvl9pPr>
-          </a:lstStyle>
-          <a:p>
-            <a:pPr rtl="1"/>
-            <a:r>
-              <a:rPr lang="fa-IR" altLang="en-US" sz="1400" dirty="0">
-                <a:latin typeface="Times New Roman" pitchFamily="18" charset="0"/>
-                <a:cs typeface="B Nazanin" panose="00000400000000000000" pitchFamily="2" charset="-78"/>
-              </a:rPr>
-              <a:t>شکل ۵: شکل کلی </a:t>
-            </a:r>
-            <a:r>
-              <a:rPr lang="fa-IR" altLang="en-US" sz="1400" dirty="0" err="1">
-                <a:latin typeface="Times New Roman" pitchFamily="18" charset="0"/>
-                <a:cs typeface="B Nazanin" panose="00000400000000000000" pitchFamily="2" charset="-78"/>
-              </a:rPr>
-              <a:t>پیاده‌سازی</a:t>
-            </a:r>
-            <a:r>
-              <a:rPr lang="fa-IR" altLang="en-US" sz="1400" dirty="0">
-                <a:latin typeface="Times New Roman" pitchFamily="18" charset="0"/>
-                <a:cs typeface="B Nazanin" panose="00000400000000000000" pitchFamily="2" charset="-78"/>
-              </a:rPr>
-              <a:t> </a:t>
-            </a:r>
-            <a:r>
-              <a:rPr lang="fa-IR" altLang="en-US" sz="1400" dirty="0" err="1">
-                <a:latin typeface="Times New Roman" pitchFamily="18" charset="0"/>
-                <a:cs typeface="B Nazanin" panose="00000400000000000000" pitchFamily="2" charset="-78"/>
-              </a:rPr>
-              <a:t>سخت‌افزاری</a:t>
-            </a:r>
-            <a:r>
-              <a:rPr lang="fa-IR" altLang="en-US" sz="1400" dirty="0">
-                <a:latin typeface="Times New Roman" pitchFamily="18" charset="0"/>
-                <a:cs typeface="B Nazanin" panose="00000400000000000000" pitchFamily="2" charset="-78"/>
-              </a:rPr>
-              <a:t> شبکه عصبی </a:t>
-            </a:r>
-            <a:r>
-              <a:rPr lang="en-US" altLang="en-US" sz="1200" dirty="0">
-                <a:latin typeface="Times New Roman" pitchFamily="18" charset="0"/>
-                <a:cs typeface="B Nazanin" panose="00000400000000000000" pitchFamily="2" charset="-78"/>
-              </a:rPr>
-              <a:t>CNN</a:t>
-            </a:r>
-            <a:r>
-              <a:rPr lang="fa-IR" altLang="en-US" sz="1400" dirty="0">
-                <a:latin typeface="Times New Roman" pitchFamily="18" charset="0"/>
-                <a:cs typeface="B Nazanin" panose="00000400000000000000" pitchFamily="2" charset="-78"/>
-              </a:rPr>
-              <a:t> به صورت ترکیبی از کنترل </a:t>
-            </a:r>
-            <a:r>
-              <a:rPr lang="en-US" altLang="en-US" sz="1200" dirty="0">
-                <a:latin typeface="Times New Roman" pitchFamily="18" charset="0"/>
-                <a:cs typeface="B Nazanin" panose="00000400000000000000" pitchFamily="2" charset="-78"/>
-              </a:rPr>
-              <a:t>PS</a:t>
-            </a:r>
-            <a:r>
-              <a:rPr lang="fa-IR" altLang="en-US" sz="1400" dirty="0">
-                <a:latin typeface="Times New Roman" pitchFamily="18" charset="0"/>
-                <a:cs typeface="B Nazanin" panose="00000400000000000000" pitchFamily="2" charset="-78"/>
-              </a:rPr>
-              <a:t> و اجرای </a:t>
-            </a:r>
-            <a:r>
-              <a:rPr lang="en-US" altLang="en-US" sz="1200" dirty="0">
-                <a:latin typeface="Times New Roman" pitchFamily="18" charset="0"/>
-                <a:cs typeface="B Nazanin" panose="00000400000000000000" pitchFamily="2" charset="-78"/>
-              </a:rPr>
-              <a:t>PL</a:t>
-            </a:r>
-            <a:endParaRPr lang="fa-IR" altLang="en-US" sz="1400" dirty="0">
-              <a:latin typeface="Times New Roman" pitchFamily="18" charset="0"/>
-              <a:cs typeface="B Nazanin" panose="00000400000000000000" pitchFamily="2" charset="-78"/>
-            </a:endParaRPr>
-          </a:p>
-        </p:txBody>
-      </p:sp>
-      <p:pic>
-        <p:nvPicPr>
-          <p:cNvPr id="47" name="Picture 46">
-            <a:extLst>
-              <a:ext uri="{FF2B5EF4-FFF2-40B4-BE49-F238E27FC236}">
-                <a16:creationId xmlns:a16="http://schemas.microsoft.com/office/drawing/2014/main" id="{56306938-83A7-41FD-9182-607CC84EC44B}"/>
-              </a:ext>
-            </a:extLst>
-          </p:cNvPr>
-          <p:cNvPicPr>
-            <a:picLocks noChangeAspect="1"/>
-          </p:cNvPicPr>
-          <p:nvPr/>
-        </p:nvPicPr>
-        <p:blipFill>
-          <a:blip r:embed="rId17"/>
-          <a:stretch>
-            <a:fillRect/>
-          </a:stretch>
-        </p:blipFill>
-        <p:spPr>
-          <a:xfrm>
-            <a:off x="12214753" y="25997900"/>
-            <a:ext cx="7165702" cy="2964978"/>
-          </a:xfrm>
-          <a:prstGeom prst="rect">
-            <a:avLst/>
-          </a:prstGeom>
-        </p:spPr>
-      </p:pic>
+          </p:spPr>
+          <p:txBody>
+            <a:bodyPr wrap="square" lIns="40974" tIns="20486" rIns="40974" bIns="20486">
+              <a:spAutoFit/>
+            </a:bodyPr>
+            <a:lstStyle>
+              <a:lvl1pPr defTabSz="488950" eaLnBrk="0" hangingPunct="0">
+                <a:defRPr sz="6900">
+                  <a:solidFill>
+                    <a:schemeClr val="tx1"/>
+                  </a:solidFill>
+                  <a:latin typeface="Arial" charset="0"/>
+                </a:defRPr>
+              </a:lvl1pPr>
+              <a:lvl2pPr marL="742950" indent="-285750" defTabSz="488950" eaLnBrk="0" hangingPunct="0">
+                <a:defRPr sz="6900">
+                  <a:solidFill>
+                    <a:schemeClr val="tx1"/>
+                  </a:solidFill>
+                  <a:latin typeface="Arial" charset="0"/>
+                </a:defRPr>
+              </a:lvl2pPr>
+              <a:lvl3pPr marL="1143000" indent="-228600" defTabSz="488950" eaLnBrk="0" hangingPunct="0">
+                <a:defRPr sz="6900">
+                  <a:solidFill>
+                    <a:schemeClr val="tx1"/>
+                  </a:solidFill>
+                  <a:latin typeface="Arial" charset="0"/>
+                </a:defRPr>
+              </a:lvl3pPr>
+              <a:lvl4pPr marL="1600200" indent="-228600" defTabSz="488950" eaLnBrk="0" hangingPunct="0">
+                <a:defRPr sz="6900">
+                  <a:solidFill>
+                    <a:schemeClr val="tx1"/>
+                  </a:solidFill>
+                  <a:latin typeface="Arial" charset="0"/>
+                </a:defRPr>
+              </a:lvl4pPr>
+              <a:lvl5pPr marL="2057400" indent="-228600" defTabSz="488950" eaLnBrk="0" hangingPunct="0">
+                <a:defRPr sz="6900">
+                  <a:solidFill>
+                    <a:schemeClr val="tx1"/>
+                  </a:solidFill>
+                  <a:latin typeface="Arial" charset="0"/>
+                </a:defRPr>
+              </a:lvl5pPr>
+              <a:lvl6pPr marL="2514600" indent="-228600" algn="ctr" defTabSz="488950" eaLnBrk="0" fontAlgn="base" hangingPunct="0">
+                <a:spcBef>
+                  <a:spcPct val="0"/>
+                </a:spcBef>
+                <a:spcAft>
+                  <a:spcPct val="0"/>
+                </a:spcAft>
+                <a:defRPr sz="6900">
+                  <a:solidFill>
+                    <a:schemeClr val="tx1"/>
+                  </a:solidFill>
+                  <a:latin typeface="Arial" charset="0"/>
+                </a:defRPr>
+              </a:lvl6pPr>
+              <a:lvl7pPr marL="2971800" indent="-228600" algn="ctr" defTabSz="488950" eaLnBrk="0" fontAlgn="base" hangingPunct="0">
+                <a:spcBef>
+                  <a:spcPct val="0"/>
+                </a:spcBef>
+                <a:spcAft>
+                  <a:spcPct val="0"/>
+                </a:spcAft>
+                <a:defRPr sz="6900">
+                  <a:solidFill>
+                    <a:schemeClr val="tx1"/>
+                  </a:solidFill>
+                  <a:latin typeface="Arial" charset="0"/>
+                </a:defRPr>
+              </a:lvl7pPr>
+              <a:lvl8pPr marL="3429000" indent="-228600" algn="ctr" defTabSz="488950" eaLnBrk="0" fontAlgn="base" hangingPunct="0">
+                <a:spcBef>
+                  <a:spcPct val="0"/>
+                </a:spcBef>
+                <a:spcAft>
+                  <a:spcPct val="0"/>
+                </a:spcAft>
+                <a:defRPr sz="6900">
+                  <a:solidFill>
+                    <a:schemeClr val="tx1"/>
+                  </a:solidFill>
+                  <a:latin typeface="Arial" charset="0"/>
+                </a:defRPr>
+              </a:lvl8pPr>
+              <a:lvl9pPr marL="3886200" indent="-228600" algn="ctr" defTabSz="488950" eaLnBrk="0" fontAlgn="base" hangingPunct="0">
+                <a:spcBef>
+                  <a:spcPct val="0"/>
+                </a:spcBef>
+                <a:spcAft>
+                  <a:spcPct val="0"/>
+                </a:spcAft>
+                <a:defRPr sz="6900">
+                  <a:solidFill>
+                    <a:schemeClr val="tx1"/>
+                  </a:solidFill>
+                  <a:latin typeface="Arial" charset="0"/>
+                </a:defRPr>
+              </a:lvl9pPr>
+            </a:lstStyle>
+            <a:p>
+              <a:pPr rtl="1"/>
+              <a:r>
+                <a:rPr lang="fa-IR" altLang="en-US" sz="1400" dirty="0">
+                  <a:latin typeface="Times New Roman" pitchFamily="18" charset="0"/>
+                  <a:cs typeface="B Nazanin" panose="00000400000000000000" pitchFamily="2" charset="-78"/>
+                </a:rPr>
+                <a:t>شکل ۵: شکل کلی </a:t>
+              </a:r>
+              <a:r>
+                <a:rPr lang="fa-IR" altLang="en-US" sz="1400" dirty="0" err="1">
+                  <a:latin typeface="Times New Roman" pitchFamily="18" charset="0"/>
+                  <a:cs typeface="B Nazanin" panose="00000400000000000000" pitchFamily="2" charset="-78"/>
+                </a:rPr>
+                <a:t>پیاده‌سازی</a:t>
+              </a:r>
+              <a:r>
+                <a:rPr lang="fa-IR" altLang="en-US" sz="1400" dirty="0">
+                  <a:latin typeface="Times New Roman" pitchFamily="18" charset="0"/>
+                  <a:cs typeface="B Nazanin" panose="00000400000000000000" pitchFamily="2" charset="-78"/>
+                </a:rPr>
+                <a:t> </a:t>
+              </a:r>
+              <a:r>
+                <a:rPr lang="fa-IR" altLang="en-US" sz="1400" dirty="0" err="1">
+                  <a:latin typeface="Times New Roman" pitchFamily="18" charset="0"/>
+                  <a:cs typeface="B Nazanin" panose="00000400000000000000" pitchFamily="2" charset="-78"/>
+                </a:rPr>
+                <a:t>سخت‌افزاری</a:t>
+              </a:r>
+              <a:r>
+                <a:rPr lang="fa-IR" altLang="en-US" sz="1400" dirty="0">
+                  <a:latin typeface="Times New Roman" pitchFamily="18" charset="0"/>
+                  <a:cs typeface="B Nazanin" panose="00000400000000000000" pitchFamily="2" charset="-78"/>
+                </a:rPr>
+                <a:t> شبکه عصبی </a:t>
+              </a:r>
+              <a:r>
+                <a:rPr lang="en-US" altLang="en-US" sz="1200" dirty="0">
+                  <a:latin typeface="Times New Roman" pitchFamily="18" charset="0"/>
+                  <a:cs typeface="B Nazanin" panose="00000400000000000000" pitchFamily="2" charset="-78"/>
+                </a:rPr>
+                <a:t>CNN</a:t>
+              </a:r>
+              <a:r>
+                <a:rPr lang="fa-IR" altLang="en-US" sz="1400" dirty="0">
+                  <a:latin typeface="Times New Roman" pitchFamily="18" charset="0"/>
+                  <a:cs typeface="B Nazanin" panose="00000400000000000000" pitchFamily="2" charset="-78"/>
+                </a:rPr>
+                <a:t> به صورت ترکیبی از کنترل </a:t>
+              </a:r>
+              <a:r>
+                <a:rPr lang="en-US" altLang="en-US" sz="1200" dirty="0">
+                  <a:latin typeface="Times New Roman" pitchFamily="18" charset="0"/>
+                  <a:cs typeface="B Nazanin" panose="00000400000000000000" pitchFamily="2" charset="-78"/>
+                </a:rPr>
+                <a:t>PS</a:t>
+              </a:r>
+              <a:r>
+                <a:rPr lang="fa-IR" altLang="en-US" sz="1400" dirty="0">
+                  <a:latin typeface="Times New Roman" pitchFamily="18" charset="0"/>
+                  <a:cs typeface="B Nazanin" panose="00000400000000000000" pitchFamily="2" charset="-78"/>
+                </a:rPr>
+                <a:t> و اجرای </a:t>
+              </a:r>
+              <a:r>
+                <a:rPr lang="en-US" altLang="en-US" sz="1200" dirty="0">
+                  <a:latin typeface="Times New Roman" pitchFamily="18" charset="0"/>
+                  <a:cs typeface="B Nazanin" panose="00000400000000000000" pitchFamily="2" charset="-78"/>
+                </a:rPr>
+                <a:t>PL</a:t>
+              </a:r>
+              <a:endParaRPr lang="fa-IR" altLang="en-US" sz="1400" dirty="0">
+                <a:latin typeface="Times New Roman" pitchFamily="18" charset="0"/>
+                <a:cs typeface="B Nazanin" panose="00000400000000000000" pitchFamily="2" charset="-78"/>
+              </a:endParaRPr>
+            </a:p>
+          </p:txBody>
+        </p:sp>
+        <p:pic>
+          <p:nvPicPr>
+            <p:cNvPr id="47" name="Picture 46">
+              <a:extLst>
+                <a:ext uri="{FF2B5EF4-FFF2-40B4-BE49-F238E27FC236}">
+                  <a16:creationId xmlns:a16="http://schemas.microsoft.com/office/drawing/2014/main" id="{56306938-83A7-41FD-9182-607CC84EC44B}"/>
+                </a:ext>
+              </a:extLst>
+            </p:cNvPr>
+            <p:cNvPicPr>
+              <a:picLocks noChangeAspect="1"/>
+            </p:cNvPicPr>
+            <p:nvPr/>
+          </p:nvPicPr>
+          <p:blipFill>
+            <a:blip r:embed="rId15"/>
+            <a:stretch>
+              <a:fillRect/>
+            </a:stretch>
+          </p:blipFill>
+          <p:spPr>
+            <a:xfrm>
+              <a:off x="11363626" y="22845153"/>
+              <a:ext cx="9079116" cy="3756698"/>
+            </a:xfrm>
+            <a:prstGeom prst="rect">
+              <a:avLst/>
+            </a:prstGeom>
+          </p:spPr>
+        </p:pic>
+      </p:grpSp>
       <p:graphicFrame>
         <p:nvGraphicFramePr>
           <p:cNvPr id="55" name="Table 54">
@@ -10261,7 +9082,7 @@
           <p:nvPr>
             <p:extLst>
               <p:ext uri="{D42A27DB-BD31-4B8C-83A1-F6EECF244321}">
-                <p14:modId xmlns:p14="http://schemas.microsoft.com/office/powerpoint/2010/main" val="3117989953"/>
+                <p14:modId xmlns:p14="http://schemas.microsoft.com/office/powerpoint/2010/main" val="1983900284"/>
               </p:ext>
             </p:extLst>
           </p:nvPr>
@@ -10328,7 +9149,7 @@
                     <a:p>
                       <a:pPr algn="ctr" rtl="0" fontAlgn="ctr"/>
                       <a:r>
-                        <a:rPr lang="en-US" sz="1100" b="1" u="none" strike="noStrike" dirty="0">
+                        <a:rPr lang="en-US" sz="1400" b="1" u="none" strike="noStrike" dirty="0">
                           <a:solidFill>
                             <a:schemeClr val="bg1"/>
                           </a:solidFill>
@@ -10337,7 +9158,7 @@
                         </a:rPr>
                         <a:t>Layer</a:t>
                       </a:r>
-                      <a:endParaRPr lang="en-US" sz="1100" b="1" i="0" u="none" strike="noStrike" dirty="0">
+                      <a:endParaRPr lang="en-US" sz="1400" b="1" i="0" u="none" strike="noStrike" dirty="0">
                         <a:solidFill>
                           <a:schemeClr val="bg1"/>
                         </a:solidFill>
@@ -10359,7 +9180,7 @@
                     <a:p>
                       <a:pPr algn="ctr" fontAlgn="ctr"/>
                       <a:r>
-                        <a:rPr lang="en-US" sz="1100" b="1" u="none" strike="noStrike" dirty="0">
+                        <a:rPr lang="en-US" sz="1400" b="1" u="none" strike="noStrike" dirty="0">
                           <a:solidFill>
                             <a:schemeClr val="bg1"/>
                           </a:solidFill>
@@ -10368,7 +9189,7 @@
                         </a:rPr>
                         <a:t>Name</a:t>
                       </a:r>
-                      <a:endParaRPr lang="en-US" sz="1100" b="1" i="0" u="none" strike="noStrike" dirty="0">
+                      <a:endParaRPr lang="en-US" sz="1400" b="1" i="0" u="none" strike="noStrike" dirty="0">
                         <a:solidFill>
                           <a:schemeClr val="bg1"/>
                         </a:solidFill>
@@ -10390,7 +9211,7 @@
                     <a:p>
                       <a:pPr algn="ctr" fontAlgn="ctr"/>
                       <a:r>
-                        <a:rPr lang="en-US" sz="1100" b="1" u="none" strike="noStrike" dirty="0">
+                        <a:rPr lang="en-US" sz="1400" b="1" u="none" strike="noStrike" dirty="0">
                           <a:solidFill>
                             <a:schemeClr val="bg1"/>
                           </a:solidFill>
@@ -10399,7 +9220,7 @@
                         </a:rPr>
                         <a:t>Dimension</a:t>
                       </a:r>
-                      <a:endParaRPr lang="en-US" sz="1100" b="1" i="0" u="none" strike="noStrike" dirty="0">
+                      <a:endParaRPr lang="en-US" sz="1400" b="1" i="0" u="none" strike="noStrike" dirty="0">
                         <a:solidFill>
                           <a:schemeClr val="bg1"/>
                         </a:solidFill>
@@ -10421,7 +9242,7 @@
                     <a:p>
                       <a:pPr algn="ctr" rtl="0" fontAlgn="ctr"/>
                       <a:r>
-                        <a:rPr lang="en-US" sz="1100" b="1" u="none" strike="noStrike" dirty="0">
+                        <a:rPr lang="en-US" sz="1400" b="1" u="none" strike="noStrike" dirty="0">
                           <a:solidFill>
                             <a:schemeClr val="bg1"/>
                           </a:solidFill>
@@ -10431,7 +9252,7 @@
                         <a:t>PC Time (</a:t>
                       </a:r>
                       <a:r>
-                        <a:rPr lang="en-US" sz="1100" b="1" u="none" strike="noStrike" dirty="0" err="1">
+                        <a:rPr lang="en-US" sz="1400" b="1" u="none" strike="noStrike" dirty="0" err="1">
                           <a:solidFill>
                             <a:schemeClr val="bg1"/>
                           </a:solidFill>
@@ -10441,7 +9262,7 @@
                         <a:t>ms</a:t>
                       </a:r>
                       <a:r>
-                        <a:rPr lang="en-US" sz="1100" b="1" u="none" strike="noStrike" dirty="0">
+                        <a:rPr lang="en-US" sz="1400" b="1" u="none" strike="noStrike" dirty="0">
                           <a:solidFill>
                             <a:schemeClr val="bg1"/>
                           </a:solidFill>
@@ -10450,7 +9271,7 @@
                         </a:rPr>
                         <a:t>)</a:t>
                       </a:r>
-                      <a:endParaRPr lang="en-US" sz="1100" b="1" i="0" u="none" strike="noStrike" dirty="0">
+                      <a:endParaRPr lang="en-US" sz="1400" b="1" i="0" u="none" strike="noStrike" dirty="0">
                         <a:solidFill>
                           <a:schemeClr val="bg1"/>
                         </a:solidFill>
@@ -10472,7 +9293,7 @@
                     <a:p>
                       <a:pPr algn="ctr" rtl="0" fontAlgn="ctr"/>
                       <a:r>
-                        <a:rPr lang="en-US" sz="1100" b="1" u="none" strike="noStrike" dirty="0">
+                        <a:rPr lang="en-US" sz="1400" b="1" u="none" strike="noStrike" dirty="0">
                           <a:solidFill>
                             <a:schemeClr val="bg1"/>
                           </a:solidFill>
@@ -10482,7 +9303,7 @@
                         <a:t>PS Time (</a:t>
                       </a:r>
                       <a:r>
-                        <a:rPr lang="en-US" sz="1100" b="1" u="none" strike="noStrike" dirty="0" err="1">
+                        <a:rPr lang="en-US" sz="1400" b="1" u="none" strike="noStrike" dirty="0" err="1">
                           <a:solidFill>
                             <a:schemeClr val="bg1"/>
                           </a:solidFill>
@@ -10492,7 +9313,7 @@
                         <a:t>ms</a:t>
                       </a:r>
                       <a:r>
-                        <a:rPr lang="en-US" sz="1100" b="1" u="none" strike="noStrike" dirty="0">
+                        <a:rPr lang="en-US" sz="1400" b="1" u="none" strike="noStrike" dirty="0">
                           <a:solidFill>
                             <a:schemeClr val="bg1"/>
                           </a:solidFill>
@@ -10501,7 +9322,7 @@
                         </a:rPr>
                         <a:t>)</a:t>
                       </a:r>
-                      <a:endParaRPr lang="en-US" sz="1100" b="1" i="0" u="none" strike="noStrike" dirty="0">
+                      <a:endParaRPr lang="en-US" sz="1400" b="1" i="0" u="none" strike="noStrike" dirty="0">
                         <a:solidFill>
                           <a:schemeClr val="bg1"/>
                         </a:solidFill>
@@ -10523,7 +9344,7 @@
                     <a:p>
                       <a:pPr algn="ctr" rtl="0" fontAlgn="ctr"/>
                       <a:r>
-                        <a:rPr lang="en-US" sz="1100" b="1" u="none" strike="noStrike" dirty="0">
+                        <a:rPr lang="en-US" sz="1400" b="1" u="none" strike="noStrike" dirty="0">
                           <a:solidFill>
                             <a:schemeClr val="bg1"/>
                           </a:solidFill>
@@ -10533,7 +9354,7 @@
                         <a:t>Time (</a:t>
                       </a:r>
                       <a:r>
-                        <a:rPr lang="en-US" sz="1100" b="1" u="none" strike="noStrike" dirty="0" err="1">
+                        <a:rPr lang="en-US" sz="1400" b="1" u="none" strike="noStrike" dirty="0" err="1">
                           <a:solidFill>
                             <a:schemeClr val="bg1"/>
                           </a:solidFill>
@@ -10543,7 +9364,7 @@
                         <a:t>ms</a:t>
                       </a:r>
                       <a:r>
-                        <a:rPr lang="en-US" sz="1100" b="1" u="none" strike="noStrike" dirty="0">
+                        <a:rPr lang="en-US" sz="1400" b="1" u="none" strike="noStrike" dirty="0">
                           <a:solidFill>
                             <a:schemeClr val="bg1"/>
                           </a:solidFill>
@@ -10552,7 +9373,7 @@
                         </a:rPr>
                         <a:t>)</a:t>
                       </a:r>
-                      <a:endParaRPr lang="en-US" sz="1100" b="1" i="0" u="none" strike="noStrike" dirty="0">
+                      <a:endParaRPr lang="en-US" sz="1400" b="1" i="0" u="none" strike="noStrike" dirty="0">
                         <a:solidFill>
                           <a:schemeClr val="bg1"/>
                         </a:solidFill>
@@ -10581,13 +9402,13 @@
                     <a:p>
                       <a:pPr algn="ctr" fontAlgn="ctr"/>
                       <a:r>
-                        <a:rPr lang="en-US" sz="1100" u="none" strike="noStrike" dirty="0">
+                        <a:rPr lang="en-US" sz="1400" u="none" strike="noStrike" dirty="0">
                           <a:effectLst/>
                           <a:latin typeface="Lexend" pitchFamily="2" charset="0"/>
                         </a:rPr>
                         <a:t>Layer #0</a:t>
                       </a:r>
-                      <a:endParaRPr lang="en-US" sz="1100" b="0" i="0" u="none" strike="noStrike" dirty="0">
+                      <a:endParaRPr lang="en-US" sz="1400" b="0" i="0" u="none" strike="noStrike" dirty="0">
                         <a:solidFill>
                           <a:srgbClr val="000000"/>
                         </a:solidFill>
@@ -10605,13 +9426,13 @@
                     <a:p>
                       <a:pPr algn="ctr" fontAlgn="ctr"/>
                       <a:r>
-                        <a:rPr lang="en-US" sz="1100" u="none" strike="noStrike" dirty="0">
+                        <a:rPr lang="en-US" sz="1400" u="none" strike="noStrike" dirty="0">
                           <a:effectLst/>
                           <a:latin typeface="Lexend" pitchFamily="2" charset="0"/>
                         </a:rPr>
                         <a:t>Convolution</a:t>
                       </a:r>
-                      <a:endParaRPr lang="en-US" sz="1100" b="0" i="0" u="none" strike="noStrike" dirty="0">
+                      <a:endParaRPr lang="en-US" sz="1400" b="0" i="0" u="none" strike="noStrike" dirty="0">
                         <a:solidFill>
                           <a:srgbClr val="000000"/>
                         </a:solidFill>
@@ -10629,13 +9450,13 @@
                     <a:p>
                       <a:pPr algn="ctr" fontAlgn="ctr"/>
                       <a:r>
-                        <a:rPr lang="en-US" sz="1100" u="none" strike="noStrike">
+                        <a:rPr lang="en-US" sz="1400" u="none" strike="noStrike">
                           <a:effectLst/>
                           <a:latin typeface="Lexend" pitchFamily="2" charset="0"/>
                         </a:rPr>
                         <a:t>in: 784, out: 194688</a:t>
                       </a:r>
-                      <a:endParaRPr lang="en-US" sz="1100" b="0" i="0" u="none" strike="noStrike">
+                      <a:endParaRPr lang="en-US" sz="1400" b="0" i="0" u="none" strike="noStrike">
                         <a:solidFill>
                           <a:srgbClr val="000000"/>
                         </a:solidFill>
@@ -10653,13 +9474,13 @@
                     <a:p>
                       <a:pPr algn="ctr" fontAlgn="ctr"/>
                       <a:r>
-                        <a:rPr lang="en-US" sz="1100" u="none" strike="noStrike" dirty="0">
+                        <a:rPr lang="en-US" sz="1400" u="none" strike="noStrike" dirty="0">
                           <a:effectLst/>
                           <a:latin typeface="Lexend" pitchFamily="2" charset="0"/>
                         </a:rPr>
                         <a:t>396.3614</a:t>
                       </a:r>
-                      <a:endParaRPr lang="en-US" sz="1100" b="0" i="0" u="none" strike="noStrike" dirty="0">
+                      <a:endParaRPr lang="en-US" sz="1400" b="0" i="0" u="none" strike="noStrike" dirty="0">
                         <a:solidFill>
                           <a:srgbClr val="000000"/>
                         </a:solidFill>
@@ -10677,13 +9498,13 @@
                     <a:p>
                       <a:pPr algn="ctr" fontAlgn="ctr"/>
                       <a:r>
-                        <a:rPr lang="en-US" sz="1100" u="none" strike="noStrike">
+                        <a:rPr lang="en-US" sz="1400" u="none" strike="noStrike" dirty="0">
                           <a:effectLst/>
                           <a:latin typeface="Lexend" pitchFamily="2" charset="0"/>
                         </a:rPr>
-                        <a:t>14135.5</a:t>
+                        <a:t>14,135.5</a:t>
                       </a:r>
-                      <a:endParaRPr lang="en-US" sz="1100" b="0" i="0" u="none" strike="noStrike">
+                      <a:endParaRPr lang="en-US" sz="1400" b="0" i="0" u="none" strike="noStrike" dirty="0">
                         <a:solidFill>
                           <a:srgbClr val="000000"/>
                         </a:solidFill>
@@ -10701,13 +9522,13 @@
                     <a:p>
                       <a:pPr algn="ctr" fontAlgn="ctr"/>
                       <a:r>
-                        <a:rPr lang="en-US" sz="1100" u="none" strike="noStrike">
+                        <a:rPr lang="en-US" sz="1400" u="none" strike="noStrike">
                           <a:effectLst/>
                           <a:latin typeface="Lexend" pitchFamily="2" charset="0"/>
                         </a:rPr>
                         <a:t>1.95472</a:t>
                       </a:r>
-                      <a:endParaRPr lang="en-US" sz="1100" b="0" i="0" u="none" strike="noStrike">
+                      <a:endParaRPr lang="en-US" sz="1400" b="0" i="0" u="none" strike="noStrike">
                         <a:solidFill>
                           <a:srgbClr val="000000"/>
                         </a:solidFill>
@@ -10732,13 +9553,13 @@
                     <a:p>
                       <a:pPr algn="ctr" fontAlgn="ctr"/>
                       <a:r>
-                        <a:rPr lang="en-US" sz="1100" u="none" strike="noStrike" dirty="0">
+                        <a:rPr lang="en-US" sz="1400" u="none" strike="noStrike" dirty="0">
                           <a:effectLst/>
                           <a:latin typeface="Lexend" pitchFamily="2" charset="0"/>
                         </a:rPr>
                         <a:t>Layer #0 activation</a:t>
                       </a:r>
-                      <a:endParaRPr lang="en-US" sz="1100" b="0" i="0" u="none" strike="noStrike" dirty="0">
+                      <a:endParaRPr lang="en-US" sz="1400" b="0" i="0" u="none" strike="noStrike" dirty="0">
                         <a:solidFill>
                           <a:srgbClr val="000000"/>
                         </a:solidFill>
@@ -10756,13 +9577,13 @@
                     <a:p>
                       <a:pPr algn="ctr" fontAlgn="ctr"/>
                       <a:r>
-                        <a:rPr lang="en-US" sz="1100" u="none" strike="noStrike" dirty="0" err="1">
+                        <a:rPr lang="en-US" sz="1400" u="none" strike="noStrike" dirty="0" err="1">
                           <a:effectLst/>
                           <a:latin typeface="Lexend" pitchFamily="2" charset="0"/>
                         </a:rPr>
                         <a:t>ReLU</a:t>
                       </a:r>
-                      <a:endParaRPr lang="en-US" sz="1100" b="0" i="0" u="none" strike="noStrike" dirty="0">
+                      <a:endParaRPr lang="en-US" sz="1400" b="0" i="0" u="none" strike="noStrike" dirty="0">
                         <a:solidFill>
                           <a:srgbClr val="000000"/>
                         </a:solidFill>
@@ -10780,13 +9601,13 @@
                     <a:p>
                       <a:pPr algn="ctr" fontAlgn="ctr"/>
                       <a:r>
-                        <a:rPr lang="en-US" sz="1100" u="none" strike="noStrike" dirty="0">
+                        <a:rPr lang="en-US" sz="1400" u="none" strike="noStrike" dirty="0">
                           <a:effectLst/>
                           <a:latin typeface="Lexend" pitchFamily="2" charset="0"/>
                         </a:rPr>
                         <a:t>in: 21632, out: 21632</a:t>
                       </a:r>
-                      <a:endParaRPr lang="en-US" sz="1100" b="0" i="0" u="none" strike="noStrike" dirty="0">
+                      <a:endParaRPr lang="en-US" sz="1400" b="0" i="0" u="none" strike="noStrike" dirty="0">
                         <a:solidFill>
                           <a:srgbClr val="000000"/>
                         </a:solidFill>
@@ -10804,13 +9625,13 @@
                     <a:p>
                       <a:pPr algn="ctr" fontAlgn="ctr"/>
                       <a:r>
-                        <a:rPr lang="en-US" sz="1100" u="none" strike="noStrike" dirty="0">
+                        <a:rPr lang="en-US" sz="1400" u="none" strike="noStrike" dirty="0">
                           <a:effectLst/>
                           <a:latin typeface="Lexend" pitchFamily="2" charset="0"/>
                         </a:rPr>
                         <a:t>7.0078</a:t>
                       </a:r>
-                      <a:endParaRPr lang="en-US" sz="1100" b="0" i="0" u="none" strike="noStrike" dirty="0">
+                      <a:endParaRPr lang="en-US" sz="1400" b="0" i="0" u="none" strike="noStrike" dirty="0">
                         <a:solidFill>
                           <a:srgbClr val="000000"/>
                         </a:solidFill>
@@ -10828,13 +9649,13 @@
                     <a:p>
                       <a:pPr algn="ctr" fontAlgn="ctr"/>
                       <a:r>
-                        <a:rPr lang="en-US" sz="1100" u="none" strike="noStrike">
+                        <a:rPr lang="en-US" sz="1400" u="none" strike="noStrike">
                           <a:effectLst/>
                           <a:latin typeface="Lexend" pitchFamily="2" charset="0"/>
                         </a:rPr>
                         <a:t>169.7</a:t>
                       </a:r>
-                      <a:endParaRPr lang="en-US" sz="1100" b="0" i="0" u="none" strike="noStrike">
+                      <a:endParaRPr lang="en-US" sz="1400" b="0" i="0" u="none" strike="noStrike">
                         <a:solidFill>
                           <a:srgbClr val="000000"/>
                         </a:solidFill>
@@ -10852,13 +9673,13 @@
                     <a:p>
                       <a:pPr algn="ctr" fontAlgn="ctr"/>
                       <a:r>
-                        <a:rPr lang="en-US" sz="1100" u="none" strike="noStrike">
+                        <a:rPr lang="en-US" sz="1400" u="none" strike="noStrike">
                           <a:effectLst/>
                           <a:latin typeface="Lexend" pitchFamily="2" charset="0"/>
                         </a:rPr>
                         <a:t>0.43264</a:t>
                       </a:r>
-                      <a:endParaRPr lang="en-US" sz="1100" b="0" i="0" u="none" strike="noStrike">
+                      <a:endParaRPr lang="en-US" sz="1400" b="0" i="0" u="none" strike="noStrike">
                         <a:solidFill>
                           <a:srgbClr val="000000"/>
                         </a:solidFill>
@@ -10883,13 +9704,13 @@
                     <a:p>
                       <a:pPr algn="ctr" fontAlgn="ctr"/>
                       <a:r>
-                        <a:rPr lang="en-US" sz="1100" u="none" strike="noStrike" dirty="0">
+                        <a:rPr lang="en-US" sz="1400" u="none" strike="noStrike" dirty="0">
                           <a:effectLst/>
                           <a:latin typeface="Lexend" pitchFamily="2" charset="0"/>
                         </a:rPr>
                         <a:t>Layer #1</a:t>
                       </a:r>
-                      <a:endParaRPr lang="en-US" sz="1100" b="0" i="0" u="none" strike="noStrike" dirty="0">
+                      <a:endParaRPr lang="en-US" sz="1400" b="0" i="0" u="none" strike="noStrike" dirty="0">
                         <a:solidFill>
                           <a:srgbClr val="000000"/>
                         </a:solidFill>
@@ -10907,13 +9728,13 @@
                     <a:p>
                       <a:pPr algn="ctr" fontAlgn="ctr"/>
                       <a:r>
-                        <a:rPr lang="en-US" sz="1100" u="none" strike="noStrike" dirty="0" err="1">
+                        <a:rPr lang="en-US" sz="1400" u="none" strike="noStrike" dirty="0" err="1">
                           <a:effectLst/>
                           <a:latin typeface="Lexend" pitchFamily="2" charset="0"/>
                         </a:rPr>
                         <a:t>MaxPooling</a:t>
                       </a:r>
-                      <a:endParaRPr lang="en-US" sz="1100" b="0" i="0" u="none" strike="noStrike" dirty="0">
+                      <a:endParaRPr lang="en-US" sz="1400" b="0" i="0" u="none" strike="noStrike" dirty="0">
                         <a:solidFill>
                           <a:srgbClr val="000000"/>
                         </a:solidFill>
@@ -10931,13 +9752,13 @@
                     <a:p>
                       <a:pPr algn="ctr" fontAlgn="ctr"/>
                       <a:r>
-                        <a:rPr lang="en-US" sz="1100" u="none" strike="noStrike" dirty="0">
+                        <a:rPr lang="en-US" sz="1400" u="none" strike="noStrike" dirty="0">
                           <a:effectLst/>
                           <a:latin typeface="Lexend" pitchFamily="2" charset="0"/>
                         </a:rPr>
                         <a:t>in: 21632, out: 21632</a:t>
                       </a:r>
-                      <a:endParaRPr lang="en-US" sz="1100" b="0" i="0" u="none" strike="noStrike" dirty="0">
+                      <a:endParaRPr lang="en-US" sz="1400" b="0" i="0" u="none" strike="noStrike" dirty="0">
                         <a:solidFill>
                           <a:srgbClr val="000000"/>
                         </a:solidFill>
@@ -10955,13 +9776,13 @@
                     <a:p>
                       <a:pPr algn="ctr" fontAlgn="ctr"/>
                       <a:r>
-                        <a:rPr lang="en-US" sz="1100" u="none" strike="noStrike" dirty="0">
+                        <a:rPr lang="en-US" sz="1400" u="none" strike="noStrike" dirty="0">
                           <a:effectLst/>
                           <a:latin typeface="Lexend" pitchFamily="2" charset="0"/>
                         </a:rPr>
                         <a:t>6.0443</a:t>
                       </a:r>
-                      <a:endParaRPr lang="en-US" sz="1100" b="0" i="0" u="none" strike="noStrike" dirty="0">
+                      <a:endParaRPr lang="en-US" sz="1400" b="0" i="0" u="none" strike="noStrike" dirty="0">
                         <a:solidFill>
                           <a:srgbClr val="000000"/>
                         </a:solidFill>
@@ -10979,13 +9800,13 @@
                     <a:p>
                       <a:pPr algn="ctr" fontAlgn="ctr"/>
                       <a:r>
-                        <a:rPr lang="en-US" sz="1100" u="none" strike="noStrike" dirty="0">
+                        <a:rPr lang="en-US" sz="1400" u="none" strike="noStrike" dirty="0">
                           <a:effectLst/>
                           <a:latin typeface="Lexend" pitchFamily="2" charset="0"/>
                         </a:rPr>
                         <a:t>164.6</a:t>
                       </a:r>
-                      <a:endParaRPr lang="en-US" sz="1100" b="0" i="0" u="none" strike="noStrike" dirty="0">
+                      <a:endParaRPr lang="en-US" sz="1400" b="0" i="0" u="none" strike="noStrike" dirty="0">
                         <a:solidFill>
                           <a:srgbClr val="000000"/>
                         </a:solidFill>
@@ -11003,13 +9824,13 @@
                     <a:p>
                       <a:pPr algn="ctr" fontAlgn="ctr"/>
                       <a:r>
-                        <a:rPr lang="en-US" sz="1100" u="none" strike="noStrike">
+                        <a:rPr lang="en-US" sz="1400" u="none" strike="noStrike">
                           <a:effectLst/>
                           <a:latin typeface="Lexend" pitchFamily="2" charset="0"/>
                         </a:rPr>
                         <a:t>0.43264</a:t>
                       </a:r>
-                      <a:endParaRPr lang="en-US" sz="1100" b="0" i="0" u="none" strike="noStrike">
+                      <a:endParaRPr lang="en-US" sz="1400" b="0" i="0" u="none" strike="noStrike">
                         <a:solidFill>
                           <a:srgbClr val="000000"/>
                         </a:solidFill>
@@ -11034,13 +9855,13 @@
                     <a:p>
                       <a:pPr algn="ctr" fontAlgn="ctr"/>
                       <a:r>
-                        <a:rPr lang="en-US" sz="1100" u="none" strike="noStrike" dirty="0">
+                        <a:rPr lang="en-US" sz="1400" u="none" strike="noStrike" dirty="0">
                           <a:effectLst/>
                           <a:latin typeface="Lexend" pitchFamily="2" charset="0"/>
                         </a:rPr>
                         <a:t>Layer #2</a:t>
                       </a:r>
-                      <a:endParaRPr lang="en-US" sz="1100" b="0" i="0" u="none" strike="noStrike" dirty="0">
+                      <a:endParaRPr lang="en-US" sz="1400" b="0" i="0" u="none" strike="noStrike" dirty="0">
                         <a:solidFill>
                           <a:srgbClr val="000000"/>
                         </a:solidFill>
@@ -11058,13 +9879,13 @@
                     <a:p>
                       <a:pPr algn="ctr" fontAlgn="ctr"/>
                       <a:r>
-                        <a:rPr lang="en-US" sz="1100" u="none" strike="noStrike" dirty="0">
+                        <a:rPr lang="en-US" sz="1400" u="none" strike="noStrike" dirty="0">
                           <a:effectLst/>
                           <a:latin typeface="Lexend" pitchFamily="2" charset="0"/>
                         </a:rPr>
                         <a:t>Convolution</a:t>
                       </a:r>
-                      <a:endParaRPr lang="en-US" sz="1100" b="0" i="0" u="none" strike="noStrike" dirty="0">
+                      <a:endParaRPr lang="en-US" sz="1400" b="0" i="0" u="none" strike="noStrike" dirty="0">
                         <a:solidFill>
                           <a:srgbClr val="000000"/>
                         </a:solidFill>
@@ -11082,13 +9903,13 @@
                     <a:p>
                       <a:pPr algn="ctr" fontAlgn="ctr"/>
                       <a:r>
-                        <a:rPr lang="en-US" sz="1100" u="none" strike="noStrike" dirty="0">
+                        <a:rPr lang="en-US" sz="1400" u="none" strike="noStrike" dirty="0">
                           <a:effectLst/>
                           <a:latin typeface="Lexend" pitchFamily="2" charset="0"/>
                         </a:rPr>
                         <a:t>in: 5408, out: 2230272</a:t>
                       </a:r>
-                      <a:endParaRPr lang="en-US" sz="1100" b="0" i="0" u="none" strike="noStrike" dirty="0">
+                      <a:endParaRPr lang="en-US" sz="1400" b="0" i="0" u="none" strike="noStrike" dirty="0">
                         <a:solidFill>
                           <a:srgbClr val="000000"/>
                         </a:solidFill>
@@ -11106,13 +9927,13 @@
                     <a:p>
                       <a:pPr algn="ctr" fontAlgn="ctr"/>
                       <a:r>
-                        <a:rPr lang="en-US" sz="1100" u="none" strike="noStrike">
+                        <a:rPr lang="en-US" sz="1400" u="none" strike="noStrike" dirty="0">
                           <a:effectLst/>
                           <a:latin typeface="Lexend" pitchFamily="2" charset="0"/>
                         </a:rPr>
-                        <a:t>1520.4479</a:t>
+                        <a:t>1,520.4479</a:t>
                       </a:r>
-                      <a:endParaRPr lang="en-US" sz="1100" b="0" i="0" u="none" strike="noStrike">
+                      <a:endParaRPr lang="en-US" sz="1400" b="0" i="0" u="none" strike="noStrike" dirty="0">
                         <a:solidFill>
                           <a:srgbClr val="000000"/>
                         </a:solidFill>
@@ -11130,13 +9951,13 @@
                     <a:p>
                       <a:pPr algn="ctr" fontAlgn="ctr"/>
                       <a:r>
-                        <a:rPr lang="en-US" sz="1100" u="none" strike="noStrike" dirty="0">
+                        <a:rPr lang="en-US" sz="1400" u="none" strike="noStrike" dirty="0">
                           <a:effectLst/>
                           <a:latin typeface="Lexend" pitchFamily="2" charset="0"/>
                         </a:rPr>
-                        <a:t>36425.4</a:t>
+                        <a:t>36,425.4</a:t>
                       </a:r>
-                      <a:endParaRPr lang="en-US" sz="1100" b="0" i="0" u="none" strike="noStrike" dirty="0">
+                      <a:endParaRPr lang="en-US" sz="1400" b="0" i="0" u="none" strike="noStrike" dirty="0">
                         <a:solidFill>
                           <a:srgbClr val="000000"/>
                         </a:solidFill>
@@ -11154,13 +9975,13 @@
                     <a:p>
                       <a:pPr algn="ctr" fontAlgn="ctr"/>
                       <a:r>
-                        <a:rPr lang="en-US" sz="1100" u="none" strike="noStrike">
+                        <a:rPr lang="en-US" sz="1400" u="none" strike="noStrike">
                           <a:effectLst/>
                           <a:latin typeface="Lexend" pitchFamily="2" charset="0"/>
                         </a:rPr>
                         <a:t>22.3568</a:t>
                       </a:r>
-                      <a:endParaRPr lang="en-US" sz="1100" b="0" i="0" u="none" strike="noStrike">
+                      <a:endParaRPr lang="en-US" sz="1400" b="0" i="0" u="none" strike="noStrike">
                         <a:solidFill>
                           <a:srgbClr val="000000"/>
                         </a:solidFill>
@@ -11185,13 +10006,13 @@
                     <a:p>
                       <a:pPr algn="ctr" fontAlgn="ctr"/>
                       <a:r>
-                        <a:rPr lang="en-US" sz="1100" u="none" strike="noStrike" dirty="0">
+                        <a:rPr lang="en-US" sz="1400" u="none" strike="noStrike" dirty="0">
                           <a:effectLst/>
                           <a:latin typeface="Lexend" pitchFamily="2" charset="0"/>
                         </a:rPr>
                         <a:t>Layer #2 activation</a:t>
                       </a:r>
-                      <a:endParaRPr lang="en-US" sz="1100" b="0" i="0" u="none" strike="noStrike" dirty="0">
+                      <a:endParaRPr lang="en-US" sz="1400" b="0" i="0" u="none" strike="noStrike" dirty="0">
                         <a:solidFill>
                           <a:srgbClr val="000000"/>
                         </a:solidFill>
@@ -11209,13 +10030,13 @@
                     <a:p>
                       <a:pPr algn="ctr" fontAlgn="ctr"/>
                       <a:r>
-                        <a:rPr lang="en-US" sz="1100" u="none" strike="noStrike">
+                        <a:rPr lang="en-US" sz="1400" u="none" strike="noStrike">
                           <a:effectLst/>
                           <a:latin typeface="Lexend" pitchFamily="2" charset="0"/>
                         </a:rPr>
                         <a:t>ReLU</a:t>
                       </a:r>
-                      <a:endParaRPr lang="en-US" sz="1100" b="0" i="0" u="none" strike="noStrike">
+                      <a:endParaRPr lang="en-US" sz="1400" b="0" i="0" u="none" strike="noStrike">
                         <a:solidFill>
                           <a:srgbClr val="000000"/>
                         </a:solidFill>
@@ -11233,13 +10054,13 @@
                     <a:p>
                       <a:pPr algn="ctr" fontAlgn="ctr"/>
                       <a:r>
-                        <a:rPr lang="en-US" sz="1100" u="none" strike="noStrike" dirty="0">
+                        <a:rPr lang="en-US" sz="1400" u="none" strike="noStrike" dirty="0">
                           <a:effectLst/>
                           <a:latin typeface="Lexend" pitchFamily="2" charset="0"/>
                         </a:rPr>
                         <a:t>in: 7744, out: 7744</a:t>
                       </a:r>
-                      <a:endParaRPr lang="en-US" sz="1100" b="0" i="0" u="none" strike="noStrike" dirty="0">
+                      <a:endParaRPr lang="en-US" sz="1400" b="0" i="0" u="none" strike="noStrike" dirty="0">
                         <a:solidFill>
                           <a:srgbClr val="000000"/>
                         </a:solidFill>
@@ -11257,13 +10078,13 @@
                     <a:p>
                       <a:pPr algn="ctr" fontAlgn="ctr"/>
                       <a:r>
-                        <a:rPr lang="en-US" sz="1100" u="none" strike="noStrike">
+                        <a:rPr lang="en-US" sz="1400" u="none" strike="noStrike">
                           <a:effectLst/>
                           <a:latin typeface="Lexend" pitchFamily="2" charset="0"/>
                         </a:rPr>
                         <a:t>2.9997</a:t>
                       </a:r>
-                      <a:endParaRPr lang="en-US" sz="1100" b="0" i="0" u="none" strike="noStrike">
+                      <a:endParaRPr lang="en-US" sz="1400" b="0" i="0" u="none" strike="noStrike">
                         <a:solidFill>
                           <a:srgbClr val="000000"/>
                         </a:solidFill>
@@ -11281,13 +10102,13 @@
                     <a:p>
                       <a:pPr algn="ctr" fontAlgn="ctr"/>
                       <a:r>
-                        <a:rPr lang="en-US" sz="1100" u="none" strike="noStrike" dirty="0">
+                        <a:rPr lang="en-US" sz="1400" u="none" strike="noStrike" dirty="0">
                           <a:effectLst/>
                           <a:latin typeface="Lexend" pitchFamily="2" charset="0"/>
                         </a:rPr>
                         <a:t>84.2</a:t>
                       </a:r>
-                      <a:endParaRPr lang="en-US" sz="1100" b="0" i="0" u="none" strike="noStrike" dirty="0">
+                      <a:endParaRPr lang="en-US" sz="1400" b="0" i="0" u="none" strike="noStrike" dirty="0">
                         <a:solidFill>
                           <a:srgbClr val="000000"/>
                         </a:solidFill>
@@ -11305,13 +10126,13 @@
                     <a:p>
                       <a:pPr algn="ctr" fontAlgn="ctr"/>
                       <a:r>
-                        <a:rPr lang="en-US" sz="1100" u="none" strike="noStrike">
+                        <a:rPr lang="en-US" sz="1400" u="none" strike="noStrike">
                           <a:effectLst/>
                           <a:latin typeface="Lexend" pitchFamily="2" charset="0"/>
                         </a:rPr>
                         <a:t>0.15488</a:t>
                       </a:r>
-                      <a:endParaRPr lang="en-US" sz="1100" b="0" i="0" u="none" strike="noStrike">
+                      <a:endParaRPr lang="en-US" sz="1400" b="0" i="0" u="none" strike="noStrike">
                         <a:solidFill>
                           <a:srgbClr val="000000"/>
                         </a:solidFill>
@@ -11336,13 +10157,13 @@
                     <a:p>
                       <a:pPr algn="ctr" fontAlgn="ctr"/>
                       <a:r>
-                        <a:rPr lang="en-US" sz="1100" u="none" strike="noStrike" dirty="0">
+                        <a:rPr lang="en-US" sz="1400" u="none" strike="noStrike" dirty="0">
                           <a:effectLst/>
                           <a:latin typeface="Lexend" pitchFamily="2" charset="0"/>
                         </a:rPr>
                         <a:t>Layer #3</a:t>
                       </a:r>
-                      <a:endParaRPr lang="en-US" sz="1100" b="0" i="0" u="none" strike="noStrike" dirty="0">
+                      <a:endParaRPr lang="en-US" sz="1400" b="0" i="0" u="none" strike="noStrike" dirty="0">
                         <a:solidFill>
                           <a:srgbClr val="000000"/>
                         </a:solidFill>
@@ -11360,13 +10181,13 @@
                     <a:p>
                       <a:pPr algn="ctr" fontAlgn="ctr"/>
                       <a:r>
-                        <a:rPr lang="en-US" sz="1100" u="none" strike="noStrike">
+                        <a:rPr lang="en-US" sz="1400" u="none" strike="noStrike">
                           <a:effectLst/>
                           <a:latin typeface="Lexend" pitchFamily="2" charset="0"/>
                         </a:rPr>
                         <a:t>MaxPooling</a:t>
                       </a:r>
-                      <a:endParaRPr lang="en-US" sz="1100" b="0" i="0" u="none" strike="noStrike">
+                      <a:endParaRPr lang="en-US" sz="1400" b="0" i="0" u="none" strike="noStrike">
                         <a:solidFill>
                           <a:srgbClr val="000000"/>
                         </a:solidFill>
@@ -11384,13 +10205,13 @@
                     <a:p>
                       <a:pPr algn="ctr" fontAlgn="ctr"/>
                       <a:r>
-                        <a:rPr lang="en-US" sz="1100" u="none" strike="noStrike" dirty="0">
+                        <a:rPr lang="en-US" sz="1400" u="none" strike="noStrike" dirty="0">
                           <a:effectLst/>
                           <a:latin typeface="Lexend" pitchFamily="2" charset="0"/>
                         </a:rPr>
                         <a:t>in: 7744, out: 6400</a:t>
                       </a:r>
-                      <a:endParaRPr lang="en-US" sz="1100" b="0" i="0" u="none" strike="noStrike" dirty="0">
+                      <a:endParaRPr lang="en-US" sz="1400" b="0" i="0" u="none" strike="noStrike" dirty="0">
                         <a:solidFill>
                           <a:srgbClr val="000000"/>
                         </a:solidFill>
@@ -11408,13 +10229,13 @@
                     <a:p>
                       <a:pPr algn="ctr" fontAlgn="ctr"/>
                       <a:r>
-                        <a:rPr lang="en-US" sz="1100" u="none" strike="noStrike" dirty="0">
+                        <a:rPr lang="en-US" sz="1400" u="none" strike="noStrike" dirty="0">
                           <a:effectLst/>
                           <a:latin typeface="Lexend" pitchFamily="2" charset="0"/>
                         </a:rPr>
                         <a:t>2.9995</a:t>
                       </a:r>
-                      <a:endParaRPr lang="en-US" sz="1100" b="0" i="0" u="none" strike="noStrike" dirty="0">
+                      <a:endParaRPr lang="en-US" sz="1400" b="0" i="0" u="none" strike="noStrike" dirty="0">
                         <a:solidFill>
                           <a:srgbClr val="000000"/>
                         </a:solidFill>
@@ -11432,13 +10253,13 @@
                     <a:p>
                       <a:pPr algn="ctr" fontAlgn="ctr"/>
                       <a:r>
-                        <a:rPr lang="en-US" sz="1100" u="none" strike="noStrike" dirty="0">
+                        <a:rPr lang="en-US" sz="1400" u="none" strike="noStrike" dirty="0">
                           <a:effectLst/>
                           <a:latin typeface="Lexend" pitchFamily="2" charset="0"/>
                         </a:rPr>
                         <a:t>59.5</a:t>
                       </a:r>
-                      <a:endParaRPr lang="en-US" sz="1100" b="0" i="0" u="none" strike="noStrike" dirty="0">
+                      <a:endParaRPr lang="en-US" sz="1400" b="0" i="0" u="none" strike="noStrike" dirty="0">
                         <a:solidFill>
                           <a:srgbClr val="000000"/>
                         </a:solidFill>
@@ -11456,13 +10277,13 @@
                     <a:p>
                       <a:pPr algn="ctr" fontAlgn="ctr"/>
                       <a:r>
-                        <a:rPr lang="en-US" sz="1100" u="none" strike="noStrike" dirty="0">
+                        <a:rPr lang="en-US" sz="1400" u="none" strike="noStrike" dirty="0">
                           <a:effectLst/>
                           <a:latin typeface="Lexend" pitchFamily="2" charset="0"/>
                         </a:rPr>
                         <a:t>0.14144</a:t>
                       </a:r>
-                      <a:endParaRPr lang="en-US" sz="1100" b="0" i="0" u="none" strike="noStrike" dirty="0">
+                      <a:endParaRPr lang="en-US" sz="1400" b="0" i="0" u="none" strike="noStrike" dirty="0">
                         <a:solidFill>
                           <a:srgbClr val="000000"/>
                         </a:solidFill>
@@ -11487,13 +10308,13 @@
                     <a:p>
                       <a:pPr algn="ctr" fontAlgn="ctr"/>
                       <a:r>
-                        <a:rPr lang="en-US" sz="1100" u="none" strike="noStrike" dirty="0">
+                        <a:rPr lang="en-US" sz="1400" u="none" strike="noStrike" dirty="0">
                           <a:effectLst/>
                           <a:latin typeface="Lexend" pitchFamily="2" charset="0"/>
                         </a:rPr>
                         <a:t>Layer #4</a:t>
                       </a:r>
-                      <a:endParaRPr lang="en-US" sz="1100" b="0" i="0" u="none" strike="noStrike" dirty="0">
+                      <a:endParaRPr lang="en-US" sz="1400" b="0" i="0" u="none" strike="noStrike" dirty="0">
                         <a:solidFill>
                           <a:srgbClr val="000000"/>
                         </a:solidFill>
@@ -11511,13 +10332,13 @@
                     <a:p>
                       <a:pPr algn="ctr" fontAlgn="ctr"/>
                       <a:r>
-                        <a:rPr lang="en-US" sz="1100" u="none" strike="noStrike">
+                        <a:rPr lang="en-US" sz="1400" u="none" strike="noStrike">
                           <a:effectLst/>
                           <a:latin typeface="Lexend" pitchFamily="2" charset="0"/>
                         </a:rPr>
                         <a:t>Flatten</a:t>
                       </a:r>
-                      <a:endParaRPr lang="en-US" sz="1100" b="0" i="0" u="none" strike="noStrike">
+                      <a:endParaRPr lang="en-US" sz="1400" b="0" i="0" u="none" strike="noStrike">
                         <a:solidFill>
                           <a:srgbClr val="000000"/>
                         </a:solidFill>
@@ -11535,13 +10356,13 @@
                     <a:p>
                       <a:pPr algn="ctr" fontAlgn="ctr"/>
                       <a:r>
-                        <a:rPr lang="en-US" sz="1100" u="none" strike="noStrike" dirty="0">
+                        <a:rPr lang="en-US" sz="1400" u="none" strike="noStrike" dirty="0">
                           <a:effectLst/>
                           <a:latin typeface="Lexend" pitchFamily="2" charset="0"/>
                         </a:rPr>
                         <a:t>in: 1600, out: 1600</a:t>
                       </a:r>
-                      <a:endParaRPr lang="en-US" sz="1100" b="0" i="0" u="none" strike="noStrike" dirty="0">
+                      <a:endParaRPr lang="en-US" sz="1400" b="0" i="0" u="none" strike="noStrike" dirty="0">
                         <a:solidFill>
                           <a:srgbClr val="000000"/>
                         </a:solidFill>
@@ -11559,13 +10380,13 @@
                     <a:p>
                       <a:pPr algn="ctr" fontAlgn="ctr"/>
                       <a:r>
-                        <a:rPr lang="en-US" sz="1100" u="none" strike="noStrike" dirty="0">
+                        <a:rPr lang="en-US" sz="1400" u="none" strike="noStrike" dirty="0">
                           <a:effectLst/>
                           <a:latin typeface="Lexend" pitchFamily="2" charset="0"/>
                         </a:rPr>
                         <a:t>0</a:t>
                       </a:r>
-                      <a:endParaRPr lang="en-US" sz="1100" b="0" i="0" u="none" strike="noStrike" dirty="0">
+                      <a:endParaRPr lang="en-US" sz="1400" b="0" i="0" u="none" strike="noStrike" dirty="0">
                         <a:solidFill>
                           <a:srgbClr val="000000"/>
                         </a:solidFill>
@@ -11583,13 +10404,13 @@
                     <a:p>
                       <a:pPr algn="ctr" fontAlgn="ctr"/>
                       <a:r>
-                        <a:rPr lang="en-US" sz="1100" u="none" strike="noStrike" dirty="0">
+                        <a:rPr lang="en-US" sz="1400" u="none" strike="noStrike" dirty="0">
                           <a:effectLst/>
                           <a:latin typeface="Lexend" pitchFamily="2" charset="0"/>
                         </a:rPr>
                         <a:t>1.1</a:t>
                       </a:r>
-                      <a:endParaRPr lang="en-US" sz="1100" b="0" i="0" u="none" strike="noStrike" dirty="0">
+                      <a:endParaRPr lang="en-US" sz="1400" b="0" i="0" u="none" strike="noStrike" dirty="0">
                         <a:solidFill>
                           <a:srgbClr val="000000"/>
                         </a:solidFill>
@@ -11607,13 +10428,13 @@
                     <a:p>
                       <a:pPr algn="ctr" fontAlgn="ctr"/>
                       <a:r>
-                        <a:rPr lang="en-US" sz="1100" u="none" strike="noStrike" dirty="0">
+                        <a:rPr lang="en-US" sz="1400" u="none" strike="noStrike" dirty="0">
                           <a:effectLst/>
                           <a:latin typeface="Lexend" pitchFamily="2" charset="0"/>
                         </a:rPr>
                         <a:t>-</a:t>
                       </a:r>
-                      <a:endParaRPr lang="en-US" sz="1100" b="0" i="0" u="none" strike="noStrike" dirty="0">
+                      <a:endParaRPr lang="en-US" sz="1400" b="0" i="0" u="none" strike="noStrike" dirty="0">
                         <a:solidFill>
                           <a:srgbClr val="000000"/>
                         </a:solidFill>
@@ -11638,13 +10459,13 @@
                     <a:p>
                       <a:pPr algn="ctr" fontAlgn="ctr"/>
                       <a:r>
-                        <a:rPr lang="en-US" sz="1100" u="none" strike="noStrike" dirty="0">
+                        <a:rPr lang="en-US" sz="1400" u="none" strike="noStrike" dirty="0">
                           <a:effectLst/>
                           <a:latin typeface="Lexend" pitchFamily="2" charset="0"/>
                         </a:rPr>
                         <a:t>Layer #5</a:t>
                       </a:r>
-                      <a:endParaRPr lang="en-US" sz="1100" b="0" i="0" u="none" strike="noStrike" dirty="0">
+                      <a:endParaRPr lang="en-US" sz="1400" b="0" i="0" u="none" strike="noStrike" dirty="0">
                         <a:solidFill>
                           <a:srgbClr val="000000"/>
                         </a:solidFill>
@@ -11662,13 +10483,13 @@
                     <a:p>
                       <a:pPr algn="ctr" fontAlgn="ctr"/>
                       <a:r>
-                        <a:rPr lang="en-US" sz="1100" u="none" strike="noStrike" dirty="0">
+                        <a:rPr lang="en-US" sz="1400" u="none" strike="noStrike" dirty="0">
                           <a:effectLst/>
                           <a:latin typeface="Lexend" pitchFamily="2" charset="0"/>
                         </a:rPr>
                         <a:t>Dense</a:t>
                       </a:r>
-                      <a:endParaRPr lang="en-US" sz="1100" b="0" i="0" u="none" strike="noStrike" dirty="0">
+                      <a:endParaRPr lang="en-US" sz="1400" b="0" i="0" u="none" strike="noStrike" dirty="0">
                         <a:solidFill>
                           <a:srgbClr val="000000"/>
                         </a:solidFill>
@@ -11686,13 +10507,13 @@
                     <a:p>
                       <a:pPr algn="ctr" fontAlgn="ctr"/>
                       <a:r>
-                        <a:rPr lang="en-US" sz="1100" u="none" strike="noStrike" dirty="0">
+                        <a:rPr lang="en-US" sz="1400" u="none" strike="noStrike" dirty="0">
                           <a:effectLst/>
                           <a:latin typeface="Lexend" pitchFamily="2" charset="0"/>
                         </a:rPr>
                         <a:t>in: 1600, out: 10</a:t>
                       </a:r>
-                      <a:endParaRPr lang="en-US" sz="1100" b="0" i="0" u="none" strike="noStrike" dirty="0">
+                      <a:endParaRPr lang="en-US" sz="1400" b="0" i="0" u="none" strike="noStrike" dirty="0">
                         <a:solidFill>
                           <a:srgbClr val="000000"/>
                         </a:solidFill>
@@ -11710,13 +10531,13 @@
                     <a:p>
                       <a:pPr algn="ctr" fontAlgn="ctr"/>
                       <a:r>
-                        <a:rPr lang="en-US" sz="1100" u="none" strike="noStrike" dirty="0">
+                        <a:rPr lang="en-US" sz="1400" u="none" strike="noStrike" dirty="0">
                           <a:effectLst/>
                           <a:latin typeface="Lexend" pitchFamily="2" charset="0"/>
                         </a:rPr>
                         <a:t>5.0367</a:t>
                       </a:r>
-                      <a:endParaRPr lang="en-US" sz="1100" b="0" i="0" u="none" strike="noStrike" dirty="0">
+                      <a:endParaRPr lang="en-US" sz="1400" b="0" i="0" u="none" strike="noStrike" dirty="0">
                         <a:solidFill>
                           <a:srgbClr val="000000"/>
                         </a:solidFill>
@@ -11734,13 +10555,13 @@
                     <a:p>
                       <a:pPr algn="ctr" fontAlgn="ctr"/>
                       <a:r>
-                        <a:rPr lang="en-US" sz="1100" u="none" strike="noStrike" dirty="0">
+                        <a:rPr lang="en-US" sz="1400" u="none" strike="noStrike" dirty="0">
                           <a:effectLst/>
                           <a:latin typeface="Lexend" pitchFamily="2" charset="0"/>
                         </a:rPr>
                         <a:t>88.8</a:t>
                       </a:r>
-                      <a:endParaRPr lang="en-US" sz="1100" b="0" i="0" u="none" strike="noStrike" dirty="0">
+                      <a:endParaRPr lang="en-US" sz="1400" b="0" i="0" u="none" strike="noStrike" dirty="0">
                         <a:solidFill>
                           <a:srgbClr val="000000"/>
                         </a:solidFill>
@@ -11758,13 +10579,13 @@
                     <a:p>
                       <a:pPr algn="ctr" fontAlgn="ctr"/>
                       <a:r>
-                        <a:rPr lang="en-US" sz="1100" u="none" strike="noStrike" dirty="0">
+                        <a:rPr lang="en-US" sz="1400" u="none" strike="noStrike" dirty="0">
                           <a:effectLst/>
                           <a:latin typeface="Lexend" pitchFamily="2" charset="0"/>
                         </a:rPr>
                         <a:t>0.176</a:t>
                       </a:r>
-                      <a:endParaRPr lang="en-US" sz="1100" b="0" i="0" u="none" strike="noStrike" dirty="0">
+                      <a:endParaRPr lang="en-US" sz="1400" b="0" i="0" u="none" strike="noStrike" dirty="0">
                         <a:solidFill>
                           <a:srgbClr val="000000"/>
                         </a:solidFill>
@@ -11789,13 +10610,13 @@
                     <a:p>
                       <a:pPr algn="ctr" fontAlgn="ctr"/>
                       <a:r>
-                        <a:rPr lang="en-US" sz="1100" u="none" strike="noStrike" dirty="0">
+                        <a:rPr lang="en-US" sz="1400" u="none" strike="noStrike" dirty="0">
                           <a:effectLst/>
                           <a:latin typeface="Lexend" pitchFamily="2" charset="0"/>
                         </a:rPr>
                         <a:t>Layer #5 activation</a:t>
                       </a:r>
-                      <a:endParaRPr lang="en-US" sz="1100" b="0" i="0" u="none" strike="noStrike" dirty="0">
+                      <a:endParaRPr lang="en-US" sz="1400" b="0" i="0" u="none" strike="noStrike" dirty="0">
                         <a:solidFill>
                           <a:srgbClr val="000000"/>
                         </a:solidFill>
@@ -11813,13 +10634,13 @@
                     <a:p>
                       <a:pPr algn="ctr" fontAlgn="ctr"/>
                       <a:r>
-                        <a:rPr lang="en-US" sz="1100" u="none" strike="noStrike">
+                        <a:rPr lang="en-US" sz="1400" u="none" strike="noStrike">
                           <a:effectLst/>
                           <a:latin typeface="Lexend" pitchFamily="2" charset="0"/>
                         </a:rPr>
                         <a:t>Softmax</a:t>
                       </a:r>
-                      <a:endParaRPr lang="en-US" sz="1100" b="0" i="0" u="none" strike="noStrike">
+                      <a:endParaRPr lang="en-US" sz="1400" b="0" i="0" u="none" strike="noStrike">
                         <a:solidFill>
                           <a:srgbClr val="000000"/>
                         </a:solidFill>
@@ -11837,13 +10658,13 @@
                     <a:p>
                       <a:pPr algn="ctr" fontAlgn="ctr"/>
                       <a:r>
-                        <a:rPr lang="en-US" sz="1100" u="none" strike="noStrike" dirty="0">
+                        <a:rPr lang="en-US" sz="1400" u="none" strike="noStrike" dirty="0">
                           <a:effectLst/>
                           <a:latin typeface="Lexend" pitchFamily="2" charset="0"/>
                         </a:rPr>
                         <a:t>in: 10: out: 10 </a:t>
                       </a:r>
-                      <a:endParaRPr lang="en-US" sz="1100" b="0" i="0" u="none" strike="noStrike" dirty="0">
+                      <a:endParaRPr lang="en-US" sz="1400" b="0" i="0" u="none" strike="noStrike" dirty="0">
                         <a:solidFill>
                           <a:srgbClr val="000000"/>
                         </a:solidFill>
@@ -11861,13 +10682,13 @@
                     <a:p>
                       <a:pPr algn="ctr" fontAlgn="ctr"/>
                       <a:r>
-                        <a:rPr lang="en-US" sz="1100" u="none" strike="noStrike" dirty="0">
+                        <a:rPr lang="en-US" sz="1400" u="none" strike="noStrike" dirty="0">
                           <a:effectLst/>
                           <a:latin typeface="Lexend" pitchFamily="2" charset="0"/>
                         </a:rPr>
                         <a:t>0 </a:t>
                       </a:r>
-                      <a:endParaRPr lang="en-US" sz="1100" b="0" i="0" u="none" strike="noStrike" dirty="0">
+                      <a:endParaRPr lang="en-US" sz="1400" b="0" i="0" u="none" strike="noStrike" dirty="0">
                         <a:solidFill>
                           <a:srgbClr val="000000"/>
                         </a:solidFill>
@@ -11885,13 +10706,13 @@
                     <a:p>
                       <a:pPr algn="ctr" fontAlgn="ctr"/>
                       <a:r>
-                        <a:rPr lang="en-US" sz="1100" u="none" strike="noStrike" dirty="0">
+                        <a:rPr lang="en-US" sz="1400" u="none" strike="noStrike" dirty="0">
                           <a:effectLst/>
                           <a:latin typeface="Lexend" pitchFamily="2" charset="0"/>
                         </a:rPr>
                         <a:t>0.1</a:t>
                       </a:r>
-                      <a:endParaRPr lang="en-US" sz="1100" b="0" i="0" u="none" strike="noStrike" dirty="0">
+                      <a:endParaRPr lang="en-US" sz="1400" b="0" i="0" u="none" strike="noStrike" dirty="0">
                         <a:solidFill>
                           <a:srgbClr val="000000"/>
                         </a:solidFill>
@@ -11909,13 +10730,13 @@
                     <a:p>
                       <a:pPr algn="ctr" fontAlgn="ctr"/>
                       <a:r>
-                        <a:rPr lang="en-US" sz="1100" u="none" strike="noStrike" dirty="0">
+                        <a:rPr lang="en-US" sz="1400" u="none" strike="noStrike" dirty="0">
                           <a:effectLst/>
                           <a:latin typeface="Lexend" pitchFamily="2" charset="0"/>
                         </a:rPr>
                         <a:t>0.005 </a:t>
                       </a:r>
-                      <a:endParaRPr lang="en-US" sz="1100" b="0" i="0" u="none" strike="noStrike" dirty="0">
+                      <a:endParaRPr lang="en-US" sz="1400" b="0" i="0" u="none" strike="noStrike" dirty="0">
                         <a:solidFill>
                           <a:srgbClr val="000000"/>
                         </a:solidFill>
@@ -11936,6 +10757,1370 @@
           </a:graphicData>
         </a:graphic>
       </p:graphicFrame>
+      <p:sp>
+        <p:nvSpPr>
+          <p:cNvPr id="62" name="Text Box 36">
+            <a:extLst>
+              <a:ext uri="{FF2B5EF4-FFF2-40B4-BE49-F238E27FC236}">
+                <a16:creationId xmlns:a16="http://schemas.microsoft.com/office/drawing/2014/main" id="{56414B4D-521E-4F24-8194-AF27F266CC97}"/>
+              </a:ext>
+            </a:extLst>
+          </p:cNvPr>
+          <p:cNvSpPr txBox="1">
+            <a:spLocks noChangeArrowheads="1"/>
+          </p:cNvSpPr>
+          <p:nvPr/>
+        </p:nvSpPr>
+        <p:spPr bwMode="auto">
+          <a:xfrm>
+            <a:off x="11240617" y="22361701"/>
+            <a:ext cx="9079115" cy="2503585"/>
+          </a:xfrm>
+          <a:prstGeom prst="rect">
+            <a:avLst/>
+          </a:prstGeom>
+          <a:noFill/>
+          <a:ln>
+            <a:noFill/>
+          </a:ln>
+          <a:effectLst/>
+          <a:extLst>
+            <a:ext uri="{909E8E84-426E-40DD-AFC4-6F175D3DCCD1}">
+              <a14:hiddenFill xmlns:a14="http://schemas.microsoft.com/office/drawing/2010/main">
+                <a:solidFill>
+                  <a:schemeClr val="bg1"/>
+                </a:solidFill>
+              </a14:hiddenFill>
+            </a:ext>
+            <a:ext uri="{91240B29-F687-4F45-9708-019B960494DF}">
+              <a14:hiddenLine xmlns:a14="http://schemas.microsoft.com/office/drawing/2010/main" w="57150" cmpd="thinThick">
+                <a:solidFill>
+                  <a:schemeClr val="tx1"/>
+                </a:solidFill>
+                <a:miter lim="800000"/>
+                <a:headEnd/>
+                <a:tailEnd/>
+              </a14:hiddenLine>
+            </a:ext>
+            <a:ext uri="{AF507438-7753-43E0-B8FC-AC1667EBCBE1}">
+              <a14:hiddenEffects xmlns:a14="http://schemas.microsoft.com/office/drawing/2010/main">
+                <a:effectLst>
+                  <a:outerShdw dist="35921" dir="2700000" algn="ctr" rotWithShape="0">
+                    <a:schemeClr val="bg2"/>
+                  </a:outerShdw>
+                </a:effectLst>
+              </a14:hiddenEffects>
+            </a:ext>
+          </a:extLst>
+        </p:spPr>
+        <p:txBody>
+          <a:bodyPr wrap="square" lIns="40974" tIns="20486" rIns="40974" bIns="20486">
+            <a:spAutoFit/>
+          </a:bodyPr>
+          <a:lstStyle>
+            <a:lvl1pPr defTabSz="488950" eaLnBrk="0" hangingPunct="0">
+              <a:defRPr sz="6900">
+                <a:solidFill>
+                  <a:schemeClr val="tx1"/>
+                </a:solidFill>
+                <a:latin typeface="Arial" charset="0"/>
+              </a:defRPr>
+            </a:lvl1pPr>
+            <a:lvl2pPr marL="742950" indent="-285750" defTabSz="488950" eaLnBrk="0" hangingPunct="0">
+              <a:defRPr sz="6900">
+                <a:solidFill>
+                  <a:schemeClr val="tx1"/>
+                </a:solidFill>
+                <a:latin typeface="Arial" charset="0"/>
+              </a:defRPr>
+            </a:lvl2pPr>
+            <a:lvl3pPr marL="1143000" indent="-228600" defTabSz="488950" eaLnBrk="0" hangingPunct="0">
+              <a:defRPr sz="6900">
+                <a:solidFill>
+                  <a:schemeClr val="tx1"/>
+                </a:solidFill>
+                <a:latin typeface="Arial" charset="0"/>
+              </a:defRPr>
+            </a:lvl3pPr>
+            <a:lvl4pPr marL="1600200" indent="-228600" defTabSz="488950" eaLnBrk="0" hangingPunct="0">
+              <a:defRPr sz="6900">
+                <a:solidFill>
+                  <a:schemeClr val="tx1"/>
+                </a:solidFill>
+                <a:latin typeface="Arial" charset="0"/>
+              </a:defRPr>
+            </a:lvl4pPr>
+            <a:lvl5pPr marL="2057400" indent="-228600" defTabSz="488950" eaLnBrk="0" hangingPunct="0">
+              <a:defRPr sz="6900">
+                <a:solidFill>
+                  <a:schemeClr val="tx1"/>
+                </a:solidFill>
+                <a:latin typeface="Arial" charset="0"/>
+              </a:defRPr>
+            </a:lvl5pPr>
+            <a:lvl6pPr marL="2514600" indent="-228600" algn="ctr" defTabSz="488950" eaLnBrk="0" fontAlgn="base" hangingPunct="0">
+              <a:spcBef>
+                <a:spcPct val="0"/>
+              </a:spcBef>
+              <a:spcAft>
+                <a:spcPct val="0"/>
+              </a:spcAft>
+              <a:defRPr sz="6900">
+                <a:solidFill>
+                  <a:schemeClr val="tx1"/>
+                </a:solidFill>
+                <a:latin typeface="Arial" charset="0"/>
+              </a:defRPr>
+            </a:lvl6pPr>
+            <a:lvl7pPr marL="2971800" indent="-228600" algn="ctr" defTabSz="488950" eaLnBrk="0" fontAlgn="base" hangingPunct="0">
+              <a:spcBef>
+                <a:spcPct val="0"/>
+              </a:spcBef>
+              <a:spcAft>
+                <a:spcPct val="0"/>
+              </a:spcAft>
+              <a:defRPr sz="6900">
+                <a:solidFill>
+                  <a:schemeClr val="tx1"/>
+                </a:solidFill>
+                <a:latin typeface="Arial" charset="0"/>
+              </a:defRPr>
+            </a:lvl7pPr>
+            <a:lvl8pPr marL="3429000" indent="-228600" algn="ctr" defTabSz="488950" eaLnBrk="0" fontAlgn="base" hangingPunct="0">
+              <a:spcBef>
+                <a:spcPct val="0"/>
+              </a:spcBef>
+              <a:spcAft>
+                <a:spcPct val="0"/>
+              </a:spcAft>
+              <a:defRPr sz="6900">
+                <a:solidFill>
+                  <a:schemeClr val="tx1"/>
+                </a:solidFill>
+                <a:latin typeface="Arial" charset="0"/>
+              </a:defRPr>
+            </a:lvl8pPr>
+            <a:lvl9pPr marL="3886200" indent="-228600" algn="ctr" defTabSz="488950" eaLnBrk="0" fontAlgn="base" hangingPunct="0">
+              <a:spcBef>
+                <a:spcPct val="0"/>
+              </a:spcBef>
+              <a:spcAft>
+                <a:spcPct val="0"/>
+              </a:spcAft>
+              <a:defRPr sz="6900">
+                <a:solidFill>
+                  <a:schemeClr val="tx1"/>
+                </a:solidFill>
+                <a:latin typeface="Arial" charset="0"/>
+              </a:defRPr>
+            </a:lvl9pPr>
+          </a:lstStyle>
+          <a:p>
+            <a:pPr algn="just" rtl="1"/>
+            <a:r>
+              <a:rPr lang="fa-IR" altLang="en-US" sz="2000" dirty="0">
+                <a:latin typeface="Times New Roman" pitchFamily="18" charset="0"/>
+                <a:cs typeface="B Nazanin" panose="00000400000000000000" pitchFamily="2" charset="-78"/>
+              </a:rPr>
+              <a:t>به طور کلی برای انجام محاسبات </a:t>
+            </a:r>
+            <a:r>
+              <a:rPr lang="fa-IR" altLang="en-US" sz="2000" dirty="0" err="1">
+                <a:latin typeface="Times New Roman" pitchFamily="18" charset="0"/>
+                <a:cs typeface="B Nazanin" panose="00000400000000000000" pitchFamily="2" charset="-78"/>
+              </a:rPr>
+              <a:t>سخت‌افزاری</a:t>
+            </a:r>
+            <a:r>
+              <a:rPr lang="fa-IR" altLang="en-US" sz="2000" dirty="0">
+                <a:latin typeface="Times New Roman" pitchFamily="18" charset="0"/>
+                <a:cs typeface="B Nazanin" panose="00000400000000000000" pitchFamily="2" charset="-78"/>
+              </a:rPr>
+              <a:t> از </a:t>
+            </a:r>
+            <a:r>
+              <a:rPr lang="fa-IR" altLang="en-US" sz="2000" dirty="0" err="1">
+                <a:latin typeface="Times New Roman" pitchFamily="18" charset="0"/>
+                <a:cs typeface="B Nazanin" panose="00000400000000000000" pitchFamily="2" charset="-78"/>
+              </a:rPr>
+              <a:t>قابلیت‌های</a:t>
+            </a:r>
+            <a:r>
+              <a:rPr lang="fa-IR" altLang="en-US" sz="2000" dirty="0">
+                <a:latin typeface="Times New Roman" pitchFamily="18" charset="0"/>
+                <a:cs typeface="B Nazanin" panose="00000400000000000000" pitchFamily="2" charset="-78"/>
+              </a:rPr>
+              <a:t> مدرن برد </a:t>
+            </a:r>
+            <a:r>
+              <a:rPr lang="en-US" altLang="en-US" sz="1800" dirty="0">
+                <a:latin typeface="Times New Roman" pitchFamily="18" charset="0"/>
+                <a:cs typeface="B Nazanin" panose="00000400000000000000" pitchFamily="2" charset="-78"/>
+              </a:rPr>
+              <a:t>PYNQ-Z2</a:t>
+            </a:r>
+            <a:r>
+              <a:rPr lang="fa-IR" altLang="en-US" sz="2000" dirty="0">
+                <a:latin typeface="Times New Roman" pitchFamily="18" charset="0"/>
+                <a:cs typeface="B Nazanin" panose="00000400000000000000" pitchFamily="2" charset="-78"/>
+              </a:rPr>
+              <a:t> استفاده </a:t>
+            </a:r>
+            <a:r>
+              <a:rPr lang="fa-IR" altLang="en-US" sz="2000" dirty="0" err="1">
+                <a:latin typeface="Times New Roman" pitchFamily="18" charset="0"/>
+                <a:cs typeface="B Nazanin" panose="00000400000000000000" pitchFamily="2" charset="-78"/>
+              </a:rPr>
+              <a:t>می‌کنیم</a:t>
+            </a:r>
+            <a:r>
+              <a:rPr lang="fa-IR" altLang="en-US" sz="2000" dirty="0">
+                <a:latin typeface="Times New Roman" pitchFamily="18" charset="0"/>
+                <a:cs typeface="B Nazanin" panose="00000400000000000000" pitchFamily="2" charset="-78"/>
+              </a:rPr>
+              <a:t>. با استفاده از </a:t>
+            </a:r>
+            <a:r>
+              <a:rPr lang="en-US" altLang="en-US" sz="1800" dirty="0">
+                <a:latin typeface="Times New Roman" pitchFamily="18" charset="0"/>
+                <a:cs typeface="B Nazanin" panose="00000400000000000000" pitchFamily="2" charset="-78"/>
+              </a:rPr>
+              <a:t>PS</a:t>
+            </a:r>
+            <a:r>
+              <a:rPr lang="fa-IR" altLang="en-US" sz="2000" dirty="0">
+                <a:latin typeface="Times New Roman" pitchFamily="18" charset="0"/>
+                <a:cs typeface="B Nazanin" panose="00000400000000000000" pitchFamily="2" charset="-78"/>
+              </a:rPr>
+              <a:t> هم </a:t>
+            </a:r>
+            <a:r>
+              <a:rPr lang="fa-IR" altLang="en-US" sz="2000" dirty="0" err="1">
+                <a:latin typeface="Times New Roman" pitchFamily="18" charset="0"/>
+                <a:cs typeface="B Nazanin" panose="00000400000000000000" pitchFamily="2" charset="-78"/>
+              </a:rPr>
+              <a:t>می‌توان</a:t>
+            </a:r>
+            <a:r>
+              <a:rPr lang="fa-IR" altLang="en-US" sz="2000" dirty="0">
+                <a:latin typeface="Times New Roman" pitchFamily="18" charset="0"/>
+                <a:cs typeface="B Nazanin" panose="00000400000000000000" pitchFamily="2" charset="-78"/>
+              </a:rPr>
+              <a:t> محاسبات را انجام داد و هم </a:t>
+            </a:r>
+            <a:r>
+              <a:rPr lang="fa-IR" altLang="en-US" sz="2000" dirty="0" err="1">
+                <a:latin typeface="Times New Roman" pitchFamily="18" charset="0"/>
+                <a:cs typeface="B Nazanin" panose="00000400000000000000" pitchFamily="2" charset="-78"/>
+              </a:rPr>
+              <a:t>می‌توان</a:t>
+            </a:r>
+            <a:r>
+              <a:rPr lang="fa-IR" altLang="en-US" sz="2000" dirty="0">
+                <a:latin typeface="Times New Roman" pitchFamily="18" charset="0"/>
+                <a:cs typeface="B Nazanin" panose="00000400000000000000" pitchFamily="2" charset="-78"/>
+              </a:rPr>
+              <a:t> به صورت کنترلی از آن استفاده کرد و </a:t>
+            </a:r>
+            <a:r>
+              <a:rPr lang="fa-IR" altLang="en-US" sz="2000" dirty="0" err="1">
+                <a:latin typeface="Times New Roman" pitchFamily="18" charset="0"/>
+                <a:cs typeface="B Nazanin" panose="00000400000000000000" pitchFamily="2" charset="-78"/>
+              </a:rPr>
+              <a:t>لایه‌ای</a:t>
+            </a:r>
+            <a:r>
+              <a:rPr lang="fa-IR" altLang="en-US" sz="2000" dirty="0">
+                <a:latin typeface="Times New Roman" pitchFamily="18" charset="0"/>
+                <a:cs typeface="B Nazanin" panose="00000400000000000000" pitchFamily="2" charset="-78"/>
+              </a:rPr>
+              <a:t> که میخواهیم روی آن </a:t>
+            </a:r>
+            <a:r>
+              <a:rPr lang="fa-IR" altLang="en-US" sz="2000" dirty="0" err="1">
+                <a:latin typeface="Times New Roman" pitchFamily="18" charset="0"/>
+                <a:cs typeface="B Nazanin" panose="00000400000000000000" pitchFamily="2" charset="-78"/>
+              </a:rPr>
+              <a:t>شتاب‌دهی</a:t>
+            </a:r>
+            <a:r>
+              <a:rPr lang="fa-IR" altLang="en-US" sz="2000" dirty="0">
+                <a:latin typeface="Times New Roman" pitchFamily="18" charset="0"/>
+                <a:cs typeface="B Nazanin" panose="00000400000000000000" pitchFamily="2" charset="-78"/>
+              </a:rPr>
+              <a:t> را انجام دهیم، انتخاب کنیم. به صورت کلی </a:t>
+            </a:r>
+            <a:r>
+              <a:rPr lang="fa-IR" altLang="en-US" sz="2000" dirty="0" err="1">
+                <a:latin typeface="Times New Roman" pitchFamily="18" charset="0"/>
+                <a:cs typeface="B Nazanin" panose="00000400000000000000" pitchFamily="2" charset="-78"/>
+              </a:rPr>
+              <a:t>داده‌ها</a:t>
+            </a:r>
+            <a:r>
+              <a:rPr lang="fa-IR" altLang="en-US" sz="2000" dirty="0">
+                <a:latin typeface="Times New Roman" pitchFamily="18" charset="0"/>
+                <a:cs typeface="B Nazanin" panose="00000400000000000000" pitchFamily="2" charset="-78"/>
+              </a:rPr>
+              <a:t> از طریق </a:t>
+            </a:r>
+            <a:r>
+              <a:rPr lang="en-US" altLang="en-US" sz="1800" dirty="0">
+                <a:latin typeface="Times New Roman" pitchFamily="18" charset="0"/>
+                <a:cs typeface="B Nazanin" panose="00000400000000000000" pitchFamily="2" charset="-78"/>
+              </a:rPr>
+              <a:t>PS</a:t>
+            </a:r>
+            <a:r>
+              <a:rPr lang="fa-IR" altLang="en-US" sz="2000" dirty="0">
+                <a:latin typeface="Times New Roman" pitchFamily="18" charset="0"/>
+                <a:cs typeface="B Nazanin" panose="00000400000000000000" pitchFamily="2" charset="-78"/>
+              </a:rPr>
+              <a:t> دریافت شده و داخل حافظه قرار داده </a:t>
+            </a:r>
+            <a:r>
+              <a:rPr lang="fa-IR" altLang="en-US" sz="2000" dirty="0" err="1">
+                <a:latin typeface="Times New Roman" pitchFamily="18" charset="0"/>
+                <a:cs typeface="B Nazanin" panose="00000400000000000000" pitchFamily="2" charset="-78"/>
+              </a:rPr>
+              <a:t>می‌شوند</a:t>
+            </a:r>
+            <a:r>
+              <a:rPr lang="fa-IR" altLang="en-US" sz="2000" dirty="0">
+                <a:latin typeface="Times New Roman" pitchFamily="18" charset="0"/>
+                <a:cs typeface="B Nazanin" panose="00000400000000000000" pitchFamily="2" charset="-78"/>
+              </a:rPr>
+              <a:t>؛ سپس با تنظیم کردن </a:t>
+            </a:r>
+            <a:r>
+              <a:rPr lang="en-US" altLang="en-US" sz="1800" dirty="0">
+                <a:latin typeface="Times New Roman" pitchFamily="18" charset="0"/>
+                <a:cs typeface="B Nazanin" panose="00000400000000000000" pitchFamily="2" charset="-78"/>
+              </a:rPr>
+              <a:t>DMA</a:t>
+            </a:r>
+            <a:r>
+              <a:rPr lang="fa-IR" altLang="en-US" sz="2000" dirty="0">
+                <a:latin typeface="Times New Roman" pitchFamily="18" charset="0"/>
+                <a:cs typeface="B Nazanin" panose="00000400000000000000" pitchFamily="2" charset="-78"/>
+              </a:rPr>
+              <a:t> اطلاعات را با پروتکل </a:t>
+            </a:r>
+            <a:r>
+              <a:rPr lang="en-US" altLang="en-US" sz="1800" dirty="0">
+                <a:latin typeface="Times New Roman" pitchFamily="18" charset="0"/>
+                <a:cs typeface="B Nazanin" panose="00000400000000000000" pitchFamily="2" charset="-78"/>
+              </a:rPr>
+              <a:t>AXI-4 Stream</a:t>
+            </a:r>
+            <a:r>
+              <a:rPr lang="fa-IR" altLang="en-US" sz="1800" dirty="0">
+                <a:latin typeface="Times New Roman" pitchFamily="18" charset="0"/>
+                <a:cs typeface="B Nazanin" panose="00000400000000000000" pitchFamily="2" charset="-78"/>
+              </a:rPr>
+              <a:t> </a:t>
+            </a:r>
+            <a:r>
+              <a:rPr lang="fa-IR" altLang="en-US" sz="2000" dirty="0">
+                <a:latin typeface="Times New Roman" pitchFamily="18" charset="0"/>
+                <a:cs typeface="B Nazanin" panose="00000400000000000000" pitchFamily="2" charset="-78"/>
+              </a:rPr>
+              <a:t>به سمت </a:t>
+            </a:r>
+            <a:r>
+              <a:rPr lang="fa-IR" altLang="en-US" sz="2000" dirty="0" err="1">
+                <a:latin typeface="Times New Roman" pitchFamily="18" charset="0"/>
+                <a:cs typeface="B Nazanin" panose="00000400000000000000" pitchFamily="2" charset="-78"/>
+              </a:rPr>
+              <a:t>شتاب‌دهنده‌های</a:t>
+            </a:r>
+            <a:r>
+              <a:rPr lang="fa-IR" altLang="en-US" sz="2000" dirty="0">
+                <a:latin typeface="Times New Roman" pitchFamily="18" charset="0"/>
+                <a:cs typeface="B Nazanin" panose="00000400000000000000" pitchFamily="2" charset="-78"/>
+              </a:rPr>
+              <a:t> خود ارسال کرده و پس از اتمام پردازش و ارسال جواب توسط </a:t>
+            </a:r>
+            <a:r>
+              <a:rPr lang="fa-IR" altLang="en-US" sz="2000" dirty="0" err="1">
+                <a:latin typeface="Times New Roman" pitchFamily="18" charset="0"/>
+                <a:cs typeface="B Nazanin" panose="00000400000000000000" pitchFamily="2" charset="-78"/>
+              </a:rPr>
+              <a:t>آن‌ها</a:t>
+            </a:r>
+            <a:r>
+              <a:rPr lang="fa-IR" altLang="en-US" sz="2000" dirty="0">
+                <a:latin typeface="Times New Roman" pitchFamily="18" charset="0"/>
+                <a:cs typeface="B Nazanin" panose="00000400000000000000" pitchFamily="2" charset="-78"/>
+              </a:rPr>
+              <a:t> </a:t>
+            </a:r>
+            <a:r>
+              <a:rPr lang="fa-IR" altLang="en-US" sz="2000" dirty="0" err="1">
+                <a:latin typeface="Times New Roman" pitchFamily="18" charset="0"/>
+                <a:cs typeface="B Nazanin" panose="00000400000000000000" pitchFamily="2" charset="-78"/>
+              </a:rPr>
+              <a:t>داده‌ها</a:t>
+            </a:r>
+            <a:r>
+              <a:rPr lang="fa-IR" altLang="en-US" sz="2000" dirty="0">
+                <a:latin typeface="Times New Roman" pitchFamily="18" charset="0"/>
+                <a:cs typeface="B Nazanin" panose="00000400000000000000" pitchFamily="2" charset="-78"/>
+              </a:rPr>
+              <a:t> را دریافت </a:t>
+            </a:r>
+            <a:r>
+              <a:rPr lang="fa-IR" altLang="en-US" sz="2000" dirty="0" err="1">
+                <a:latin typeface="Times New Roman" pitchFamily="18" charset="0"/>
+                <a:cs typeface="B Nazanin" panose="00000400000000000000" pitchFamily="2" charset="-78"/>
+              </a:rPr>
+              <a:t>می‌کنیم</a:t>
+            </a:r>
+            <a:r>
+              <a:rPr lang="fa-IR" altLang="en-US" sz="2000" dirty="0">
+                <a:latin typeface="Times New Roman" pitchFamily="18" charset="0"/>
+                <a:cs typeface="B Nazanin" panose="00000400000000000000" pitchFamily="2" charset="-78"/>
+              </a:rPr>
+              <a:t>. علاوه بر آن </a:t>
+            </a:r>
+            <a:r>
+              <a:rPr lang="fa-IR" altLang="en-US" sz="2000" dirty="0" err="1">
+                <a:latin typeface="Times New Roman" pitchFamily="18" charset="0"/>
+                <a:cs typeface="B Nazanin" panose="00000400000000000000" pitchFamily="2" charset="-78"/>
+              </a:rPr>
+              <a:t>می‌توان</a:t>
+            </a:r>
+            <a:r>
+              <a:rPr lang="fa-IR" altLang="en-US" sz="2000" dirty="0">
+                <a:latin typeface="Times New Roman" pitchFamily="18" charset="0"/>
+                <a:cs typeface="B Nazanin" panose="00000400000000000000" pitchFamily="2" charset="-78"/>
+              </a:rPr>
+              <a:t> </a:t>
+            </a:r>
+            <a:r>
+              <a:rPr lang="fa-IR" altLang="en-US" sz="2000" dirty="0" err="1">
+                <a:latin typeface="Times New Roman" pitchFamily="18" charset="0"/>
+                <a:cs typeface="B Nazanin" panose="00000400000000000000" pitchFamily="2" charset="-78"/>
+              </a:rPr>
+              <a:t>ماژول‌ها</a:t>
+            </a:r>
+            <a:r>
+              <a:rPr lang="fa-IR" altLang="en-US" sz="2000" dirty="0">
+                <a:latin typeface="Times New Roman" pitchFamily="18" charset="0"/>
+                <a:cs typeface="B Nazanin" panose="00000400000000000000" pitchFamily="2" charset="-78"/>
+              </a:rPr>
+              <a:t> را </a:t>
+            </a:r>
+            <a:r>
+              <a:rPr lang="fa-IR" altLang="en-US" sz="2000" dirty="0" err="1">
+                <a:latin typeface="Times New Roman" pitchFamily="18" charset="0"/>
+                <a:cs typeface="B Nazanin" panose="00000400000000000000" pitchFamily="2" charset="-78"/>
+              </a:rPr>
+              <a:t>پشت‌سر</a:t>
+            </a:r>
+            <a:r>
+              <a:rPr lang="fa-IR" altLang="en-US" sz="2000" dirty="0">
+                <a:latin typeface="Times New Roman" pitchFamily="18" charset="0"/>
+                <a:cs typeface="B Nazanin" panose="00000400000000000000" pitchFamily="2" charset="-78"/>
+              </a:rPr>
+              <a:t> هم قرار داد و با استفاده از </a:t>
+            </a:r>
+            <a:r>
+              <a:rPr lang="en-US" altLang="en-US" sz="1800" dirty="0">
+                <a:latin typeface="Times New Roman" pitchFamily="18" charset="0"/>
+                <a:cs typeface="B Nazanin" panose="00000400000000000000" pitchFamily="2" charset="-78"/>
+              </a:rPr>
+              <a:t>GP AXIS IF</a:t>
+            </a:r>
+            <a:r>
+              <a:rPr lang="fa-IR" altLang="en-US" sz="1800" dirty="0">
+                <a:latin typeface="Times New Roman" pitchFamily="18" charset="0"/>
+                <a:cs typeface="B Nazanin" panose="00000400000000000000" pitchFamily="2" charset="-78"/>
+              </a:rPr>
+              <a:t> </a:t>
+            </a:r>
+            <a:r>
+              <a:rPr lang="fa-IR" altLang="en-US" sz="2000" dirty="0">
+                <a:latin typeface="Times New Roman" pitchFamily="18" charset="0"/>
+                <a:cs typeface="B Nazanin" panose="00000400000000000000" pitchFamily="2" charset="-78"/>
+              </a:rPr>
+              <a:t>طراحی شده </a:t>
+            </a:r>
+            <a:r>
+              <a:rPr lang="fa-IR" altLang="en-US" sz="2000" dirty="0" err="1">
+                <a:latin typeface="Times New Roman" pitchFamily="18" charset="0"/>
+                <a:cs typeface="B Nazanin" panose="00000400000000000000" pitchFamily="2" charset="-78"/>
+              </a:rPr>
+              <a:t>داده‌ها</a:t>
+            </a:r>
+            <a:r>
+              <a:rPr lang="fa-IR" altLang="en-US" sz="2000" dirty="0">
+                <a:latin typeface="Times New Roman" pitchFamily="18" charset="0"/>
+                <a:cs typeface="B Nazanin" panose="00000400000000000000" pitchFamily="2" charset="-78"/>
+              </a:rPr>
+              <a:t> را بدون نیاز به سیگنال کنترلی دیگری به مرحله بعد ارسال کرد و </a:t>
+            </a:r>
+            <a:r>
+              <a:rPr lang="en-US" altLang="en-US" sz="1800" dirty="0">
+                <a:latin typeface="Times New Roman" pitchFamily="18" charset="0"/>
+                <a:cs typeface="B Nazanin" panose="00000400000000000000" pitchFamily="2" charset="-78"/>
+              </a:rPr>
+              <a:t>Handshaking</a:t>
+            </a:r>
+            <a:r>
+              <a:rPr lang="fa-IR" altLang="en-US" sz="2000" dirty="0">
+                <a:latin typeface="Times New Roman" pitchFamily="18" charset="0"/>
+                <a:cs typeface="B Nazanin" panose="00000400000000000000" pitchFamily="2" charset="-78"/>
+              </a:rPr>
+              <a:t> به صورت </a:t>
+            </a:r>
+            <a:r>
+              <a:rPr lang="fa-IR" altLang="en-US" sz="2000" dirty="0" err="1">
+                <a:latin typeface="Times New Roman" pitchFamily="18" charset="0"/>
+                <a:cs typeface="B Nazanin" panose="00000400000000000000" pitchFamily="2" charset="-78"/>
+              </a:rPr>
+              <a:t>اتومات</a:t>
+            </a:r>
+            <a:r>
+              <a:rPr lang="fa-IR" altLang="en-US" sz="2000" dirty="0">
+                <a:latin typeface="Times New Roman" pitchFamily="18" charset="0"/>
+                <a:cs typeface="B Nazanin" panose="00000400000000000000" pitchFamily="2" charset="-78"/>
+              </a:rPr>
+              <a:t> انجام </a:t>
+            </a:r>
+            <a:r>
+              <a:rPr lang="fa-IR" altLang="en-US" sz="2000" dirty="0" err="1">
+                <a:latin typeface="Times New Roman" pitchFamily="18" charset="0"/>
+                <a:cs typeface="B Nazanin" panose="00000400000000000000" pitchFamily="2" charset="-78"/>
+              </a:rPr>
+              <a:t>می‌شود</a:t>
+            </a:r>
+            <a:r>
+              <a:rPr lang="fa-IR" altLang="en-US" sz="2000" dirty="0">
+                <a:latin typeface="Times New Roman" pitchFamily="18" charset="0"/>
+                <a:cs typeface="B Nazanin" panose="00000400000000000000" pitchFamily="2" charset="-78"/>
+              </a:rPr>
+              <a:t>. شکل کلی سیستم در شکل ۵ قابل مشاهده است.</a:t>
+            </a:r>
+            <a:endParaRPr lang="en-US" altLang="en-US" sz="2000" dirty="0">
+              <a:latin typeface="Times New Roman" pitchFamily="18" charset="0"/>
+              <a:cs typeface="B Nazanin" panose="00000400000000000000" pitchFamily="2" charset="-78"/>
+            </a:endParaRPr>
+          </a:p>
+        </p:txBody>
+      </p:sp>
+      <p:sp>
+        <p:nvSpPr>
+          <p:cNvPr id="63" name="Text Box 9">
+            <a:extLst>
+              <a:ext uri="{FF2B5EF4-FFF2-40B4-BE49-F238E27FC236}">
+                <a16:creationId xmlns:a16="http://schemas.microsoft.com/office/drawing/2014/main" id="{D23D3D91-279B-48E2-BC6A-7A0580E349E1}"/>
+              </a:ext>
+            </a:extLst>
+          </p:cNvPr>
+          <p:cNvSpPr txBox="1">
+            <a:spLocks noChangeArrowheads="1"/>
+          </p:cNvSpPr>
+          <p:nvPr/>
+        </p:nvSpPr>
+        <p:spPr bwMode="auto">
+          <a:xfrm>
+            <a:off x="1093368" y="6789982"/>
+            <a:ext cx="9079115" cy="5694159"/>
+          </a:xfrm>
+          <a:prstGeom prst="rect">
+            <a:avLst/>
+          </a:prstGeom>
+          <a:noFill/>
+          <a:ln>
+            <a:noFill/>
+          </a:ln>
+          <a:effectLst/>
+          <a:extLst>
+            <a:ext uri="{909E8E84-426E-40DD-AFC4-6F175D3DCCD1}">
+              <a14:hiddenFill xmlns:a14="http://schemas.microsoft.com/office/drawing/2010/main">
+                <a:solidFill>
+                  <a:schemeClr val="accent1"/>
+                </a:solidFill>
+              </a14:hiddenFill>
+            </a:ext>
+            <a:ext uri="{91240B29-F687-4F45-9708-019B960494DF}">
+              <a14:hiddenLine xmlns:a14="http://schemas.microsoft.com/office/drawing/2010/main" w="9525">
+                <a:solidFill>
+                  <a:schemeClr val="tx1"/>
+                </a:solidFill>
+                <a:miter lim="800000"/>
+                <a:headEnd/>
+                <a:tailEnd/>
+              </a14:hiddenLine>
+            </a:ext>
+            <a:ext uri="{AF507438-7753-43E0-B8FC-AC1667EBCBE1}">
+              <a14:hiddenEffects xmlns:a14="http://schemas.microsoft.com/office/drawing/2010/main">
+                <a:effectLst>
+                  <a:outerShdw dist="35921" dir="2700000" algn="ctr" rotWithShape="0">
+                    <a:schemeClr val="bg2"/>
+                  </a:outerShdw>
+                </a:effectLst>
+              </a14:hiddenEffects>
+            </a:ext>
+          </a:extLst>
+        </p:spPr>
+        <p:txBody>
+          <a:bodyPr wrap="square" lIns="61250" tIns="30625" rIns="61250" bIns="30625">
+            <a:spAutoFit/>
+          </a:bodyPr>
+          <a:lstStyle>
+            <a:lvl1pPr defTabSz="3497263" eaLnBrk="0" hangingPunct="0">
+              <a:defRPr sz="6900">
+                <a:solidFill>
+                  <a:schemeClr val="tx1"/>
+                </a:solidFill>
+                <a:latin typeface="Arial" charset="0"/>
+              </a:defRPr>
+            </a:lvl1pPr>
+            <a:lvl2pPr marL="742950" indent="-285750" defTabSz="3497263" eaLnBrk="0" hangingPunct="0">
+              <a:defRPr sz="6900">
+                <a:solidFill>
+                  <a:schemeClr val="tx1"/>
+                </a:solidFill>
+                <a:latin typeface="Arial" charset="0"/>
+              </a:defRPr>
+            </a:lvl2pPr>
+            <a:lvl3pPr marL="1143000" indent="-228600" defTabSz="3497263" eaLnBrk="0" hangingPunct="0">
+              <a:defRPr sz="6900">
+                <a:solidFill>
+                  <a:schemeClr val="tx1"/>
+                </a:solidFill>
+                <a:latin typeface="Arial" charset="0"/>
+              </a:defRPr>
+            </a:lvl3pPr>
+            <a:lvl4pPr marL="1600200" indent="-228600" defTabSz="3497263" eaLnBrk="0" hangingPunct="0">
+              <a:defRPr sz="6900">
+                <a:solidFill>
+                  <a:schemeClr val="tx1"/>
+                </a:solidFill>
+                <a:latin typeface="Arial" charset="0"/>
+              </a:defRPr>
+            </a:lvl4pPr>
+            <a:lvl5pPr marL="2057400" indent="-228600" defTabSz="3497263" eaLnBrk="0" hangingPunct="0">
+              <a:defRPr sz="6900">
+                <a:solidFill>
+                  <a:schemeClr val="tx1"/>
+                </a:solidFill>
+                <a:latin typeface="Arial" charset="0"/>
+              </a:defRPr>
+            </a:lvl5pPr>
+            <a:lvl6pPr marL="2514600" indent="-228600" algn="ctr" defTabSz="3497263" eaLnBrk="0" fontAlgn="base" hangingPunct="0">
+              <a:spcBef>
+                <a:spcPct val="0"/>
+              </a:spcBef>
+              <a:spcAft>
+                <a:spcPct val="0"/>
+              </a:spcAft>
+              <a:defRPr sz="6900">
+                <a:solidFill>
+                  <a:schemeClr val="tx1"/>
+                </a:solidFill>
+                <a:latin typeface="Arial" charset="0"/>
+              </a:defRPr>
+            </a:lvl6pPr>
+            <a:lvl7pPr marL="2971800" indent="-228600" algn="ctr" defTabSz="3497263" eaLnBrk="0" fontAlgn="base" hangingPunct="0">
+              <a:spcBef>
+                <a:spcPct val="0"/>
+              </a:spcBef>
+              <a:spcAft>
+                <a:spcPct val="0"/>
+              </a:spcAft>
+              <a:defRPr sz="6900">
+                <a:solidFill>
+                  <a:schemeClr val="tx1"/>
+                </a:solidFill>
+                <a:latin typeface="Arial" charset="0"/>
+              </a:defRPr>
+            </a:lvl7pPr>
+            <a:lvl8pPr marL="3429000" indent="-228600" algn="ctr" defTabSz="3497263" eaLnBrk="0" fontAlgn="base" hangingPunct="0">
+              <a:spcBef>
+                <a:spcPct val="0"/>
+              </a:spcBef>
+              <a:spcAft>
+                <a:spcPct val="0"/>
+              </a:spcAft>
+              <a:defRPr sz="6900">
+                <a:solidFill>
+                  <a:schemeClr val="tx1"/>
+                </a:solidFill>
+                <a:latin typeface="Arial" charset="0"/>
+              </a:defRPr>
+            </a:lvl8pPr>
+            <a:lvl9pPr marL="3886200" indent="-228600" algn="ctr" defTabSz="3497263" eaLnBrk="0" fontAlgn="base" hangingPunct="0">
+              <a:spcBef>
+                <a:spcPct val="0"/>
+              </a:spcBef>
+              <a:spcAft>
+                <a:spcPct val="0"/>
+              </a:spcAft>
+              <a:defRPr sz="6900">
+                <a:solidFill>
+                  <a:schemeClr val="tx1"/>
+                </a:solidFill>
+                <a:latin typeface="Arial" charset="0"/>
+              </a:defRPr>
+            </a:lvl9pPr>
+          </a:lstStyle>
+          <a:p>
+            <a:pPr algn="just" rtl="1"/>
+            <a:r>
+              <a:rPr lang="fa-IR" altLang="en-US" sz="2600" dirty="0">
+                <a:latin typeface="Times New Roman" pitchFamily="18" charset="0"/>
+                <a:cs typeface="B Nazanin" panose="00000400000000000000" pitchFamily="2" charset="-78"/>
+              </a:rPr>
+              <a:t>زمان انتقال </a:t>
+            </a:r>
+            <a:r>
+              <a:rPr lang="fa-IR" altLang="en-US" sz="2600" dirty="0" err="1">
+                <a:latin typeface="Times New Roman" pitchFamily="18" charset="0"/>
+                <a:cs typeface="B Nazanin" panose="00000400000000000000" pitchFamily="2" charset="-78"/>
+              </a:rPr>
+              <a:t>داده‌ها</a:t>
+            </a:r>
+            <a:r>
+              <a:rPr lang="fa-IR" altLang="en-US" sz="2600" dirty="0">
+                <a:latin typeface="Times New Roman" pitchFamily="18" charset="0"/>
+                <a:cs typeface="B Nazanin" panose="00000400000000000000" pitchFamily="2" charset="-78"/>
+              </a:rPr>
+              <a:t> از </a:t>
+            </a:r>
+            <a:r>
+              <a:rPr lang="en-US" altLang="en-US" sz="2400" dirty="0">
+                <a:latin typeface="Times New Roman" pitchFamily="18" charset="0"/>
+                <a:cs typeface="B Nazanin" panose="00000400000000000000" pitchFamily="2" charset="-78"/>
+              </a:rPr>
+              <a:t>Memory‌</a:t>
+            </a:r>
+            <a:r>
+              <a:rPr lang="fa-IR" altLang="en-US" sz="2600" dirty="0">
+                <a:latin typeface="Times New Roman" pitchFamily="18" charset="0"/>
+                <a:cs typeface="B Nazanin" panose="00000400000000000000" pitchFamily="2" charset="-78"/>
+              </a:rPr>
+              <a:t> به واسطه </a:t>
+            </a:r>
+            <a:r>
+              <a:rPr lang="en-US" altLang="en-US" sz="2400" dirty="0">
+                <a:latin typeface="Times New Roman" pitchFamily="18" charset="0"/>
+                <a:cs typeface="B Nazanin" panose="00000400000000000000" pitchFamily="2" charset="-78"/>
+              </a:rPr>
+              <a:t>DMA</a:t>
+            </a:r>
+            <a:r>
+              <a:rPr lang="fa-IR" altLang="en-US" sz="2600" dirty="0">
+                <a:latin typeface="Times New Roman" pitchFamily="18" charset="0"/>
+                <a:cs typeface="B Nazanin" panose="00000400000000000000" pitchFamily="2" charset="-78"/>
+              </a:rPr>
+              <a:t> به یک ماژول </a:t>
+            </a:r>
+            <a:r>
+              <a:rPr lang="en-US" altLang="en-US" sz="2400" dirty="0">
+                <a:latin typeface="Times New Roman" pitchFamily="18" charset="0"/>
+                <a:cs typeface="B Nazanin" panose="00000400000000000000" pitchFamily="2" charset="-78"/>
+              </a:rPr>
+              <a:t>AXIS</a:t>
+            </a:r>
+            <a:r>
+              <a:rPr lang="fa-IR" altLang="en-US" sz="2600" dirty="0">
+                <a:latin typeface="Times New Roman" pitchFamily="18" charset="0"/>
+                <a:cs typeface="B Nazanin" panose="00000400000000000000" pitchFamily="2" charset="-78"/>
+              </a:rPr>
+              <a:t> برابر با </a:t>
+            </a:r>
+            <a:r>
+              <a:rPr lang="en-US" altLang="en-US" sz="2400" dirty="0">
+                <a:latin typeface="Times New Roman" pitchFamily="18" charset="0"/>
+                <a:cs typeface="B Nazanin" panose="00000400000000000000" pitchFamily="2" charset="-78"/>
+              </a:rPr>
+              <a:t>1.171ms</a:t>
+            </a:r>
+            <a:r>
+              <a:rPr lang="fa-IR" altLang="en-US" sz="2400" dirty="0">
+                <a:latin typeface="Times New Roman" pitchFamily="18" charset="0"/>
+                <a:cs typeface="B Nazanin" panose="00000400000000000000" pitchFamily="2" charset="-78"/>
+              </a:rPr>
+              <a:t> </a:t>
+            </a:r>
+            <a:r>
+              <a:rPr lang="fa-IR" altLang="en-US" sz="2600" dirty="0" err="1">
+                <a:latin typeface="Times New Roman" pitchFamily="18" charset="0"/>
+                <a:cs typeface="B Nazanin" panose="00000400000000000000" pitchFamily="2" charset="-78"/>
+              </a:rPr>
+              <a:t>می‌باشد</a:t>
+            </a:r>
+            <a:r>
+              <a:rPr lang="fa-IR" altLang="en-US" sz="2600" dirty="0">
+                <a:latin typeface="Times New Roman" pitchFamily="18" charset="0"/>
+                <a:cs typeface="B Nazanin" panose="00000400000000000000" pitchFamily="2" charset="-78"/>
+              </a:rPr>
+              <a:t> و زمان دریافت </a:t>
+            </a:r>
+            <a:r>
+              <a:rPr lang="fa-IR" altLang="en-US" sz="2600" dirty="0" err="1">
+                <a:latin typeface="Times New Roman" pitchFamily="18" charset="0"/>
+                <a:cs typeface="B Nazanin" panose="00000400000000000000" pitchFamily="2" charset="-78"/>
+              </a:rPr>
+              <a:t>داده‌ها</a:t>
+            </a:r>
+            <a:r>
+              <a:rPr lang="fa-IR" altLang="en-US" sz="2600" dirty="0">
+                <a:latin typeface="Times New Roman" pitchFamily="18" charset="0"/>
+                <a:cs typeface="B Nazanin" panose="00000400000000000000" pitchFamily="2" charset="-78"/>
+              </a:rPr>
+              <a:t> نیز برابر با </a:t>
+            </a:r>
+            <a:r>
+              <a:rPr lang="en-US" altLang="en-US" sz="2400" dirty="0">
+                <a:latin typeface="Times New Roman" pitchFamily="18" charset="0"/>
+                <a:cs typeface="B Nazanin" panose="00000400000000000000" pitchFamily="2" charset="-78"/>
+              </a:rPr>
+              <a:t>1.438 </a:t>
+            </a:r>
+            <a:r>
+              <a:rPr lang="en-US" altLang="en-US" sz="2400" dirty="0" err="1">
+                <a:latin typeface="Times New Roman" pitchFamily="18" charset="0"/>
+                <a:cs typeface="B Nazanin" panose="00000400000000000000" pitchFamily="2" charset="-78"/>
+              </a:rPr>
+              <a:t>ms</a:t>
+            </a:r>
+            <a:r>
+              <a:rPr lang="fa-IR" altLang="en-US" sz="2400" dirty="0">
+                <a:latin typeface="Times New Roman" pitchFamily="18" charset="0"/>
+                <a:cs typeface="B Nazanin" panose="00000400000000000000" pitchFamily="2" charset="-78"/>
+              </a:rPr>
+              <a:t> </a:t>
+            </a:r>
+            <a:r>
+              <a:rPr lang="fa-IR" altLang="en-US" sz="2600" dirty="0" err="1">
+                <a:latin typeface="Times New Roman" pitchFamily="18" charset="0"/>
+                <a:cs typeface="B Nazanin" panose="00000400000000000000" pitchFamily="2" charset="-78"/>
+              </a:rPr>
+              <a:t>می‌باشد</a:t>
+            </a:r>
+            <a:r>
+              <a:rPr lang="fa-IR" altLang="en-US" sz="2600" dirty="0">
+                <a:latin typeface="Times New Roman" pitchFamily="18" charset="0"/>
+                <a:cs typeface="B Nazanin" panose="00000400000000000000" pitchFamily="2" charset="-78"/>
+              </a:rPr>
+              <a:t>. لازم به ذکر است که فرکانس کاری مدار </a:t>
+            </a:r>
+            <a:r>
+              <a:rPr lang="en-US" altLang="en-US" sz="2400" dirty="0">
+                <a:latin typeface="Times New Roman" pitchFamily="18" charset="0"/>
+                <a:cs typeface="B Nazanin" panose="00000400000000000000" pitchFamily="2" charset="-78"/>
+              </a:rPr>
+              <a:t>100 MHz</a:t>
+            </a:r>
+            <a:r>
+              <a:rPr lang="fa-IR" altLang="en-US" sz="2400" dirty="0">
+                <a:latin typeface="Times New Roman" pitchFamily="18" charset="0"/>
+                <a:cs typeface="B Nazanin" panose="00000400000000000000" pitchFamily="2" charset="-78"/>
+              </a:rPr>
+              <a:t> </a:t>
+            </a:r>
+            <a:r>
+              <a:rPr lang="fa-IR" altLang="en-US" sz="2600" dirty="0" err="1">
+                <a:latin typeface="Times New Roman" pitchFamily="18" charset="0"/>
+                <a:cs typeface="B Nazanin" panose="00000400000000000000" pitchFamily="2" charset="-78"/>
+              </a:rPr>
+              <a:t>می‌باشد</a:t>
+            </a:r>
+            <a:r>
+              <a:rPr lang="fa-IR" altLang="en-US" sz="2600" dirty="0">
+                <a:latin typeface="Times New Roman" pitchFamily="18" charset="0"/>
+                <a:cs typeface="B Nazanin" panose="00000400000000000000" pitchFamily="2" charset="-78"/>
+              </a:rPr>
+              <a:t>. نتایج بدست آمده نشان </a:t>
+            </a:r>
+            <a:r>
+              <a:rPr lang="fa-IR" altLang="en-US" sz="2600" dirty="0" err="1">
+                <a:latin typeface="Times New Roman" pitchFamily="18" charset="0"/>
+                <a:cs typeface="B Nazanin" panose="00000400000000000000" pitchFamily="2" charset="-78"/>
+              </a:rPr>
+              <a:t>می‌دهد</a:t>
+            </a:r>
+            <a:r>
+              <a:rPr lang="fa-IR" altLang="en-US" sz="2600" dirty="0">
+                <a:latin typeface="Times New Roman" pitchFamily="18" charset="0"/>
+                <a:cs typeface="B Nazanin" panose="00000400000000000000" pitchFamily="2" charset="-78"/>
+              </a:rPr>
+              <a:t> که انجام محاسبات زیاد در لایه های مختلف شبکه‌ به صورت </a:t>
+            </a:r>
+            <a:r>
+              <a:rPr lang="fa-IR" altLang="en-US" sz="2600" dirty="0" err="1">
+                <a:latin typeface="Times New Roman" pitchFamily="18" charset="0"/>
+                <a:cs typeface="B Nazanin" panose="00000400000000000000" pitchFamily="2" charset="-78"/>
+              </a:rPr>
+              <a:t>سخت‌افزاری</a:t>
+            </a:r>
+            <a:r>
+              <a:rPr lang="fa-IR" altLang="en-US" sz="2600" dirty="0">
+                <a:latin typeface="Times New Roman" pitchFamily="18" charset="0"/>
+                <a:cs typeface="B Nazanin" panose="00000400000000000000" pitchFamily="2" charset="-78"/>
+              </a:rPr>
+              <a:t> نسبت به حالت </a:t>
+            </a:r>
+            <a:r>
+              <a:rPr lang="fa-IR" altLang="en-US" sz="2600" dirty="0" err="1">
+                <a:latin typeface="Times New Roman" pitchFamily="18" charset="0"/>
+                <a:cs typeface="B Nazanin" panose="00000400000000000000" pitchFamily="2" charset="-78"/>
+              </a:rPr>
+              <a:t>پیاده‌سازی</a:t>
+            </a:r>
+            <a:r>
+              <a:rPr lang="fa-IR" altLang="en-US" sz="2600" dirty="0">
+                <a:latin typeface="Times New Roman" pitchFamily="18" charset="0"/>
+                <a:cs typeface="B Nazanin" panose="00000400000000000000" pitchFamily="2" charset="-78"/>
+              </a:rPr>
+              <a:t> </a:t>
+            </a:r>
+            <a:r>
+              <a:rPr lang="fa-IR" altLang="en-US" sz="2600" dirty="0" err="1">
+                <a:latin typeface="Times New Roman" pitchFamily="18" charset="0"/>
+                <a:cs typeface="B Nazanin" panose="00000400000000000000" pitchFamily="2" charset="-78"/>
+              </a:rPr>
+              <a:t>نرم‌افزاری</a:t>
+            </a:r>
+            <a:r>
+              <a:rPr lang="fa-IR" altLang="en-US" sz="2600" dirty="0">
+                <a:latin typeface="Times New Roman" pitchFamily="18" charset="0"/>
+                <a:cs typeface="B Nazanin" panose="00000400000000000000" pitchFamily="2" charset="-78"/>
+              </a:rPr>
+              <a:t> سرعت بیشتری دارد. با </a:t>
+            </a:r>
+            <a:r>
+              <a:rPr lang="fa-IR" altLang="en-US" sz="2600" dirty="0" err="1">
+                <a:latin typeface="Times New Roman" pitchFamily="18" charset="0"/>
+                <a:cs typeface="B Nazanin" panose="00000400000000000000" pitchFamily="2" charset="-78"/>
+              </a:rPr>
+              <a:t>پیاده‌سازی</a:t>
+            </a:r>
+            <a:r>
+              <a:rPr lang="fa-IR" altLang="en-US" sz="2600" dirty="0">
+                <a:latin typeface="Times New Roman" pitchFamily="18" charset="0"/>
+                <a:cs typeface="B Nazanin" panose="00000400000000000000" pitchFamily="2" charset="-78"/>
+              </a:rPr>
+              <a:t> شبکه </a:t>
+            </a:r>
+            <a:r>
+              <a:rPr lang="fa-IR" altLang="en-US" sz="2600" dirty="0" err="1">
+                <a:latin typeface="Times New Roman" pitchFamily="18" charset="0"/>
+                <a:cs typeface="B Nazanin" panose="00000400000000000000" pitchFamily="2" charset="-78"/>
+              </a:rPr>
+              <a:t>کانولوشن</a:t>
+            </a:r>
+            <a:r>
+              <a:rPr lang="fa-IR" altLang="en-US" sz="2600" dirty="0">
+                <a:latin typeface="Times New Roman" pitchFamily="18" charset="0"/>
+                <a:cs typeface="B Nazanin" panose="00000400000000000000" pitchFamily="2" charset="-78"/>
+              </a:rPr>
+              <a:t> مدنظر به صورت </a:t>
+            </a:r>
+            <a:r>
+              <a:rPr lang="fa-IR" altLang="en-US" sz="2600" dirty="0" err="1">
+                <a:latin typeface="Times New Roman" pitchFamily="18" charset="0"/>
+                <a:cs typeface="B Nazanin" panose="00000400000000000000" pitchFamily="2" charset="-78"/>
+              </a:rPr>
+              <a:t>سخت‌افزاری</a:t>
+            </a:r>
+            <a:r>
+              <a:rPr lang="fa-IR" altLang="en-US" sz="2600" dirty="0">
+                <a:latin typeface="Times New Roman" pitchFamily="18" charset="0"/>
+                <a:cs typeface="B Nazanin" panose="00000400000000000000" pitchFamily="2" charset="-78"/>
+              </a:rPr>
+              <a:t>، در </a:t>
+            </a:r>
+            <a:r>
+              <a:rPr lang="en-US" altLang="en-US" sz="2400" dirty="0">
+                <a:latin typeface="Times New Roman" pitchFamily="18" charset="0"/>
+                <a:cs typeface="B Nazanin" panose="00000400000000000000" pitchFamily="2" charset="-78"/>
+              </a:rPr>
+              <a:t>PC</a:t>
+            </a:r>
+            <a:r>
+              <a:rPr lang="fa-IR" altLang="en-US" sz="2400" dirty="0">
+                <a:latin typeface="Times New Roman" pitchFamily="18" charset="0"/>
+                <a:cs typeface="B Nazanin" panose="00000400000000000000" pitchFamily="2" charset="-78"/>
+              </a:rPr>
+              <a:t> با مشخصات </a:t>
+            </a:r>
+            <a:r>
+              <a:rPr lang="en-US" altLang="en-US" sz="2400" dirty="0">
+                <a:latin typeface="Times New Roman" pitchFamily="18" charset="0"/>
+                <a:cs typeface="B Nazanin" panose="00000400000000000000" pitchFamily="2" charset="-78"/>
+              </a:rPr>
+              <a:t>Intel Core i7-8750H @ 2.20GHz</a:t>
+            </a:r>
+            <a:r>
+              <a:rPr lang="fa-IR" altLang="en-US" sz="2600" dirty="0">
+                <a:latin typeface="Times New Roman" pitchFamily="18" charset="0"/>
+                <a:cs typeface="B Nazanin" panose="00000400000000000000" pitchFamily="2" charset="-78"/>
+              </a:rPr>
+              <a:t> به اندازه حدود ۷۶ برابر سرعت و در </a:t>
+            </a:r>
+            <a:r>
+              <a:rPr lang="en-US" altLang="en-US" sz="2400" dirty="0">
+                <a:latin typeface="Times New Roman" pitchFamily="18" charset="0"/>
+                <a:cs typeface="B Nazanin" panose="00000400000000000000" pitchFamily="2" charset="-78"/>
+              </a:rPr>
+              <a:t>PL</a:t>
+            </a:r>
+            <a:r>
+              <a:rPr lang="fa-IR" altLang="en-US" sz="2600" dirty="0">
+                <a:latin typeface="Times New Roman" pitchFamily="18" charset="0"/>
+                <a:cs typeface="B Nazanin" panose="00000400000000000000" pitchFamily="2" charset="-78"/>
+              </a:rPr>
+              <a:t> به اندازه حدود ۲۰۰۰ برابر افزایش سرعت خواهیم شد؛ در صورتی که صرفا </a:t>
+            </a:r>
+            <a:r>
+              <a:rPr lang="fa-IR" altLang="en-US" sz="2600" dirty="0" err="1">
+                <a:latin typeface="Times New Roman" pitchFamily="18" charset="0"/>
+                <a:cs typeface="B Nazanin" panose="00000400000000000000" pitchFamily="2" charset="-78"/>
+              </a:rPr>
+              <a:t>لایه‌های</a:t>
+            </a:r>
+            <a:r>
+              <a:rPr lang="fa-IR" altLang="en-US" sz="2600" dirty="0">
+                <a:latin typeface="Times New Roman" pitchFamily="18" charset="0"/>
+                <a:cs typeface="B Nazanin" panose="00000400000000000000" pitchFamily="2" charset="-78"/>
+              </a:rPr>
+              <a:t> </a:t>
+            </a:r>
+            <a:r>
+              <a:rPr lang="en-US" altLang="en-US" sz="2400" dirty="0">
+                <a:latin typeface="Times New Roman" pitchFamily="18" charset="0"/>
+                <a:cs typeface="B Nazanin" panose="00000400000000000000" pitchFamily="2" charset="-78"/>
+              </a:rPr>
+              <a:t>Convolution</a:t>
+            </a:r>
+            <a:r>
+              <a:rPr lang="fa-IR" altLang="en-US" sz="2600" dirty="0">
+                <a:latin typeface="Times New Roman" pitchFamily="18" charset="0"/>
+                <a:cs typeface="B Nazanin" panose="00000400000000000000" pitchFamily="2" charset="-78"/>
+              </a:rPr>
+              <a:t> را به صورت </a:t>
+            </a:r>
+            <a:r>
+              <a:rPr lang="fa-IR" altLang="en-US" sz="2600" dirty="0" err="1">
+                <a:latin typeface="Times New Roman" pitchFamily="18" charset="0"/>
+                <a:cs typeface="B Nazanin" panose="00000400000000000000" pitchFamily="2" charset="-78"/>
+              </a:rPr>
+              <a:t>سخت‌افزاری</a:t>
+            </a:r>
+            <a:r>
+              <a:rPr lang="fa-IR" altLang="en-US" sz="2600" dirty="0">
+                <a:latin typeface="Times New Roman" pitchFamily="18" charset="0"/>
+                <a:cs typeface="B Nazanin" panose="00000400000000000000" pitchFamily="2" charset="-78"/>
+              </a:rPr>
+              <a:t> </a:t>
+            </a:r>
+            <a:r>
+              <a:rPr lang="fa-IR" altLang="en-US" sz="2600" dirty="0" err="1">
+                <a:latin typeface="Times New Roman" pitchFamily="18" charset="0"/>
+                <a:cs typeface="B Nazanin" panose="00000400000000000000" pitchFamily="2" charset="-78"/>
+              </a:rPr>
+              <a:t>پیاده‌سازی</a:t>
+            </a:r>
+            <a:r>
+              <a:rPr lang="fa-IR" altLang="en-US" sz="2600" dirty="0">
+                <a:latin typeface="Times New Roman" pitchFamily="18" charset="0"/>
+                <a:cs typeface="B Nazanin" panose="00000400000000000000" pitchFamily="2" charset="-78"/>
+              </a:rPr>
+              <a:t> کنیم، در </a:t>
+            </a:r>
+            <a:r>
+              <a:rPr lang="en-US" altLang="en-US" sz="2400" dirty="0">
+                <a:latin typeface="Times New Roman" pitchFamily="18" charset="0"/>
+                <a:cs typeface="B Nazanin" panose="00000400000000000000" pitchFamily="2" charset="-78"/>
+              </a:rPr>
+              <a:t>PC</a:t>
+            </a:r>
+            <a:r>
+              <a:rPr lang="fa-IR" altLang="en-US" sz="2600" dirty="0">
+                <a:latin typeface="Times New Roman" pitchFamily="18" charset="0"/>
+                <a:cs typeface="B Nazanin" panose="00000400000000000000" pitchFamily="2" charset="-78"/>
+              </a:rPr>
+              <a:t> به اندازه ۴۰ برابر و در </a:t>
+            </a:r>
+            <a:r>
+              <a:rPr lang="en-US" altLang="en-US" sz="2400" dirty="0">
+                <a:latin typeface="Times New Roman" pitchFamily="18" charset="0"/>
+                <a:cs typeface="B Nazanin" panose="00000400000000000000" pitchFamily="2" charset="-78"/>
+              </a:rPr>
+              <a:t>PS</a:t>
+            </a:r>
+            <a:r>
+              <a:rPr lang="fa-IR" altLang="en-US" sz="2600" dirty="0">
+                <a:latin typeface="Times New Roman" pitchFamily="18" charset="0"/>
+                <a:cs typeface="B Nazanin" panose="00000400000000000000" pitchFamily="2" charset="-78"/>
+              </a:rPr>
+              <a:t> به اندازه ۸۶ برابر بهبود سرعت خواهیم داشت.</a:t>
+            </a:r>
+          </a:p>
+          <a:p>
+            <a:pPr algn="just" rtl="1"/>
+            <a:r>
+              <a:rPr lang="fa-IR" altLang="en-US" sz="2600" dirty="0">
+                <a:latin typeface="Times New Roman" pitchFamily="18" charset="0"/>
+                <a:cs typeface="B Nazanin" panose="00000400000000000000" pitchFamily="2" charset="-78"/>
+              </a:rPr>
+              <a:t>در مجموع تمامی </a:t>
+            </a:r>
+            <a:r>
+              <a:rPr lang="fa-IR" altLang="en-US" sz="2600" dirty="0" err="1">
+                <a:latin typeface="Times New Roman" pitchFamily="18" charset="0"/>
+                <a:cs typeface="B Nazanin" panose="00000400000000000000" pitchFamily="2" charset="-78"/>
+              </a:rPr>
+              <a:t>زمان‌های</a:t>
+            </a:r>
+            <a:r>
+              <a:rPr lang="fa-IR" altLang="en-US" sz="2600" dirty="0">
+                <a:latin typeface="Times New Roman" pitchFamily="18" charset="0"/>
+                <a:cs typeface="B Nazanin" panose="00000400000000000000" pitchFamily="2" charset="-78"/>
+              </a:rPr>
+              <a:t> اجرایی به شرح زیر است:</a:t>
+            </a:r>
+            <a:endParaRPr lang="en-US" altLang="en-US" sz="2600" dirty="0">
+              <a:latin typeface="Times New Roman" pitchFamily="18" charset="0"/>
+              <a:cs typeface="B Nazanin" panose="00000400000000000000" pitchFamily="2" charset="-78"/>
+            </a:endParaRPr>
+          </a:p>
+          <a:p>
+            <a:pPr algn="just" rtl="1"/>
+            <a:endParaRPr lang="fa-IR" altLang="en-US" sz="2600" dirty="0">
+              <a:latin typeface="Times New Roman" pitchFamily="18" charset="0"/>
+              <a:cs typeface="B Nazanin" panose="00000400000000000000" pitchFamily="2" charset="-78"/>
+            </a:endParaRPr>
+          </a:p>
+          <a:p>
+            <a:pPr marL="457200" indent="-457200" algn="just" rtl="1">
+              <a:buFont typeface="Arial" panose="020B0604020202020204" pitchFamily="34" charset="0"/>
+              <a:buChar char="•"/>
+            </a:pPr>
+            <a:r>
+              <a:rPr lang="fa-IR" altLang="en-US" sz="2600" dirty="0">
+                <a:latin typeface="Times New Roman" pitchFamily="18" charset="0"/>
+                <a:cs typeface="B Nazanin" panose="00000400000000000000" pitchFamily="2" charset="-78"/>
+              </a:rPr>
+              <a:t>کاملا </a:t>
+            </a:r>
+            <a:r>
+              <a:rPr lang="fa-IR" altLang="en-US" sz="2600" dirty="0" err="1">
+                <a:latin typeface="Times New Roman" pitchFamily="18" charset="0"/>
+                <a:cs typeface="B Nazanin" panose="00000400000000000000" pitchFamily="2" charset="-78"/>
+              </a:rPr>
+              <a:t>نرم‌افزاری</a:t>
+            </a:r>
+            <a:r>
+              <a:rPr lang="fa-IR" altLang="en-US" sz="2600" dirty="0">
+                <a:latin typeface="Times New Roman" pitchFamily="18" charset="0"/>
+                <a:cs typeface="B Nazanin" panose="00000400000000000000" pitchFamily="2" charset="-78"/>
+              </a:rPr>
+              <a:t> بر</a:t>
+            </a:r>
+            <a:r>
+              <a:rPr lang="en-US" altLang="en-US" sz="2600" dirty="0">
+                <a:latin typeface="Times New Roman" pitchFamily="18" charset="0"/>
+                <a:cs typeface="B Nazanin" panose="00000400000000000000" pitchFamily="2" charset="-78"/>
+              </a:rPr>
+              <a:t> </a:t>
+            </a:r>
+            <a:r>
+              <a:rPr lang="fa-IR" altLang="en-US" sz="2600" dirty="0">
+                <a:latin typeface="Times New Roman" pitchFamily="18" charset="0"/>
+                <a:cs typeface="B Nazanin" panose="00000400000000000000" pitchFamily="2" charset="-78"/>
+              </a:rPr>
+              <a:t>روی </a:t>
+            </a:r>
+            <a:r>
+              <a:rPr lang="en-US" altLang="en-US" sz="2400" dirty="0">
+                <a:latin typeface="Times New Roman" pitchFamily="18" charset="0"/>
+                <a:cs typeface="B Nazanin" panose="00000400000000000000" pitchFamily="2" charset="-78"/>
+              </a:rPr>
+              <a:t>PC</a:t>
+            </a:r>
+            <a:r>
+              <a:rPr lang="fa-IR" altLang="en-US" sz="2600" dirty="0">
+                <a:latin typeface="Times New Roman" pitchFamily="18" charset="0"/>
+                <a:cs typeface="B Nazanin" panose="00000400000000000000" pitchFamily="2" charset="-78"/>
+              </a:rPr>
+              <a:t>:‌      </a:t>
+            </a:r>
+            <a:r>
+              <a:rPr lang="en-US" altLang="en-US" sz="2400" dirty="0">
+                <a:latin typeface="Times New Roman" pitchFamily="18" charset="0"/>
+                <a:cs typeface="B Nazanin" panose="00000400000000000000" pitchFamily="2" charset="-78"/>
+              </a:rPr>
+              <a:t>1940.8973</a:t>
+            </a:r>
+            <a:r>
+              <a:rPr lang="fa-IR" altLang="en-US" sz="2600" dirty="0">
+                <a:latin typeface="Times New Roman" pitchFamily="18" charset="0"/>
+                <a:cs typeface="B Nazanin" panose="00000400000000000000" pitchFamily="2" charset="-78"/>
+              </a:rPr>
+              <a:t> </a:t>
+            </a:r>
+            <a:r>
+              <a:rPr lang="fa-IR" altLang="en-US" sz="2600" dirty="0" err="1">
+                <a:latin typeface="Times New Roman" pitchFamily="18" charset="0"/>
+                <a:cs typeface="B Nazanin" panose="00000400000000000000" pitchFamily="2" charset="-78"/>
+              </a:rPr>
+              <a:t>میلی‌ثانیه</a:t>
+            </a:r>
+            <a:endParaRPr lang="fa-IR" altLang="en-US" sz="2600" dirty="0">
+              <a:latin typeface="Times New Roman" pitchFamily="18" charset="0"/>
+              <a:cs typeface="B Nazanin" panose="00000400000000000000" pitchFamily="2" charset="-78"/>
+            </a:endParaRPr>
+          </a:p>
+          <a:p>
+            <a:pPr marL="457200" indent="-457200" algn="just" rtl="1">
+              <a:buFont typeface="Arial" panose="020B0604020202020204" pitchFamily="34" charset="0"/>
+              <a:buChar char="•"/>
+            </a:pPr>
+            <a:r>
+              <a:rPr lang="fa-IR" altLang="en-US" sz="2600" dirty="0">
+                <a:latin typeface="Times New Roman" pitchFamily="18" charset="0"/>
+                <a:cs typeface="B Nazanin" panose="00000400000000000000" pitchFamily="2" charset="-78"/>
+              </a:rPr>
+              <a:t>کاملا </a:t>
+            </a:r>
+            <a:r>
+              <a:rPr lang="fa-IR" altLang="en-US" sz="2600" dirty="0" err="1">
+                <a:latin typeface="Times New Roman" pitchFamily="18" charset="0"/>
+                <a:cs typeface="B Nazanin" panose="00000400000000000000" pitchFamily="2" charset="-78"/>
+              </a:rPr>
+              <a:t>نرم‌افزاری</a:t>
+            </a:r>
+            <a:r>
+              <a:rPr lang="fa-IR" altLang="en-US" sz="2600" dirty="0">
+                <a:latin typeface="Times New Roman" pitchFamily="18" charset="0"/>
+                <a:cs typeface="B Nazanin" panose="00000400000000000000" pitchFamily="2" charset="-78"/>
+              </a:rPr>
+              <a:t> بر روی </a:t>
+            </a:r>
+            <a:r>
+              <a:rPr lang="en-US" altLang="en-US" sz="2400" dirty="0">
+                <a:latin typeface="Times New Roman" pitchFamily="18" charset="0"/>
+                <a:cs typeface="B Nazanin" panose="00000400000000000000" pitchFamily="2" charset="-78"/>
+              </a:rPr>
+              <a:t>PS</a:t>
+            </a:r>
+            <a:r>
+              <a:rPr lang="fa-IR" altLang="en-US" sz="2600" dirty="0">
+                <a:latin typeface="Times New Roman" pitchFamily="18" charset="0"/>
+                <a:cs typeface="B Nazanin" panose="00000400000000000000" pitchFamily="2" charset="-78"/>
+              </a:rPr>
+              <a:t>:     </a:t>
+            </a:r>
+            <a:r>
+              <a:rPr lang="fa-IR" altLang="en-US" sz="1600" dirty="0">
+                <a:latin typeface="Times New Roman" pitchFamily="18" charset="0"/>
+                <a:cs typeface="B Nazanin" panose="00000400000000000000" pitchFamily="2" charset="-78"/>
+              </a:rPr>
+              <a:t> </a:t>
+            </a:r>
+            <a:r>
+              <a:rPr lang="fa-IR" altLang="en-US" sz="2600" dirty="0">
+                <a:latin typeface="Times New Roman" pitchFamily="18" charset="0"/>
+                <a:cs typeface="B Nazanin" panose="00000400000000000000" pitchFamily="2" charset="-78"/>
+              </a:rPr>
+              <a:t> </a:t>
+            </a:r>
+            <a:r>
+              <a:rPr lang="en-US" altLang="en-US" sz="2400" dirty="0">
+                <a:latin typeface="Times New Roman" pitchFamily="18" charset="0"/>
+                <a:cs typeface="B Nazanin" panose="00000400000000000000" pitchFamily="2" charset="-78"/>
+              </a:rPr>
+              <a:t>51.129</a:t>
+            </a:r>
+            <a:r>
+              <a:rPr lang="fa-IR" altLang="en-US" sz="2600" dirty="0">
+                <a:latin typeface="Times New Roman" pitchFamily="18" charset="0"/>
+                <a:cs typeface="B Nazanin" panose="00000400000000000000" pitchFamily="2" charset="-78"/>
+              </a:rPr>
+              <a:t>      ثانیه</a:t>
+            </a:r>
+          </a:p>
+          <a:p>
+            <a:pPr marL="457200" indent="-457200" algn="just" rtl="1">
+              <a:buFont typeface="Arial" panose="020B0604020202020204" pitchFamily="34" charset="0"/>
+              <a:buChar char="•"/>
+            </a:pPr>
+            <a:r>
+              <a:rPr lang="fa-IR" altLang="en-US" sz="2600" dirty="0">
+                <a:latin typeface="Times New Roman" pitchFamily="18" charset="0"/>
+                <a:cs typeface="B Nazanin" panose="00000400000000000000" pitchFamily="2" charset="-78"/>
+              </a:rPr>
+              <a:t>کاملا </a:t>
+            </a:r>
+            <a:r>
+              <a:rPr lang="fa-IR" altLang="en-US" sz="2600" dirty="0" err="1">
+                <a:latin typeface="Times New Roman" pitchFamily="18" charset="0"/>
+                <a:cs typeface="B Nazanin" panose="00000400000000000000" pitchFamily="2" charset="-78"/>
+              </a:rPr>
+              <a:t>سخت‌افزاری</a:t>
+            </a:r>
+            <a:r>
+              <a:rPr lang="fa-IR" altLang="en-US" sz="2600" dirty="0">
+                <a:latin typeface="Times New Roman" pitchFamily="18" charset="0"/>
+                <a:cs typeface="B Nazanin" panose="00000400000000000000" pitchFamily="2" charset="-78"/>
+              </a:rPr>
+              <a:t> بر روی </a:t>
+            </a:r>
+            <a:r>
+              <a:rPr lang="en-US" altLang="en-US" sz="2400" dirty="0">
+                <a:latin typeface="Times New Roman" pitchFamily="18" charset="0"/>
+                <a:cs typeface="B Nazanin" panose="00000400000000000000" pitchFamily="2" charset="-78"/>
+              </a:rPr>
+              <a:t>PL</a:t>
+            </a:r>
+            <a:r>
+              <a:rPr lang="fa-IR" altLang="en-US" sz="2800" dirty="0">
+                <a:latin typeface="Times New Roman" pitchFamily="18" charset="0"/>
+                <a:cs typeface="B Nazanin" panose="00000400000000000000" pitchFamily="2" charset="-78"/>
+              </a:rPr>
+              <a:t>:</a:t>
+            </a:r>
+            <a:r>
+              <a:rPr lang="fa-IR" altLang="en-US" sz="2600" dirty="0">
+                <a:latin typeface="Times New Roman" pitchFamily="18" charset="0"/>
+                <a:cs typeface="B Nazanin" panose="00000400000000000000" pitchFamily="2" charset="-78"/>
+              </a:rPr>
+              <a:t>   </a:t>
+            </a:r>
+            <a:r>
+              <a:rPr lang="en-US" altLang="en-US" sz="2400" dirty="0">
+                <a:latin typeface="Times New Roman" pitchFamily="18" charset="0"/>
+                <a:cs typeface="B Nazanin" panose="00000400000000000000" pitchFamily="2" charset="-78"/>
+              </a:rPr>
+              <a:t>25.65</a:t>
+            </a:r>
+            <a:r>
+              <a:rPr lang="fa-IR" altLang="en-US" sz="2600" dirty="0">
+                <a:latin typeface="Times New Roman" pitchFamily="18" charset="0"/>
+                <a:cs typeface="B Nazanin" panose="00000400000000000000" pitchFamily="2" charset="-78"/>
+              </a:rPr>
+              <a:t>        </a:t>
+            </a:r>
+            <a:r>
+              <a:rPr lang="fa-IR" altLang="en-US" sz="2600" dirty="0" err="1">
+                <a:latin typeface="Times New Roman" pitchFamily="18" charset="0"/>
+                <a:cs typeface="B Nazanin" panose="00000400000000000000" pitchFamily="2" charset="-78"/>
+              </a:rPr>
+              <a:t>میلی‌ثانیه</a:t>
+            </a:r>
+            <a:endParaRPr lang="fa-IR" altLang="en-US" sz="2600" dirty="0">
+              <a:latin typeface="Times New Roman" pitchFamily="18" charset="0"/>
+              <a:cs typeface="B Nazanin" panose="00000400000000000000" pitchFamily="2" charset="-78"/>
+            </a:endParaRPr>
+          </a:p>
+        </p:txBody>
+      </p:sp>
     </p:spTree>
   </p:cSld>
   <p:clrMapOvr>

--- a/Docs/Poster.pptx
+++ b/Docs/Poster.pptx
@@ -2729,7 +2729,7 @@
           <a:graphicData uri="http://schemas.openxmlformats.org/presentationml/2006/ole">
             <mc:AlternateContent xmlns:mc="http://schemas.openxmlformats.org/markup-compatibility/2006">
               <mc:Choice xmlns:v="urn:schemas-microsoft-com:vml" Requires="v">
-                <p:oleObj spid="_x0000_s1090" name="CorelDRAW" r:id="rId15" imgW="8833104" imgH="310896" progId="CorelDraw.Graphic.15">
+                <p:oleObj spid="_x0000_s1093" name="CorelDRAW" r:id="rId15" imgW="8833104" imgH="310896" progId="CorelDraw.Graphic.15">
                   <p:embed/>
                 </p:oleObj>
               </mc:Choice>
@@ -4459,7 +4459,7 @@
         <p:spPr bwMode="auto">
           <a:xfrm>
             <a:off x="803272" y="795369"/>
-            <a:ext cx="19753745" cy="4001388"/>
+            <a:ext cx="19753745" cy="4109110"/>
           </a:xfrm>
           <a:prstGeom prst="rect">
             <a:avLst/>
@@ -4607,34 +4607,71 @@
               </a:spcBef>
             </a:pPr>
             <a:r>
-              <a:rPr lang="fa-IR" altLang="en-US" sz="8000" b="1" dirty="0">
+              <a:rPr lang="fa-IR" altLang="en-US" sz="6000" b="1" dirty="0" err="1">
                 <a:cs typeface="B Titr" panose="00000700000000000000" pitchFamily="2" charset="-78"/>
               </a:rPr>
-              <a:t>عنوان</a:t>
-            </a:r>
-            <a:r>
-              <a:rPr lang="en-US" altLang="en-US" sz="8000" b="1" dirty="0">
+              <a:t>پیاده‌سازی</a:t>
+            </a:r>
+            <a:r>
+              <a:rPr lang="fa-IR" altLang="en-US" sz="6000" b="1" dirty="0">
                 <a:cs typeface="B Titr" panose="00000700000000000000" pitchFamily="2" charset="-78"/>
               </a:rPr>
               <a:t> </a:t>
             </a:r>
             <a:r>
-              <a:rPr lang="fa-IR" altLang="en-US" sz="8000" b="1" dirty="0">
+              <a:rPr lang="fa-IR" altLang="en-US" sz="6000" b="1" dirty="0" err="1">
                 <a:cs typeface="B Titr" panose="00000700000000000000" pitchFamily="2" charset="-78"/>
               </a:rPr>
-              <a:t>پروژه</a:t>
-            </a:r>
-            <a:endParaRPr lang="en-US" altLang="en-US" sz="7200" b="1" dirty="0"/>
-          </a:p>
-          <a:p>
-            <a:pPr rtl="1" eaLnBrk="1" hangingPunct="1">
-              <a:spcBef>
-                <a:spcPts val="0"/>
-              </a:spcBef>
-              <a:spcAft>
-                <a:spcPts val="600"/>
-              </a:spcAft>
-            </a:pPr>
+              <a:t>سخت‌افزاری</a:t>
+            </a:r>
+            <a:r>
+              <a:rPr lang="fa-IR" altLang="en-US" sz="6000" b="1" dirty="0">
+                <a:cs typeface="B Titr" panose="00000700000000000000" pitchFamily="2" charset="-78"/>
+              </a:rPr>
+              <a:t> </a:t>
+            </a:r>
+            <a:r>
+              <a:rPr lang="fa-IR" altLang="en-US" sz="6000" b="1" dirty="0" err="1">
+                <a:cs typeface="B Titr" panose="00000700000000000000" pitchFamily="2" charset="-78"/>
+              </a:rPr>
+              <a:t>الگوریتم</a:t>
+            </a:r>
+            <a:r>
+              <a:rPr lang="fa-IR" altLang="en-US" sz="6000" b="1" dirty="0">
+                <a:cs typeface="B Titr" panose="00000700000000000000" pitchFamily="2" charset="-78"/>
+              </a:rPr>
+              <a:t> شبکه عصبی برای تشخیص تصویر </a:t>
+            </a:r>
+            <a:r>
+              <a:rPr lang="fa-IR" altLang="en-US" sz="6000" b="1" dirty="0" err="1">
+                <a:cs typeface="B Titr" panose="00000700000000000000" pitchFamily="2" charset="-78"/>
+              </a:rPr>
+              <a:t>مجموعه‌داده</a:t>
+            </a:r>
+            <a:r>
+              <a:rPr lang="fa-IR" altLang="en-US" sz="6000" b="1" dirty="0">
+                <a:cs typeface="B Titr" panose="00000700000000000000" pitchFamily="2" charset="-78"/>
+              </a:rPr>
+              <a:t> </a:t>
+            </a:r>
+            <a:r>
+              <a:rPr lang="en-US" altLang="en-US" sz="5400" b="1" dirty="0">
+                <a:cs typeface="B Titr" panose="00000700000000000000" pitchFamily="2" charset="-78"/>
+              </a:rPr>
+              <a:t>MNIST</a:t>
+            </a:r>
+            <a:r>
+              <a:rPr lang="fa-IR" altLang="en-US" sz="6000" b="1" dirty="0">
+                <a:cs typeface="B Titr" panose="00000700000000000000" pitchFamily="2" charset="-78"/>
+              </a:rPr>
+              <a:t> بر روی </a:t>
+            </a:r>
+            <a:r>
+              <a:rPr lang="en-US" altLang="en-US" sz="5400" b="1" dirty="0">
+                <a:cs typeface="B Titr" panose="00000700000000000000" pitchFamily="2" charset="-78"/>
+              </a:rPr>
+              <a:t>FPGA</a:t>
+            </a:r>
             <a:endParaRPr lang="fa-IR" altLang="en-US" sz="2000" b="1" dirty="0">
               <a:cs typeface="B Titr" panose="00000700000000000000" pitchFamily="2" charset="-78"/>
             </a:endParaRPr>
